--- a/Documentation/3.7 and 3.8 Documentation Samuel Burgess.pptx
+++ b/Documentation/3.7 and 3.8 Documentation Samuel Burgess.pptx
@@ -5,24 +5,22 @@
     <p:sldMasterId id="2147483648" r:id="rId4"/>
   </p:sldMasterIdLst>
   <p:notesMasterIdLst>
-    <p:notesMasterId r:id="rId20"/>
+    <p:notesMasterId r:id="rId18"/>
   </p:notesMasterIdLst>
   <p:sldIdLst>
     <p:sldId id="256" r:id="rId5"/>
     <p:sldId id="277" r:id="rId6"/>
-    <p:sldId id="267" r:id="rId7"/>
-    <p:sldId id="259" r:id="rId8"/>
-    <p:sldId id="260" r:id="rId9"/>
-    <p:sldId id="272" r:id="rId10"/>
-    <p:sldId id="271" r:id="rId11"/>
-    <p:sldId id="262" r:id="rId12"/>
-    <p:sldId id="273" r:id="rId13"/>
-    <p:sldId id="274" r:id="rId14"/>
-    <p:sldId id="276" r:id="rId15"/>
-    <p:sldId id="263" r:id="rId16"/>
-    <p:sldId id="264" r:id="rId17"/>
-    <p:sldId id="275" r:id="rId18"/>
-    <p:sldId id="265" r:id="rId19"/>
+    <p:sldId id="259" r:id="rId7"/>
+    <p:sldId id="272" r:id="rId8"/>
+    <p:sldId id="271" r:id="rId9"/>
+    <p:sldId id="262" r:id="rId10"/>
+    <p:sldId id="273" r:id="rId11"/>
+    <p:sldId id="274" r:id="rId12"/>
+    <p:sldId id="276" r:id="rId13"/>
+    <p:sldId id="263" r:id="rId14"/>
+    <p:sldId id="264" r:id="rId15"/>
+    <p:sldId id="275" r:id="rId16"/>
+    <p:sldId id="265" r:id="rId17"/>
   </p:sldIdLst>
   <p:sldSz cx="12192000" cy="6858000"/>
   <p:notesSz cx="6858000" cy="9144000"/>
@@ -141,6 +139,30 @@
 <file path=ppt/changesInfos/changesInfo1.xml><?xml version="1.0" encoding="utf-8"?>
 <pc:chgInfo xmlns:a="http://schemas.openxmlformats.org/drawingml/2006/main" xmlns:r="http://schemas.openxmlformats.org/officeDocument/2006/relationships" xmlns:ac="http://schemas.microsoft.com/office/drawing/2013/main/command" xmlns:pc="http://schemas.microsoft.com/office/powerpoint/2013/main/command">
   <pc:docChgLst>
+    <pc:chgData name="Patrick Baker" userId="dbad0e87-82bb-43bf-9a70-a6d8fad31ef1" providerId="ADAL" clId="{C82FCFA8-26CF-4B8D-A10B-B69B44208DB2}"/>
+    <pc:docChg chg="custSel modSld">
+      <pc:chgData name="Patrick Baker" userId="dbad0e87-82bb-43bf-9a70-a6d8fad31ef1" providerId="ADAL" clId="{C82FCFA8-26CF-4B8D-A10B-B69B44208DB2}" dt="2021-02-13T23:20:46.943" v="8" actId="27636"/>
+      <pc:docMkLst>
+        <pc:docMk/>
+      </pc:docMkLst>
+      <pc:sldChg chg="modSp mod modNotesTx">
+        <pc:chgData name="Patrick Baker" userId="dbad0e87-82bb-43bf-9a70-a6d8fad31ef1" providerId="ADAL" clId="{C82FCFA8-26CF-4B8D-A10B-B69B44208DB2}" dt="2021-02-13T23:20:46.943" v="8" actId="27636"/>
+        <pc:sldMkLst>
+          <pc:docMk/>
+          <pc:sldMk cId="1362934084" sldId="256"/>
+        </pc:sldMkLst>
+        <pc:spChg chg="mod">
+          <ac:chgData name="Patrick Baker" userId="dbad0e87-82bb-43bf-9a70-a6d8fad31ef1" providerId="ADAL" clId="{C82FCFA8-26CF-4B8D-A10B-B69B44208DB2}" dt="2021-02-13T23:20:46.943" v="8" actId="27636"/>
+          <ac:spMkLst>
+            <pc:docMk/>
+            <pc:sldMk cId="1362934084" sldId="256"/>
+            <ac:spMk id="2" creationId="{A96C2811-5704-42C1-869B-16E29CB6572E}"/>
+          </ac:spMkLst>
+        </pc:spChg>
+      </pc:sldChg>
+    </pc:docChg>
+  </pc:docChgLst>
+  <pc:docChgLst>
     <pc:chgData name="Samuel Burgess" userId="S::burgesss@middleton.school.nz::875ce21e-2db9-4c64-8a73-adac5c404a46" providerId="AD" clId="Web-{6E3B194D-42A7-4E5C-999D-8F0CCAC92BAF}"/>
     <pc:docChg chg="modSld">
       <pc:chgData name="Samuel Burgess" userId="S::burgesss@middleton.school.nz::875ce21e-2db9-4c64-8a73-adac5c404a46" providerId="AD" clId="Web-{6E3B194D-42A7-4E5C-999D-8F0CCAC92BAF}" dt="2024-05-07T22:02:33.127" v="5" actId="20577"/>
@@ -176,46 +198,6 @@
         <pc:sldMkLst>
           <pc:docMk/>
           <pc:sldMk cId="3838895173" sldId="258"/>
-        </pc:sldMkLst>
-      </pc:sldChg>
-    </pc:docChg>
-  </pc:docChgLst>
-  <pc:docChgLst>
-    <pc:chgData name="Patrick Baker" userId="dbad0e87-82bb-43bf-9a70-a6d8fad31ef1" providerId="ADAL" clId="{C82FCFA8-26CF-4B8D-A10B-B69B44208DB2}"/>
-    <pc:docChg chg="custSel modSld">
-      <pc:chgData name="Patrick Baker" userId="dbad0e87-82bb-43bf-9a70-a6d8fad31ef1" providerId="ADAL" clId="{C82FCFA8-26CF-4B8D-A10B-B69B44208DB2}" dt="2021-02-13T23:20:46.943" v="8" actId="27636"/>
-      <pc:docMkLst>
-        <pc:docMk/>
-      </pc:docMkLst>
-      <pc:sldChg chg="modSp mod modNotesTx">
-        <pc:chgData name="Patrick Baker" userId="dbad0e87-82bb-43bf-9a70-a6d8fad31ef1" providerId="ADAL" clId="{C82FCFA8-26CF-4B8D-A10B-B69B44208DB2}" dt="2021-02-13T23:20:46.943" v="8" actId="27636"/>
-        <pc:sldMkLst>
-          <pc:docMk/>
-          <pc:sldMk cId="1362934084" sldId="256"/>
-        </pc:sldMkLst>
-        <pc:spChg chg="mod">
-          <ac:chgData name="Patrick Baker" userId="dbad0e87-82bb-43bf-9a70-a6d8fad31ef1" providerId="ADAL" clId="{C82FCFA8-26CF-4B8D-A10B-B69B44208DB2}" dt="2021-02-13T23:20:46.943" v="8" actId="27636"/>
-          <ac:spMkLst>
-            <pc:docMk/>
-            <pc:sldMk cId="1362934084" sldId="256"/>
-            <ac:spMk id="2" creationId="{A96C2811-5704-42C1-869B-16E29CB6572E}"/>
-          </ac:spMkLst>
-        </pc:spChg>
-      </pc:sldChg>
-    </pc:docChg>
-  </pc:docChgLst>
-  <pc:docChgLst>
-    <pc:chgData name="Patrick Baker" userId="dbad0e87-82bb-43bf-9a70-a6d8fad31ef1" providerId="ADAL" clId="{7D8F8EE7-E92D-4C89-905A-9A2ACB7D2A64}"/>
-    <pc:docChg chg="addSld modSld">
-      <pc:chgData name="Patrick Baker" userId="dbad0e87-82bb-43bf-9a70-a6d8fad31ef1" providerId="ADAL" clId="{7D8F8EE7-E92D-4C89-905A-9A2ACB7D2A64}" dt="2021-11-12T21:38:41.727" v="0"/>
-      <pc:docMkLst>
-        <pc:docMk/>
-      </pc:docMkLst>
-      <pc:sldChg chg="add">
-        <pc:chgData name="Patrick Baker" userId="dbad0e87-82bb-43bf-9a70-a6d8fad31ef1" providerId="ADAL" clId="{7D8F8EE7-E92D-4C89-905A-9A2ACB7D2A64}" dt="2021-11-12T21:38:41.727" v="0"/>
-        <pc:sldMkLst>
-          <pc:docMk/>
-          <pc:sldMk cId="1393068817" sldId="277"/>
         </pc:sldMkLst>
       </pc:sldChg>
     </pc:docChg>
@@ -624,6 +606,22 @@
       </pc:sldMasterChg>
     </pc:docChg>
   </pc:docChgLst>
+  <pc:docChgLst>
+    <pc:chgData name="Patrick Baker" userId="dbad0e87-82bb-43bf-9a70-a6d8fad31ef1" providerId="ADAL" clId="{7D8F8EE7-E92D-4C89-905A-9A2ACB7D2A64}"/>
+    <pc:docChg chg="addSld modSld">
+      <pc:chgData name="Patrick Baker" userId="dbad0e87-82bb-43bf-9a70-a6d8fad31ef1" providerId="ADAL" clId="{7D8F8EE7-E92D-4C89-905A-9A2ACB7D2A64}" dt="2021-11-12T21:38:41.727" v="0"/>
+      <pc:docMkLst>
+        <pc:docMk/>
+      </pc:docMkLst>
+      <pc:sldChg chg="add">
+        <pc:chgData name="Patrick Baker" userId="dbad0e87-82bb-43bf-9a70-a6d8fad31ef1" providerId="ADAL" clId="{7D8F8EE7-E92D-4C89-905A-9A2ACB7D2A64}" dt="2021-11-12T21:38:41.727" v="0"/>
+        <pc:sldMkLst>
+          <pc:docMk/>
+          <pc:sldMk cId="1393068817" sldId="277"/>
+        </pc:sldMkLst>
+      </pc:sldChg>
+    </pc:docChg>
+  </pc:docChgLst>
 </pc:chgInfo>
 </file>
 
@@ -709,7 +707,7 @@
           <a:p>
             <a:fld id="{F37D28C0-BEB6-42B0-A203-EEE1023219C4}" type="datetimeFigureOut">
               <a:rPr lang="en-NZ" smtClean="0"/>
-              <a:t>8/05/2024</a:t>
+              <a:t>7/06/2024</a:t>
             </a:fld>
             <a:endParaRPr lang="en-NZ"/>
           </a:p>
@@ -1123,12 +1121,12 @@
               <a:buNone/>
             </a:pPr>
             <a:r>
-              <a:rPr lang="en-NZ" sz="1200" dirty="0">
+              <a:rPr lang="en-NZ" sz="1200" i="1" dirty="0">
                 <a:solidFill>
                   <a:schemeClr val="dk2"/>
                 </a:solidFill>
               </a:rPr>
-              <a:t>Assemble your components into a working program.  On the slides that follow, please provide a test plan and evidence that your program works as expected.</a:t>
+              <a:t>Use this slide to provide a test plan for your complete program.  You may wish to create multiple slides so that you can test for expected, boundary and unexpected cases.  </a:t>
             </a:r>
           </a:p>
           <a:p>
@@ -1146,7 +1144,7 @@
               <a:buFont typeface="Arial"/>
               <a:buNone/>
             </a:pPr>
-            <a:endParaRPr lang="en-NZ" sz="1200" dirty="0">
+            <a:endParaRPr lang="en-NZ" sz="1200" i="1" dirty="0">
               <a:solidFill>
                 <a:schemeClr val="dk2"/>
               </a:solidFill>
@@ -1168,12 +1166,12 @@
               <a:buNone/>
             </a:pPr>
             <a:r>
-              <a:rPr lang="en-NZ" sz="1200" dirty="0">
+              <a:rPr lang="en-NZ" sz="1200" i="1" dirty="0">
                 <a:solidFill>
                   <a:schemeClr val="dk2"/>
                 </a:solidFill>
               </a:rPr>
-              <a:t>If you are going for M / E, you also need to create extra slides showing how you have used your testing to improve the functionality of your program.  This could mean having multiple test plans (and screenshots) showing several iterations of the assembled program.</a:t>
+              <a:t>Remember to test ALL logical pathways so that you can ensure your program works correctly.</a:t>
             </a:r>
           </a:p>
           <a:p>
@@ -1198,7 +1196,7 @@
           <a:p>
             <a:fld id="{D89B2B17-F4B1-4A14-AF99-5A366D45E74A}" type="slidenum">
               <a:rPr lang="en-NZ" smtClean="0"/>
-              <a:t>12</a:t>
+              <a:t>11</a:t>
             </a:fld>
             <a:endParaRPr lang="en-NZ"/>
           </a:p>
@@ -1207,7 +1205,7 @@
     </p:spTree>
     <p:extLst>
       <p:ext uri="{BB962C8B-B14F-4D97-AF65-F5344CB8AC3E}">
-        <p14:creationId xmlns:p14="http://schemas.microsoft.com/office/powerpoint/2010/main" val="2754762789"/>
+        <p14:creationId xmlns:p14="http://schemas.microsoft.com/office/powerpoint/2010/main" val="3577605773"/>
       </p:ext>
     </p:extLst>
   </p:cSld>
@@ -1261,72 +1259,30 @@
           <a:bodyPr/>
           <a:lstStyle/>
           <a:p>
-            <a:pPr marL="0" lvl="0" indent="0" algn="l" rtl="0">
+            <a:pPr marL="0" marR="0" lvl="0" indent="0" algn="l" defTabSz="914400" rtl="0" eaLnBrk="1" fontAlgn="auto" latinLnBrk="0" hangingPunct="1">
+              <a:lnSpc>
+                <a:spcPct val="100000"/>
+              </a:lnSpc>
               <a:spcBef>
                 <a:spcPts val="0"/>
               </a:spcBef>
               <a:spcAft>
                 <a:spcPts val="0"/>
               </a:spcAft>
-              <a:buClr>
-                <a:schemeClr val="dk1"/>
-              </a:buClr>
-              <a:buSzPts val="1100"/>
-              <a:buFont typeface="Arial"/>
-              <a:buNone/>
+              <a:buClrTx/>
+              <a:buSzTx/>
+              <a:buFontTx/>
+              <a:buNone/>
+              <a:tabLst/>
+              <a:defRPr/>
             </a:pPr>
             <a:r>
-              <a:rPr lang="en-NZ" sz="1200" i="1" dirty="0">
+              <a:rPr lang="en-NZ" sz="1200" dirty="0">
                 <a:solidFill>
                   <a:schemeClr val="dk2"/>
                 </a:solidFill>
               </a:rPr>
-              <a:t>Use this slide to provide a test plan for your complete program.  You may wish to create multiple slides so that you can test for expected, boundary and unexpected cases.  </a:t>
-            </a:r>
-          </a:p>
-          <a:p>
-            <a:pPr marL="0" lvl="0" indent="0" algn="l" rtl="0">
-              <a:spcBef>
-                <a:spcPts val="0"/>
-              </a:spcBef>
-              <a:spcAft>
-                <a:spcPts val="0"/>
-              </a:spcAft>
-              <a:buClr>
-                <a:schemeClr val="dk1"/>
-              </a:buClr>
-              <a:buSzPts val="1100"/>
-              <a:buFont typeface="Arial"/>
-              <a:buNone/>
-            </a:pPr>
-            <a:endParaRPr lang="en-NZ" sz="1200" i="1" dirty="0">
-              <a:solidFill>
-                <a:schemeClr val="dk2"/>
-              </a:solidFill>
-            </a:endParaRPr>
-          </a:p>
-          <a:p>
-            <a:pPr marL="0" lvl="0" indent="0" algn="l" rtl="0">
-              <a:spcBef>
-                <a:spcPts val="0"/>
-              </a:spcBef>
-              <a:spcAft>
-                <a:spcPts val="0"/>
-              </a:spcAft>
-              <a:buClr>
-                <a:schemeClr val="dk1"/>
-              </a:buClr>
-              <a:buSzPts val="1100"/>
-              <a:buFont typeface="Arial"/>
-              <a:buNone/>
-            </a:pPr>
-            <a:r>
-              <a:rPr lang="en-NZ" sz="1200" i="1" dirty="0">
-                <a:solidFill>
-                  <a:schemeClr val="dk2"/>
-                </a:solidFill>
-              </a:rPr>
-              <a:t>Remember to test ALL logical pathways so that you can ensure your program works correctly.</a:t>
+              <a:t>Create as many slides as needed to provide evidence of testing that your outcome works for expected, boundary and unexpected cases.  </a:t>
             </a:r>
           </a:p>
           <a:p>
@@ -1351,7 +1307,7 @@
           <a:p>
             <a:fld id="{D89B2B17-F4B1-4A14-AF99-5A366D45E74A}" type="slidenum">
               <a:rPr lang="en-NZ" smtClean="0"/>
-              <a:t>13</a:t>
+              <a:t>12</a:t>
             </a:fld>
             <a:endParaRPr lang="en-NZ"/>
           </a:p>
@@ -1360,7 +1316,7 @@
     </p:spTree>
     <p:extLst>
       <p:ext uri="{BB962C8B-B14F-4D97-AF65-F5344CB8AC3E}">
-        <p14:creationId xmlns:p14="http://schemas.microsoft.com/office/powerpoint/2010/main" val="3577605773"/>
+        <p14:creationId xmlns:p14="http://schemas.microsoft.com/office/powerpoint/2010/main" val="1082870189"/>
       </p:ext>
     </p:extLst>
   </p:cSld>
@@ -1414,117 +1370,6 @@
           <a:bodyPr/>
           <a:lstStyle/>
           <a:p>
-            <a:pPr marL="0" marR="0" lvl="0" indent="0" algn="l" defTabSz="914400" rtl="0" eaLnBrk="1" fontAlgn="auto" latinLnBrk="0" hangingPunct="1">
-              <a:lnSpc>
-                <a:spcPct val="100000"/>
-              </a:lnSpc>
-              <a:spcBef>
-                <a:spcPts val="0"/>
-              </a:spcBef>
-              <a:spcAft>
-                <a:spcPts val="0"/>
-              </a:spcAft>
-              <a:buClrTx/>
-              <a:buSzTx/>
-              <a:buFontTx/>
-              <a:buNone/>
-              <a:tabLst/>
-              <a:defRPr/>
-            </a:pPr>
-            <a:r>
-              <a:rPr lang="en-NZ" sz="1200" dirty="0">
-                <a:solidFill>
-                  <a:schemeClr val="dk2"/>
-                </a:solidFill>
-              </a:rPr>
-              <a:t>Create as many slides as needed to provide evidence of testing that your outcome works for expected, boundary and unexpected cases.  </a:t>
-            </a:r>
-          </a:p>
-          <a:p>
-            <a:endParaRPr lang="en-NZ" dirty="0"/>
-          </a:p>
-        </p:txBody>
-      </p:sp>
-      <p:sp>
-        <p:nvSpPr>
-          <p:cNvPr id="4" name="Slide Number Placeholder 3"/>
-          <p:cNvSpPr>
-            <a:spLocks noGrp="1"/>
-          </p:cNvSpPr>
-          <p:nvPr>
-            <p:ph type="sldNum" sz="quarter" idx="5"/>
-          </p:nvPr>
-        </p:nvSpPr>
-        <p:spPr/>
-        <p:txBody>
-          <a:bodyPr/>
-          <a:lstStyle/>
-          <a:p>
-            <a:fld id="{D89B2B17-F4B1-4A14-AF99-5A366D45E74A}" type="slidenum">
-              <a:rPr lang="en-NZ" smtClean="0"/>
-              <a:t>14</a:t>
-            </a:fld>
-            <a:endParaRPr lang="en-NZ"/>
-          </a:p>
-        </p:txBody>
-      </p:sp>
-    </p:spTree>
-    <p:extLst>
-      <p:ext uri="{BB962C8B-B14F-4D97-AF65-F5344CB8AC3E}">
-        <p14:creationId xmlns:p14="http://schemas.microsoft.com/office/powerpoint/2010/main" val="1082870189"/>
-      </p:ext>
-    </p:extLst>
-  </p:cSld>
-  <p:clrMapOvr>
-    <a:masterClrMapping/>
-  </p:clrMapOvr>
-</p:notes>
-</file>
-
-<file path=ppt/notesSlides/notesSlide13.xml><?xml version="1.0" encoding="utf-8"?>
-<p:notes xmlns:a="http://schemas.openxmlformats.org/drawingml/2006/main" xmlns:r="http://schemas.openxmlformats.org/officeDocument/2006/relationships" xmlns:p="http://schemas.openxmlformats.org/presentationml/2006/main">
-  <p:cSld>
-    <p:spTree>
-      <p:nvGrpSpPr>
-        <p:cNvPr id="1" name=""/>
-        <p:cNvGrpSpPr/>
-        <p:nvPr/>
-      </p:nvGrpSpPr>
-      <p:grpSpPr>
-        <a:xfrm>
-          <a:off x="0" y="0"/>
-          <a:ext cx="0" cy="0"/>
-          <a:chOff x="0" y="0"/>
-          <a:chExt cx="0" cy="0"/>
-        </a:xfrm>
-      </p:grpSpPr>
-      <p:sp>
-        <p:nvSpPr>
-          <p:cNvPr id="2" name="Slide Image Placeholder 1"/>
-          <p:cNvSpPr>
-            <a:spLocks noGrp="1" noRot="1" noChangeAspect="1"/>
-          </p:cNvSpPr>
-          <p:nvPr>
-            <p:ph type="sldImg"/>
-          </p:nvPr>
-        </p:nvSpPr>
-        <p:spPr/>
-      </p:sp>
-      <p:sp>
-        <p:nvSpPr>
-          <p:cNvPr id="3" name="Notes Placeholder 2"/>
-          <p:cNvSpPr>
-            <a:spLocks noGrp="1"/>
-          </p:cNvSpPr>
-          <p:nvPr>
-            <p:ph type="body" idx="1"/>
-          </p:nvPr>
-        </p:nvSpPr>
-        <p:spPr/>
-        <p:txBody>
-          <a:bodyPr/>
-          <a:lstStyle/>
-          <a:p>
             <a:pPr marL="0" lvl="0" indent="0" algn="l" rtl="0">
               <a:spcBef>
                 <a:spcPts val="0"/>
@@ -1567,7 +1412,7 @@
           <a:p>
             <a:fld id="{D89B2B17-F4B1-4A14-AF99-5A366D45E74A}" type="slidenum">
               <a:rPr lang="en-NZ" smtClean="0"/>
-              <a:t>15</a:t>
+              <a:t>13</a:t>
             </a:fld>
             <a:endParaRPr lang="en-NZ"/>
           </a:p>
@@ -1687,7 +1532,7 @@
           <a:p>
             <a:fld id="{D89B2B17-F4B1-4A14-AF99-5A366D45E74A}" type="slidenum">
               <a:rPr lang="en-NZ" smtClean="0"/>
-              <a:t>4</a:t>
+              <a:t>3</a:t>
             </a:fld>
             <a:endParaRPr lang="en-NZ"/>
           </a:p>
@@ -1788,14 +1633,9 @@
               <a:defRPr/>
             </a:pPr>
             <a:r>
-              <a:rPr lang="en-NZ" sz="1200" dirty="0">
-                <a:solidFill>
-                  <a:schemeClr val="dk2"/>
-                </a:solidFill>
-              </a:rPr>
-              <a:t>Create wireframes for your program’s GUI.  Please place them on this slide.</a:t>
-            </a:r>
-            <a:endParaRPr lang="en-NZ" sz="1600" dirty="0"/>
+              <a:rPr lang="en-NZ" i="1" dirty="0"/>
+              <a:t>Create a diagram showing your program’s structure and outline the classes and functions that you plan on developing.  You are welcome to edit this slide once you start developing the outcome BUT when you do that, you should show what has changed and explain why those changes were needed.</a:t>
+            </a:r>
           </a:p>
           <a:p>
             <a:endParaRPr lang="en-NZ" dirty="0"/>
@@ -1819,7 +1659,7 @@
           <a:p>
             <a:fld id="{D89B2B17-F4B1-4A14-AF99-5A366D45E74A}" type="slidenum">
               <a:rPr lang="en-NZ" smtClean="0"/>
-              <a:t>5</a:t>
+              <a:t>4</a:t>
             </a:fld>
             <a:endParaRPr lang="en-NZ"/>
           </a:p>
@@ -1828,7 +1668,7 @@
     </p:spTree>
     <p:extLst>
       <p:ext uri="{BB962C8B-B14F-4D97-AF65-F5344CB8AC3E}">
-        <p14:creationId xmlns:p14="http://schemas.microsoft.com/office/powerpoint/2010/main" val="992946406"/>
+        <p14:creationId xmlns:p14="http://schemas.microsoft.com/office/powerpoint/2010/main" val="1881682920"/>
       </p:ext>
     </p:extLst>
   </p:cSld>
@@ -1902,27 +1742,210 @@
             <a:endParaRPr lang="en-NZ" dirty="0"/>
           </a:p>
           <a:p>
-            <a:pPr marL="0" marR="0" lvl="0" indent="0" algn="l" defTabSz="914400" rtl="0" eaLnBrk="1" fontAlgn="auto" latinLnBrk="0" hangingPunct="1">
-              <a:lnSpc>
-                <a:spcPct val="100000"/>
-              </a:lnSpc>
+            <a:pPr marL="0" lvl="0" indent="0" algn="l" rtl="0">
               <a:spcBef>
                 <a:spcPts val="0"/>
               </a:spcBef>
               <a:spcAft>
                 <a:spcPts val="0"/>
               </a:spcAft>
-              <a:buClrTx/>
-              <a:buSzTx/>
-              <a:buFontTx/>
-              <a:buNone/>
-              <a:tabLst/>
-              <a:defRPr/>
+              <a:buClr>
+                <a:schemeClr val="dk1"/>
+              </a:buClr>
+              <a:buSzPts val="1100"/>
+              <a:buFont typeface="Arial"/>
+              <a:buNone/>
             </a:pPr>
             <a:r>
-              <a:rPr lang="en-NZ" i="1" dirty="0"/>
-              <a:t>Create a diagram showing your program’s structure and outline the classes and functions that you plan on developing.  You are welcome to edit this slide once you start developing the outcome BUT when you do that, you should show what has changed and explain why those changes were needed.</a:t>
-            </a:r>
+              <a:rPr lang="en-NZ" sz="1200" dirty="0">
+                <a:solidFill>
+                  <a:schemeClr val="dk2"/>
+                </a:solidFill>
+              </a:rPr>
+              <a:t>Provide evidence showing that you have decomposed the task.  This can be in the form of a </a:t>
+            </a:r>
+            <a:r>
+              <a:rPr lang="en-NZ" sz="1200" dirty="0" err="1">
+                <a:solidFill>
+                  <a:schemeClr val="dk2"/>
+                </a:solidFill>
+              </a:rPr>
+              <a:t>trello</a:t>
+            </a:r>
+            <a:r>
+              <a:rPr lang="en-NZ" sz="1200" dirty="0">
+                <a:solidFill>
+                  <a:schemeClr val="dk2"/>
+                </a:solidFill>
+              </a:rPr>
+              <a:t> screenshot or a list of components.  If necessary, you may revisit this slide and add to it / edit it as you create your outcome.  When you make changes to this slide, please do so in a different colour, date the changes and explain why they were made (this can help provide evidence for M / E grades).</a:t>
+            </a:r>
+          </a:p>
+          <a:p>
+            <a:pPr marL="0" lvl="0" indent="0" algn="l" rtl="0">
+              <a:spcBef>
+                <a:spcPts val="0"/>
+              </a:spcBef>
+              <a:spcAft>
+                <a:spcPts val="0"/>
+              </a:spcAft>
+              <a:buClr>
+                <a:schemeClr val="dk1"/>
+              </a:buClr>
+              <a:buSzPts val="1100"/>
+              <a:buFont typeface="Arial"/>
+              <a:buNone/>
+            </a:pPr>
+            <a:endParaRPr lang="en-NZ" sz="1200" dirty="0">
+              <a:solidFill>
+                <a:schemeClr val="dk2"/>
+              </a:solidFill>
+            </a:endParaRPr>
+          </a:p>
+          <a:p>
+            <a:pPr marL="0" lvl="0" indent="0" algn="l" rtl="0">
+              <a:spcBef>
+                <a:spcPts val="0"/>
+              </a:spcBef>
+              <a:spcAft>
+                <a:spcPts val="0"/>
+              </a:spcAft>
+              <a:buClr>
+                <a:schemeClr val="dk1"/>
+              </a:buClr>
+              <a:buSzPts val="1100"/>
+              <a:buFont typeface="Arial"/>
+              <a:buNone/>
+            </a:pPr>
+            <a:r>
+              <a:rPr lang="en-NZ" sz="1200" i="1" dirty="0">
+                <a:solidFill>
+                  <a:schemeClr val="dk2"/>
+                </a:solidFill>
+              </a:rPr>
+              <a:t>Hint: Use the structure you developed earlier to work out what components you need.  For each function, you should have at least one component. </a:t>
+            </a:r>
+          </a:p>
+          <a:p>
+            <a:pPr marL="0" lvl="0" indent="0" algn="l" rtl="0">
+              <a:spcBef>
+                <a:spcPts val="0"/>
+              </a:spcBef>
+              <a:spcAft>
+                <a:spcPts val="0"/>
+              </a:spcAft>
+              <a:buClr>
+                <a:schemeClr val="dk1"/>
+              </a:buClr>
+              <a:buSzPts val="1100"/>
+              <a:buFont typeface="Arial"/>
+              <a:buNone/>
+            </a:pPr>
+            <a:endParaRPr lang="en-NZ" sz="1200" i="1" dirty="0">
+              <a:solidFill>
+                <a:schemeClr val="dk2"/>
+              </a:solidFill>
+            </a:endParaRPr>
+          </a:p>
+          <a:p>
+            <a:pPr>
+              <a:lnSpc>
+                <a:spcPct val="115000"/>
+              </a:lnSpc>
+              <a:spcAft>
+                <a:spcPts val="0"/>
+              </a:spcAft>
+            </a:pPr>
+            <a:r>
+              <a:rPr lang="en-NZ" sz="1400" b="1" dirty="0">
+                <a:effectLst/>
+                <a:latin typeface="Arial" panose="020B0604020202020204" pitchFamily="34" charset="0"/>
+                <a:ea typeface="Arial" panose="020B0604020202020204" pitchFamily="34" charset="0"/>
+              </a:rPr>
+              <a:t>Task Components</a:t>
+            </a:r>
+            <a:endParaRPr lang="en-NZ" dirty="0">
+              <a:latin typeface="Arial" panose="020B0604020202020204" pitchFamily="34" charset="0"/>
+              <a:ea typeface="Arial" panose="020B0604020202020204" pitchFamily="34" charset="0"/>
+            </a:endParaRPr>
+          </a:p>
+          <a:p>
+            <a:pPr marL="342900" lvl="0" indent="-342900">
+              <a:lnSpc>
+                <a:spcPct val="115000"/>
+              </a:lnSpc>
+              <a:spcAft>
+                <a:spcPts val="0"/>
+              </a:spcAft>
+              <a:buFont typeface="+mj-lt"/>
+              <a:buAutoNum type="arabicPeriod"/>
+            </a:pPr>
+            <a:r>
+              <a:rPr lang="en-NZ" dirty="0">
+                <a:latin typeface="Arial" panose="020B0604020202020204" pitchFamily="34" charset="0"/>
+                <a:ea typeface="Arial" panose="020B0604020202020204" pitchFamily="34" charset="0"/>
+              </a:rPr>
+              <a:t>Put</a:t>
+            </a:r>
+          </a:p>
+          <a:p>
+            <a:pPr marL="342900" lvl="0" indent="-342900">
+              <a:lnSpc>
+                <a:spcPct val="115000"/>
+              </a:lnSpc>
+              <a:spcAft>
+                <a:spcPts val="0"/>
+              </a:spcAft>
+              <a:buFont typeface="+mj-lt"/>
+              <a:buAutoNum type="arabicPeriod"/>
+            </a:pPr>
+            <a:r>
+              <a:rPr lang="en-NZ" dirty="0">
+                <a:latin typeface="Arial" panose="020B0604020202020204" pitchFamily="34" charset="0"/>
+                <a:ea typeface="Arial" panose="020B0604020202020204" pitchFamily="34" charset="0"/>
+              </a:rPr>
+              <a:t>Components</a:t>
+            </a:r>
+          </a:p>
+          <a:p>
+            <a:pPr marL="342900" lvl="0" indent="-342900">
+              <a:lnSpc>
+                <a:spcPct val="115000"/>
+              </a:lnSpc>
+              <a:spcAft>
+                <a:spcPts val="0"/>
+              </a:spcAft>
+              <a:buFont typeface="+mj-lt"/>
+              <a:buAutoNum type="arabicPeriod"/>
+            </a:pPr>
+            <a:r>
+              <a:rPr lang="en-NZ" dirty="0">
+                <a:latin typeface="Arial" panose="020B0604020202020204" pitchFamily="34" charset="0"/>
+                <a:ea typeface="Arial" panose="020B0604020202020204" pitchFamily="34" charset="0"/>
+              </a:rPr>
+              <a:t>here</a:t>
+            </a:r>
+          </a:p>
+          <a:p>
+            <a:pPr marL="0" lvl="0" indent="0" algn="l" rtl="0">
+              <a:spcBef>
+                <a:spcPts val="0"/>
+              </a:spcBef>
+              <a:spcAft>
+                <a:spcPts val="0"/>
+              </a:spcAft>
+              <a:buClr>
+                <a:schemeClr val="dk1"/>
+              </a:buClr>
+              <a:buSzPts val="1100"/>
+              <a:buFont typeface="Arial"/>
+              <a:buNone/>
+            </a:pPr>
+            <a:endParaRPr lang="en-NZ" sz="1200" i="1" dirty="0">
+              <a:solidFill>
+                <a:schemeClr val="dk2"/>
+              </a:solidFill>
+            </a:endParaRPr>
           </a:p>
           <a:p>
             <a:endParaRPr lang="en-NZ" dirty="0"/>
@@ -1946,7 +1969,7 @@
           <a:p>
             <a:fld id="{D89B2B17-F4B1-4A14-AF99-5A366D45E74A}" type="slidenum">
               <a:rPr lang="en-NZ" smtClean="0"/>
-              <a:t>6</a:t>
+              <a:t>5</a:t>
             </a:fld>
             <a:endParaRPr lang="en-NZ"/>
           </a:p>
@@ -1955,7 +1978,7 @@
     </p:spTree>
     <p:extLst>
       <p:ext uri="{BB962C8B-B14F-4D97-AF65-F5344CB8AC3E}">
-        <p14:creationId xmlns:p14="http://schemas.microsoft.com/office/powerpoint/2010/main" val="1881682920"/>
+        <p14:creationId xmlns:p14="http://schemas.microsoft.com/office/powerpoint/2010/main" val="2593758476"/>
       </p:ext>
     </p:extLst>
   </p:cSld>
@@ -2009,26 +2032,6 @@
           <a:bodyPr/>
           <a:lstStyle/>
           <a:p>
-            <a:pPr marL="0" marR="0" lvl="0" indent="0" algn="l" defTabSz="914400" rtl="0" eaLnBrk="1" fontAlgn="auto" latinLnBrk="0" hangingPunct="1">
-              <a:lnSpc>
-                <a:spcPct val="100000"/>
-              </a:lnSpc>
-              <a:spcBef>
-                <a:spcPts val="0"/>
-              </a:spcBef>
-              <a:spcAft>
-                <a:spcPts val="0"/>
-              </a:spcAft>
-              <a:buClrTx/>
-              <a:buSzTx/>
-              <a:buFontTx/>
-              <a:buNone/>
-              <a:tabLst/>
-              <a:defRPr/>
-            </a:pPr>
-            <a:endParaRPr lang="en-NZ" dirty="0"/>
-          </a:p>
-          <a:p>
             <a:pPr marL="0" lvl="0" indent="0" algn="l" rtl="0">
               <a:spcBef>
                 <a:spcPts val="0"/>
@@ -2049,27 +2052,50 @@
                   <a:schemeClr val="dk2"/>
                 </a:solidFill>
               </a:rPr>
-              <a:t>Provide evidence showing that you have decomposed the task.  This can be in the form of a </a:t>
-            </a:r>
-            <a:r>
-              <a:rPr lang="en-NZ" sz="1200" dirty="0" err="1">
-                <a:solidFill>
-                  <a:schemeClr val="dk2"/>
-                </a:solidFill>
-              </a:rPr>
-              <a:t>trello</a:t>
-            </a:r>
+              <a:t>Make as many copies of the next three slides as you need.  For each component you should have…</a:t>
+            </a:r>
+          </a:p>
+          <a:p>
+            <a:pPr marL="457200" lvl="0" indent="-342900" algn="l" rtl="0">
+              <a:spcBef>
+                <a:spcPts val="0"/>
+              </a:spcBef>
+              <a:spcAft>
+                <a:spcPts val="0"/>
+              </a:spcAft>
+              <a:buClr>
+                <a:schemeClr val="dk2"/>
+              </a:buClr>
+              <a:buSzPts val="1800"/>
+              <a:buChar char="-"/>
+            </a:pPr>
             <a:r>
               <a:rPr lang="en-NZ" sz="1200" dirty="0">
                 <a:solidFill>
                   <a:schemeClr val="dk2"/>
                 </a:solidFill>
               </a:rPr>
-              <a:t> screenshot or a list of components.  If necessary, you may revisit this slide and add to it / edit it as you create your outcome.  When you make changes to this slide, please do so in a different colour, date the changes and explain why they were made (this can help provide evidence for M / E grades).</a:t>
-            </a:r>
-          </a:p>
-          <a:p>
-            <a:pPr marL="0" lvl="0" indent="0" algn="l" rtl="0">
+              <a:t>A </a:t>
+            </a:r>
+            <a:r>
+              <a:rPr lang="en-NZ" dirty="0">
+                <a:solidFill>
+                  <a:schemeClr val="dk2"/>
+                </a:solidFill>
+              </a:rPr>
+              <a:t>T</a:t>
+            </a:r>
+            <a:r>
+              <a:rPr lang="en-NZ" sz="1200" dirty="0">
+                <a:solidFill>
+                  <a:schemeClr val="dk2"/>
+                </a:solidFill>
+              </a:rPr>
+              <a:t>rello screenshot / evidence of ongoing use of your project management tools</a:t>
+            </a:r>
+          </a:p>
+          <a:p>
+            <a:pPr marL="457200" lvl="0" indent="-342900" algn="l" rtl="0">
               <a:spcBef>
                 <a:spcPts val="0"/>
               </a:spcBef>
@@ -2077,10 +2103,51 @@
                 <a:spcPts val="0"/>
               </a:spcAft>
               <a:buClr>
-                <a:schemeClr val="dk1"/>
+                <a:schemeClr val="dk2"/>
               </a:buClr>
-              <a:buSzPts val="1100"/>
-              <a:buFont typeface="Arial"/>
+              <a:buSzPts val="1800"/>
+              <a:buChar char="-"/>
+            </a:pPr>
+            <a:r>
+              <a:rPr lang="en-NZ" sz="1200" dirty="0">
+                <a:solidFill>
+                  <a:schemeClr val="dk2"/>
+                </a:solidFill>
+              </a:rPr>
+              <a:t>A test plan for the component that has been created BEFORE you start coding.  Your plan should allow you to test all logical pathways for this component.  It should also include test cases for relevant boundary and unexpected values.</a:t>
+            </a:r>
+          </a:p>
+          <a:p>
+            <a:pPr marL="457200" lvl="0" indent="-342900" algn="l" rtl="0">
+              <a:spcBef>
+                <a:spcPts val="0"/>
+              </a:spcBef>
+              <a:spcAft>
+                <a:spcPts val="0"/>
+              </a:spcAft>
+              <a:buClr>
+                <a:schemeClr val="dk2"/>
+              </a:buClr>
+              <a:buSzPts val="1800"/>
+              <a:buChar char="-"/>
+            </a:pPr>
+            <a:r>
+              <a:rPr lang="en-NZ" sz="1200" dirty="0">
+                <a:solidFill>
+                  <a:schemeClr val="dk2"/>
+                </a:solidFill>
+              </a:rPr>
+              <a:t>Screenshot evidence showing that you have worked through the test plan you developed.</a:t>
+            </a:r>
+          </a:p>
+          <a:p>
+            <a:pPr marL="457200" lvl="0" indent="0" algn="l" rtl="0">
+              <a:spcBef>
+                <a:spcPts val="0"/>
+              </a:spcBef>
+              <a:spcAft>
+                <a:spcPts val="0"/>
+              </a:spcAft>
               <a:buNone/>
             </a:pPr>
             <a:endParaRPr lang="en-NZ" sz="1200" dirty="0">
@@ -2097,11 +2164,6 @@
               <a:spcAft>
                 <a:spcPts val="0"/>
               </a:spcAft>
-              <a:buClr>
-                <a:schemeClr val="dk1"/>
-              </a:buClr>
-              <a:buSzPts val="1100"/>
-              <a:buFont typeface="Arial"/>
               <a:buNone/>
             </a:pPr>
             <a:r>
@@ -2110,129 +2172,8 @@
                   <a:schemeClr val="dk2"/>
                 </a:solidFill>
               </a:rPr>
-              <a:t>Hint: Use the structure you developed earlier to work out what components you need.  For each function, you should have at least one component. </a:t>
-            </a:r>
-          </a:p>
-          <a:p>
-            <a:pPr marL="0" lvl="0" indent="0" algn="l" rtl="0">
-              <a:spcBef>
-                <a:spcPts val="0"/>
-              </a:spcBef>
-              <a:spcAft>
-                <a:spcPts val="0"/>
-              </a:spcAft>
-              <a:buClr>
-                <a:schemeClr val="dk1"/>
-              </a:buClr>
-              <a:buSzPts val="1100"/>
-              <a:buFont typeface="Arial"/>
-              <a:buNone/>
-            </a:pPr>
-            <a:endParaRPr lang="en-NZ" sz="1200" i="1" dirty="0">
-              <a:solidFill>
-                <a:schemeClr val="dk2"/>
-              </a:solidFill>
-            </a:endParaRPr>
-          </a:p>
-          <a:p>
-            <a:pPr>
-              <a:lnSpc>
-                <a:spcPct val="115000"/>
-              </a:lnSpc>
-              <a:spcAft>
-                <a:spcPts val="0"/>
-              </a:spcAft>
-            </a:pPr>
-            <a:r>
-              <a:rPr lang="en-NZ" sz="1400" b="1" dirty="0">
-                <a:effectLst/>
-                <a:latin typeface="Arial" panose="020B0604020202020204" pitchFamily="34" charset="0"/>
-                <a:ea typeface="Arial" panose="020B0604020202020204" pitchFamily="34" charset="0"/>
-              </a:rPr>
-              <a:t>Task Components</a:t>
-            </a:r>
-            <a:endParaRPr lang="en-NZ" dirty="0">
-              <a:latin typeface="Arial" panose="020B0604020202020204" pitchFamily="34" charset="0"/>
-              <a:ea typeface="Arial" panose="020B0604020202020204" pitchFamily="34" charset="0"/>
-            </a:endParaRPr>
-          </a:p>
-          <a:p>
-            <a:pPr marL="342900" lvl="0" indent="-342900">
-              <a:lnSpc>
-                <a:spcPct val="115000"/>
-              </a:lnSpc>
-              <a:spcAft>
-                <a:spcPts val="0"/>
-              </a:spcAft>
-              <a:buFont typeface="+mj-lt"/>
-              <a:buAutoNum type="arabicPeriod"/>
-            </a:pPr>
-            <a:r>
-              <a:rPr lang="en-NZ" dirty="0">
-                <a:latin typeface="Arial" panose="020B0604020202020204" pitchFamily="34" charset="0"/>
-                <a:ea typeface="Arial" panose="020B0604020202020204" pitchFamily="34" charset="0"/>
-              </a:rPr>
-              <a:t>Put</a:t>
-            </a:r>
-          </a:p>
-          <a:p>
-            <a:pPr marL="342900" lvl="0" indent="-342900">
-              <a:lnSpc>
-                <a:spcPct val="115000"/>
-              </a:lnSpc>
-              <a:spcAft>
-                <a:spcPts val="0"/>
-              </a:spcAft>
-              <a:buFont typeface="+mj-lt"/>
-              <a:buAutoNum type="arabicPeriod"/>
-            </a:pPr>
-            <a:r>
-              <a:rPr lang="en-NZ" dirty="0">
-                <a:latin typeface="Arial" panose="020B0604020202020204" pitchFamily="34" charset="0"/>
-                <a:ea typeface="Arial" panose="020B0604020202020204" pitchFamily="34" charset="0"/>
-              </a:rPr>
-              <a:t>Components</a:t>
-            </a:r>
-          </a:p>
-          <a:p>
-            <a:pPr marL="342900" lvl="0" indent="-342900">
-              <a:lnSpc>
-                <a:spcPct val="115000"/>
-              </a:lnSpc>
-              <a:spcAft>
-                <a:spcPts val="0"/>
-              </a:spcAft>
-              <a:buFont typeface="+mj-lt"/>
-              <a:buAutoNum type="arabicPeriod"/>
-            </a:pPr>
-            <a:r>
-              <a:rPr lang="en-NZ" dirty="0">
-                <a:latin typeface="Arial" panose="020B0604020202020204" pitchFamily="34" charset="0"/>
-                <a:ea typeface="Arial" panose="020B0604020202020204" pitchFamily="34" charset="0"/>
-              </a:rPr>
-              <a:t>here</a:t>
-            </a:r>
-          </a:p>
-          <a:p>
-            <a:pPr marL="0" lvl="0" indent="0" algn="l" rtl="0">
-              <a:spcBef>
-                <a:spcPts val="0"/>
-              </a:spcBef>
-              <a:spcAft>
-                <a:spcPts val="0"/>
-              </a:spcAft>
-              <a:buClr>
-                <a:schemeClr val="dk1"/>
-              </a:buClr>
-              <a:buSzPts val="1100"/>
-              <a:buFont typeface="Arial"/>
-              <a:buNone/>
-            </a:pPr>
-            <a:endParaRPr lang="en-NZ" sz="1200" i="1" dirty="0">
-              <a:solidFill>
-                <a:schemeClr val="dk2"/>
-              </a:solidFill>
-            </a:endParaRPr>
+              <a:t>You should also provide evidence of trialling multiple components &amp; techniques.  Please make slides as needed for that evidence.</a:t>
+            </a:r>
           </a:p>
           <a:p>
             <a:endParaRPr lang="en-NZ" dirty="0"/>
@@ -2256,7 +2197,7 @@
           <a:p>
             <a:fld id="{D89B2B17-F4B1-4A14-AF99-5A366D45E74A}" type="slidenum">
               <a:rPr lang="en-NZ" smtClean="0"/>
-              <a:t>7</a:t>
+              <a:t>6</a:t>
             </a:fld>
             <a:endParaRPr lang="en-NZ"/>
           </a:p>
@@ -2265,7 +2206,7 @@
     </p:spTree>
     <p:extLst>
       <p:ext uri="{BB962C8B-B14F-4D97-AF65-F5344CB8AC3E}">
-        <p14:creationId xmlns:p14="http://schemas.microsoft.com/office/powerpoint/2010/main" val="2593758476"/>
+        <p14:creationId xmlns:p14="http://schemas.microsoft.com/office/powerpoint/2010/main" val="2285678120"/>
       </p:ext>
     </p:extLst>
   </p:cSld>
@@ -2319,19 +2260,22 @@
           <a:bodyPr/>
           <a:lstStyle/>
           <a:p>
-            <a:pPr marL="0" lvl="0" indent="0" algn="l" rtl="0">
+            <a:pPr marL="0" marR="0" lvl="0" indent="0" algn="l" defTabSz="914400" rtl="0" eaLnBrk="1" fontAlgn="auto" latinLnBrk="0" hangingPunct="1">
+              <a:lnSpc>
+                <a:spcPct val="100000"/>
+              </a:lnSpc>
               <a:spcBef>
                 <a:spcPts val="0"/>
               </a:spcBef>
               <a:spcAft>
                 <a:spcPts val="0"/>
               </a:spcAft>
-              <a:buClr>
-                <a:schemeClr val="dk1"/>
-              </a:buClr>
-              <a:buSzPts val="1100"/>
-              <a:buFont typeface="Arial"/>
-              <a:buNone/>
+              <a:buClrTx/>
+              <a:buSzTx/>
+              <a:buFontTx/>
+              <a:buNone/>
+              <a:tabLst/>
+              <a:defRPr/>
             </a:pPr>
             <a:r>
               <a:rPr lang="en-NZ" sz="1200" dirty="0">
@@ -2339,130 +2283,15 @@
                   <a:schemeClr val="dk2"/>
                 </a:solidFill>
               </a:rPr>
-              <a:t>Make as many copies of the next three slides as you need.  For each component you should have…</a:t>
-            </a:r>
-          </a:p>
-          <a:p>
-            <a:pPr marL="457200" lvl="0" indent="-342900" algn="l" rtl="0">
-              <a:spcBef>
-                <a:spcPts val="0"/>
-              </a:spcBef>
-              <a:spcAft>
-                <a:spcPts val="0"/>
-              </a:spcAft>
-              <a:buClr>
-                <a:schemeClr val="dk2"/>
-              </a:buClr>
-              <a:buSzPts val="1800"/>
-              <a:buChar char="-"/>
-            </a:pPr>
-            <a:r>
-              <a:rPr lang="en-NZ" sz="1200" dirty="0">
-                <a:solidFill>
-                  <a:schemeClr val="dk2"/>
-                </a:solidFill>
-              </a:rPr>
-              <a:t>A </a:t>
-            </a:r>
-            <a:r>
-              <a:rPr lang="en-NZ" dirty="0">
-                <a:solidFill>
-                  <a:schemeClr val="dk2"/>
-                </a:solidFill>
-              </a:rPr>
-              <a:t>T</a:t>
-            </a:r>
-            <a:r>
-              <a:rPr lang="en-NZ" sz="1200" dirty="0">
-                <a:solidFill>
-                  <a:schemeClr val="dk2"/>
-                </a:solidFill>
-              </a:rPr>
-              <a:t>rello screenshot / evidence of ongoing use of your project management tools</a:t>
-            </a:r>
-          </a:p>
-          <a:p>
-            <a:pPr marL="457200" lvl="0" indent="-342900" algn="l" rtl="0">
-              <a:spcBef>
-                <a:spcPts val="0"/>
-              </a:spcBef>
-              <a:spcAft>
-                <a:spcPts val="0"/>
-              </a:spcAft>
-              <a:buClr>
-                <a:schemeClr val="dk2"/>
-              </a:buClr>
-              <a:buSzPts val="1800"/>
-              <a:buChar char="-"/>
-            </a:pPr>
-            <a:r>
-              <a:rPr lang="en-NZ" sz="1200" dirty="0">
-                <a:solidFill>
-                  <a:schemeClr val="dk2"/>
-                </a:solidFill>
-              </a:rPr>
-              <a:t>A test plan for the component that has been created BEFORE you start coding.  Your plan should allow you to test all logical pathways for this component.  It should also include test cases for relevant boundary and unexpected values.</a:t>
-            </a:r>
-          </a:p>
-          <a:p>
-            <a:pPr marL="457200" lvl="0" indent="-342900" algn="l" rtl="0">
-              <a:spcBef>
-                <a:spcPts val="0"/>
-              </a:spcBef>
-              <a:spcAft>
-                <a:spcPts val="0"/>
-              </a:spcAft>
-              <a:buClr>
-                <a:schemeClr val="dk2"/>
-              </a:buClr>
-              <a:buSzPts val="1800"/>
-              <a:buChar char="-"/>
-            </a:pPr>
-            <a:r>
-              <a:rPr lang="en-NZ" sz="1200" dirty="0">
-                <a:solidFill>
-                  <a:schemeClr val="dk2"/>
-                </a:solidFill>
-              </a:rPr>
-              <a:t>Screenshot evidence showing that you have worked through the test plan you developed.</a:t>
-            </a:r>
-          </a:p>
-          <a:p>
-            <a:pPr marL="457200" lvl="0" indent="0" algn="l" rtl="0">
-              <a:spcBef>
-                <a:spcPts val="0"/>
-              </a:spcBef>
-              <a:spcAft>
-                <a:spcPts val="0"/>
-              </a:spcAft>
-              <a:buNone/>
-            </a:pPr>
-            <a:endParaRPr lang="en-NZ" sz="1200" dirty="0">
+              <a:t>Duplicate this slide and use it to show your planning for the current component.  This could be in the form of a Trello screenshot.</a:t>
+            </a:r>
+            <a:endParaRPr lang="en-NZ" sz="1200" i="1" dirty="0">
               <a:solidFill>
                 <a:schemeClr val="dk2"/>
               </a:solidFill>
             </a:endParaRPr>
           </a:p>
           <a:p>
-            <a:pPr marL="0" lvl="0" indent="0" algn="l" rtl="0">
-              <a:spcBef>
-                <a:spcPts val="0"/>
-              </a:spcBef>
-              <a:spcAft>
-                <a:spcPts val="0"/>
-              </a:spcAft>
-              <a:buNone/>
-            </a:pPr>
-            <a:r>
-              <a:rPr lang="en-NZ" sz="1200" i="1" dirty="0">
-                <a:solidFill>
-                  <a:schemeClr val="dk2"/>
-                </a:solidFill>
-              </a:rPr>
-              <a:t>You should also provide evidence of trialling multiple components &amp; techniques.  Please make slides as needed for that evidence.</a:t>
-            </a:r>
-          </a:p>
-          <a:p>
             <a:endParaRPr lang="en-NZ" dirty="0"/>
           </a:p>
         </p:txBody>
@@ -2484,7 +2313,7 @@
           <a:p>
             <a:fld id="{D89B2B17-F4B1-4A14-AF99-5A366D45E74A}" type="slidenum">
               <a:rPr lang="en-NZ" smtClean="0"/>
-              <a:t>8</a:t>
+              <a:t>7</a:t>
             </a:fld>
             <a:endParaRPr lang="en-NZ"/>
           </a:p>
@@ -2493,7 +2322,7 @@
     </p:spTree>
     <p:extLst>
       <p:ext uri="{BB962C8B-B14F-4D97-AF65-F5344CB8AC3E}">
-        <p14:creationId xmlns:p14="http://schemas.microsoft.com/office/powerpoint/2010/main" val="2285678120"/>
+        <p14:creationId xmlns:p14="http://schemas.microsoft.com/office/powerpoint/2010/main" val="1798649944"/>
       </p:ext>
     </p:extLst>
   </p:cSld>
@@ -2570,7 +2399,7 @@
                   <a:schemeClr val="dk2"/>
                 </a:solidFill>
               </a:rPr>
-              <a:t>Duplicate this slide and use it to show your planning for the current component.  This could be in the form of a Trello screenshot.</a:t>
+              <a:t>Create a test plan for this component BEFORE you start coding.  Your plan should allow you to test all logical pathways for this component.  It should also include test cases for relevant boundary and unexpected values.</a:t>
             </a:r>
             <a:endParaRPr lang="en-NZ" sz="1200" i="1" dirty="0">
               <a:solidFill>
@@ -2581,6 +2410,9 @@
           <a:p>
             <a:endParaRPr lang="en-NZ" dirty="0"/>
           </a:p>
+          <a:p>
+            <a:endParaRPr lang="en-NZ" dirty="0"/>
+          </a:p>
         </p:txBody>
       </p:sp>
       <p:sp>
@@ -2600,7 +2432,7 @@
           <a:p>
             <a:fld id="{D89B2B17-F4B1-4A14-AF99-5A366D45E74A}" type="slidenum">
               <a:rPr lang="en-NZ" smtClean="0"/>
-              <a:t>9</a:t>
+              <a:t>8</a:t>
             </a:fld>
             <a:endParaRPr lang="en-NZ"/>
           </a:p>
@@ -2609,7 +2441,7 @@
     </p:spTree>
     <p:extLst>
       <p:ext uri="{BB962C8B-B14F-4D97-AF65-F5344CB8AC3E}">
-        <p14:creationId xmlns:p14="http://schemas.microsoft.com/office/powerpoint/2010/main" val="1798649944"/>
+        <p14:creationId xmlns:p14="http://schemas.microsoft.com/office/powerpoint/2010/main" val="1048872938"/>
       </p:ext>
     </p:extLst>
   </p:cSld>
@@ -2663,22 +2495,19 @@
           <a:bodyPr/>
           <a:lstStyle/>
           <a:p>
-            <a:pPr marL="0" marR="0" lvl="0" indent="0" algn="l" defTabSz="914400" rtl="0" eaLnBrk="1" fontAlgn="auto" latinLnBrk="0" hangingPunct="1">
-              <a:lnSpc>
-                <a:spcPct val="100000"/>
-              </a:lnSpc>
+            <a:pPr marL="0" lvl="0" indent="0" algn="l" rtl="0">
               <a:spcBef>
                 <a:spcPts val="0"/>
               </a:spcBef>
               <a:spcAft>
                 <a:spcPts val="0"/>
               </a:spcAft>
-              <a:buClrTx/>
-              <a:buSzTx/>
-              <a:buFontTx/>
-              <a:buNone/>
-              <a:tabLst/>
-              <a:defRPr/>
+              <a:buClr>
+                <a:schemeClr val="dk1"/>
+              </a:buClr>
+              <a:buSzPts val="1100"/>
+              <a:buFont typeface="Arial"/>
+              <a:buNone/>
             </a:pPr>
             <a:r>
               <a:rPr lang="en-NZ" sz="1200" dirty="0">
@@ -2686,7 +2515,7 @@
                   <a:schemeClr val="dk2"/>
                 </a:solidFill>
               </a:rPr>
-              <a:t>Create a test plan for this component BEFORE you start coding.  Your plan should allow you to test all logical pathways for this component.  It should also include test cases for relevant boundary and unexpected values.</a:t>
+              <a:t>Use this slide to provide evidence that you have tested your component in accordance with the test plan you developed earlier.</a:t>
             </a:r>
             <a:endParaRPr lang="en-NZ" sz="1200" i="1" dirty="0">
               <a:solidFill>
@@ -2697,9 +2526,6 @@
           <a:p>
             <a:endParaRPr lang="en-NZ" dirty="0"/>
           </a:p>
-          <a:p>
-            <a:endParaRPr lang="en-NZ" dirty="0"/>
-          </a:p>
         </p:txBody>
       </p:sp>
       <p:sp>
@@ -2719,7 +2545,7 @@
           <a:p>
             <a:fld id="{D89B2B17-F4B1-4A14-AF99-5A366D45E74A}" type="slidenum">
               <a:rPr lang="en-NZ" smtClean="0"/>
-              <a:t>10</a:t>
+              <a:t>9</a:t>
             </a:fld>
             <a:endParaRPr lang="en-NZ"/>
           </a:p>
@@ -2728,7 +2554,7 @@
     </p:spTree>
     <p:extLst>
       <p:ext uri="{BB962C8B-B14F-4D97-AF65-F5344CB8AC3E}">
-        <p14:creationId xmlns:p14="http://schemas.microsoft.com/office/powerpoint/2010/main" val="1048872938"/>
+        <p14:creationId xmlns:p14="http://schemas.microsoft.com/office/powerpoint/2010/main" val="4101729998"/>
       </p:ext>
     </p:extLst>
   </p:cSld>
@@ -2802,15 +2628,55 @@
                   <a:schemeClr val="dk2"/>
                 </a:solidFill>
               </a:rPr>
-              <a:t>Use this slide to provide evidence that you have tested your component in accordance with the test plan you developed earlier.</a:t>
-            </a:r>
-            <a:endParaRPr lang="en-NZ" sz="1200" i="1" dirty="0">
+              <a:t>Assemble your components into a working program.  On the slides that follow, please provide a test plan and evidence that your program works as expected.</a:t>
+            </a:r>
+          </a:p>
+          <a:p>
+            <a:pPr marL="0" lvl="0" indent="0" algn="l" rtl="0">
+              <a:spcBef>
+                <a:spcPts val="0"/>
+              </a:spcBef>
+              <a:spcAft>
+                <a:spcPts val="0"/>
+              </a:spcAft>
+              <a:buClr>
+                <a:schemeClr val="dk1"/>
+              </a:buClr>
+              <a:buSzPts val="1100"/>
+              <a:buFont typeface="Arial"/>
+              <a:buNone/>
+            </a:pPr>
+            <a:endParaRPr lang="en-NZ" sz="1200" dirty="0">
               <a:solidFill>
                 <a:schemeClr val="dk2"/>
               </a:solidFill>
             </a:endParaRPr>
           </a:p>
           <a:p>
+            <a:pPr marL="0" lvl="0" indent="0" algn="l" rtl="0">
+              <a:spcBef>
+                <a:spcPts val="0"/>
+              </a:spcBef>
+              <a:spcAft>
+                <a:spcPts val="0"/>
+              </a:spcAft>
+              <a:buClr>
+                <a:schemeClr val="dk1"/>
+              </a:buClr>
+              <a:buSzPts val="1100"/>
+              <a:buFont typeface="Arial"/>
+              <a:buNone/>
+            </a:pPr>
+            <a:r>
+              <a:rPr lang="en-NZ" sz="1200" dirty="0">
+                <a:solidFill>
+                  <a:schemeClr val="dk2"/>
+                </a:solidFill>
+              </a:rPr>
+              <a:t>If you are going for M / E, you also need to create extra slides showing how you have used your testing to improve the functionality of your program.  This could mean having multiple test plans (and screenshots) showing several iterations of the assembled program.</a:t>
+            </a:r>
+          </a:p>
+          <a:p>
             <a:endParaRPr lang="en-NZ" dirty="0"/>
           </a:p>
         </p:txBody>
@@ -2832,7 +2698,7 @@
           <a:p>
             <a:fld id="{D89B2B17-F4B1-4A14-AF99-5A366D45E74A}" type="slidenum">
               <a:rPr lang="en-NZ" smtClean="0"/>
-              <a:t>11</a:t>
+              <a:t>10</a:t>
             </a:fld>
             <a:endParaRPr lang="en-NZ"/>
           </a:p>
@@ -2841,7 +2707,7 @@
     </p:spTree>
     <p:extLst>
       <p:ext uri="{BB962C8B-B14F-4D97-AF65-F5344CB8AC3E}">
-        <p14:creationId xmlns:p14="http://schemas.microsoft.com/office/powerpoint/2010/main" val="4101729998"/>
+        <p14:creationId xmlns:p14="http://schemas.microsoft.com/office/powerpoint/2010/main" val="2754762789"/>
       </p:ext>
     </p:extLst>
   </p:cSld>
@@ -3000,7 +2866,7 @@
           <a:p>
             <a:fld id="{9C4A4F43-1C06-40E6-8F87-8B286982E50E}" type="datetimeFigureOut">
               <a:rPr lang="en-NZ" smtClean="0"/>
-              <a:t>8/05/2024</a:t>
+              <a:t>7/06/2024</a:t>
             </a:fld>
             <a:endParaRPr lang="en-NZ" dirty="0"/>
           </a:p>
@@ -3200,7 +3066,7 @@
           <a:p>
             <a:fld id="{9C4A4F43-1C06-40E6-8F87-8B286982E50E}" type="datetimeFigureOut">
               <a:rPr lang="en-NZ" smtClean="0"/>
-              <a:t>8/05/2024</a:t>
+              <a:t>7/06/2024</a:t>
             </a:fld>
             <a:endParaRPr lang="en-NZ" dirty="0"/>
           </a:p>
@@ -3410,7 +3276,7 @@
           <a:p>
             <a:fld id="{9C4A4F43-1C06-40E6-8F87-8B286982E50E}" type="datetimeFigureOut">
               <a:rPr lang="en-NZ" smtClean="0"/>
-              <a:t>8/05/2024</a:t>
+              <a:t>7/06/2024</a:t>
             </a:fld>
             <a:endParaRPr lang="en-NZ" dirty="0"/>
           </a:p>
@@ -3610,7 +3476,7 @@
           <a:p>
             <a:fld id="{9C4A4F43-1C06-40E6-8F87-8B286982E50E}" type="datetimeFigureOut">
               <a:rPr lang="en-NZ" smtClean="0"/>
-              <a:t>8/05/2024</a:t>
+              <a:t>7/06/2024</a:t>
             </a:fld>
             <a:endParaRPr lang="en-NZ" dirty="0"/>
           </a:p>
@@ -3886,7 +3752,7 @@
           <a:p>
             <a:fld id="{9C4A4F43-1C06-40E6-8F87-8B286982E50E}" type="datetimeFigureOut">
               <a:rPr lang="en-NZ" smtClean="0"/>
-              <a:t>8/05/2024</a:t>
+              <a:t>7/06/2024</a:t>
             </a:fld>
             <a:endParaRPr lang="en-NZ" dirty="0"/>
           </a:p>
@@ -4154,7 +4020,7 @@
           <a:p>
             <a:fld id="{9C4A4F43-1C06-40E6-8F87-8B286982E50E}" type="datetimeFigureOut">
               <a:rPr lang="en-NZ" smtClean="0"/>
-              <a:t>8/05/2024</a:t>
+              <a:t>7/06/2024</a:t>
             </a:fld>
             <a:endParaRPr lang="en-NZ" dirty="0"/>
           </a:p>
@@ -4569,7 +4435,7 @@
           <a:p>
             <a:fld id="{9C4A4F43-1C06-40E6-8F87-8B286982E50E}" type="datetimeFigureOut">
               <a:rPr lang="en-NZ" smtClean="0"/>
-              <a:t>8/05/2024</a:t>
+              <a:t>7/06/2024</a:t>
             </a:fld>
             <a:endParaRPr lang="en-NZ" dirty="0"/>
           </a:p>
@@ -4711,7 +4577,7 @@
           <a:p>
             <a:fld id="{9C4A4F43-1C06-40E6-8F87-8B286982E50E}" type="datetimeFigureOut">
               <a:rPr lang="en-NZ" smtClean="0"/>
-              <a:t>8/05/2024</a:t>
+              <a:t>7/06/2024</a:t>
             </a:fld>
             <a:endParaRPr lang="en-NZ" dirty="0"/>
           </a:p>
@@ -4824,7 +4690,7 @@
           <a:p>
             <a:fld id="{9C4A4F43-1C06-40E6-8F87-8B286982E50E}" type="datetimeFigureOut">
               <a:rPr lang="en-NZ" smtClean="0"/>
-              <a:t>8/05/2024</a:t>
+              <a:t>7/06/2024</a:t>
             </a:fld>
             <a:endParaRPr lang="en-NZ" dirty="0"/>
           </a:p>
@@ -5137,7 +5003,7 @@
           <a:p>
             <a:fld id="{9C4A4F43-1C06-40E6-8F87-8B286982E50E}" type="datetimeFigureOut">
               <a:rPr lang="en-NZ" smtClean="0"/>
-              <a:t>8/05/2024</a:t>
+              <a:t>7/06/2024</a:t>
             </a:fld>
             <a:endParaRPr lang="en-NZ" dirty="0"/>
           </a:p>
@@ -5426,7 +5292,7 @@
           <a:p>
             <a:fld id="{9C4A4F43-1C06-40E6-8F87-8B286982E50E}" type="datetimeFigureOut">
               <a:rPr lang="en-NZ" smtClean="0"/>
-              <a:t>8/05/2024</a:t>
+              <a:t>7/06/2024</a:t>
             </a:fld>
             <a:endParaRPr lang="en-NZ" dirty="0"/>
           </a:p>
@@ -5669,7 +5535,7 @@
           <a:p>
             <a:fld id="{9C4A4F43-1C06-40E6-8F87-8B286982E50E}" type="datetimeFigureOut">
               <a:rPr lang="en-NZ" smtClean="0"/>
-              <a:t>8/05/2024</a:t>
+              <a:t>7/06/2024</a:t>
             </a:fld>
             <a:endParaRPr lang="en-NZ" dirty="0"/>
           </a:p>
@@ -6201,6 +6067,17 @@
 <file path=ppt/slides/slide10.xml><?xml version="1.0" encoding="utf-8"?>
 <p:sld xmlns:a="http://schemas.openxmlformats.org/drawingml/2006/main" xmlns:r="http://schemas.openxmlformats.org/officeDocument/2006/relationships" xmlns:p="http://schemas.openxmlformats.org/presentationml/2006/main">
   <p:cSld>
+    <p:bg>
+      <p:bgPr>
+        <a:solidFill>
+          <a:schemeClr val="accent5">
+            <a:lumMod val="40000"/>
+            <a:lumOff val="60000"/>
+          </a:schemeClr>
+        </a:solidFill>
+        <a:effectLst/>
+      </p:bgPr>
+    </p:bg>
     <p:spTree>
       <p:nvGrpSpPr>
         <p:cNvPr id="1" name=""/>
@@ -6220,7 +6097,7 @@
           <p:cNvPr id="2" name="Title 1">
             <a:extLst>
               <a:ext uri="{FF2B5EF4-FFF2-40B4-BE49-F238E27FC236}">
-                <a16:creationId xmlns:a16="http://schemas.microsoft.com/office/drawing/2014/main" id="{929346B1-21F7-4D6B-B685-2CCB524F66E9}"/>
+                <a16:creationId xmlns:a16="http://schemas.microsoft.com/office/drawing/2014/main" id="{183CAE4A-E189-4CAA-B3F5-7E97BC5188E3}"/>
               </a:ext>
             </a:extLst>
           </p:cNvPr>
@@ -6238,16 +6115,8 @@
           <a:p>
             <a:r>
               <a:rPr lang="en-NZ" b="1" dirty="0"/>
-              <a:t>2 Component Test Plan: </a:t>
-            </a:r>
-            <a:br>
-              <a:rPr lang="en-NZ" b="1" dirty="0"/>
-            </a:br>
-            <a:r>
-              <a:rPr lang="en-NZ" sz="3200" b="1" i="1" dirty="0"/>
-              <a:t>&lt;Enter component name&gt;</a:t>
-            </a:r>
-            <a:endParaRPr lang="en-NZ" b="1" i="1" dirty="0"/>
+              <a:t>Assembled Outcome Testing:</a:t>
+            </a:r>
           </a:p>
         </p:txBody>
       </p:sp>
@@ -6256,7 +6125,7 @@
           <p:cNvPr id="3" name="Rectangle 2">
             <a:extLst>
               <a:ext uri="{FF2B5EF4-FFF2-40B4-BE49-F238E27FC236}">
-                <a16:creationId xmlns:a16="http://schemas.microsoft.com/office/drawing/2014/main" id="{F1803FB6-918B-4C8E-9C25-3ECDA665EC35}"/>
+                <a16:creationId xmlns:a16="http://schemas.microsoft.com/office/drawing/2014/main" id="{DB8F61FF-932E-477F-82DD-3F6BB93999C0}"/>
               </a:ext>
             </a:extLst>
           </p:cNvPr>
@@ -6265,8 +6134,8 @@
         </p:nvSpPr>
         <p:spPr>
           <a:xfrm>
-            <a:off x="838199" y="1690688"/>
-            <a:ext cx="9441581" cy="1020921"/>
+            <a:off x="838199" y="1546483"/>
+            <a:ext cx="8767813" cy="1754326"/>
           </a:xfrm>
           <a:prstGeom prst="rect">
             <a:avLst/>
@@ -6278,182 +6147,80 @@
           </a:bodyPr>
           <a:lstStyle/>
           <a:p>
-            <a:pPr>
-              <a:lnSpc>
-                <a:spcPct val="115000"/>
-              </a:lnSpc>
+            <a:pPr marL="0" lvl="0" indent="0" algn="l" rtl="0">
+              <a:spcBef>
+                <a:spcPts val="0"/>
+              </a:spcBef>
               <a:spcAft>
                 <a:spcPts val="0"/>
               </a:spcAft>
+              <a:buClr>
+                <a:schemeClr val="dk1"/>
+              </a:buClr>
+              <a:buSzPts val="1100"/>
+              <a:buFont typeface="Arial"/>
+              <a:buNone/>
             </a:pPr>
             <a:r>
-              <a:rPr lang="en-NZ" i="1" dirty="0">
-                <a:latin typeface="Arial" panose="020B0604020202020204" pitchFamily="34" charset="0"/>
-                <a:ea typeface="Arial" panose="020B0604020202020204" pitchFamily="34" charset="0"/>
+              <a:rPr lang="en-NZ" sz="1800" dirty="0">
+                <a:solidFill>
+                  <a:schemeClr val="dk2"/>
+                </a:solidFill>
               </a:rPr>
-              <a:t>Create a test plan for this component BEFORE you start coding.  Your plan should allow you to test all logical pathways for this component.  It should also include test cases for relevant boundary and unexpected values.</a:t>
-            </a:r>
-          </a:p>
-        </p:txBody>
-      </p:sp>
-      <p:graphicFrame>
-        <p:nvGraphicFramePr>
-          <p:cNvPr id="4" name="Google Shape;92;p19">
-            <a:extLst>
-              <a:ext uri="{FF2B5EF4-FFF2-40B4-BE49-F238E27FC236}">
-                <a16:creationId xmlns:a16="http://schemas.microsoft.com/office/drawing/2014/main" id="{6ED52D96-8A61-4958-ABC1-28942CC17405}"/>
-              </a:ext>
-            </a:extLst>
-          </p:cNvPr>
-          <p:cNvGraphicFramePr/>
-          <p:nvPr>
-            <p:extLst>
-              <p:ext uri="{D42A27DB-BD31-4B8C-83A1-F6EECF244321}">
-                <p14:modId xmlns:p14="http://schemas.microsoft.com/office/powerpoint/2010/main" val="585074915"/>
-              </p:ext>
-            </p:extLst>
-          </p:nvPr>
-        </p:nvGraphicFramePr>
-        <p:xfrm>
-          <a:off x="509967" y="2927272"/>
-          <a:ext cx="11360800" cy="1219120"/>
-        </p:xfrm>
-        <a:graphic>
-          <a:graphicData uri="http://schemas.openxmlformats.org/drawingml/2006/table">
-            <a:tbl>
-              <a:tblPr>
-                <a:noFill/>
-              </a:tblPr>
-              <a:tblGrid>
-                <a:gridCol w="5680400">
-                  <a:extLst>
-                    <a:ext uri="{9D8B030D-6E8A-4147-A177-3AD203B41FA5}">
-                      <a16:colId xmlns:a16="http://schemas.microsoft.com/office/drawing/2014/main" val="20000"/>
-                    </a:ext>
-                  </a:extLst>
-                </a:gridCol>
-                <a:gridCol w="5680400">
-                  <a:extLst>
-                    <a:ext uri="{9D8B030D-6E8A-4147-A177-3AD203B41FA5}">
-                      <a16:colId xmlns:a16="http://schemas.microsoft.com/office/drawing/2014/main" val="20001"/>
-                    </a:ext>
-                  </a:extLst>
-                </a:gridCol>
-              </a:tblGrid>
-              <a:tr h="609560">
-                <a:tc>
-                  <a:txBody>
-                    <a:bodyPr/>
-                    <a:lstStyle/>
-                    <a:p>
-                      <a:pPr marL="0" lvl="0" indent="0" algn="l" rtl="0">
-                        <a:spcBef>
-                          <a:spcPts val="0"/>
-                        </a:spcBef>
-                        <a:spcAft>
-                          <a:spcPts val="0"/>
-                        </a:spcAft>
-                        <a:buNone/>
-                      </a:pPr>
-                      <a:r>
-                        <a:rPr lang="en" sz="2400" b="1" dirty="0"/>
-                        <a:t>Test Cases - input</a:t>
-                      </a:r>
-                      <a:endParaRPr sz="2400" b="1" dirty="0"/>
-                    </a:p>
-                  </a:txBody>
-                  <a:tcPr marL="121900" marR="121900" marT="121900" marB="121900">
-                    <a:solidFill>
-                      <a:srgbClr val="CCCCCC"/>
-                    </a:solidFill>
-                  </a:tcPr>
-                </a:tc>
-                <a:tc>
-                  <a:txBody>
-                    <a:bodyPr/>
-                    <a:lstStyle/>
-                    <a:p>
-                      <a:pPr marL="0" lvl="0" indent="0" algn="l" rtl="0">
-                        <a:spcBef>
-                          <a:spcPts val="0"/>
-                        </a:spcBef>
-                        <a:spcAft>
-                          <a:spcPts val="0"/>
-                        </a:spcAft>
-                        <a:buNone/>
-                      </a:pPr>
-                      <a:r>
-                        <a:rPr lang="en" sz="2400" b="1"/>
-                        <a:t>Expected output</a:t>
-                      </a:r>
-                      <a:endParaRPr sz="2400" b="1" dirty="0"/>
-                    </a:p>
-                  </a:txBody>
-                  <a:tcPr marL="121900" marR="121900" marT="121900" marB="121900">
-                    <a:solidFill>
-                      <a:srgbClr val="CCCCCC"/>
-                    </a:solidFill>
-                  </a:tcPr>
-                </a:tc>
-                <a:extLst>
-                  <a:ext uri="{0D108BD9-81ED-4DB2-BD59-A6C34878D82A}">
-                    <a16:rowId xmlns:a16="http://schemas.microsoft.com/office/drawing/2014/main" val="10000"/>
-                  </a:ext>
-                </a:extLst>
-              </a:tr>
-              <a:tr h="609560">
-                <a:tc>
-                  <a:txBody>
-                    <a:bodyPr/>
-                    <a:lstStyle/>
-                    <a:p>
-                      <a:pPr marL="0" lvl="0" indent="0" algn="l" rtl="0">
-                        <a:spcBef>
-                          <a:spcPts val="0"/>
-                        </a:spcBef>
-                        <a:spcAft>
-                          <a:spcPts val="0"/>
-                        </a:spcAft>
-                        <a:buNone/>
-                      </a:pPr>
-                      <a:endParaRPr sz="2400" dirty="0"/>
-                    </a:p>
-                  </a:txBody>
-                  <a:tcPr marL="121900" marR="121900" marT="121900" marB="121900"/>
-                </a:tc>
-                <a:tc>
-                  <a:txBody>
-                    <a:bodyPr/>
-                    <a:lstStyle/>
-                    <a:p>
-                      <a:pPr marL="0" lvl="0" indent="0" algn="l" rtl="0">
-                        <a:spcBef>
-                          <a:spcPts val="0"/>
-                        </a:spcBef>
-                        <a:spcAft>
-                          <a:spcPts val="0"/>
-                        </a:spcAft>
-                        <a:buNone/>
-                      </a:pPr>
-                      <a:endParaRPr sz="2400" dirty="0"/>
-                    </a:p>
-                  </a:txBody>
-                  <a:tcPr marL="121900" marR="121900" marT="121900" marB="121900"/>
-                </a:tc>
-                <a:extLst>
-                  <a:ext uri="{0D108BD9-81ED-4DB2-BD59-A6C34878D82A}">
-                    <a16:rowId xmlns:a16="http://schemas.microsoft.com/office/drawing/2014/main" val="10001"/>
-                  </a:ext>
-                </a:extLst>
-              </a:tr>
-            </a:tbl>
-          </a:graphicData>
-        </a:graphic>
-      </p:graphicFrame>
+              <a:t>Assemble your components into a working program.  On the slides that follow, please provide a test plan and evidence that your program works as expected.</a:t>
+            </a:r>
+          </a:p>
+          <a:p>
+            <a:pPr marL="0" lvl="0" indent="0" algn="l" rtl="0">
+              <a:spcBef>
+                <a:spcPts val="0"/>
+              </a:spcBef>
+              <a:spcAft>
+                <a:spcPts val="0"/>
+              </a:spcAft>
+              <a:buClr>
+                <a:schemeClr val="dk1"/>
+              </a:buClr>
+              <a:buSzPts val="1100"/>
+              <a:buFont typeface="Arial"/>
+              <a:buNone/>
+            </a:pPr>
+            <a:endParaRPr lang="en-NZ" sz="1800" dirty="0">
+              <a:solidFill>
+                <a:schemeClr val="dk2"/>
+              </a:solidFill>
+            </a:endParaRPr>
+          </a:p>
+          <a:p>
+            <a:pPr marL="0" lvl="0" indent="0" algn="l" rtl="0">
+              <a:spcBef>
+                <a:spcPts val="0"/>
+              </a:spcBef>
+              <a:spcAft>
+                <a:spcPts val="0"/>
+              </a:spcAft>
+              <a:buClr>
+                <a:schemeClr val="dk1"/>
+              </a:buClr>
+              <a:buSzPts val="1100"/>
+              <a:buFont typeface="Arial"/>
+              <a:buNone/>
+            </a:pPr>
+            <a:r>
+              <a:rPr lang="en-NZ" sz="1800" dirty="0">
+                <a:solidFill>
+                  <a:schemeClr val="dk2"/>
+                </a:solidFill>
+              </a:rPr>
+              <a:t>If you are going for M / E, you also need to create extra slides showing how you have used your testing to improve the functionality of your program.  This could mean having multiple test plans (and screenshots) showing several iterations of the assembled program.</a:t>
+            </a:r>
+          </a:p>
+        </p:txBody>
+      </p:sp>
     </p:spTree>
     <p:extLst>
       <p:ext uri="{BB962C8B-B14F-4D97-AF65-F5344CB8AC3E}">
-        <p14:creationId xmlns:p14="http://schemas.microsoft.com/office/powerpoint/2010/main" val="278186575"/>
+        <p14:creationId xmlns:p14="http://schemas.microsoft.com/office/powerpoint/2010/main" val="1084233196"/>
       </p:ext>
     </p:extLst>
   </p:cSld>
@@ -6485,7 +6252,7 @@
           <p:cNvPr id="2" name="Title 1">
             <a:extLst>
               <a:ext uri="{FF2B5EF4-FFF2-40B4-BE49-F238E27FC236}">
-                <a16:creationId xmlns:a16="http://schemas.microsoft.com/office/drawing/2014/main" id="{929346B1-21F7-4D6B-B685-2CCB524F66E9}"/>
+                <a16:creationId xmlns:a16="http://schemas.microsoft.com/office/drawing/2014/main" id="{2BA6171A-A641-4513-B116-739642385FE1}"/>
               </a:ext>
             </a:extLst>
           </p:cNvPr>
@@ -6503,14 +6270,11 @@
           <a:p>
             <a:r>
               <a:rPr lang="en-NZ" b="1" dirty="0"/>
-              <a:t>3 Evidence of testing:</a:t>
-            </a:r>
-            <a:br>
-              <a:rPr lang="en-NZ" b="1" dirty="0"/>
-            </a:br>
-            <a:r>
-              <a:rPr lang="en-NZ" sz="3200" b="1" i="1" dirty="0"/>
-              <a:t>&lt;Enter component name&gt;</a:t>
+              <a:t>1 Assembled Outcome Testing – </a:t>
+            </a:r>
+            <a:r>
+              <a:rPr lang="en-NZ" b="1" i="1" dirty="0"/>
+              <a:t>Test Plan</a:t>
             </a:r>
           </a:p>
         </p:txBody>
@@ -6520,7 +6284,7 @@
           <p:cNvPr id="3" name="Rectangle 2">
             <a:extLst>
               <a:ext uri="{FF2B5EF4-FFF2-40B4-BE49-F238E27FC236}">
-                <a16:creationId xmlns:a16="http://schemas.microsoft.com/office/drawing/2014/main" id="{F1803FB6-918B-4C8E-9C25-3ECDA665EC35}"/>
+                <a16:creationId xmlns:a16="http://schemas.microsoft.com/office/drawing/2014/main" id="{DFE20FB7-79E2-4CDA-9D18-45BA2EE30A24}"/>
               </a:ext>
             </a:extLst>
           </p:cNvPr>
@@ -6529,8 +6293,8 @@
         </p:nvSpPr>
         <p:spPr>
           <a:xfrm>
-            <a:off x="838199" y="1690688"/>
-            <a:ext cx="9441581" cy="1020921"/>
+            <a:off x="838199" y="1556108"/>
+            <a:ext cx="9682213" cy="1200329"/>
           </a:xfrm>
           <a:prstGeom prst="rect">
             <a:avLst/>
@@ -6542,42 +6306,80 @@
           </a:bodyPr>
           <a:lstStyle/>
           <a:p>
-            <a:pPr>
-              <a:lnSpc>
-                <a:spcPct val="115000"/>
-              </a:lnSpc>
+            <a:pPr marL="0" lvl="0" indent="0" algn="l" rtl="0">
+              <a:spcBef>
+                <a:spcPts val="0"/>
+              </a:spcBef>
               <a:spcAft>
                 <a:spcPts val="0"/>
               </a:spcAft>
+              <a:buClr>
+                <a:schemeClr val="dk1"/>
+              </a:buClr>
+              <a:buSzPts val="1100"/>
+              <a:buFont typeface="Arial"/>
+              <a:buNone/>
             </a:pPr>
             <a:r>
-              <a:rPr lang="en-NZ" i="1" dirty="0">
-                <a:latin typeface="Arial" panose="020B0604020202020204" pitchFamily="34" charset="0"/>
-                <a:ea typeface="Arial" panose="020B0604020202020204" pitchFamily="34" charset="0"/>
+              <a:rPr lang="en-NZ" sz="1800" i="1" dirty="0">
+                <a:solidFill>
+                  <a:schemeClr val="dk2"/>
+                </a:solidFill>
               </a:rPr>
-              <a:t>Use this slide to provide evidence that you have tested your component in accordance with the test plan you developed earlier.</a:t>
-            </a:r>
-          </a:p>
-          <a:p>
-            <a:pPr>
-              <a:lnSpc>
-                <a:spcPct val="115000"/>
-              </a:lnSpc>
+              <a:t>Use this slide to provide a test plan for your complete program.  You may wish to create multiple slides so that you can test for expected, boundary and unexpected cases.  </a:t>
+            </a:r>
+          </a:p>
+          <a:p>
+            <a:pPr marL="0" lvl="0" indent="0" algn="l" rtl="0">
+              <a:spcBef>
+                <a:spcPts val="0"/>
+              </a:spcBef>
               <a:spcAft>
                 <a:spcPts val="0"/>
               </a:spcAft>
+              <a:buClr>
+                <a:schemeClr val="dk1"/>
+              </a:buClr>
+              <a:buSzPts val="1100"/>
+              <a:buFont typeface="Arial"/>
+              <a:buNone/>
             </a:pPr>
-            <a:endParaRPr lang="en-NZ" i="1" dirty="0">
-              <a:latin typeface="Arial" panose="020B0604020202020204" pitchFamily="34" charset="0"/>
-              <a:ea typeface="Arial" panose="020B0604020202020204" pitchFamily="34" charset="0"/>
+            <a:endParaRPr lang="en-NZ" sz="1800" i="1" dirty="0">
+              <a:solidFill>
+                <a:schemeClr val="dk2"/>
+              </a:solidFill>
             </a:endParaRPr>
+          </a:p>
+          <a:p>
+            <a:pPr marL="0" lvl="0" indent="0" algn="l" rtl="0">
+              <a:spcBef>
+                <a:spcPts val="0"/>
+              </a:spcBef>
+              <a:spcAft>
+                <a:spcPts val="0"/>
+              </a:spcAft>
+              <a:buClr>
+                <a:schemeClr val="dk1"/>
+              </a:buClr>
+              <a:buSzPts val="1100"/>
+              <a:buFont typeface="Arial"/>
+              <a:buNone/>
+            </a:pPr>
+            <a:r>
+              <a:rPr lang="en-NZ" sz="1800" i="1" dirty="0">
+                <a:solidFill>
+                  <a:schemeClr val="dk2"/>
+                </a:solidFill>
+              </a:rPr>
+              <a:t>Remember to test ALL logical pathways so that you can ensure your program works correctly.</a:t>
+            </a:r>
           </a:p>
         </p:txBody>
       </p:sp>
     </p:spTree>
     <p:extLst>
       <p:ext uri="{BB962C8B-B14F-4D97-AF65-F5344CB8AC3E}">
-        <p14:creationId xmlns:p14="http://schemas.microsoft.com/office/powerpoint/2010/main" val="3701034081"/>
+        <p14:creationId xmlns:p14="http://schemas.microsoft.com/office/powerpoint/2010/main" val="4083204153"/>
       </p:ext>
     </p:extLst>
   </p:cSld>
@@ -6590,17 +6392,6 @@
 <file path=ppt/slides/slide12.xml><?xml version="1.0" encoding="utf-8"?>
 <p:sld xmlns:a="http://schemas.openxmlformats.org/drawingml/2006/main" xmlns:r="http://schemas.openxmlformats.org/officeDocument/2006/relationships" xmlns:p="http://schemas.openxmlformats.org/presentationml/2006/main">
   <p:cSld>
-    <p:bg>
-      <p:bgPr>
-        <a:solidFill>
-          <a:schemeClr val="accent5">
-            <a:lumMod val="40000"/>
-            <a:lumOff val="60000"/>
-          </a:schemeClr>
-        </a:solidFill>
-        <a:effectLst/>
-      </p:bgPr>
-    </p:bg>
     <p:spTree>
       <p:nvGrpSpPr>
         <p:cNvPr id="1" name=""/>
@@ -6620,7 +6411,7 @@
           <p:cNvPr id="2" name="Title 1">
             <a:extLst>
               <a:ext uri="{FF2B5EF4-FFF2-40B4-BE49-F238E27FC236}">
-                <a16:creationId xmlns:a16="http://schemas.microsoft.com/office/drawing/2014/main" id="{183CAE4A-E189-4CAA-B3F5-7E97BC5188E3}"/>
+                <a16:creationId xmlns:a16="http://schemas.microsoft.com/office/drawing/2014/main" id="{2BA6171A-A641-4513-B116-739642385FE1}"/>
               </a:ext>
             </a:extLst>
           </p:cNvPr>
@@ -6638,7 +6429,11 @@
           <a:p>
             <a:r>
               <a:rPr lang="en-NZ" b="1" dirty="0"/>
-              <a:t>Assembled Outcome Testing:</a:t>
+              <a:t>2 Assembled Outcome Testing - </a:t>
+            </a:r>
+            <a:r>
+              <a:rPr lang="en-NZ" b="1" i="1" dirty="0"/>
+              <a:t>Evidence</a:t>
             </a:r>
           </a:p>
         </p:txBody>
@@ -6648,7 +6443,7 @@
           <p:cNvPr id="3" name="Rectangle 2">
             <a:extLst>
               <a:ext uri="{FF2B5EF4-FFF2-40B4-BE49-F238E27FC236}">
-                <a16:creationId xmlns:a16="http://schemas.microsoft.com/office/drawing/2014/main" id="{DB8F61FF-932E-477F-82DD-3F6BB93999C0}"/>
+                <a16:creationId xmlns:a16="http://schemas.microsoft.com/office/drawing/2014/main" id="{DFE20FB7-79E2-4CDA-9D18-45BA2EE30A24}"/>
               </a:ext>
             </a:extLst>
           </p:cNvPr>
@@ -6657,8 +6452,8 @@
         </p:nvSpPr>
         <p:spPr>
           <a:xfrm>
-            <a:off x="838199" y="1546483"/>
-            <a:ext cx="8767813" cy="1754326"/>
+            <a:off x="838199" y="1556108"/>
+            <a:ext cx="9682213" cy="646331"/>
           </a:xfrm>
           <a:prstGeom prst="rect">
             <a:avLst/>
@@ -6690,52 +6485,7 @@
                   <a:schemeClr val="dk2"/>
                 </a:solidFill>
               </a:rPr>
-              <a:t>Assemble your components into a working program.  On the slides that follow, please provide a test plan and evidence that your program works as expected.</a:t>
-            </a:r>
-          </a:p>
-          <a:p>
-            <a:pPr marL="0" lvl="0" indent="0" algn="l" rtl="0">
-              <a:spcBef>
-                <a:spcPts val="0"/>
-              </a:spcBef>
-              <a:spcAft>
-                <a:spcPts val="0"/>
-              </a:spcAft>
-              <a:buClr>
-                <a:schemeClr val="dk1"/>
-              </a:buClr>
-              <a:buSzPts val="1100"/>
-              <a:buFont typeface="Arial"/>
-              <a:buNone/>
-            </a:pPr>
-            <a:endParaRPr lang="en-NZ" sz="1800" dirty="0">
-              <a:solidFill>
-                <a:schemeClr val="dk2"/>
-              </a:solidFill>
-            </a:endParaRPr>
-          </a:p>
-          <a:p>
-            <a:pPr marL="0" lvl="0" indent="0" algn="l" rtl="0">
-              <a:spcBef>
-                <a:spcPts val="0"/>
-              </a:spcBef>
-              <a:spcAft>
-                <a:spcPts val="0"/>
-              </a:spcAft>
-              <a:buClr>
-                <a:schemeClr val="dk1"/>
-              </a:buClr>
-              <a:buSzPts val="1100"/>
-              <a:buFont typeface="Arial"/>
-              <a:buNone/>
-            </a:pPr>
-            <a:r>
-              <a:rPr lang="en-NZ" sz="1800" dirty="0">
-                <a:solidFill>
-                  <a:schemeClr val="dk2"/>
-                </a:solidFill>
-              </a:rPr>
-              <a:t>If you are going for M / E, you also need to create extra slides showing how you have used your testing to improve the functionality of your program.  This could mean having multiple test plans (and screenshots) showing several iterations of the assembled program.</a:t>
+              <a:t>Create as many slides as needed to provide evidence of testing that your outcome works for expected, boundary and unexpected cases.  </a:t>
             </a:r>
           </a:p>
         </p:txBody>
@@ -6743,7 +6493,7 @@
     </p:spTree>
     <p:extLst>
       <p:ext uri="{BB962C8B-B14F-4D97-AF65-F5344CB8AC3E}">
-        <p14:creationId xmlns:p14="http://schemas.microsoft.com/office/powerpoint/2010/main" val="1084233196"/>
+        <p14:creationId xmlns:p14="http://schemas.microsoft.com/office/powerpoint/2010/main" val="3773934657"/>
       </p:ext>
     </p:extLst>
   </p:cSld>
@@ -6775,279 +6525,6 @@
           <p:cNvPr id="2" name="Title 1">
             <a:extLst>
               <a:ext uri="{FF2B5EF4-FFF2-40B4-BE49-F238E27FC236}">
-                <a16:creationId xmlns:a16="http://schemas.microsoft.com/office/drawing/2014/main" id="{2BA6171A-A641-4513-B116-739642385FE1}"/>
-              </a:ext>
-            </a:extLst>
-          </p:cNvPr>
-          <p:cNvSpPr>
-            <a:spLocks noGrp="1"/>
-          </p:cNvSpPr>
-          <p:nvPr>
-            <p:ph type="title"/>
-          </p:nvPr>
-        </p:nvSpPr>
-        <p:spPr/>
-        <p:txBody>
-          <a:bodyPr/>
-          <a:lstStyle/>
-          <a:p>
-            <a:r>
-              <a:rPr lang="en-NZ" b="1" dirty="0"/>
-              <a:t>1 Assembled Outcome Testing – </a:t>
-            </a:r>
-            <a:r>
-              <a:rPr lang="en-NZ" b="1" i="1" dirty="0"/>
-              <a:t>Test Plan</a:t>
-            </a:r>
-          </a:p>
-        </p:txBody>
-      </p:sp>
-      <p:sp>
-        <p:nvSpPr>
-          <p:cNvPr id="3" name="Rectangle 2">
-            <a:extLst>
-              <a:ext uri="{FF2B5EF4-FFF2-40B4-BE49-F238E27FC236}">
-                <a16:creationId xmlns:a16="http://schemas.microsoft.com/office/drawing/2014/main" id="{DFE20FB7-79E2-4CDA-9D18-45BA2EE30A24}"/>
-              </a:ext>
-            </a:extLst>
-          </p:cNvPr>
-          <p:cNvSpPr/>
-          <p:nvPr/>
-        </p:nvSpPr>
-        <p:spPr>
-          <a:xfrm>
-            <a:off x="838199" y="1556108"/>
-            <a:ext cx="9682213" cy="1200329"/>
-          </a:xfrm>
-          <a:prstGeom prst="rect">
-            <a:avLst/>
-          </a:prstGeom>
-        </p:spPr>
-        <p:txBody>
-          <a:bodyPr wrap="square">
-            <a:spAutoFit/>
-          </a:bodyPr>
-          <a:lstStyle/>
-          <a:p>
-            <a:pPr marL="0" lvl="0" indent="0" algn="l" rtl="0">
-              <a:spcBef>
-                <a:spcPts val="0"/>
-              </a:spcBef>
-              <a:spcAft>
-                <a:spcPts val="0"/>
-              </a:spcAft>
-              <a:buClr>
-                <a:schemeClr val="dk1"/>
-              </a:buClr>
-              <a:buSzPts val="1100"/>
-              <a:buFont typeface="Arial"/>
-              <a:buNone/>
-            </a:pPr>
-            <a:r>
-              <a:rPr lang="en-NZ" sz="1800" i="1" dirty="0">
-                <a:solidFill>
-                  <a:schemeClr val="dk2"/>
-                </a:solidFill>
-              </a:rPr>
-              <a:t>Use this slide to provide a test plan for your complete program.  You may wish to create multiple slides so that you can test for expected, boundary and unexpected cases.  </a:t>
-            </a:r>
-          </a:p>
-          <a:p>
-            <a:pPr marL="0" lvl="0" indent="0" algn="l" rtl="0">
-              <a:spcBef>
-                <a:spcPts val="0"/>
-              </a:spcBef>
-              <a:spcAft>
-                <a:spcPts val="0"/>
-              </a:spcAft>
-              <a:buClr>
-                <a:schemeClr val="dk1"/>
-              </a:buClr>
-              <a:buSzPts val="1100"/>
-              <a:buFont typeface="Arial"/>
-              <a:buNone/>
-            </a:pPr>
-            <a:endParaRPr lang="en-NZ" sz="1800" i="1" dirty="0">
-              <a:solidFill>
-                <a:schemeClr val="dk2"/>
-              </a:solidFill>
-            </a:endParaRPr>
-          </a:p>
-          <a:p>
-            <a:pPr marL="0" lvl="0" indent="0" algn="l" rtl="0">
-              <a:spcBef>
-                <a:spcPts val="0"/>
-              </a:spcBef>
-              <a:spcAft>
-                <a:spcPts val="0"/>
-              </a:spcAft>
-              <a:buClr>
-                <a:schemeClr val="dk1"/>
-              </a:buClr>
-              <a:buSzPts val="1100"/>
-              <a:buFont typeface="Arial"/>
-              <a:buNone/>
-            </a:pPr>
-            <a:r>
-              <a:rPr lang="en-NZ" sz="1800" i="1" dirty="0">
-                <a:solidFill>
-                  <a:schemeClr val="dk2"/>
-                </a:solidFill>
-              </a:rPr>
-              <a:t>Remember to test ALL logical pathways so that you can ensure your program works correctly.</a:t>
-            </a:r>
-          </a:p>
-        </p:txBody>
-      </p:sp>
-    </p:spTree>
-    <p:extLst>
-      <p:ext uri="{BB962C8B-B14F-4D97-AF65-F5344CB8AC3E}">
-        <p14:creationId xmlns:p14="http://schemas.microsoft.com/office/powerpoint/2010/main" val="4083204153"/>
-      </p:ext>
-    </p:extLst>
-  </p:cSld>
-  <p:clrMapOvr>
-    <a:masterClrMapping/>
-  </p:clrMapOvr>
-</p:sld>
-</file>
-
-<file path=ppt/slides/slide14.xml><?xml version="1.0" encoding="utf-8"?>
-<p:sld xmlns:a="http://schemas.openxmlformats.org/drawingml/2006/main" xmlns:r="http://schemas.openxmlformats.org/officeDocument/2006/relationships" xmlns:p="http://schemas.openxmlformats.org/presentationml/2006/main">
-  <p:cSld>
-    <p:spTree>
-      <p:nvGrpSpPr>
-        <p:cNvPr id="1" name=""/>
-        <p:cNvGrpSpPr/>
-        <p:nvPr/>
-      </p:nvGrpSpPr>
-      <p:grpSpPr>
-        <a:xfrm>
-          <a:off x="0" y="0"/>
-          <a:ext cx="0" cy="0"/>
-          <a:chOff x="0" y="0"/>
-          <a:chExt cx="0" cy="0"/>
-        </a:xfrm>
-      </p:grpSpPr>
-      <p:sp>
-        <p:nvSpPr>
-          <p:cNvPr id="2" name="Title 1">
-            <a:extLst>
-              <a:ext uri="{FF2B5EF4-FFF2-40B4-BE49-F238E27FC236}">
-                <a16:creationId xmlns:a16="http://schemas.microsoft.com/office/drawing/2014/main" id="{2BA6171A-A641-4513-B116-739642385FE1}"/>
-              </a:ext>
-            </a:extLst>
-          </p:cNvPr>
-          <p:cNvSpPr>
-            <a:spLocks noGrp="1"/>
-          </p:cNvSpPr>
-          <p:nvPr>
-            <p:ph type="title"/>
-          </p:nvPr>
-        </p:nvSpPr>
-        <p:spPr/>
-        <p:txBody>
-          <a:bodyPr/>
-          <a:lstStyle/>
-          <a:p>
-            <a:r>
-              <a:rPr lang="en-NZ" b="1" dirty="0"/>
-              <a:t>2 Assembled Outcome Testing - </a:t>
-            </a:r>
-            <a:r>
-              <a:rPr lang="en-NZ" b="1" i="1" dirty="0"/>
-              <a:t>Evidence</a:t>
-            </a:r>
-          </a:p>
-        </p:txBody>
-      </p:sp>
-      <p:sp>
-        <p:nvSpPr>
-          <p:cNvPr id="3" name="Rectangle 2">
-            <a:extLst>
-              <a:ext uri="{FF2B5EF4-FFF2-40B4-BE49-F238E27FC236}">
-                <a16:creationId xmlns:a16="http://schemas.microsoft.com/office/drawing/2014/main" id="{DFE20FB7-79E2-4CDA-9D18-45BA2EE30A24}"/>
-              </a:ext>
-            </a:extLst>
-          </p:cNvPr>
-          <p:cNvSpPr/>
-          <p:nvPr/>
-        </p:nvSpPr>
-        <p:spPr>
-          <a:xfrm>
-            <a:off x="838199" y="1556108"/>
-            <a:ext cx="9682213" cy="646331"/>
-          </a:xfrm>
-          <a:prstGeom prst="rect">
-            <a:avLst/>
-          </a:prstGeom>
-        </p:spPr>
-        <p:txBody>
-          <a:bodyPr wrap="square">
-            <a:spAutoFit/>
-          </a:bodyPr>
-          <a:lstStyle/>
-          <a:p>
-            <a:pPr marL="0" lvl="0" indent="0" algn="l" rtl="0">
-              <a:spcBef>
-                <a:spcPts val="0"/>
-              </a:spcBef>
-              <a:spcAft>
-                <a:spcPts val="0"/>
-              </a:spcAft>
-              <a:buClr>
-                <a:schemeClr val="dk1"/>
-              </a:buClr>
-              <a:buSzPts val="1100"/>
-              <a:buFont typeface="Arial"/>
-              <a:buNone/>
-            </a:pPr>
-            <a:r>
-              <a:rPr lang="en-NZ" sz="1800" dirty="0">
-                <a:solidFill>
-                  <a:schemeClr val="dk2"/>
-                </a:solidFill>
-              </a:rPr>
-              <a:t>Create as many slides as needed to provide evidence of testing that your outcome works for expected, boundary and unexpected cases.  </a:t>
-            </a:r>
-          </a:p>
-        </p:txBody>
-      </p:sp>
-    </p:spTree>
-    <p:extLst>
-      <p:ext uri="{BB962C8B-B14F-4D97-AF65-F5344CB8AC3E}">
-        <p14:creationId xmlns:p14="http://schemas.microsoft.com/office/powerpoint/2010/main" val="3773934657"/>
-      </p:ext>
-    </p:extLst>
-  </p:cSld>
-  <p:clrMapOvr>
-    <a:masterClrMapping/>
-  </p:clrMapOvr>
-</p:sld>
-</file>
-
-<file path=ppt/slides/slide15.xml><?xml version="1.0" encoding="utf-8"?>
-<p:sld xmlns:a="http://schemas.openxmlformats.org/drawingml/2006/main" xmlns:r="http://schemas.openxmlformats.org/officeDocument/2006/relationships" xmlns:p="http://schemas.openxmlformats.org/presentationml/2006/main">
-  <p:cSld>
-    <p:spTree>
-      <p:nvGrpSpPr>
-        <p:cNvPr id="1" name=""/>
-        <p:cNvGrpSpPr/>
-        <p:nvPr/>
-      </p:nvGrpSpPr>
-      <p:grpSpPr>
-        <a:xfrm>
-          <a:off x="0" y="0"/>
-          <a:ext cx="0" cy="0"/>
-          <a:chOff x="0" y="0"/>
-          <a:chExt cx="0" cy="0"/>
-        </a:xfrm>
-      </p:grpSpPr>
-      <p:sp>
-        <p:nvSpPr>
-          <p:cNvPr id="2" name="Title 1">
-            <a:extLst>
-              <a:ext uri="{FF2B5EF4-FFF2-40B4-BE49-F238E27FC236}">
                 <a16:creationId xmlns:a16="http://schemas.microsoft.com/office/drawing/2014/main" id="{9BF3066F-120D-4CF3-8985-4C98C0AA647F}"/>
               </a:ext>
             </a:extLst>
@@ -7086,7 +6563,7 @@
         <p:spPr>
           <a:xfrm>
             <a:off x="838200" y="1470395"/>
-            <a:ext cx="8122920" cy="1200329"/>
+            <a:ext cx="8122920" cy="4207306"/>
           </a:xfrm>
           <a:prstGeom prst="rect">
             <a:avLst/>
@@ -7113,13 +6590,114 @@
               <a:buNone/>
             </a:pPr>
             <a:r>
-              <a:rPr lang="en-NZ" sz="1800" dirty="0">
+              <a:rPr lang="en-NZ" sz="1200" dirty="0">
                 <a:solidFill>
                   <a:schemeClr val="dk2"/>
                 </a:solidFill>
               </a:rPr>
               <a:t>Discuss how you used (and combined) information gained from the planning, testing and trialling of your components to improve the quality of your program.  Note that synthesising information from planning, testing and trialling of components and then discussing how this led to a high quality outcome is needed for an E grade.</a:t>
             </a:r>
+          </a:p>
+          <a:p>
+            <a:pPr marL="285750" indent="-228600">
+              <a:lnSpc>
+                <a:spcPct val="90000"/>
+              </a:lnSpc>
+              <a:spcAft>
+                <a:spcPts val="600"/>
+              </a:spcAft>
+              <a:buFont typeface="Arial" panose="020B0604020202020204" pitchFamily="34" charset="0"/>
+              <a:buChar char="•"/>
+            </a:pPr>
+            <a:r>
+              <a:rPr lang="en-US" sz="1200" dirty="0"/>
+              <a:t>While developing this program, planned, tested, and trailed its components and then later as a whole working Monster card program, as shown in my evidence I tested every component, checking the program worked correctly on the boundary and unexpected inputs, and I trialed Main Menu, search cards and the ability to save/load data by making two solutions for the same problem then choosing the better one.</a:t>
+            </a:r>
+          </a:p>
+          <a:p>
+            <a:pPr marL="285750" indent="-228600">
+              <a:lnSpc>
+                <a:spcPct val="90000"/>
+              </a:lnSpc>
+              <a:spcAft>
+                <a:spcPts val="600"/>
+              </a:spcAft>
+              <a:buFont typeface="Arial" panose="020B0604020202020204" pitchFamily="34" charset="0"/>
+              <a:buChar char="•"/>
+            </a:pPr>
+            <a:r>
+              <a:rPr lang="en-US" sz="1200" dirty="0"/>
+              <a:t>By decomposing the problem, I was able to plan my program efficiently and was able to focus on creating and testing small chunks of code. Each of these chunks was thoroughly tested during and after construction, as you can see from my Trello board and the Trello decomposition slide for each component. I then used this to manage my time and take on small chinks of code one at a time, allowing me to create a comprehensive program in the selected timeframe.</a:t>
+            </a:r>
+          </a:p>
+          <a:p>
+            <a:pPr marL="285750" indent="-228600">
+              <a:lnSpc>
+                <a:spcPct val="90000"/>
+              </a:lnSpc>
+              <a:spcAft>
+                <a:spcPts val="600"/>
+              </a:spcAft>
+              <a:buFont typeface="Arial" panose="020B0604020202020204" pitchFamily="34" charset="0"/>
+              <a:buChar char="•"/>
+            </a:pPr>
+            <a:r>
+              <a:rPr lang="en-US" sz="1200" dirty="0"/>
+              <a:t>By testing, was able to find and fix the flaws in my program before combining them into the full program, as you can see in each component, such as when I added none checkers to take care of accidental entry of nothing and checked if there were cards when deleting cards to avoid unwanted errors that crash the program.</a:t>
+            </a:r>
+          </a:p>
+          <a:p>
+            <a:pPr marL="285750" indent="-228600">
+              <a:lnSpc>
+                <a:spcPct val="90000"/>
+              </a:lnSpc>
+              <a:spcAft>
+                <a:spcPts val="600"/>
+              </a:spcAft>
+              <a:buFont typeface="Arial" panose="020B0604020202020204" pitchFamily="34" charset="0"/>
+              <a:buChar char="•"/>
+            </a:pPr>
+            <a:r>
+              <a:rPr lang="en-US" sz="1200" dirty="0"/>
+              <a:t>Having volunteers test my program enabled me to further improve its functionality and get ideas about how to make it better which raised the reliability and quality of the finished program, such as when I had some of my peers use the Program and give me feedback, which included the search cards being disorienting and the instructions not clear enough, which led me to change the search for cards and to change the instructions.</a:t>
+            </a:r>
+          </a:p>
+          <a:p>
+            <a:pPr marL="285750" indent="-228600">
+              <a:lnSpc>
+                <a:spcPct val="90000"/>
+              </a:lnSpc>
+              <a:spcAft>
+                <a:spcPts val="600"/>
+              </a:spcAft>
+              <a:buFont typeface="Arial" panose="020B0604020202020204" pitchFamily="34" charset="0"/>
+              <a:buChar char="•"/>
+            </a:pPr>
+            <a:r>
+              <a:rPr lang="en-US" sz="1200" dirty="0"/>
+              <a:t>User feedback enabled me to look at the program from a non-programmer's point of view. This, combined with the information I got from the earlier Planning, testing, and trailing, enabled me to produce a high-quality program. This program is resilient to errors and crashing on unexpected inputs.</a:t>
+            </a:r>
+          </a:p>
+          <a:p>
+            <a:pPr marL="0" lvl="0" indent="0" algn="l" rtl="0">
+              <a:spcBef>
+                <a:spcPts val="0"/>
+              </a:spcBef>
+              <a:spcAft>
+                <a:spcPts val="0"/>
+              </a:spcAft>
+              <a:buClr>
+                <a:schemeClr val="dk1"/>
+              </a:buClr>
+              <a:buSzPts val="1100"/>
+              <a:buFont typeface="Arial"/>
+              <a:buNone/>
+            </a:pPr>
+            <a:endParaRPr lang="en-NZ" sz="1200" dirty="0">
+              <a:solidFill>
+                <a:schemeClr val="dk2"/>
+              </a:solidFill>
+            </a:endParaRPr>
           </a:p>
         </p:txBody>
       </p:sp>
@@ -7176,7 +6754,7 @@
           <a:p>
             <a:r>
               <a:rPr lang="en-NZ" b="1" dirty="0"/>
-              <a:t>[Overtype this with your program name]</a:t>
+              <a:t>Crazy_Crashers_Final.py</a:t>
             </a:r>
             <a:endParaRPr lang="en-NZ" dirty="0"/>
           </a:p>
@@ -7406,18 +6984,10 @@
                   <a:srgbClr val="274E13"/>
                 </a:solidFill>
               </a:rPr>
-              <a:t>Link to GitHub Repository</a:t>
-            </a:r>
-            <a:r>
-              <a:rPr lang="en-NZ" sz="2000" b="1">
-                <a:solidFill>
-                  <a:srgbClr val="274E13"/>
-                </a:solidFill>
-              </a:rPr>
-              <a:t>: </a:t>
-            </a:r>
-            <a:r>
-              <a:rPr lang="en-NZ" sz="2000" b="1">
+              <a:t>Link to GitHub Repository: </a:t>
+            </a:r>
+            <a:r>
+              <a:rPr lang="en-NZ" sz="2000" b="1" dirty="0">
                 <a:solidFill>
                   <a:srgbClr val="274E13"/>
                 </a:solidFill>
@@ -7559,127 +7129,6 @@
           </a:p>
         </p:txBody>
       </p:sp>
-      <p:graphicFrame>
-        <p:nvGraphicFramePr>
-          <p:cNvPr id="6" name="Google Shape;56;p13">
-            <a:extLst>
-              <a:ext uri="{FF2B5EF4-FFF2-40B4-BE49-F238E27FC236}">
-                <a16:creationId xmlns:a16="http://schemas.microsoft.com/office/drawing/2014/main" id="{A0658CEC-C8BE-4EBE-8618-7B97BA7329B8}"/>
-              </a:ext>
-            </a:extLst>
-          </p:cNvPr>
-          <p:cNvGraphicFramePr/>
-          <p:nvPr/>
-        </p:nvGraphicFramePr>
-        <p:xfrm>
-          <a:off x="1693460" y="4327480"/>
-          <a:ext cx="8520600" cy="1859026"/>
-        </p:xfrm>
-        <a:graphic>
-          <a:graphicData uri="http://schemas.openxmlformats.org/drawingml/2006/table">
-            <a:tbl>
-              <a:tblPr>
-                <a:noFill/>
-              </a:tblPr>
-              <a:tblGrid>
-                <a:gridCol w="8520600">
-                  <a:extLst>
-                    <a:ext uri="{9D8B030D-6E8A-4147-A177-3AD203B41FA5}">
-                      <a16:colId xmlns:a16="http://schemas.microsoft.com/office/drawing/2014/main" val="20000"/>
-                    </a:ext>
-                  </a:extLst>
-                </a:gridCol>
-              </a:tblGrid>
-              <a:tr h="1495600">
-                <a:tc>
-                  <a:txBody>
-                    <a:bodyPr/>
-                    <a:lstStyle/>
-                    <a:p>
-                      <a:pPr marL="0" lvl="0" indent="0" algn="l" rtl="0">
-                        <a:lnSpc>
-                          <a:spcPct val="115000"/>
-                        </a:lnSpc>
-                        <a:spcBef>
-                          <a:spcPts val="0"/>
-                        </a:spcBef>
-                        <a:spcAft>
-                          <a:spcPts val="0"/>
-                        </a:spcAft>
-                        <a:buNone/>
-                      </a:pPr>
-                      <a:r>
-                        <a:rPr lang="en" sz="2000" b="1" i="1" dirty="0">
-                          <a:solidFill>
-                            <a:srgbClr val="990000"/>
-                          </a:solidFill>
-                        </a:rPr>
-                        <a:t>Ensure you have made these links ‘public’ so that they are open to anyone, including the marker.</a:t>
-                      </a:r>
-                    </a:p>
-                    <a:p>
-                      <a:pPr marL="0" lvl="0" indent="0" algn="l" rtl="0">
-                        <a:lnSpc>
-                          <a:spcPct val="115000"/>
-                        </a:lnSpc>
-                        <a:spcBef>
-                          <a:spcPts val="0"/>
-                        </a:spcBef>
-                        <a:spcAft>
-                          <a:spcPts val="0"/>
-                        </a:spcAft>
-                        <a:buNone/>
-                      </a:pPr>
-                      <a:endParaRPr lang="en" sz="2000" b="1" i="1" dirty="0">
-                        <a:solidFill>
-                          <a:srgbClr val="990000"/>
-                        </a:solidFill>
-                      </a:endParaRPr>
-                    </a:p>
-                    <a:p>
-                      <a:pPr marL="0" lvl="0" indent="0" algn="l" rtl="0">
-                        <a:lnSpc>
-                          <a:spcPct val="115000"/>
-                        </a:lnSpc>
-                        <a:spcBef>
-                          <a:spcPts val="0"/>
-                        </a:spcBef>
-                        <a:spcAft>
-                          <a:spcPts val="0"/>
-                        </a:spcAft>
-                        <a:buNone/>
-                      </a:pPr>
-                      <a:r>
-                        <a:rPr lang="en" sz="2000" b="1" i="1" dirty="0">
-                          <a:solidFill>
-                            <a:srgbClr val="990000"/>
-                          </a:solidFill>
-                        </a:rPr>
-                        <a:t>The link to your program is the final outcome of this whole project – your finished program.</a:t>
-                      </a:r>
-                      <a:endParaRPr sz="2000" b="1" i="1" dirty="0">
-                        <a:solidFill>
-                          <a:srgbClr val="990000"/>
-                        </a:solidFill>
-                      </a:endParaRPr>
-                    </a:p>
-                  </a:txBody>
-                  <a:tcPr marL="63500" marR="63500" marT="63500" marB="63500">
-                    <a:solidFill>
-                      <a:srgbClr val="EA9999"/>
-                    </a:solidFill>
-                  </a:tcPr>
-                </a:tc>
-                <a:extLst>
-                  <a:ext uri="{0D108BD9-81ED-4DB2-BD59-A6C34878D82A}">
-                    <a16:rowId xmlns:a16="http://schemas.microsoft.com/office/drawing/2014/main" val="10000"/>
-                  </a:ext>
-                </a:extLst>
-              </a:tr>
-            </a:tbl>
-          </a:graphicData>
-        </a:graphic>
-      </p:graphicFrame>
     </p:spTree>
     <p:extLst>
       <p:ext uri="{BB962C8B-B14F-4D97-AF65-F5344CB8AC3E}">
@@ -7696,17 +7145,6 @@
 <file path=ppt/slides/slide3.xml><?xml version="1.0" encoding="utf-8"?>
 <p:sld xmlns:a="http://schemas.openxmlformats.org/drawingml/2006/main" xmlns:r="http://schemas.openxmlformats.org/officeDocument/2006/relationships" xmlns:p="http://schemas.openxmlformats.org/presentationml/2006/main">
   <p:cSld>
-    <p:bg>
-      <p:bgPr>
-        <a:solidFill>
-          <a:schemeClr val="accent5">
-            <a:lumMod val="20000"/>
-            <a:lumOff val="80000"/>
-          </a:schemeClr>
-        </a:solidFill>
-        <a:effectLst/>
-      </p:bgPr>
-    </p:bg>
     <p:spTree>
       <p:nvGrpSpPr>
         <p:cNvPr id="1" name=""/>
@@ -7726,226 +7164,6 @@
           <p:cNvPr id="2" name="Title 1">
             <a:extLst>
               <a:ext uri="{FF2B5EF4-FFF2-40B4-BE49-F238E27FC236}">
-                <a16:creationId xmlns:a16="http://schemas.microsoft.com/office/drawing/2014/main" id="{DCE6DDA9-BF7E-4386-B234-71792F81CDE4}"/>
-              </a:ext>
-            </a:extLst>
-          </p:cNvPr>
-          <p:cNvSpPr>
-            <a:spLocks noGrp="1"/>
-          </p:cNvSpPr>
-          <p:nvPr>
-            <p:ph type="title"/>
-          </p:nvPr>
-        </p:nvSpPr>
-        <p:spPr/>
-        <p:txBody>
-          <a:bodyPr/>
-          <a:lstStyle/>
-          <a:p>
-            <a:r>
-              <a:rPr lang="en" dirty="0"/>
-              <a:t>Hints/Instructions</a:t>
-            </a:r>
-            <a:endParaRPr lang="en-NZ" dirty="0"/>
-          </a:p>
-        </p:txBody>
-      </p:sp>
-      <p:sp>
-        <p:nvSpPr>
-          <p:cNvPr id="3" name="Content Placeholder 2">
-            <a:extLst>
-              <a:ext uri="{FF2B5EF4-FFF2-40B4-BE49-F238E27FC236}">
-                <a16:creationId xmlns:a16="http://schemas.microsoft.com/office/drawing/2014/main" id="{A3D8EE30-6AF3-45A7-A558-0328D35BB144}"/>
-              </a:ext>
-            </a:extLst>
-          </p:cNvPr>
-          <p:cNvSpPr>
-            <a:spLocks noGrp="1"/>
-          </p:cNvSpPr>
-          <p:nvPr>
-            <p:ph idx="1"/>
-          </p:nvPr>
-        </p:nvSpPr>
-        <p:spPr>
-          <a:xfrm>
-            <a:off x="838200" y="1549667"/>
-            <a:ext cx="10515600" cy="4627296"/>
-          </a:xfrm>
-        </p:spPr>
-        <p:txBody>
-          <a:bodyPr/>
-          <a:lstStyle/>
-          <a:p>
-            <a:pPr marL="0" lvl="0" indent="0">
-              <a:spcBef>
-                <a:spcPts val="0"/>
-              </a:spcBef>
-              <a:buNone/>
-            </a:pPr>
-            <a:r>
-              <a:rPr lang="en-NZ" dirty="0"/>
-              <a:t>Please create as many extra slides as you need. This template only contains enough slides to get you started.</a:t>
-            </a:r>
-          </a:p>
-          <a:p>
-            <a:pPr marL="0" lvl="0" indent="0">
-              <a:spcBef>
-                <a:spcPts val="0"/>
-              </a:spcBef>
-              <a:buNone/>
-            </a:pPr>
-            <a:endParaRPr lang="en-NZ" dirty="0"/>
-          </a:p>
-          <a:p>
-            <a:pPr marL="457200" indent="-342900">
-              <a:spcBef>
-                <a:spcPts val="0"/>
-              </a:spcBef>
-              <a:buSzPts val="1800"/>
-              <a:buFont typeface="Arial" panose="020B0604020202020204" pitchFamily="34" charset="0"/>
-              <a:buChar char="●"/>
-            </a:pPr>
-            <a:r>
-              <a:rPr lang="en-NZ" dirty="0"/>
-              <a:t>&lt;ctrl&gt;&lt;m&gt; makes a new slide</a:t>
-            </a:r>
-          </a:p>
-          <a:p>
-            <a:pPr marL="457200" lvl="0" indent="-342900">
-              <a:spcBef>
-                <a:spcPts val="0"/>
-              </a:spcBef>
-              <a:buSzPts val="1800"/>
-              <a:buChar char="●"/>
-            </a:pPr>
-            <a:r>
-              <a:rPr lang="en-NZ" dirty="0"/>
-              <a:t>&lt;ctrl&gt;&lt;d&gt; duplicates a slide</a:t>
-            </a:r>
-          </a:p>
-          <a:p>
-            <a:pPr marL="457200" lvl="0" indent="-342900">
-              <a:spcBef>
-                <a:spcPts val="0"/>
-              </a:spcBef>
-              <a:buSzPts val="1800"/>
-              <a:buChar char="●"/>
-            </a:pPr>
-            <a:r>
-              <a:rPr lang="en-NZ" dirty="0"/>
-              <a:t>You can move slides around by dragging and dropping on the left hand side of your screen.</a:t>
-            </a:r>
-          </a:p>
-          <a:p>
-            <a:pPr marL="0" indent="0">
-              <a:buNone/>
-            </a:pPr>
-            <a:r>
-              <a:rPr lang="en-NZ" dirty="0"/>
-              <a:t>The instructions on each slide should be deleted when you have read them.  Copies of the instructions are underneath the slides in the speaker notes (just in case they are needed at a later stage).</a:t>
-            </a:r>
-          </a:p>
-          <a:p>
-            <a:pPr marL="0" indent="0">
-              <a:buNone/>
-            </a:pPr>
-            <a:endParaRPr lang="en-NZ" dirty="0"/>
-          </a:p>
-        </p:txBody>
-      </p:sp>
-      <p:sp>
-        <p:nvSpPr>
-          <p:cNvPr id="4" name="Google Shape;56;p13">
-            <a:extLst>
-              <a:ext uri="{FF2B5EF4-FFF2-40B4-BE49-F238E27FC236}">
-                <a16:creationId xmlns:a16="http://schemas.microsoft.com/office/drawing/2014/main" id="{1BFB8283-ACD1-4F11-BA17-C1ADBF6A83EF}"/>
-              </a:ext>
-            </a:extLst>
-          </p:cNvPr>
-          <p:cNvSpPr txBox="1"/>
-          <p:nvPr/>
-        </p:nvSpPr>
-        <p:spPr>
-          <a:xfrm>
-            <a:off x="1563734" y="5847928"/>
-            <a:ext cx="8214300" cy="639600"/>
-          </a:xfrm>
-          <a:prstGeom prst="rect">
-            <a:avLst/>
-          </a:prstGeom>
-          <a:solidFill>
-            <a:srgbClr val="CC0000"/>
-          </a:solidFill>
-          <a:ln>
-            <a:noFill/>
-          </a:ln>
-        </p:spPr>
-        <p:txBody>
-          <a:bodyPr spcFirstLastPara="1" wrap="square" lIns="91425" tIns="91425" rIns="91425" bIns="91425" anchor="t" anchorCtr="0">
-            <a:noAutofit/>
-          </a:bodyPr>
-          <a:lstStyle/>
-          <a:p>
-            <a:pPr marL="0" lvl="0" indent="0" algn="ctr" rtl="0">
-              <a:spcBef>
-                <a:spcPts val="0"/>
-              </a:spcBef>
-              <a:spcAft>
-                <a:spcPts val="0"/>
-              </a:spcAft>
-              <a:buNone/>
-            </a:pPr>
-            <a:r>
-              <a:rPr lang="en" sz="1800" b="1" dirty="0">
-                <a:solidFill>
-                  <a:srgbClr val="FFFFFF"/>
-                </a:solidFill>
-              </a:rPr>
-              <a:t>Please delete this slide when you no longer need it!</a:t>
-            </a:r>
-            <a:endParaRPr sz="1800" b="1" dirty="0">
-              <a:solidFill>
-                <a:srgbClr val="FFFFFF"/>
-              </a:solidFill>
-            </a:endParaRPr>
-          </a:p>
-        </p:txBody>
-      </p:sp>
-    </p:spTree>
-    <p:extLst>
-      <p:ext uri="{BB962C8B-B14F-4D97-AF65-F5344CB8AC3E}">
-        <p14:creationId xmlns:p14="http://schemas.microsoft.com/office/powerpoint/2010/main" val="3511152279"/>
-      </p:ext>
-    </p:extLst>
-  </p:cSld>
-  <p:clrMapOvr>
-    <a:masterClrMapping/>
-  </p:clrMapOvr>
-</p:sld>
-</file>
-
-<file path=ppt/slides/slide4.xml><?xml version="1.0" encoding="utf-8"?>
-<p:sld xmlns:a="http://schemas.openxmlformats.org/drawingml/2006/main" xmlns:r="http://schemas.openxmlformats.org/officeDocument/2006/relationships" xmlns:p="http://schemas.openxmlformats.org/presentationml/2006/main">
-  <p:cSld>
-    <p:spTree>
-      <p:nvGrpSpPr>
-        <p:cNvPr id="1" name=""/>
-        <p:cNvGrpSpPr/>
-        <p:nvPr/>
-      </p:nvGrpSpPr>
-      <p:grpSpPr>
-        <a:xfrm>
-          <a:off x="0" y="0"/>
-          <a:ext cx="0" cy="0"/>
-          <a:chOff x="0" y="0"/>
-          <a:chExt cx="0" cy="0"/>
-        </a:xfrm>
-      </p:grpSpPr>
-      <p:sp>
-        <p:nvSpPr>
-          <p:cNvPr id="2" name="Title 1">
-            <a:extLst>
-              <a:ext uri="{FF2B5EF4-FFF2-40B4-BE49-F238E27FC236}">
                 <a16:creationId xmlns:a16="http://schemas.microsoft.com/office/drawing/2014/main" id="{0D168B5A-EFF4-4803-8DA6-5994B306EBAF}"/>
               </a:ext>
             </a:extLst>
@@ -7974,66 +7192,6 @@
               <a:rPr lang="en-NZ" b="1" dirty="0"/>
               <a:t>Addressing Relevant Implications:</a:t>
             </a:r>
-          </a:p>
-        </p:txBody>
-      </p:sp>
-      <p:sp>
-        <p:nvSpPr>
-          <p:cNvPr id="3" name="Rectangle 2">
-            <a:extLst>
-              <a:ext uri="{FF2B5EF4-FFF2-40B4-BE49-F238E27FC236}">
-                <a16:creationId xmlns:a16="http://schemas.microsoft.com/office/drawing/2014/main" id="{58DD00F9-2344-45F4-B745-B1FF6594539B}"/>
-              </a:ext>
-            </a:extLst>
-          </p:cNvPr>
-          <p:cNvSpPr/>
-          <p:nvPr/>
-        </p:nvSpPr>
-        <p:spPr>
-          <a:xfrm>
-            <a:off x="838200" y="1314768"/>
-            <a:ext cx="8989194" cy="1027461"/>
-          </a:xfrm>
-          <a:prstGeom prst="rect">
-            <a:avLst/>
-          </a:prstGeom>
-        </p:spPr>
-        <p:txBody>
-          <a:bodyPr wrap="square">
-            <a:spAutoFit/>
-          </a:bodyPr>
-          <a:lstStyle/>
-          <a:p>
-            <a:pPr>
-              <a:lnSpc>
-                <a:spcPct val="115000"/>
-              </a:lnSpc>
-              <a:spcAft>
-                <a:spcPts val="0"/>
-              </a:spcAft>
-            </a:pPr>
-            <a:r>
-              <a:rPr lang="en-NZ" dirty="0"/>
-              <a:t>List and explain the Relevant implications here.</a:t>
-            </a:r>
-          </a:p>
-          <a:p>
-            <a:pPr>
-              <a:lnSpc>
-                <a:spcPct val="115000"/>
-              </a:lnSpc>
-              <a:spcAft>
-                <a:spcPts val="0"/>
-              </a:spcAft>
-            </a:pPr>
-            <a:r>
-              <a:rPr lang="en-NZ" dirty="0"/>
-              <a:t>Then as you develop your code, come back and discuss how the implications have been addressed. Insert additional slides as required.</a:t>
-            </a:r>
-            <a:endParaRPr lang="en-NZ" dirty="0">
-              <a:latin typeface="Arial" panose="020B0604020202020204" pitchFamily="34" charset="0"/>
-              <a:ea typeface="Arial" panose="020B0604020202020204" pitchFamily="34" charset="0"/>
-            </a:endParaRPr>
           </a:p>
         </p:txBody>
       </p:sp>
@@ -8052,14 +7210,14 @@
           <p:nvPr>
             <p:extLst>
               <p:ext uri="{D42A27DB-BD31-4B8C-83A1-F6EECF244321}">
-                <p14:modId xmlns:p14="http://schemas.microsoft.com/office/powerpoint/2010/main" val="4019023553"/>
+                <p14:modId xmlns:p14="http://schemas.microsoft.com/office/powerpoint/2010/main" val="1003834266"/>
               </p:ext>
             </p:extLst>
           </p:nvPr>
         </p:nvGraphicFramePr>
         <p:xfrm>
-          <a:off x="756923" y="2415572"/>
-          <a:ext cx="10515597" cy="1752600"/>
+          <a:off x="838200" y="1690688"/>
+          <a:ext cx="10515597" cy="4572000"/>
         </p:xfrm>
         <a:graphic>
           <a:graphicData uri="http://schemas.openxmlformats.org/drawingml/2006/table">
@@ -8178,6 +7336,35 @@
                     <a:bodyPr/>
                     <a:lstStyle/>
                     <a:p>
+                      <a:pPr marL="0" marR="0" lvl="0" indent="0" algn="l" defTabSz="914400" rtl="0" eaLnBrk="1" fontAlgn="auto" latinLnBrk="0" hangingPunct="1">
+                        <a:lnSpc>
+                          <a:spcPct val="100000"/>
+                        </a:lnSpc>
+                        <a:spcBef>
+                          <a:spcPts val="0"/>
+                        </a:spcBef>
+                        <a:spcAft>
+                          <a:spcPts val="0"/>
+                        </a:spcAft>
+                        <a:buClrTx/>
+                        <a:buSzTx/>
+                        <a:buFontTx/>
+                        <a:buNone/>
+                        <a:tabLst/>
+                        <a:defRPr/>
+                      </a:pPr>
+                      <a:r>
+                        <a:rPr lang="en-NZ" sz="1800" b="0" i="0" kern="1200" dirty="0">
+                          <a:solidFill>
+                            <a:schemeClr val="dk1"/>
+                          </a:solidFill>
+                          <a:effectLst/>
+                          <a:latin typeface="+mn-lt"/>
+                          <a:ea typeface="+mn-ea"/>
+                          <a:cs typeface="+mn-cs"/>
+                        </a:rPr>
+                        <a:t>Functionality</a:t>
+                      </a:r>
                       <a:endParaRPr lang="en-NZ" dirty="0"/>
                     </a:p>
                   </a:txBody>
@@ -8188,7 +7375,36 @@
                     <a:bodyPr/>
                     <a:lstStyle/>
                     <a:p>
-                      <a:endParaRPr lang="en-NZ"/>
+                      <a:pPr marL="0" marR="0" lvl="0" indent="0" algn="l" defTabSz="914400" rtl="0" eaLnBrk="1" fontAlgn="auto" latinLnBrk="0" hangingPunct="1">
+                        <a:lnSpc>
+                          <a:spcPct val="100000"/>
+                        </a:lnSpc>
+                        <a:spcBef>
+                          <a:spcPts val="0"/>
+                        </a:spcBef>
+                        <a:spcAft>
+                          <a:spcPts val="0"/>
+                        </a:spcAft>
+                        <a:buClrTx/>
+                        <a:buSzTx/>
+                        <a:buFontTx/>
+                        <a:buNone/>
+                        <a:tabLst/>
+                        <a:defRPr/>
+                      </a:pPr>
+                      <a:r>
+                        <a:rPr lang="en-NZ" sz="1800" b="0" i="0" kern="1200" dirty="0">
+                          <a:solidFill>
+                            <a:schemeClr val="dk1"/>
+                          </a:solidFill>
+                          <a:effectLst/>
+                          <a:latin typeface="+mn-lt"/>
+                          <a:ea typeface="+mn-ea"/>
+                          <a:cs typeface="+mn-cs"/>
+                        </a:rPr>
+                        <a:t>Functionality is making sure the program works as expected. </a:t>
+                      </a:r>
+                      <a:endParaRPr lang="en-NZ" dirty="0"/>
                     </a:p>
                   </a:txBody>
                   <a:tcPr/>
@@ -8198,7 +7414,39 @@
                     <a:bodyPr/>
                     <a:lstStyle/>
                     <a:p>
-                      <a:endParaRPr lang="en-NZ"/>
+                      <a:pPr marL="0" marR="0" lvl="0" indent="0" algn="l" defTabSz="914400" rtl="0" eaLnBrk="1" fontAlgn="auto" latinLnBrk="0" hangingPunct="1">
+                        <a:lnSpc>
+                          <a:spcPct val="100000"/>
+                        </a:lnSpc>
+                        <a:spcBef>
+                          <a:spcPts val="0"/>
+                        </a:spcBef>
+                        <a:spcAft>
+                          <a:spcPts val="0"/>
+                        </a:spcAft>
+                        <a:buClrTx/>
+                        <a:buSzTx/>
+                        <a:buFontTx/>
+                        <a:buNone/>
+                        <a:tabLst/>
+                        <a:defRPr/>
+                      </a:pPr>
+                      <a:r>
+                        <a:rPr lang="en-NZ" sz="1800" b="0" i="0" kern="1200" dirty="0">
+                          <a:solidFill>
+                            <a:schemeClr val="dk1"/>
+                          </a:solidFill>
+                          <a:effectLst/>
+                          <a:latin typeface="+mn-lt"/>
+                          <a:ea typeface="+mn-ea"/>
+                          <a:cs typeface="+mn-cs"/>
+                        </a:rPr>
+                        <a:t>I can address this outcome by testing that the program works not just for expected inputs, ; like “a” and “d”, but also unexpected ones such as “o”</a:t>
+                      </a:r>
+                      <a:endParaRPr lang="en-NZ" dirty="0"/>
+                    </a:p>
+                    <a:p>
+                      <a:endParaRPr lang="en-NZ" dirty="0"/>
                     </a:p>
                   </a:txBody>
                   <a:tcPr/>
@@ -8215,7 +7463,36 @@
                     <a:bodyPr/>
                     <a:lstStyle/>
                     <a:p>
-                      <a:endParaRPr lang="en-NZ"/>
+                      <a:pPr marL="0" marR="0" lvl="0" indent="0" algn="l" defTabSz="914400" rtl="0" eaLnBrk="1" fontAlgn="auto" latinLnBrk="0" hangingPunct="1">
+                        <a:lnSpc>
+                          <a:spcPct val="100000"/>
+                        </a:lnSpc>
+                        <a:spcBef>
+                          <a:spcPts val="0"/>
+                        </a:spcBef>
+                        <a:spcAft>
+                          <a:spcPts val="0"/>
+                        </a:spcAft>
+                        <a:buClrTx/>
+                        <a:buSzTx/>
+                        <a:buFontTx/>
+                        <a:buNone/>
+                        <a:tabLst/>
+                        <a:defRPr/>
+                      </a:pPr>
+                      <a:r>
+                        <a:rPr lang="en-NZ" sz="1800" b="0" i="0" kern="1200" dirty="0">
+                          <a:solidFill>
+                            <a:schemeClr val="dk1"/>
+                          </a:solidFill>
+                          <a:effectLst/>
+                          <a:latin typeface="+mn-lt"/>
+                          <a:ea typeface="+mn-ea"/>
+                          <a:cs typeface="+mn-cs"/>
+                        </a:rPr>
+                        <a:t>Usability</a:t>
+                      </a:r>
+                      <a:endParaRPr lang="en-NZ" dirty="0"/>
                     </a:p>
                   </a:txBody>
                   <a:tcPr/>
@@ -8225,7 +7502,36 @@
                     <a:bodyPr/>
                     <a:lstStyle/>
                     <a:p>
-                      <a:endParaRPr lang="en-NZ"/>
+                      <a:pPr marL="0" marR="0" lvl="0" indent="0" algn="l" defTabSz="914400" rtl="0" eaLnBrk="1" fontAlgn="auto" latinLnBrk="0" hangingPunct="1">
+                        <a:lnSpc>
+                          <a:spcPct val="100000"/>
+                        </a:lnSpc>
+                        <a:spcBef>
+                          <a:spcPts val="0"/>
+                        </a:spcBef>
+                        <a:spcAft>
+                          <a:spcPts val="0"/>
+                        </a:spcAft>
+                        <a:buClrTx/>
+                        <a:buSzTx/>
+                        <a:buFontTx/>
+                        <a:buNone/>
+                        <a:tabLst/>
+                        <a:defRPr/>
+                      </a:pPr>
+                      <a:r>
+                        <a:rPr lang="en-NZ" sz="1800" b="0" i="0" kern="1200" dirty="0">
+                          <a:solidFill>
+                            <a:schemeClr val="dk1"/>
+                          </a:solidFill>
+                          <a:effectLst/>
+                          <a:latin typeface="+mn-lt"/>
+                          <a:ea typeface="+mn-ea"/>
+                          <a:cs typeface="+mn-cs"/>
+                        </a:rPr>
+                        <a:t>Usability is about how easily usable the program is to the end use.</a:t>
+                      </a:r>
+                      <a:endParaRPr lang="en-NZ" dirty="0"/>
                     </a:p>
                   </a:txBody>
                   <a:tcPr/>
@@ -8235,7 +7541,10 @@
                     <a:bodyPr/>
                     <a:lstStyle/>
                     <a:p>
-                      <a:endParaRPr lang="en-NZ"/>
+                      <a:r>
+                        <a:rPr lang="en-NZ" dirty="0"/>
+                        <a:t>Creating clear control instructions, balancing, easy controls.</a:t>
+                      </a:r>
                     </a:p>
                   </a:txBody>
                   <a:tcPr/>
@@ -8252,7 +7561,36 @@
                     <a:bodyPr/>
                     <a:lstStyle/>
                     <a:p>
-                      <a:endParaRPr lang="en-NZ"/>
+                      <a:pPr marL="0" marR="0" lvl="0" indent="0" algn="l" defTabSz="914400" rtl="0" eaLnBrk="1" fontAlgn="auto" latinLnBrk="0" hangingPunct="1">
+                        <a:lnSpc>
+                          <a:spcPct val="100000"/>
+                        </a:lnSpc>
+                        <a:spcBef>
+                          <a:spcPts val="0"/>
+                        </a:spcBef>
+                        <a:spcAft>
+                          <a:spcPts val="0"/>
+                        </a:spcAft>
+                        <a:buClrTx/>
+                        <a:buSzTx/>
+                        <a:buFontTx/>
+                        <a:buNone/>
+                        <a:tabLst/>
+                        <a:defRPr/>
+                      </a:pPr>
+                      <a:r>
+                        <a:rPr lang="en-NZ" sz="1800" b="0" i="0" kern="1200" dirty="0">
+                          <a:solidFill>
+                            <a:schemeClr val="dk1"/>
+                          </a:solidFill>
+                          <a:effectLst/>
+                          <a:latin typeface="+mn-lt"/>
+                          <a:ea typeface="+mn-ea"/>
+                          <a:cs typeface="+mn-cs"/>
+                        </a:rPr>
+                        <a:t>Aesthetics</a:t>
+                      </a:r>
+                      <a:endParaRPr lang="en-NZ" dirty="0"/>
                     </a:p>
                   </a:txBody>
                   <a:tcPr/>
@@ -8262,7 +7600,36 @@
                     <a:bodyPr/>
                     <a:lstStyle/>
                     <a:p>
-                      <a:endParaRPr lang="en-NZ"/>
+                      <a:pPr marL="0" marR="0" lvl="0" indent="0" algn="l" defTabSz="914400" rtl="0" eaLnBrk="1" fontAlgn="auto" latinLnBrk="0" hangingPunct="1">
+                        <a:lnSpc>
+                          <a:spcPct val="100000"/>
+                        </a:lnSpc>
+                        <a:spcBef>
+                          <a:spcPts val="0"/>
+                        </a:spcBef>
+                        <a:spcAft>
+                          <a:spcPts val="0"/>
+                        </a:spcAft>
+                        <a:buClrTx/>
+                        <a:buSzTx/>
+                        <a:buFontTx/>
+                        <a:buNone/>
+                        <a:tabLst/>
+                        <a:defRPr/>
+                      </a:pPr>
+                      <a:r>
+                        <a:rPr lang="en-NZ" sz="1800" b="0" i="0" kern="1200" dirty="0">
+                          <a:solidFill>
+                            <a:schemeClr val="dk1"/>
+                          </a:solidFill>
+                          <a:effectLst/>
+                          <a:latin typeface="+mn-lt"/>
+                          <a:ea typeface="+mn-ea"/>
+                          <a:cs typeface="+mn-cs"/>
+                        </a:rPr>
+                        <a:t>Ensuring the project looks visually appealing</a:t>
+                      </a:r>
+                      <a:endParaRPr lang="en-NZ" dirty="0"/>
                     </a:p>
                   </a:txBody>
                   <a:tcPr/>
@@ -8272,6 +7639,35 @@
                     <a:bodyPr/>
                     <a:lstStyle/>
                     <a:p>
+                      <a:pPr marL="0" marR="0" lvl="0" indent="0" algn="l" defTabSz="914400" rtl="0" eaLnBrk="1" fontAlgn="auto" latinLnBrk="0" hangingPunct="1">
+                        <a:lnSpc>
+                          <a:spcPct val="100000"/>
+                        </a:lnSpc>
+                        <a:spcBef>
+                          <a:spcPts val="0"/>
+                        </a:spcBef>
+                        <a:spcAft>
+                          <a:spcPts val="0"/>
+                        </a:spcAft>
+                        <a:buClrTx/>
+                        <a:buSzTx/>
+                        <a:buFontTx/>
+                        <a:buNone/>
+                        <a:tabLst/>
+                        <a:defRPr/>
+                      </a:pPr>
+                      <a:r>
+                        <a:rPr lang="en-NZ" sz="1800" b="0" i="0" kern="1200" dirty="0">
+                          <a:solidFill>
+                            <a:schemeClr val="dk1"/>
+                          </a:solidFill>
+                          <a:effectLst/>
+                          <a:latin typeface="+mn-lt"/>
+                          <a:ea typeface="+mn-ea"/>
+                          <a:cs typeface="+mn-cs"/>
+                        </a:rPr>
+                        <a:t>well spaced code, quality game assets.</a:t>
+                      </a:r>
                       <a:endParaRPr lang="en-NZ" dirty="0"/>
                     </a:p>
                   </a:txBody>
@@ -8283,6 +7679,104 @@
                   </a:ext>
                 </a:extLst>
               </a:tr>
+              <a:tr h="370840">
+                <a:tc>
+                  <a:txBody>
+                    <a:bodyPr/>
+                    <a:lstStyle/>
+                    <a:p>
+                      <a:pPr marL="0" marR="0" lvl="0" indent="0" algn="l" defTabSz="914400" rtl="0" eaLnBrk="1" fontAlgn="auto" latinLnBrk="0" hangingPunct="1">
+                        <a:lnSpc>
+                          <a:spcPct val="100000"/>
+                        </a:lnSpc>
+                        <a:spcBef>
+                          <a:spcPts val="0"/>
+                        </a:spcBef>
+                        <a:spcAft>
+                          <a:spcPts val="0"/>
+                        </a:spcAft>
+                        <a:buClrTx/>
+                        <a:buSzTx/>
+                        <a:buFontTx/>
+                        <a:buNone/>
+                        <a:tabLst/>
+                        <a:defRPr/>
+                      </a:pPr>
+                      <a:r>
+                        <a:rPr lang="en-NZ" sz="1800" b="0" i="0" kern="1200" dirty="0">
+                          <a:solidFill>
+                            <a:schemeClr val="dk1"/>
+                          </a:solidFill>
+                          <a:effectLst/>
+                          <a:latin typeface="+mn-lt"/>
+                          <a:ea typeface="+mn-ea"/>
+                          <a:cs typeface="+mn-cs"/>
+                        </a:rPr>
+                        <a:t>Future proofing</a:t>
+                      </a:r>
+                      <a:endParaRPr lang="en-NZ" dirty="0"/>
+                    </a:p>
+                  </a:txBody>
+                  <a:tcPr/>
+                </a:tc>
+                <a:tc>
+                  <a:txBody>
+                    <a:bodyPr/>
+                    <a:lstStyle/>
+                    <a:p>
+                      <a:r>
+                        <a:rPr lang="en-NZ" dirty="0"/>
+                        <a:t>Ensuring that the program is easily updated in the future</a:t>
+                      </a:r>
+                    </a:p>
+                  </a:txBody>
+                  <a:tcPr/>
+                </a:tc>
+                <a:tc>
+                  <a:txBody>
+                    <a:bodyPr/>
+                    <a:lstStyle/>
+                    <a:p>
+                      <a:pPr marL="0" marR="0" lvl="0" indent="0" algn="l" defTabSz="914400" rtl="0" eaLnBrk="1" fontAlgn="auto" latinLnBrk="0" hangingPunct="1">
+                        <a:lnSpc>
+                          <a:spcPct val="100000"/>
+                        </a:lnSpc>
+                        <a:spcBef>
+                          <a:spcPts val="0"/>
+                        </a:spcBef>
+                        <a:spcAft>
+                          <a:spcPts val="0"/>
+                        </a:spcAft>
+                        <a:buClrTx/>
+                        <a:buSzTx/>
+                        <a:buFontTx/>
+                        <a:buNone/>
+                        <a:tabLst/>
+                        <a:defRPr/>
+                      </a:pPr>
+                      <a:r>
+                        <a:rPr lang="en-NZ" sz="1800" b="0" i="0" kern="1200" dirty="0">
+                          <a:solidFill>
+                            <a:schemeClr val="dk1"/>
+                          </a:solidFill>
+                          <a:effectLst/>
+                          <a:latin typeface="+mn-lt"/>
+                          <a:ea typeface="+mn-ea"/>
+                          <a:cs typeface="+mn-cs"/>
+                        </a:rPr>
+                        <a:t>Easily modifiable, using comments to describe what is happening in the code</a:t>
+                      </a:r>
+                      <a:endParaRPr lang="en-NZ" dirty="0"/>
+                    </a:p>
+                  </a:txBody>
+                  <a:tcPr/>
+                </a:tc>
+                <a:extLst>
+                  <a:ext uri="{0D108BD9-81ED-4DB2-BD59-A6C34878D82A}">
+                    <a16:rowId xmlns:a16="http://schemas.microsoft.com/office/drawing/2014/main" val="49886568"/>
+                  </a:ext>
+                </a:extLst>
+              </a:tr>
             </a:tbl>
           </a:graphicData>
         </a:graphic>
@@ -8291,6 +7785,65 @@
     <p:extLst>
       <p:ext uri="{BB962C8B-B14F-4D97-AF65-F5344CB8AC3E}">
         <p14:creationId xmlns:p14="http://schemas.microsoft.com/office/powerpoint/2010/main" val="2158459777"/>
+      </p:ext>
+    </p:extLst>
+  </p:cSld>
+  <p:clrMapOvr>
+    <a:masterClrMapping/>
+  </p:clrMapOvr>
+</p:sld>
+</file>
+
+<file path=ppt/slides/slide4.xml><?xml version="1.0" encoding="utf-8"?>
+<p:sld xmlns:a="http://schemas.openxmlformats.org/drawingml/2006/main" xmlns:r="http://schemas.openxmlformats.org/officeDocument/2006/relationships" xmlns:p="http://schemas.openxmlformats.org/presentationml/2006/main">
+  <p:cSld>
+    <p:spTree>
+      <p:nvGrpSpPr>
+        <p:cNvPr id="1" name=""/>
+        <p:cNvGrpSpPr/>
+        <p:nvPr/>
+      </p:nvGrpSpPr>
+      <p:grpSpPr>
+        <a:xfrm>
+          <a:off x="0" y="0"/>
+          <a:ext cx="0" cy="0"/>
+          <a:chOff x="0" y="0"/>
+          <a:chExt cx="0" cy="0"/>
+        </a:xfrm>
+      </p:grpSpPr>
+      <p:sp>
+        <p:nvSpPr>
+          <p:cNvPr id="2" name="Title 1">
+            <a:extLst>
+              <a:ext uri="{FF2B5EF4-FFF2-40B4-BE49-F238E27FC236}">
+                <a16:creationId xmlns:a16="http://schemas.microsoft.com/office/drawing/2014/main" id="{321F8E66-F9B8-4062-8E8D-D5ADB11625DA}"/>
+              </a:ext>
+            </a:extLst>
+          </p:cNvPr>
+          <p:cNvSpPr>
+            <a:spLocks noGrp="1"/>
+          </p:cNvSpPr>
+          <p:nvPr>
+            <p:ph type="title"/>
+          </p:nvPr>
+        </p:nvSpPr>
+        <p:spPr/>
+        <p:txBody>
+          <a:bodyPr/>
+          <a:lstStyle/>
+          <a:p>
+            <a:r>
+              <a:rPr lang="en-NZ" b="1" dirty="0"/>
+              <a:t>Program Structure:</a:t>
+            </a:r>
+            <a:endParaRPr lang="en-NZ" dirty="0"/>
+          </a:p>
+        </p:txBody>
+      </p:sp>
+    </p:spTree>
+    <p:extLst>
+      <p:ext uri="{BB962C8B-B14F-4D97-AF65-F5344CB8AC3E}">
+        <p14:creationId xmlns:p14="http://schemas.microsoft.com/office/powerpoint/2010/main" val="2474077943"/>
       </p:ext>
     </p:extLst>
   </p:cSld>
@@ -8340,202 +7893,6 @@
           <a:p>
             <a:r>
               <a:rPr lang="en-NZ" b="1" dirty="0"/>
-              <a:t>Graphical User Interface - design:</a:t>
-            </a:r>
-            <a:endParaRPr lang="en-NZ" dirty="0"/>
-          </a:p>
-        </p:txBody>
-      </p:sp>
-      <p:sp>
-        <p:nvSpPr>
-          <p:cNvPr id="4" name="Rectangle 3">
-            <a:extLst>
-              <a:ext uri="{FF2B5EF4-FFF2-40B4-BE49-F238E27FC236}">
-                <a16:creationId xmlns:a16="http://schemas.microsoft.com/office/drawing/2014/main" id="{937BF58F-E358-4625-919F-7C3D6EEBA8FB}"/>
-              </a:ext>
-            </a:extLst>
-          </p:cNvPr>
-          <p:cNvSpPr/>
-          <p:nvPr/>
-        </p:nvSpPr>
-        <p:spPr>
-          <a:xfrm>
-            <a:off x="838200" y="1690688"/>
-            <a:ext cx="9999846" cy="392159"/>
-          </a:xfrm>
-          <a:prstGeom prst="rect">
-            <a:avLst/>
-          </a:prstGeom>
-        </p:spPr>
-        <p:txBody>
-          <a:bodyPr wrap="square">
-            <a:spAutoFit/>
-          </a:bodyPr>
-          <a:lstStyle/>
-          <a:p>
-            <a:pPr>
-              <a:lnSpc>
-                <a:spcPct val="115000"/>
-              </a:lnSpc>
-            </a:pPr>
-            <a:r>
-              <a:rPr lang="en-NZ" i="1" dirty="0"/>
-              <a:t>Create wireframes for your program’s GUI.  Please place them on this slide.</a:t>
-            </a:r>
-          </a:p>
-        </p:txBody>
-      </p:sp>
-    </p:spTree>
-    <p:extLst>
-      <p:ext uri="{BB962C8B-B14F-4D97-AF65-F5344CB8AC3E}">
-        <p14:creationId xmlns:p14="http://schemas.microsoft.com/office/powerpoint/2010/main" val="3760331451"/>
-      </p:ext>
-    </p:extLst>
-  </p:cSld>
-  <p:clrMapOvr>
-    <a:masterClrMapping/>
-  </p:clrMapOvr>
-</p:sld>
-</file>
-
-<file path=ppt/slides/slide6.xml><?xml version="1.0" encoding="utf-8"?>
-<p:sld xmlns:a="http://schemas.openxmlformats.org/drawingml/2006/main" xmlns:r="http://schemas.openxmlformats.org/officeDocument/2006/relationships" xmlns:p="http://schemas.openxmlformats.org/presentationml/2006/main">
-  <p:cSld>
-    <p:spTree>
-      <p:nvGrpSpPr>
-        <p:cNvPr id="1" name=""/>
-        <p:cNvGrpSpPr/>
-        <p:nvPr/>
-      </p:nvGrpSpPr>
-      <p:grpSpPr>
-        <a:xfrm>
-          <a:off x="0" y="0"/>
-          <a:ext cx="0" cy="0"/>
-          <a:chOff x="0" y="0"/>
-          <a:chExt cx="0" cy="0"/>
-        </a:xfrm>
-      </p:grpSpPr>
-      <p:sp>
-        <p:nvSpPr>
-          <p:cNvPr id="2" name="Title 1">
-            <a:extLst>
-              <a:ext uri="{FF2B5EF4-FFF2-40B4-BE49-F238E27FC236}">
-                <a16:creationId xmlns:a16="http://schemas.microsoft.com/office/drawing/2014/main" id="{321F8E66-F9B8-4062-8E8D-D5ADB11625DA}"/>
-              </a:ext>
-            </a:extLst>
-          </p:cNvPr>
-          <p:cNvSpPr>
-            <a:spLocks noGrp="1"/>
-          </p:cNvSpPr>
-          <p:nvPr>
-            <p:ph type="title"/>
-          </p:nvPr>
-        </p:nvSpPr>
-        <p:spPr/>
-        <p:txBody>
-          <a:bodyPr/>
-          <a:lstStyle/>
-          <a:p>
-            <a:r>
-              <a:rPr lang="en-NZ" b="1" dirty="0"/>
-              <a:t>Program Structure:</a:t>
-            </a:r>
-            <a:endParaRPr lang="en-NZ" dirty="0"/>
-          </a:p>
-        </p:txBody>
-      </p:sp>
-      <p:sp>
-        <p:nvSpPr>
-          <p:cNvPr id="4" name="Rectangle 3">
-            <a:extLst>
-              <a:ext uri="{FF2B5EF4-FFF2-40B4-BE49-F238E27FC236}">
-                <a16:creationId xmlns:a16="http://schemas.microsoft.com/office/drawing/2014/main" id="{937BF58F-E358-4625-919F-7C3D6EEBA8FB}"/>
-              </a:ext>
-            </a:extLst>
-          </p:cNvPr>
-          <p:cNvSpPr/>
-          <p:nvPr/>
-        </p:nvSpPr>
-        <p:spPr>
-          <a:xfrm>
-            <a:off x="838200" y="1690688"/>
-            <a:ext cx="9999846" cy="1029256"/>
-          </a:xfrm>
-          <a:prstGeom prst="rect">
-            <a:avLst/>
-          </a:prstGeom>
-        </p:spPr>
-        <p:txBody>
-          <a:bodyPr wrap="square">
-            <a:spAutoFit/>
-          </a:bodyPr>
-          <a:lstStyle/>
-          <a:p>
-            <a:pPr>
-              <a:lnSpc>
-                <a:spcPct val="115000"/>
-              </a:lnSpc>
-            </a:pPr>
-            <a:r>
-              <a:rPr lang="en-NZ" i="1" dirty="0"/>
-              <a:t>Create a diagram showing your program’s structure and outline the classes and functions that you plan on developing.  You are welcome to edit this slide once you start developing the outcome BUT when you do that, you should show what has changed and explain why those changes were needed.</a:t>
-            </a:r>
-          </a:p>
-        </p:txBody>
-      </p:sp>
-    </p:spTree>
-    <p:extLst>
-      <p:ext uri="{BB962C8B-B14F-4D97-AF65-F5344CB8AC3E}">
-        <p14:creationId xmlns:p14="http://schemas.microsoft.com/office/powerpoint/2010/main" val="2474077943"/>
-      </p:ext>
-    </p:extLst>
-  </p:cSld>
-  <p:clrMapOvr>
-    <a:masterClrMapping/>
-  </p:clrMapOvr>
-</p:sld>
-</file>
-
-<file path=ppt/slides/slide7.xml><?xml version="1.0" encoding="utf-8"?>
-<p:sld xmlns:a="http://schemas.openxmlformats.org/drawingml/2006/main" xmlns:r="http://schemas.openxmlformats.org/officeDocument/2006/relationships" xmlns:p="http://schemas.openxmlformats.org/presentationml/2006/main">
-  <p:cSld>
-    <p:spTree>
-      <p:nvGrpSpPr>
-        <p:cNvPr id="1" name=""/>
-        <p:cNvGrpSpPr/>
-        <p:nvPr/>
-      </p:nvGrpSpPr>
-      <p:grpSpPr>
-        <a:xfrm>
-          <a:off x="0" y="0"/>
-          <a:ext cx="0" cy="0"/>
-          <a:chOff x="0" y="0"/>
-          <a:chExt cx="0" cy="0"/>
-        </a:xfrm>
-      </p:grpSpPr>
-      <p:sp>
-        <p:nvSpPr>
-          <p:cNvPr id="2" name="Title 1">
-            <a:extLst>
-              <a:ext uri="{FF2B5EF4-FFF2-40B4-BE49-F238E27FC236}">
-                <a16:creationId xmlns:a16="http://schemas.microsoft.com/office/drawing/2014/main" id="{321F8E66-F9B8-4062-8E8D-D5ADB11625DA}"/>
-              </a:ext>
-            </a:extLst>
-          </p:cNvPr>
-          <p:cNvSpPr>
-            <a:spLocks noGrp="1"/>
-          </p:cNvSpPr>
-          <p:nvPr>
-            <p:ph type="title"/>
-          </p:nvPr>
-        </p:nvSpPr>
-        <p:spPr/>
-        <p:txBody>
-          <a:bodyPr/>
-          <a:lstStyle/>
-          <a:p>
-            <a:r>
-              <a:rPr lang="en-NZ" b="1" dirty="0"/>
               <a:t>Problem Decomposition:</a:t>
             </a:r>
             <a:endParaRPr lang="en-NZ" dirty="0"/>
@@ -8764,7 +8121,7 @@
 </p:sld>
 </file>
 
-<file path=ppt/slides/slide8.xml><?xml version="1.0" encoding="utf-8"?>
+<file path=ppt/slides/slide6.xml><?xml version="1.0" encoding="utf-8"?>
 <p:sld xmlns:a="http://schemas.openxmlformats.org/drawingml/2006/main" xmlns:r="http://schemas.openxmlformats.org/officeDocument/2006/relationships" xmlns:p="http://schemas.openxmlformats.org/presentationml/2006/main">
   <p:cSld>
     <p:bg>
@@ -9005,6 +8362,395 @@
 </p:sld>
 </file>
 
+<file path=ppt/slides/slide7.xml><?xml version="1.0" encoding="utf-8"?>
+<p:sld xmlns:a="http://schemas.openxmlformats.org/drawingml/2006/main" xmlns:r="http://schemas.openxmlformats.org/officeDocument/2006/relationships" xmlns:p="http://schemas.openxmlformats.org/presentationml/2006/main">
+  <p:cSld>
+    <p:spTree>
+      <p:nvGrpSpPr>
+        <p:cNvPr id="1" name=""/>
+        <p:cNvGrpSpPr/>
+        <p:nvPr/>
+      </p:nvGrpSpPr>
+      <p:grpSpPr>
+        <a:xfrm>
+          <a:off x="0" y="0"/>
+          <a:ext cx="0" cy="0"/>
+          <a:chOff x="0" y="0"/>
+          <a:chExt cx="0" cy="0"/>
+        </a:xfrm>
+      </p:grpSpPr>
+      <p:sp>
+        <p:nvSpPr>
+          <p:cNvPr id="2" name="Title 1">
+            <a:extLst>
+              <a:ext uri="{FF2B5EF4-FFF2-40B4-BE49-F238E27FC236}">
+                <a16:creationId xmlns:a16="http://schemas.microsoft.com/office/drawing/2014/main" id="{929346B1-21F7-4D6B-B685-2CCB524F66E9}"/>
+              </a:ext>
+            </a:extLst>
+          </p:cNvPr>
+          <p:cNvSpPr>
+            <a:spLocks noGrp="1"/>
+          </p:cNvSpPr>
+          <p:nvPr>
+            <p:ph type="title"/>
+          </p:nvPr>
+        </p:nvSpPr>
+        <p:spPr/>
+        <p:txBody>
+          <a:bodyPr/>
+          <a:lstStyle/>
+          <a:p>
+            <a:r>
+              <a:rPr lang="en-NZ" b="1" dirty="0"/>
+              <a:t>1 Component Planning:</a:t>
+            </a:r>
+            <a:br>
+              <a:rPr lang="en-NZ" b="1" dirty="0"/>
+            </a:br>
+            <a:r>
+              <a:rPr lang="en-NZ" sz="3200" b="1" i="1" dirty="0"/>
+              <a:t>&lt;Enter component name&gt;</a:t>
+            </a:r>
+          </a:p>
+        </p:txBody>
+      </p:sp>
+      <p:sp>
+        <p:nvSpPr>
+          <p:cNvPr id="3" name="Rectangle 2">
+            <a:extLst>
+              <a:ext uri="{FF2B5EF4-FFF2-40B4-BE49-F238E27FC236}">
+                <a16:creationId xmlns:a16="http://schemas.microsoft.com/office/drawing/2014/main" id="{F1803FB6-918B-4C8E-9C25-3ECDA665EC35}"/>
+              </a:ext>
+            </a:extLst>
+          </p:cNvPr>
+          <p:cNvSpPr/>
+          <p:nvPr/>
+        </p:nvSpPr>
+        <p:spPr>
+          <a:xfrm>
+            <a:off x="838199" y="1690688"/>
+            <a:ext cx="9441581" cy="702372"/>
+          </a:xfrm>
+          <a:prstGeom prst="rect">
+            <a:avLst/>
+          </a:prstGeom>
+        </p:spPr>
+        <p:txBody>
+          <a:bodyPr wrap="square">
+            <a:spAutoFit/>
+          </a:bodyPr>
+          <a:lstStyle/>
+          <a:p>
+            <a:pPr>
+              <a:lnSpc>
+                <a:spcPct val="115000"/>
+              </a:lnSpc>
+              <a:spcAft>
+                <a:spcPts val="0"/>
+              </a:spcAft>
+            </a:pPr>
+            <a:r>
+              <a:rPr lang="en-NZ" i="1" dirty="0">
+                <a:latin typeface="Arial" panose="020B0604020202020204" pitchFamily="34" charset="0"/>
+                <a:ea typeface="Arial" panose="020B0604020202020204" pitchFamily="34" charset="0"/>
+              </a:rPr>
+              <a:t>How might your component work.  This could be in the form of a Trello screenshot.</a:t>
+            </a:r>
+          </a:p>
+          <a:p>
+            <a:pPr>
+              <a:lnSpc>
+                <a:spcPct val="115000"/>
+              </a:lnSpc>
+              <a:spcAft>
+                <a:spcPts val="0"/>
+              </a:spcAft>
+            </a:pPr>
+            <a:endParaRPr lang="en-NZ" i="1" dirty="0">
+              <a:latin typeface="Arial" panose="020B0604020202020204" pitchFamily="34" charset="0"/>
+              <a:ea typeface="Arial" panose="020B0604020202020204" pitchFamily="34" charset="0"/>
+            </a:endParaRPr>
+          </a:p>
+        </p:txBody>
+      </p:sp>
+    </p:spTree>
+    <p:extLst>
+      <p:ext uri="{BB962C8B-B14F-4D97-AF65-F5344CB8AC3E}">
+        <p14:creationId xmlns:p14="http://schemas.microsoft.com/office/powerpoint/2010/main" val="2838869909"/>
+      </p:ext>
+    </p:extLst>
+  </p:cSld>
+  <p:clrMapOvr>
+    <a:masterClrMapping/>
+  </p:clrMapOvr>
+</p:sld>
+</file>
+
+<file path=ppt/slides/slide8.xml><?xml version="1.0" encoding="utf-8"?>
+<p:sld xmlns:a="http://schemas.openxmlformats.org/drawingml/2006/main" xmlns:r="http://schemas.openxmlformats.org/officeDocument/2006/relationships" xmlns:p="http://schemas.openxmlformats.org/presentationml/2006/main">
+  <p:cSld>
+    <p:spTree>
+      <p:nvGrpSpPr>
+        <p:cNvPr id="1" name=""/>
+        <p:cNvGrpSpPr/>
+        <p:nvPr/>
+      </p:nvGrpSpPr>
+      <p:grpSpPr>
+        <a:xfrm>
+          <a:off x="0" y="0"/>
+          <a:ext cx="0" cy="0"/>
+          <a:chOff x="0" y="0"/>
+          <a:chExt cx="0" cy="0"/>
+        </a:xfrm>
+      </p:grpSpPr>
+      <p:sp>
+        <p:nvSpPr>
+          <p:cNvPr id="2" name="Title 1">
+            <a:extLst>
+              <a:ext uri="{FF2B5EF4-FFF2-40B4-BE49-F238E27FC236}">
+                <a16:creationId xmlns:a16="http://schemas.microsoft.com/office/drawing/2014/main" id="{929346B1-21F7-4D6B-B685-2CCB524F66E9}"/>
+              </a:ext>
+            </a:extLst>
+          </p:cNvPr>
+          <p:cNvSpPr>
+            <a:spLocks noGrp="1"/>
+          </p:cNvSpPr>
+          <p:nvPr>
+            <p:ph type="title"/>
+          </p:nvPr>
+        </p:nvSpPr>
+        <p:spPr/>
+        <p:txBody>
+          <a:bodyPr/>
+          <a:lstStyle/>
+          <a:p>
+            <a:r>
+              <a:rPr lang="en-NZ" b="1" dirty="0"/>
+              <a:t>2 Component Test Plan: </a:t>
+            </a:r>
+            <a:br>
+              <a:rPr lang="en-NZ" b="1" dirty="0"/>
+            </a:br>
+            <a:r>
+              <a:rPr lang="en-NZ" sz="3200" b="1" i="1" dirty="0"/>
+              <a:t>&lt;Enter component name&gt;</a:t>
+            </a:r>
+            <a:endParaRPr lang="en-NZ" b="1" i="1" dirty="0"/>
+          </a:p>
+        </p:txBody>
+      </p:sp>
+      <p:sp>
+        <p:nvSpPr>
+          <p:cNvPr id="3" name="Rectangle 2">
+            <a:extLst>
+              <a:ext uri="{FF2B5EF4-FFF2-40B4-BE49-F238E27FC236}">
+                <a16:creationId xmlns:a16="http://schemas.microsoft.com/office/drawing/2014/main" id="{F1803FB6-918B-4C8E-9C25-3ECDA665EC35}"/>
+              </a:ext>
+            </a:extLst>
+          </p:cNvPr>
+          <p:cNvSpPr/>
+          <p:nvPr/>
+        </p:nvSpPr>
+        <p:spPr>
+          <a:xfrm>
+            <a:off x="838199" y="1690688"/>
+            <a:ext cx="9441581" cy="1020921"/>
+          </a:xfrm>
+          <a:prstGeom prst="rect">
+            <a:avLst/>
+          </a:prstGeom>
+        </p:spPr>
+        <p:txBody>
+          <a:bodyPr wrap="square">
+            <a:spAutoFit/>
+          </a:bodyPr>
+          <a:lstStyle/>
+          <a:p>
+            <a:pPr>
+              <a:lnSpc>
+                <a:spcPct val="115000"/>
+              </a:lnSpc>
+              <a:spcAft>
+                <a:spcPts val="0"/>
+              </a:spcAft>
+            </a:pPr>
+            <a:r>
+              <a:rPr lang="en-NZ" i="1" dirty="0">
+                <a:latin typeface="Arial" panose="020B0604020202020204" pitchFamily="34" charset="0"/>
+                <a:ea typeface="Arial" panose="020B0604020202020204" pitchFamily="34" charset="0"/>
+              </a:rPr>
+              <a:t>Create a test plan for this component BEFORE you start coding.  Your plan should allow you to test all logical pathways for this component.  It should also include test cases for relevant boundary and unexpected values.</a:t>
+            </a:r>
+          </a:p>
+        </p:txBody>
+      </p:sp>
+      <p:graphicFrame>
+        <p:nvGraphicFramePr>
+          <p:cNvPr id="4" name="Google Shape;92;p19">
+            <a:extLst>
+              <a:ext uri="{FF2B5EF4-FFF2-40B4-BE49-F238E27FC236}">
+                <a16:creationId xmlns:a16="http://schemas.microsoft.com/office/drawing/2014/main" id="{6ED52D96-8A61-4958-ABC1-28942CC17405}"/>
+              </a:ext>
+            </a:extLst>
+          </p:cNvPr>
+          <p:cNvGraphicFramePr/>
+          <p:nvPr>
+            <p:extLst>
+              <p:ext uri="{D42A27DB-BD31-4B8C-83A1-F6EECF244321}">
+                <p14:modId xmlns:p14="http://schemas.microsoft.com/office/powerpoint/2010/main" val="585074915"/>
+              </p:ext>
+            </p:extLst>
+          </p:nvPr>
+        </p:nvGraphicFramePr>
+        <p:xfrm>
+          <a:off x="509967" y="2927272"/>
+          <a:ext cx="11360800" cy="1219120"/>
+        </p:xfrm>
+        <a:graphic>
+          <a:graphicData uri="http://schemas.openxmlformats.org/drawingml/2006/table">
+            <a:tbl>
+              <a:tblPr>
+                <a:noFill/>
+              </a:tblPr>
+              <a:tblGrid>
+                <a:gridCol w="5680400">
+                  <a:extLst>
+                    <a:ext uri="{9D8B030D-6E8A-4147-A177-3AD203B41FA5}">
+                      <a16:colId xmlns:a16="http://schemas.microsoft.com/office/drawing/2014/main" val="20000"/>
+                    </a:ext>
+                  </a:extLst>
+                </a:gridCol>
+                <a:gridCol w="5680400">
+                  <a:extLst>
+                    <a:ext uri="{9D8B030D-6E8A-4147-A177-3AD203B41FA5}">
+                      <a16:colId xmlns:a16="http://schemas.microsoft.com/office/drawing/2014/main" val="20001"/>
+                    </a:ext>
+                  </a:extLst>
+                </a:gridCol>
+              </a:tblGrid>
+              <a:tr h="609560">
+                <a:tc>
+                  <a:txBody>
+                    <a:bodyPr/>
+                    <a:lstStyle/>
+                    <a:p>
+                      <a:pPr marL="0" lvl="0" indent="0" algn="l" rtl="0">
+                        <a:spcBef>
+                          <a:spcPts val="0"/>
+                        </a:spcBef>
+                        <a:spcAft>
+                          <a:spcPts val="0"/>
+                        </a:spcAft>
+                        <a:buNone/>
+                      </a:pPr>
+                      <a:r>
+                        <a:rPr lang="en" sz="2400" b="1" dirty="0"/>
+                        <a:t>Test Cases - input</a:t>
+                      </a:r>
+                      <a:endParaRPr sz="2400" b="1" dirty="0"/>
+                    </a:p>
+                  </a:txBody>
+                  <a:tcPr marL="121900" marR="121900" marT="121900" marB="121900">
+                    <a:solidFill>
+                      <a:srgbClr val="CCCCCC"/>
+                    </a:solidFill>
+                  </a:tcPr>
+                </a:tc>
+                <a:tc>
+                  <a:txBody>
+                    <a:bodyPr/>
+                    <a:lstStyle/>
+                    <a:p>
+                      <a:pPr marL="0" lvl="0" indent="0" algn="l" rtl="0">
+                        <a:spcBef>
+                          <a:spcPts val="0"/>
+                        </a:spcBef>
+                        <a:spcAft>
+                          <a:spcPts val="0"/>
+                        </a:spcAft>
+                        <a:buNone/>
+                      </a:pPr>
+                      <a:r>
+                        <a:rPr lang="en" sz="2400" b="1"/>
+                        <a:t>Expected output</a:t>
+                      </a:r>
+                      <a:endParaRPr sz="2400" b="1" dirty="0"/>
+                    </a:p>
+                  </a:txBody>
+                  <a:tcPr marL="121900" marR="121900" marT="121900" marB="121900">
+                    <a:solidFill>
+                      <a:srgbClr val="CCCCCC"/>
+                    </a:solidFill>
+                  </a:tcPr>
+                </a:tc>
+                <a:extLst>
+                  <a:ext uri="{0D108BD9-81ED-4DB2-BD59-A6C34878D82A}">
+                    <a16:rowId xmlns:a16="http://schemas.microsoft.com/office/drawing/2014/main" val="10000"/>
+                  </a:ext>
+                </a:extLst>
+              </a:tr>
+              <a:tr h="609560">
+                <a:tc>
+                  <a:txBody>
+                    <a:bodyPr/>
+                    <a:lstStyle/>
+                    <a:p>
+                      <a:pPr marL="0" lvl="0" indent="0" algn="l" rtl="0">
+                        <a:spcBef>
+                          <a:spcPts val="0"/>
+                        </a:spcBef>
+                        <a:spcAft>
+                          <a:spcPts val="0"/>
+                        </a:spcAft>
+                        <a:buNone/>
+                      </a:pPr>
+                      <a:endParaRPr sz="2400" dirty="0"/>
+                    </a:p>
+                  </a:txBody>
+                  <a:tcPr marL="121900" marR="121900" marT="121900" marB="121900"/>
+                </a:tc>
+                <a:tc>
+                  <a:txBody>
+                    <a:bodyPr/>
+                    <a:lstStyle/>
+                    <a:p>
+                      <a:pPr marL="0" lvl="0" indent="0" algn="l" rtl="0">
+                        <a:spcBef>
+                          <a:spcPts val="0"/>
+                        </a:spcBef>
+                        <a:spcAft>
+                          <a:spcPts val="0"/>
+                        </a:spcAft>
+                        <a:buNone/>
+                      </a:pPr>
+                      <a:endParaRPr sz="2400" dirty="0"/>
+                    </a:p>
+                  </a:txBody>
+                  <a:tcPr marL="121900" marR="121900" marT="121900" marB="121900"/>
+                </a:tc>
+                <a:extLst>
+                  <a:ext uri="{0D108BD9-81ED-4DB2-BD59-A6C34878D82A}">
+                    <a16:rowId xmlns:a16="http://schemas.microsoft.com/office/drawing/2014/main" val="10001"/>
+                  </a:ext>
+                </a:extLst>
+              </a:tr>
+            </a:tbl>
+          </a:graphicData>
+        </a:graphic>
+      </p:graphicFrame>
+    </p:spTree>
+    <p:extLst>
+      <p:ext uri="{BB962C8B-B14F-4D97-AF65-F5344CB8AC3E}">
+        <p14:creationId xmlns:p14="http://schemas.microsoft.com/office/powerpoint/2010/main" val="278186575"/>
+      </p:ext>
+    </p:extLst>
+  </p:cSld>
+  <p:clrMapOvr>
+    <a:masterClrMapping/>
+  </p:clrMapOvr>
+</p:sld>
+</file>
+
 <file path=ppt/slides/slide9.xml><?xml version="1.0" encoding="utf-8"?>
 <p:sld xmlns:a="http://schemas.openxmlformats.org/drawingml/2006/main" xmlns:r="http://schemas.openxmlformats.org/officeDocument/2006/relationships" xmlns:p="http://schemas.openxmlformats.org/presentationml/2006/main">
   <p:cSld>
@@ -9045,7 +8791,7 @@
           <a:p>
             <a:r>
               <a:rPr lang="en-NZ" b="1" dirty="0"/>
-              <a:t>1 Component Planning:</a:t>
+              <a:t>3 Evidence of testing:</a:t>
             </a:r>
             <a:br>
               <a:rPr lang="en-NZ" b="1" dirty="0"/>
@@ -9072,7 +8818,7 @@
         <p:spPr>
           <a:xfrm>
             <a:off x="838199" y="1690688"/>
-            <a:ext cx="9441581" cy="702372"/>
+            <a:ext cx="9441581" cy="1020921"/>
           </a:xfrm>
           <a:prstGeom prst="rect">
             <a:avLst/>
@@ -9097,7 +8843,7 @@
                 <a:latin typeface="Arial" panose="020B0604020202020204" pitchFamily="34" charset="0"/>
                 <a:ea typeface="Arial" panose="020B0604020202020204" pitchFamily="34" charset="0"/>
               </a:rPr>
-              <a:t>How might your component work.  This could be in the form of a Trello screenshot.</a:t>
+              <a:t>Use this slide to provide evidence that you have tested your component in accordance with the test plan you developed earlier.</a:t>
             </a:r>
           </a:p>
           <a:p>
@@ -9119,7 +8865,7 @@
     </p:spTree>
     <p:extLst>
       <p:ext uri="{BB962C8B-B14F-4D97-AF65-F5344CB8AC3E}">
-        <p14:creationId xmlns:p14="http://schemas.microsoft.com/office/powerpoint/2010/main" val="2838869909"/>
+        <p14:creationId xmlns:p14="http://schemas.microsoft.com/office/powerpoint/2010/main" val="3701034081"/>
       </p:ext>
     </p:extLst>
   </p:cSld>
@@ -9720,23 +9466,6 @@
 </file>
 
 <file path=customXml/item1.xml><?xml version="1.0" encoding="utf-8"?>
-<?mso-contentType ?>
-<FormTemplates xmlns="http://schemas.microsoft.com/sharepoint/v3/contenttype/forms">
-  <Display>DocumentLibraryForm</Display>
-  <Edit>DocumentLibraryForm</Edit>
-  <New>DocumentLibraryForm</New>
-</FormTemplates>
-</file>
-
-<file path=customXml/item2.xml><?xml version="1.0" encoding="utf-8"?>
-<p:properties xmlns:p="http://schemas.microsoft.com/office/2006/metadata/properties" xmlns:xsi="http://www.w3.org/2001/XMLSchema-instance" xmlns:pc="http://schemas.microsoft.com/office/infopath/2007/PartnerControls">
-  <documentManagement>
-    <ReferenceId xmlns="6cc55d03-637f-467e-b73c-ee046d6b6584" xsi:nil="true"/>
-  </documentManagement>
-</p:properties>
-</file>
-
-<file path=customXml/item3.xml><?xml version="1.0" encoding="utf-8"?>
 <ct:contentTypeSchema xmlns:ct="http://schemas.microsoft.com/office/2006/metadata/contentType" xmlns:ma="http://schemas.microsoft.com/office/2006/metadata/properties/metaAttributes" ct:_="" ma:_="" ma:contentTypeName="Document" ma:contentTypeID="0x010100BE405191E94172408D8419D6A7C02322" ma:contentTypeVersion="5" ma:contentTypeDescription="Create a new document." ma:contentTypeScope="" ma:versionID="301d5a7203089a98e1ea8827003bc5fe">
   <xsd:schema xmlns:xsd="http://www.w3.org/2001/XMLSchema" xmlns:xs="http://www.w3.org/2001/XMLSchema" xmlns:p="http://schemas.microsoft.com/office/2006/metadata/properties" xmlns:ns2="6cc55d03-637f-467e-b73c-ee046d6b6584" targetNamespace="http://schemas.microsoft.com/office/2006/metadata/properties" ma:root="true" ma:fieldsID="a16c299d5b54ed963c71d244d62f0760" ns2:_="">
     <xsd:import namespace="6cc55d03-637f-467e-b73c-ee046d6b6584"/>
@@ -9886,10 +9615,37 @@
 </ct:contentTypeSchema>
 </file>
 
+<file path=customXml/item2.xml><?xml version="1.0" encoding="utf-8"?>
+<p:properties xmlns:p="http://schemas.microsoft.com/office/2006/metadata/properties" xmlns:xsi="http://www.w3.org/2001/XMLSchema-instance" xmlns:pc="http://schemas.microsoft.com/office/infopath/2007/PartnerControls">
+  <documentManagement>
+    <ReferenceId xmlns="6cc55d03-637f-467e-b73c-ee046d6b6584" xsi:nil="true"/>
+  </documentManagement>
+</p:properties>
+</file>
+
+<file path=customXml/item3.xml><?xml version="1.0" encoding="utf-8"?>
+<?mso-contentType ?>
+<FormTemplates xmlns="http://schemas.microsoft.com/sharepoint/v3/contenttype/forms">
+  <Display>DocumentLibraryForm</Display>
+  <Edit>DocumentLibraryForm</Edit>
+  <New>DocumentLibraryForm</New>
+</FormTemplates>
+</file>
+
 <file path=customXml/itemProps1.xml><?xml version="1.0" encoding="utf-8"?>
-<ds:datastoreItem xmlns:ds="http://schemas.openxmlformats.org/officeDocument/2006/customXml" ds:itemID="{25660B88-93BD-441B-8193-7A1E5DE6F2E8}">
+<ds:datastoreItem xmlns:ds="http://schemas.openxmlformats.org/officeDocument/2006/customXml" ds:itemID="{89AB924A-E934-4357-820F-9EDCAA31881C}">
   <ds:schemaRefs>
-    <ds:schemaRef ds:uri="http://schemas.microsoft.com/sharepoint/v3/contenttype/forms"/>
+    <ds:schemaRef ds:uri="http://schemas.microsoft.com/office/2006/metadata/contentType"/>
+    <ds:schemaRef ds:uri="http://schemas.microsoft.com/office/2006/metadata/properties/metaAttributes"/>
+    <ds:schemaRef ds:uri="http://www.w3.org/2001/XMLSchema"/>
+    <ds:schemaRef ds:uri="http://schemas.microsoft.com/office/2006/metadata/properties"/>
+    <ds:schemaRef ds:uri="6cc55d03-637f-467e-b73c-ee046d6b6584"/>
+    <ds:schemaRef ds:uri="http://schemas.microsoft.com/office/2006/documentManagement/types"/>
+    <ds:schemaRef ds:uri="http://schemas.microsoft.com/office/infopath/2007/PartnerControls"/>
+    <ds:schemaRef ds:uri="http://schemas.openxmlformats.org/package/2006/metadata/core-properties"/>
+    <ds:schemaRef ds:uri="http://purl.org/dc/elements/1.1/"/>
+    <ds:schemaRef ds:uri="http://purl.org/dc/terms/"/>
+    <ds:schemaRef ds:uri="http://schemas.microsoft.com/internal/obd"/>
   </ds:schemaRefs>
 </ds:datastoreItem>
 </file>
@@ -9905,19 +9661,9 @@
 </file>
 
 <file path=customXml/itemProps3.xml><?xml version="1.0" encoding="utf-8"?>
-<ds:datastoreItem xmlns:ds="http://schemas.openxmlformats.org/officeDocument/2006/customXml" ds:itemID="{89AB924A-E934-4357-820F-9EDCAA31881C}">
+<ds:datastoreItem xmlns:ds="http://schemas.openxmlformats.org/officeDocument/2006/customXml" ds:itemID="{25660B88-93BD-441B-8193-7A1E5DE6F2E8}">
   <ds:schemaRefs>
-    <ds:schemaRef ds:uri="http://schemas.microsoft.com/office/2006/metadata/contentType"/>
-    <ds:schemaRef ds:uri="http://schemas.microsoft.com/office/2006/metadata/properties/metaAttributes"/>
-    <ds:schemaRef ds:uri="http://www.w3.org/2001/XMLSchema"/>
-    <ds:schemaRef ds:uri="http://schemas.microsoft.com/office/2006/metadata/properties"/>
-    <ds:schemaRef ds:uri="6cc55d03-637f-467e-b73c-ee046d6b6584"/>
-    <ds:schemaRef ds:uri="http://schemas.microsoft.com/office/2006/documentManagement/types"/>
-    <ds:schemaRef ds:uri="http://schemas.microsoft.com/office/infopath/2007/PartnerControls"/>
-    <ds:schemaRef ds:uri="http://schemas.openxmlformats.org/package/2006/metadata/core-properties"/>
-    <ds:schemaRef ds:uri="http://purl.org/dc/elements/1.1/"/>
-    <ds:schemaRef ds:uri="http://purl.org/dc/terms/"/>
-    <ds:schemaRef ds:uri="http://schemas.microsoft.com/internal/obd"/>
+    <ds:schemaRef ds:uri="http://schemas.microsoft.com/sharepoint/v3/contenttype/forms"/>
   </ds:schemaRefs>
 </ds:datastoreItem>
 </file>
--- a/Documentation/3.7 and 3.8 Documentation Samuel Burgess.pptx
+++ b/Documentation/3.7 and 3.8 Documentation Samuel Burgess.pptx
@@ -5,7 +5,7 @@
     <p:sldMasterId id="2147483648" r:id="rId4"/>
   </p:sldMasterIdLst>
   <p:notesMasterIdLst>
-    <p:notesMasterId r:id="rId50"/>
+    <p:notesMasterId r:id="rId57"/>
   </p:notesMasterIdLst>
   <p:sldIdLst>
     <p:sldId id="256" r:id="rId5"/>
@@ -18,41 +18,48 @@
     <p:sldId id="274" r:id="rId12"/>
     <p:sldId id="276" r:id="rId13"/>
     <p:sldId id="278" r:id="rId14"/>
-    <p:sldId id="288" r:id="rId15"/>
-    <p:sldId id="299" r:id="rId16"/>
-    <p:sldId id="279" r:id="rId17"/>
-    <p:sldId id="289" r:id="rId18"/>
-    <p:sldId id="300" r:id="rId19"/>
-    <p:sldId id="309" r:id="rId20"/>
-    <p:sldId id="280" r:id="rId21"/>
-    <p:sldId id="290" r:id="rId22"/>
-    <p:sldId id="301" r:id="rId23"/>
-    <p:sldId id="281" r:id="rId24"/>
-    <p:sldId id="291" r:id="rId25"/>
-    <p:sldId id="302" r:id="rId26"/>
-    <p:sldId id="282" r:id="rId27"/>
-    <p:sldId id="292" r:id="rId28"/>
-    <p:sldId id="303" r:id="rId29"/>
-    <p:sldId id="283" r:id="rId30"/>
-    <p:sldId id="293" r:id="rId31"/>
-    <p:sldId id="304" r:id="rId32"/>
-    <p:sldId id="284" r:id="rId33"/>
-    <p:sldId id="294" r:id="rId34"/>
-    <p:sldId id="305" r:id="rId35"/>
-    <p:sldId id="285" r:id="rId36"/>
-    <p:sldId id="295" r:id="rId37"/>
-    <p:sldId id="306" r:id="rId38"/>
-    <p:sldId id="286" r:id="rId39"/>
-    <p:sldId id="311" r:id="rId40"/>
-    <p:sldId id="310" r:id="rId41"/>
-    <p:sldId id="287" r:id="rId42"/>
-    <p:sldId id="297" r:id="rId43"/>
-    <p:sldId id="308" r:id="rId44"/>
-    <p:sldId id="298" r:id="rId45"/>
-    <p:sldId id="263" r:id="rId46"/>
-    <p:sldId id="264" r:id="rId47"/>
-    <p:sldId id="275" r:id="rId48"/>
-    <p:sldId id="265" r:id="rId49"/>
+    <p:sldId id="313" r:id="rId15"/>
+    <p:sldId id="288" r:id="rId16"/>
+    <p:sldId id="299" r:id="rId17"/>
+    <p:sldId id="279" r:id="rId18"/>
+    <p:sldId id="289" r:id="rId19"/>
+    <p:sldId id="300" r:id="rId20"/>
+    <p:sldId id="309" r:id="rId21"/>
+    <p:sldId id="280" r:id="rId22"/>
+    <p:sldId id="290" r:id="rId23"/>
+    <p:sldId id="301" r:id="rId24"/>
+    <p:sldId id="281" r:id="rId25"/>
+    <p:sldId id="291" r:id="rId26"/>
+    <p:sldId id="302" r:id="rId27"/>
+    <p:sldId id="282" r:id="rId28"/>
+    <p:sldId id="292" r:id="rId29"/>
+    <p:sldId id="303" r:id="rId30"/>
+    <p:sldId id="283" r:id="rId31"/>
+    <p:sldId id="293" r:id="rId32"/>
+    <p:sldId id="304" r:id="rId33"/>
+    <p:sldId id="284" r:id="rId34"/>
+    <p:sldId id="314" r:id="rId35"/>
+    <p:sldId id="294" r:id="rId36"/>
+    <p:sldId id="305" r:id="rId37"/>
+    <p:sldId id="285" r:id="rId38"/>
+    <p:sldId id="315" r:id="rId39"/>
+    <p:sldId id="295" r:id="rId40"/>
+    <p:sldId id="306" r:id="rId41"/>
+    <p:sldId id="286" r:id="rId42"/>
+    <p:sldId id="316" r:id="rId43"/>
+    <p:sldId id="311" r:id="rId44"/>
+    <p:sldId id="310" r:id="rId45"/>
+    <p:sldId id="287" r:id="rId46"/>
+    <p:sldId id="297" r:id="rId47"/>
+    <p:sldId id="308" r:id="rId48"/>
+    <p:sldId id="312" r:id="rId49"/>
+    <p:sldId id="263" r:id="rId50"/>
+    <p:sldId id="264" r:id="rId51"/>
+    <p:sldId id="275" r:id="rId52"/>
+    <p:sldId id="270" r:id="rId53"/>
+    <p:sldId id="317" r:id="rId54"/>
+    <p:sldId id="318" r:id="rId55"/>
+    <p:sldId id="265" r:id="rId56"/>
   </p:sldIdLst>
   <p:sldSz cx="12192000" cy="6858000"/>
   <p:notesSz cx="6858000" cy="9144000"/>
@@ -162,7 +169,7 @@
 <file path=ppt/revisionInfo.xml><?xml version="1.0" encoding="utf-8"?>
 <p1510:revInfo xmlns:a="http://schemas.openxmlformats.org/drawingml/2006/main" xmlns:r="http://schemas.openxmlformats.org/officeDocument/2006/relationships" xmlns:p1510="http://schemas.microsoft.com/office/powerpoint/2015/10/main">
   <p1510:revLst>
-    <p1510:client id="{2AF0EF34-4ADF-4105-9DDA-B14BFA8DB580}" v="21" dt="2024-06-08T05:34:25.330"/>
+    <p1510:client id="{2AF0EF34-4ADF-4105-9DDA-B14BFA8DB580}" v="30" dt="2024-06-09T03:42:47.271"/>
   </p1510:revLst>
 </p1510:revInfo>
 </file>
@@ -236,10 +243,40 @@
   <pc:docChgLst>
     <pc:chgData name="Samuel Burgess" userId="875ce21e-2db9-4c64-8a73-adac5c404a46" providerId="ADAL" clId="{2AF0EF34-4ADF-4105-9DDA-B14BFA8DB580}"/>
     <pc:docChg chg="undo custSel addSld delSld modSld sldOrd">
-      <pc:chgData name="Samuel Burgess" userId="875ce21e-2db9-4c64-8a73-adac5c404a46" providerId="ADAL" clId="{2AF0EF34-4ADF-4105-9DDA-B14BFA8DB580}" dt="2024-06-08T05:36:35.533" v="3665" actId="20577"/>
+      <pc:chgData name="Samuel Burgess" userId="875ce21e-2db9-4c64-8a73-adac5c404a46" providerId="ADAL" clId="{2AF0EF34-4ADF-4105-9DDA-B14BFA8DB580}" dt="2024-06-09T03:44:32.660" v="6538" actId="20577"/>
       <pc:docMkLst>
         <pc:docMk/>
       </pc:docMkLst>
+      <pc:sldChg chg="modSp mod">
+        <pc:chgData name="Samuel Burgess" userId="875ce21e-2db9-4c64-8a73-adac5c404a46" providerId="ADAL" clId="{2AF0EF34-4ADF-4105-9DDA-B14BFA8DB580}" dt="2024-06-09T03:31:13.731" v="6298" actId="20577"/>
+        <pc:sldMkLst>
+          <pc:docMk/>
+          <pc:sldMk cId="520546384" sldId="265"/>
+        </pc:sldMkLst>
+        <pc:spChg chg="mod">
+          <ac:chgData name="Samuel Burgess" userId="875ce21e-2db9-4c64-8a73-adac5c404a46" providerId="ADAL" clId="{2AF0EF34-4ADF-4105-9DDA-B14BFA8DB580}" dt="2024-06-09T03:31:13.731" v="6298" actId="20577"/>
+          <ac:spMkLst>
+            <pc:docMk/>
+            <pc:sldMk cId="520546384" sldId="265"/>
+            <ac:spMk id="3" creationId="{587AE7D3-5F44-4638-A690-53362BD9429B}"/>
+          </ac:spMkLst>
+        </pc:spChg>
+      </pc:sldChg>
+      <pc:sldChg chg="modSp add mod">
+        <pc:chgData name="Samuel Burgess" userId="875ce21e-2db9-4c64-8a73-adac5c404a46" providerId="ADAL" clId="{2AF0EF34-4ADF-4105-9DDA-B14BFA8DB580}" dt="2024-06-09T03:33:22.491" v="6378" actId="20577"/>
+        <pc:sldMkLst>
+          <pc:docMk/>
+          <pc:sldMk cId="1053444694" sldId="270"/>
+        </pc:sldMkLst>
+        <pc:graphicFrameChg chg="modGraphic">
+          <ac:chgData name="Samuel Burgess" userId="875ce21e-2db9-4c64-8a73-adac5c404a46" providerId="ADAL" clId="{2AF0EF34-4ADF-4105-9DDA-B14BFA8DB580}" dt="2024-06-09T03:33:22.491" v="6378" actId="20577"/>
+          <ac:graphicFrameMkLst>
+            <pc:docMk/>
+            <pc:sldMk cId="1053444694" sldId="270"/>
+            <ac:graphicFrameMk id="4" creationId="{54A393A9-6C94-409B-BDCB-65C4ABAA2DD1}"/>
+          </ac:graphicFrameMkLst>
+        </pc:graphicFrameChg>
+      </pc:sldChg>
       <pc:sldChg chg="addSp delSp modSp mod">
         <pc:chgData name="Samuel Burgess" userId="875ce21e-2db9-4c64-8a73-adac5c404a46" providerId="ADAL" clId="{2AF0EF34-4ADF-4105-9DDA-B14BFA8DB580}" dt="2024-06-08T00:47:14.382" v="98" actId="14100"/>
         <pc:sldMkLst>
@@ -664,20 +701,76 @@
           </ac:picMkLst>
         </pc:picChg>
       </pc:sldChg>
-      <pc:sldChg chg="modSp add mod">
-        <pc:chgData name="Samuel Burgess" userId="875ce21e-2db9-4c64-8a73-adac5c404a46" providerId="ADAL" clId="{2AF0EF34-4ADF-4105-9DDA-B14BFA8DB580}" dt="2024-06-08T00:51:11.350" v="266" actId="20577"/>
+      <pc:sldChg chg="addSp delSp modSp add mod setBg">
+        <pc:chgData name="Samuel Burgess" userId="875ce21e-2db9-4c64-8a73-adac5c404a46" providerId="ADAL" clId="{2AF0EF34-4ADF-4105-9DDA-B14BFA8DB580}" dt="2024-06-08T20:10:30.723" v="3672" actId="26606"/>
         <pc:sldMkLst>
           <pc:docMk/>
           <pc:sldMk cId="1099365548" sldId="287"/>
         </pc:sldMkLst>
         <pc:spChg chg="mod">
-          <ac:chgData name="Samuel Burgess" userId="875ce21e-2db9-4c64-8a73-adac5c404a46" providerId="ADAL" clId="{2AF0EF34-4ADF-4105-9DDA-B14BFA8DB580}" dt="2024-06-08T00:51:11.350" v="266" actId="20577"/>
+          <ac:chgData name="Samuel Burgess" userId="875ce21e-2db9-4c64-8a73-adac5c404a46" providerId="ADAL" clId="{2AF0EF34-4ADF-4105-9DDA-B14BFA8DB580}" dt="2024-06-08T20:10:30.723" v="3672" actId="26606"/>
           <ac:spMkLst>
             <pc:docMk/>
             <pc:sldMk cId="1099365548" sldId="287"/>
             <ac:spMk id="2" creationId="{929346B1-21F7-4D6B-B685-2CCB524F66E9}"/>
           </ac:spMkLst>
         </pc:spChg>
+        <pc:spChg chg="del mod">
+          <ac:chgData name="Samuel Burgess" userId="875ce21e-2db9-4c64-8a73-adac5c404a46" providerId="ADAL" clId="{2AF0EF34-4ADF-4105-9DDA-B14BFA8DB580}" dt="2024-06-08T20:10:27.727" v="3671" actId="478"/>
+          <ac:spMkLst>
+            <pc:docMk/>
+            <pc:sldMk cId="1099365548" sldId="287"/>
+            <ac:spMk id="3" creationId="{F1803FB6-918B-4C8E-9C25-3ECDA665EC35}"/>
+          </ac:spMkLst>
+        </pc:spChg>
+        <pc:spChg chg="add del">
+          <ac:chgData name="Samuel Burgess" userId="875ce21e-2db9-4c64-8a73-adac5c404a46" providerId="ADAL" clId="{2AF0EF34-4ADF-4105-9DDA-B14BFA8DB580}" dt="2024-06-08T20:10:30.723" v="3672" actId="26606"/>
+          <ac:spMkLst>
+            <pc:docMk/>
+            <pc:sldMk cId="1099365548" sldId="287"/>
+            <ac:spMk id="10" creationId="{E8A8EAB8-D2FF-444D-B34B-7D32F106AD0E}"/>
+          </ac:spMkLst>
+        </pc:spChg>
+        <pc:spChg chg="add">
+          <ac:chgData name="Samuel Burgess" userId="875ce21e-2db9-4c64-8a73-adac5c404a46" providerId="ADAL" clId="{2AF0EF34-4ADF-4105-9DDA-B14BFA8DB580}" dt="2024-06-08T20:10:30.723" v="3672" actId="26606"/>
+          <ac:spMkLst>
+            <pc:docMk/>
+            <pc:sldMk cId="1099365548" sldId="287"/>
+            <ac:spMk id="19" creationId="{FB5B0058-AF13-4859-B429-4EDDE2A26F7F}"/>
+          </ac:spMkLst>
+        </pc:spChg>
+        <pc:spChg chg="add">
+          <ac:chgData name="Samuel Burgess" userId="875ce21e-2db9-4c64-8a73-adac5c404a46" providerId="ADAL" clId="{2AF0EF34-4ADF-4105-9DDA-B14BFA8DB580}" dt="2024-06-08T20:10:30.723" v="3672" actId="26606"/>
+          <ac:spMkLst>
+            <pc:docMk/>
+            <pc:sldMk cId="1099365548" sldId="287"/>
+            <ac:spMk id="21" creationId="{1A89CBBC-7743-43D9-A324-25CB472E9B2E}"/>
+          </ac:spMkLst>
+        </pc:spChg>
+        <pc:picChg chg="add mod">
+          <ac:chgData name="Samuel Burgess" userId="875ce21e-2db9-4c64-8a73-adac5c404a46" providerId="ADAL" clId="{2AF0EF34-4ADF-4105-9DDA-B14BFA8DB580}" dt="2024-06-08T20:10:30.723" v="3672" actId="26606"/>
+          <ac:picMkLst>
+            <pc:docMk/>
+            <pc:sldMk cId="1099365548" sldId="287"/>
+            <ac:picMk id="5" creationId="{C9908854-F180-96E9-79C0-5AFCC03EE8A1}"/>
+          </ac:picMkLst>
+        </pc:picChg>
+        <pc:cxnChg chg="add del">
+          <ac:chgData name="Samuel Burgess" userId="875ce21e-2db9-4c64-8a73-adac5c404a46" providerId="ADAL" clId="{2AF0EF34-4ADF-4105-9DDA-B14BFA8DB580}" dt="2024-06-08T20:10:30.723" v="3672" actId="26606"/>
+          <ac:cxnSpMkLst>
+            <pc:docMk/>
+            <pc:sldMk cId="1099365548" sldId="287"/>
+            <ac:cxnSpMk id="12" creationId="{EEA38897-7BA3-4408-8083-3235339C4A60}"/>
+          </ac:cxnSpMkLst>
+        </pc:cxnChg>
+        <pc:cxnChg chg="add del">
+          <ac:chgData name="Samuel Burgess" userId="875ce21e-2db9-4c64-8a73-adac5c404a46" providerId="ADAL" clId="{2AF0EF34-4ADF-4105-9DDA-B14BFA8DB580}" dt="2024-06-08T20:10:30.723" v="3672" actId="26606"/>
+          <ac:cxnSpMkLst>
+            <pc:docMk/>
+            <pc:sldMk cId="1099365548" sldId="287"/>
+            <ac:cxnSpMk id="14" creationId="{F11AD06B-AB20-4097-8606-5DA00DBACE88}"/>
+          </ac:cxnSpMkLst>
+        </pc:cxnChg>
       </pc:sldChg>
       <pc:sldChg chg="add del">
         <pc:chgData name="Samuel Burgess" userId="875ce21e-2db9-4c64-8a73-adac5c404a46" providerId="ADAL" clId="{2AF0EF34-4ADF-4105-9DDA-B14BFA8DB580}" dt="2024-06-08T00:51:15.802" v="267" actId="2696"/>
@@ -687,7 +780,7 @@
         </pc:sldMkLst>
       </pc:sldChg>
       <pc:sldChg chg="addSp delSp modSp add mod ord">
-        <pc:chgData name="Samuel Burgess" userId="875ce21e-2db9-4c64-8a73-adac5c404a46" providerId="ADAL" clId="{2AF0EF34-4ADF-4105-9DDA-B14BFA8DB580}" dt="2024-06-08T03:30:33.311" v="1680" actId="20577"/>
+        <pc:chgData name="Samuel Burgess" userId="875ce21e-2db9-4c64-8a73-adac5c404a46" providerId="ADAL" clId="{2AF0EF34-4ADF-4105-9DDA-B14BFA8DB580}" dt="2024-06-09T03:01:50.851" v="4555" actId="1076"/>
         <pc:sldMkLst>
           <pc:docMk/>
           <pc:sldMk cId="3611622912" sldId="288"/>
@@ -709,7 +802,7 @@
           </ac:spMkLst>
         </pc:spChg>
         <pc:spChg chg="add mod">
-          <ac:chgData name="Samuel Burgess" userId="875ce21e-2db9-4c64-8a73-adac5c404a46" providerId="ADAL" clId="{2AF0EF34-4ADF-4105-9DDA-B14BFA8DB580}" dt="2024-06-08T03:30:33.311" v="1680" actId="20577"/>
+          <ac:chgData name="Samuel Burgess" userId="875ce21e-2db9-4c64-8a73-adac5c404a46" providerId="ADAL" clId="{2AF0EF34-4ADF-4105-9DDA-B14BFA8DB580}" dt="2024-06-09T03:01:50.851" v="4555" actId="1076"/>
           <ac:spMkLst>
             <pc:docMk/>
             <pc:sldMk cId="3611622912" sldId="288"/>
@@ -926,7 +1019,7 @@
         </pc:spChg>
       </pc:sldChg>
       <pc:sldChg chg="modSp add mod">
-        <pc:chgData name="Samuel Burgess" userId="875ce21e-2db9-4c64-8a73-adac5c404a46" providerId="ADAL" clId="{2AF0EF34-4ADF-4105-9DDA-B14BFA8DB580}" dt="2024-06-08T00:54:34.142" v="427" actId="20577"/>
+        <pc:chgData name="Samuel Burgess" userId="875ce21e-2db9-4c64-8a73-adac5c404a46" providerId="ADAL" clId="{2AF0EF34-4ADF-4105-9DDA-B14BFA8DB580}" dt="2024-06-08T20:11:34.016" v="3803" actId="20577"/>
         <pc:sldMkLst>
           <pc:docMk/>
           <pc:sldMk cId="3301318025" sldId="297"/>
@@ -939,9 +1032,17 @@
             <ac:spMk id="2" creationId="{929346B1-21F7-4D6B-B685-2CCB524F66E9}"/>
           </ac:spMkLst>
         </pc:spChg>
+        <pc:graphicFrameChg chg="modGraphic">
+          <ac:chgData name="Samuel Burgess" userId="875ce21e-2db9-4c64-8a73-adac5c404a46" providerId="ADAL" clId="{2AF0EF34-4ADF-4105-9DDA-B14BFA8DB580}" dt="2024-06-08T20:11:34.016" v="3803" actId="20577"/>
+          <ac:graphicFrameMkLst>
+            <pc:docMk/>
+            <pc:sldMk cId="3301318025" sldId="297"/>
+            <ac:graphicFrameMk id="4" creationId="{6ED52D96-8A61-4958-ABC1-28942CC17405}"/>
+          </ac:graphicFrameMkLst>
+        </pc:graphicFrameChg>
       </pc:sldChg>
-      <pc:sldChg chg="modSp new mod">
-        <pc:chgData name="Samuel Burgess" userId="875ce21e-2db9-4c64-8a73-adac5c404a46" providerId="ADAL" clId="{2AF0EF34-4ADF-4105-9DDA-B14BFA8DB580}" dt="2024-06-08T00:55:00.039" v="477" actId="20577"/>
+      <pc:sldChg chg="modSp new del mod">
+        <pc:chgData name="Samuel Burgess" userId="875ce21e-2db9-4c64-8a73-adac5c404a46" providerId="ADAL" clId="{2AF0EF34-4ADF-4105-9DDA-B14BFA8DB580}" dt="2024-06-09T03:27:22.418" v="6052" actId="2696"/>
         <pc:sldMkLst>
           <pc:docMk/>
           <pc:sldMk cId="1995666673" sldId="298"/>
@@ -1666,20 +1767,76 @@
           </ac:spMkLst>
         </pc:spChg>
       </pc:sldChg>
-      <pc:sldChg chg="modSp add mod">
-        <pc:chgData name="Samuel Burgess" userId="875ce21e-2db9-4c64-8a73-adac5c404a46" providerId="ADAL" clId="{2AF0EF34-4ADF-4105-9DDA-B14BFA8DB580}" dt="2024-06-08T00:57:20.347" v="634" actId="20577"/>
+      <pc:sldChg chg="addSp delSp modSp add mod">
+        <pc:chgData name="Samuel Burgess" userId="875ce21e-2db9-4c64-8a73-adac5c404a46" providerId="ADAL" clId="{2AF0EF34-4ADF-4105-9DDA-B14BFA8DB580}" dt="2024-06-08T20:21:59.381" v="3865" actId="20577"/>
         <pc:sldMkLst>
           <pc:docMk/>
           <pc:sldMk cId="2204666250" sldId="308"/>
         </pc:sldMkLst>
         <pc:spChg chg="mod">
-          <ac:chgData name="Samuel Burgess" userId="875ce21e-2db9-4c64-8a73-adac5c404a46" providerId="ADAL" clId="{2AF0EF34-4ADF-4105-9DDA-B14BFA8DB580}" dt="2024-06-08T00:57:20.347" v="634" actId="20577"/>
+          <ac:chgData name="Samuel Burgess" userId="875ce21e-2db9-4c64-8a73-adac5c404a46" providerId="ADAL" clId="{2AF0EF34-4ADF-4105-9DDA-B14BFA8DB580}" dt="2024-06-08T20:21:59.381" v="3865" actId="20577"/>
           <ac:spMkLst>
             <pc:docMk/>
             <pc:sldMk cId="2204666250" sldId="308"/>
             <ac:spMk id="2" creationId="{929346B1-21F7-4D6B-B685-2CCB524F66E9}"/>
           </ac:spMkLst>
         </pc:spChg>
+        <pc:spChg chg="mod">
+          <ac:chgData name="Samuel Burgess" userId="875ce21e-2db9-4c64-8a73-adac5c404a46" providerId="ADAL" clId="{2AF0EF34-4ADF-4105-9DDA-B14BFA8DB580}" dt="2024-06-08T20:21:30.205" v="3857" actId="20577"/>
+          <ac:spMkLst>
+            <pc:docMk/>
+            <pc:sldMk cId="2204666250" sldId="308"/>
+            <ac:spMk id="3" creationId="{F1803FB6-918B-4C8E-9C25-3ECDA665EC35}"/>
+          </ac:spMkLst>
+        </pc:spChg>
+        <pc:picChg chg="add mod">
+          <ac:chgData name="Samuel Burgess" userId="875ce21e-2db9-4c64-8a73-adac5c404a46" providerId="ADAL" clId="{2AF0EF34-4ADF-4105-9DDA-B14BFA8DB580}" dt="2024-06-08T20:21:53.261" v="3861" actId="1076"/>
+          <ac:picMkLst>
+            <pc:docMk/>
+            <pc:sldMk cId="2204666250" sldId="308"/>
+            <ac:picMk id="5" creationId="{CEBBE69D-E988-0155-83A7-82F5DEBC3896}"/>
+          </ac:picMkLst>
+        </pc:picChg>
+        <pc:picChg chg="add mod">
+          <ac:chgData name="Samuel Burgess" userId="875ce21e-2db9-4c64-8a73-adac5c404a46" providerId="ADAL" clId="{2AF0EF34-4ADF-4105-9DDA-B14BFA8DB580}" dt="2024-06-08T20:21:51.625" v="3860" actId="1076"/>
+          <ac:picMkLst>
+            <pc:docMk/>
+            <pc:sldMk cId="2204666250" sldId="308"/>
+            <ac:picMk id="7" creationId="{1E2DC083-1314-951D-A7D6-EEDE0E8B1647}"/>
+          </ac:picMkLst>
+        </pc:picChg>
+        <pc:picChg chg="add del mod">
+          <ac:chgData name="Samuel Burgess" userId="875ce21e-2db9-4c64-8a73-adac5c404a46" providerId="ADAL" clId="{2AF0EF34-4ADF-4105-9DDA-B14BFA8DB580}" dt="2024-06-08T20:20:49.413" v="3818" actId="478"/>
+          <ac:picMkLst>
+            <pc:docMk/>
+            <pc:sldMk cId="2204666250" sldId="308"/>
+            <ac:picMk id="9" creationId="{4B699E5C-B909-AD9E-7CD7-5228A2868D94}"/>
+          </ac:picMkLst>
+        </pc:picChg>
+        <pc:picChg chg="add del mod">
+          <ac:chgData name="Samuel Burgess" userId="875ce21e-2db9-4c64-8a73-adac5c404a46" providerId="ADAL" clId="{2AF0EF34-4ADF-4105-9DDA-B14BFA8DB580}" dt="2024-06-08T20:20:50.065" v="3819" actId="478"/>
+          <ac:picMkLst>
+            <pc:docMk/>
+            <pc:sldMk cId="2204666250" sldId="308"/>
+            <ac:picMk id="11" creationId="{E4C414E1-F067-3396-5234-EB4B738F51AF}"/>
+          </ac:picMkLst>
+        </pc:picChg>
+        <pc:picChg chg="add del mod">
+          <ac:chgData name="Samuel Burgess" userId="875ce21e-2db9-4c64-8a73-adac5c404a46" providerId="ADAL" clId="{2AF0EF34-4ADF-4105-9DDA-B14BFA8DB580}" dt="2024-06-08T20:20:48.430" v="3817" actId="478"/>
+          <ac:picMkLst>
+            <pc:docMk/>
+            <pc:sldMk cId="2204666250" sldId="308"/>
+            <ac:picMk id="13" creationId="{DAECFEBD-3230-707E-A380-0E16FCCBFDFD}"/>
+          </ac:picMkLst>
+        </pc:picChg>
+        <pc:picChg chg="add mod">
+          <ac:chgData name="Samuel Burgess" userId="875ce21e-2db9-4c64-8a73-adac5c404a46" providerId="ADAL" clId="{2AF0EF34-4ADF-4105-9DDA-B14BFA8DB580}" dt="2024-06-08T20:21:50.166" v="3859" actId="14100"/>
+          <ac:picMkLst>
+            <pc:docMk/>
+            <pc:sldMk cId="2204666250" sldId="308"/>
+            <ac:picMk id="15" creationId="{87AA2E01-50E2-73BA-8917-C92FBB32AB29}"/>
+          </ac:picMkLst>
+        </pc:picChg>
       </pc:sldChg>
       <pc:sldChg chg="add del">
         <pc:chgData name="Samuel Burgess" userId="875ce21e-2db9-4c64-8a73-adac5c404a46" providerId="ADAL" clId="{2AF0EF34-4ADF-4105-9DDA-B14BFA8DB580}" dt="2024-06-08T00:55:16.847" v="489" actId="2696"/>
@@ -1818,6 +1975,342 @@
             <pc:docMk/>
             <pc:sldMk cId="1338719522" sldId="311"/>
             <ac:spMk id="2" creationId="{929346B1-21F7-4D6B-B685-2CCB524F66E9}"/>
+          </ac:spMkLst>
+        </pc:spChg>
+      </pc:sldChg>
+      <pc:sldChg chg="addSp delSp modSp add mod">
+        <pc:chgData name="Samuel Burgess" userId="875ce21e-2db9-4c64-8a73-adac5c404a46" providerId="ADAL" clId="{2AF0EF34-4ADF-4105-9DDA-B14BFA8DB580}" dt="2024-06-08T20:23:01.447" v="3907" actId="1076"/>
+        <pc:sldMkLst>
+          <pc:docMk/>
+          <pc:sldMk cId="11801603" sldId="312"/>
+        </pc:sldMkLst>
+        <pc:spChg chg="mod">
+          <ac:chgData name="Samuel Burgess" userId="875ce21e-2db9-4c64-8a73-adac5c404a46" providerId="ADAL" clId="{2AF0EF34-4ADF-4105-9DDA-B14BFA8DB580}" dt="2024-06-08T20:22:07.686" v="3869" actId="20577"/>
+          <ac:spMkLst>
+            <pc:docMk/>
+            <pc:sldMk cId="11801603" sldId="312"/>
+            <ac:spMk id="2" creationId="{929346B1-21F7-4D6B-B685-2CCB524F66E9}"/>
+          </ac:spMkLst>
+        </pc:spChg>
+        <pc:spChg chg="mod">
+          <ac:chgData name="Samuel Burgess" userId="875ce21e-2db9-4c64-8a73-adac5c404a46" providerId="ADAL" clId="{2AF0EF34-4ADF-4105-9DDA-B14BFA8DB580}" dt="2024-06-08T20:22:19.500" v="3900" actId="20577"/>
+          <ac:spMkLst>
+            <pc:docMk/>
+            <pc:sldMk cId="11801603" sldId="312"/>
+            <ac:spMk id="3" creationId="{F1803FB6-918B-4C8E-9C25-3ECDA665EC35}"/>
+          </ac:spMkLst>
+        </pc:spChg>
+        <pc:picChg chg="del">
+          <ac:chgData name="Samuel Burgess" userId="875ce21e-2db9-4c64-8a73-adac5c404a46" providerId="ADAL" clId="{2AF0EF34-4ADF-4105-9DDA-B14BFA8DB580}" dt="2024-06-08T20:20:52.798" v="3821" actId="478"/>
+          <ac:picMkLst>
+            <pc:docMk/>
+            <pc:sldMk cId="11801603" sldId="312"/>
+            <ac:picMk id="5" creationId="{CEBBE69D-E988-0155-83A7-82F5DEBC3896}"/>
+          </ac:picMkLst>
+        </pc:picChg>
+        <pc:picChg chg="add mod">
+          <ac:chgData name="Samuel Burgess" userId="875ce21e-2db9-4c64-8a73-adac5c404a46" providerId="ADAL" clId="{2AF0EF34-4ADF-4105-9DDA-B14BFA8DB580}" dt="2024-06-08T20:22:49.011" v="3902" actId="1076"/>
+          <ac:picMkLst>
+            <pc:docMk/>
+            <pc:sldMk cId="11801603" sldId="312"/>
+            <ac:picMk id="6" creationId="{1D29B240-605B-D3F9-9C9E-140FC61B81FD}"/>
+          </ac:picMkLst>
+        </pc:picChg>
+        <pc:picChg chg="del">
+          <ac:chgData name="Samuel Burgess" userId="875ce21e-2db9-4c64-8a73-adac5c404a46" providerId="ADAL" clId="{2AF0EF34-4ADF-4105-9DDA-B14BFA8DB580}" dt="2024-06-08T20:20:52.210" v="3820" actId="478"/>
+          <ac:picMkLst>
+            <pc:docMk/>
+            <pc:sldMk cId="11801603" sldId="312"/>
+            <ac:picMk id="7" creationId="{1E2DC083-1314-951D-A7D6-EEDE0E8B1647}"/>
+          </ac:picMkLst>
+        </pc:picChg>
+        <pc:picChg chg="add mod">
+          <ac:chgData name="Samuel Burgess" userId="875ce21e-2db9-4c64-8a73-adac5c404a46" providerId="ADAL" clId="{2AF0EF34-4ADF-4105-9DDA-B14BFA8DB580}" dt="2024-06-08T20:23:01.447" v="3907" actId="1076"/>
+          <ac:picMkLst>
+            <pc:docMk/>
+            <pc:sldMk cId="11801603" sldId="312"/>
+            <ac:picMk id="8" creationId="{1B8BA327-6059-8DAD-5FC6-93277E97AA42}"/>
+          </ac:picMkLst>
+        </pc:picChg>
+        <pc:picChg chg="mod">
+          <ac:chgData name="Samuel Burgess" userId="875ce21e-2db9-4c64-8a73-adac5c404a46" providerId="ADAL" clId="{2AF0EF34-4ADF-4105-9DDA-B14BFA8DB580}" dt="2024-06-08T20:22:50.209" v="3903" actId="1076"/>
+          <ac:picMkLst>
+            <pc:docMk/>
+            <pc:sldMk cId="11801603" sldId="312"/>
+            <ac:picMk id="9" creationId="{4B699E5C-B909-AD9E-7CD7-5228A2868D94}"/>
+          </ac:picMkLst>
+        </pc:picChg>
+        <pc:picChg chg="mod">
+          <ac:chgData name="Samuel Burgess" userId="875ce21e-2db9-4c64-8a73-adac5c404a46" providerId="ADAL" clId="{2AF0EF34-4ADF-4105-9DDA-B14BFA8DB580}" dt="2024-06-08T20:22:51.047" v="3904" actId="1076"/>
+          <ac:picMkLst>
+            <pc:docMk/>
+            <pc:sldMk cId="11801603" sldId="312"/>
+            <ac:picMk id="11" creationId="{E4C414E1-F067-3396-5234-EB4B738F51AF}"/>
+          </ac:picMkLst>
+        </pc:picChg>
+        <pc:picChg chg="del">
+          <ac:chgData name="Samuel Burgess" userId="875ce21e-2db9-4c64-8a73-adac5c404a46" providerId="ADAL" clId="{2AF0EF34-4ADF-4105-9DDA-B14BFA8DB580}" dt="2024-06-08T20:20:53.421" v="3822" actId="478"/>
+          <ac:picMkLst>
+            <pc:docMk/>
+            <pc:sldMk cId="11801603" sldId="312"/>
+            <ac:picMk id="13" creationId="{DAECFEBD-3230-707E-A380-0E16FCCBFDFD}"/>
+          </ac:picMkLst>
+        </pc:picChg>
+      </pc:sldChg>
+      <pc:sldChg chg="delSp modSp add del mod">
+        <pc:chgData name="Samuel Burgess" userId="875ce21e-2db9-4c64-8a73-adac5c404a46" providerId="ADAL" clId="{2AF0EF34-4ADF-4105-9DDA-B14BFA8DB580}" dt="2024-06-08T20:23:06.108" v="3908" actId="2696"/>
+        <pc:sldMkLst>
+          <pc:docMk/>
+          <pc:sldMk cId="1243777458" sldId="313"/>
+        </pc:sldMkLst>
+        <pc:picChg chg="del mod">
+          <ac:chgData name="Samuel Burgess" userId="875ce21e-2db9-4c64-8a73-adac5c404a46" providerId="ADAL" clId="{2AF0EF34-4ADF-4105-9DDA-B14BFA8DB580}" dt="2024-06-08T20:20:57.341" v="3827" actId="478"/>
+          <ac:picMkLst>
+            <pc:docMk/>
+            <pc:sldMk cId="1243777458" sldId="313"/>
+            <ac:picMk id="5" creationId="{CEBBE69D-E988-0155-83A7-82F5DEBC3896}"/>
+          </ac:picMkLst>
+        </pc:picChg>
+        <pc:picChg chg="del">
+          <ac:chgData name="Samuel Burgess" userId="875ce21e-2db9-4c64-8a73-adac5c404a46" providerId="ADAL" clId="{2AF0EF34-4ADF-4105-9DDA-B14BFA8DB580}" dt="2024-06-08T20:20:56.799" v="3825" actId="478"/>
+          <ac:picMkLst>
+            <pc:docMk/>
+            <pc:sldMk cId="1243777458" sldId="313"/>
+            <ac:picMk id="7" creationId="{1E2DC083-1314-951D-A7D6-EEDE0E8B1647}"/>
+          </ac:picMkLst>
+        </pc:picChg>
+        <pc:picChg chg="del">
+          <ac:chgData name="Samuel Burgess" userId="875ce21e-2db9-4c64-8a73-adac5c404a46" providerId="ADAL" clId="{2AF0EF34-4ADF-4105-9DDA-B14BFA8DB580}" dt="2024-06-08T20:20:56.162" v="3824" actId="478"/>
+          <ac:picMkLst>
+            <pc:docMk/>
+            <pc:sldMk cId="1243777458" sldId="313"/>
+            <ac:picMk id="9" creationId="{4B699E5C-B909-AD9E-7CD7-5228A2868D94}"/>
+          </ac:picMkLst>
+        </pc:picChg>
+        <pc:picChg chg="del">
+          <ac:chgData name="Samuel Burgess" userId="875ce21e-2db9-4c64-8a73-adac5c404a46" providerId="ADAL" clId="{2AF0EF34-4ADF-4105-9DDA-B14BFA8DB580}" dt="2024-06-08T20:20:55.649" v="3823" actId="478"/>
+          <ac:picMkLst>
+            <pc:docMk/>
+            <pc:sldMk cId="1243777458" sldId="313"/>
+            <ac:picMk id="11" creationId="{E4C414E1-F067-3396-5234-EB4B738F51AF}"/>
+          </ac:picMkLst>
+        </pc:picChg>
+      </pc:sldChg>
+      <pc:sldChg chg="addSp modSp new mod setBg">
+        <pc:chgData name="Samuel Burgess" userId="875ce21e-2db9-4c64-8a73-adac5c404a46" providerId="ADAL" clId="{2AF0EF34-4ADF-4105-9DDA-B14BFA8DB580}" dt="2024-06-09T03:01:07.256" v="4554" actId="26606"/>
+        <pc:sldMkLst>
+          <pc:docMk/>
+          <pc:sldMk cId="2826885535" sldId="313"/>
+        </pc:sldMkLst>
+        <pc:spChg chg="mod">
+          <ac:chgData name="Samuel Burgess" userId="875ce21e-2db9-4c64-8a73-adac5c404a46" providerId="ADAL" clId="{2AF0EF34-4ADF-4105-9DDA-B14BFA8DB580}" dt="2024-06-09T03:01:07.256" v="4554" actId="26606"/>
+          <ac:spMkLst>
+            <pc:docMk/>
+            <pc:sldMk cId="2826885535" sldId="313"/>
+            <ac:spMk id="2" creationId="{613DA807-29F4-DEC1-8B4A-C25D5ADF479E}"/>
+          </ac:spMkLst>
+        </pc:spChg>
+        <pc:spChg chg="add mod">
+          <ac:chgData name="Samuel Burgess" userId="875ce21e-2db9-4c64-8a73-adac5c404a46" providerId="ADAL" clId="{2AF0EF34-4ADF-4105-9DDA-B14BFA8DB580}" dt="2024-06-09T03:01:07.256" v="4554" actId="26606"/>
+          <ac:spMkLst>
+            <pc:docMk/>
+            <pc:sldMk cId="2826885535" sldId="313"/>
+            <ac:spMk id="3" creationId="{9E8A7AD6-FDB5-6FCD-A107-FA19BC45D9B9}"/>
+          </ac:spMkLst>
+        </pc:spChg>
+        <pc:grpChg chg="add">
+          <ac:chgData name="Samuel Burgess" userId="875ce21e-2db9-4c64-8a73-adac5c404a46" providerId="ADAL" clId="{2AF0EF34-4ADF-4105-9DDA-B14BFA8DB580}" dt="2024-06-09T03:01:07.256" v="4554" actId="26606"/>
+          <ac:grpSpMkLst>
+            <pc:docMk/>
+            <pc:sldMk cId="2826885535" sldId="313"/>
+            <ac:grpSpMk id="10" creationId="{6258F736-B256-8039-9DC6-F4E49A5C5AD5}"/>
+          </ac:grpSpMkLst>
+        </pc:grpChg>
+        <pc:picChg chg="add mod">
+          <ac:chgData name="Samuel Burgess" userId="875ce21e-2db9-4c64-8a73-adac5c404a46" providerId="ADAL" clId="{2AF0EF34-4ADF-4105-9DDA-B14BFA8DB580}" dt="2024-06-09T03:01:07.256" v="4554" actId="26606"/>
+          <ac:picMkLst>
+            <pc:docMk/>
+            <pc:sldMk cId="2826885535" sldId="313"/>
+            <ac:picMk id="5" creationId="{17AF438F-7398-A6C5-2526-D3E0B8DF0280}"/>
+          </ac:picMkLst>
+        </pc:picChg>
+      </pc:sldChg>
+      <pc:sldChg chg="addSp modSp new mod">
+        <pc:chgData name="Samuel Burgess" userId="875ce21e-2db9-4c64-8a73-adac5c404a46" providerId="ADAL" clId="{2AF0EF34-4ADF-4105-9DDA-B14BFA8DB580}" dt="2024-06-09T03:09:59.525" v="4996" actId="1076"/>
+        <pc:sldMkLst>
+          <pc:docMk/>
+          <pc:sldMk cId="1326163917" sldId="314"/>
+        </pc:sldMkLst>
+        <pc:spChg chg="mod">
+          <ac:chgData name="Samuel Burgess" userId="875ce21e-2db9-4c64-8a73-adac5c404a46" providerId="ADAL" clId="{2AF0EF34-4ADF-4105-9DDA-B14BFA8DB580}" dt="2024-06-09T03:07:38.270" v="4728" actId="20577"/>
+          <ac:spMkLst>
+            <pc:docMk/>
+            <pc:sldMk cId="1326163917" sldId="314"/>
+            <ac:spMk id="2" creationId="{62DF49EE-FD2E-E6CC-B051-3EFB3B5B640D}"/>
+          </ac:spMkLst>
+        </pc:spChg>
+        <pc:spChg chg="add mod">
+          <ac:chgData name="Samuel Burgess" userId="875ce21e-2db9-4c64-8a73-adac5c404a46" providerId="ADAL" clId="{2AF0EF34-4ADF-4105-9DDA-B14BFA8DB580}" dt="2024-06-09T03:08:51.217" v="4990" actId="20577"/>
+          <ac:spMkLst>
+            <pc:docMk/>
+            <pc:sldMk cId="1326163917" sldId="314"/>
+            <ac:spMk id="3" creationId="{7F127F32-8F40-349E-9026-60E0E35E904F}"/>
+          </ac:spMkLst>
+        </pc:spChg>
+        <pc:picChg chg="add mod">
+          <ac:chgData name="Samuel Burgess" userId="875ce21e-2db9-4c64-8a73-adac5c404a46" providerId="ADAL" clId="{2AF0EF34-4ADF-4105-9DDA-B14BFA8DB580}" dt="2024-06-09T03:09:59.525" v="4996" actId="1076"/>
+          <ac:picMkLst>
+            <pc:docMk/>
+            <pc:sldMk cId="1326163917" sldId="314"/>
+            <ac:picMk id="4" creationId="{EF5713E2-993F-9572-590C-F99A5AD35593}"/>
+          </ac:picMkLst>
+        </pc:picChg>
+      </pc:sldChg>
+      <pc:sldChg chg="addSp modSp new mod">
+        <pc:chgData name="Samuel Burgess" userId="875ce21e-2db9-4c64-8a73-adac5c404a46" providerId="ADAL" clId="{2AF0EF34-4ADF-4105-9DDA-B14BFA8DB580}" dt="2024-06-09T03:13:32.862" v="5424" actId="1076"/>
+        <pc:sldMkLst>
+          <pc:docMk/>
+          <pc:sldMk cId="2862599726" sldId="315"/>
+        </pc:sldMkLst>
+        <pc:spChg chg="mod">
+          <ac:chgData name="Samuel Burgess" userId="875ce21e-2db9-4c64-8a73-adac5c404a46" providerId="ADAL" clId="{2AF0EF34-4ADF-4105-9DDA-B14BFA8DB580}" dt="2024-06-09T03:10:48.321" v="5042" actId="20577"/>
+          <ac:spMkLst>
+            <pc:docMk/>
+            <pc:sldMk cId="2862599726" sldId="315"/>
+            <ac:spMk id="2" creationId="{AC7A92B9-5314-A4FF-B0FF-0A84C9A2D907}"/>
+          </ac:spMkLst>
+        </pc:spChg>
+        <pc:spChg chg="add mod">
+          <ac:chgData name="Samuel Burgess" userId="875ce21e-2db9-4c64-8a73-adac5c404a46" providerId="ADAL" clId="{2AF0EF34-4ADF-4105-9DDA-B14BFA8DB580}" dt="2024-06-09T03:13:08.848" v="5420" actId="20577"/>
+          <ac:spMkLst>
+            <pc:docMk/>
+            <pc:sldMk cId="2862599726" sldId="315"/>
+            <ac:spMk id="3" creationId="{5BE23B32-811C-E104-67D4-A98343666488}"/>
+          </ac:spMkLst>
+        </pc:spChg>
+        <pc:picChg chg="add mod">
+          <ac:chgData name="Samuel Burgess" userId="875ce21e-2db9-4c64-8a73-adac5c404a46" providerId="ADAL" clId="{2AF0EF34-4ADF-4105-9DDA-B14BFA8DB580}" dt="2024-06-09T03:13:32.862" v="5424" actId="1076"/>
+          <ac:picMkLst>
+            <pc:docMk/>
+            <pc:sldMk cId="2862599726" sldId="315"/>
+            <ac:picMk id="4" creationId="{186E5FF3-1B19-E04E-6801-178FCF46E9A3}"/>
+          </ac:picMkLst>
+        </pc:picChg>
+      </pc:sldChg>
+      <pc:sldChg chg="addSp modSp new mod setBg">
+        <pc:chgData name="Samuel Burgess" userId="875ce21e-2db9-4c64-8a73-adac5c404a46" providerId="ADAL" clId="{2AF0EF34-4ADF-4105-9DDA-B14BFA8DB580}" dt="2024-06-09T03:21:39.491" v="6051" actId="1076"/>
+        <pc:sldMkLst>
+          <pc:docMk/>
+          <pc:sldMk cId="2370692289" sldId="316"/>
+        </pc:sldMkLst>
+        <pc:spChg chg="mod">
+          <ac:chgData name="Samuel Burgess" userId="875ce21e-2db9-4c64-8a73-adac5c404a46" providerId="ADAL" clId="{2AF0EF34-4ADF-4105-9DDA-B14BFA8DB580}" dt="2024-06-09T03:21:29.571" v="6048" actId="26606"/>
+          <ac:spMkLst>
+            <pc:docMk/>
+            <pc:sldMk cId="2370692289" sldId="316"/>
+            <ac:spMk id="2" creationId="{2D4DCF92-8E00-3849-4144-CAB98C0F0D6F}"/>
+          </ac:spMkLst>
+        </pc:spChg>
+        <pc:spChg chg="add mod">
+          <ac:chgData name="Samuel Burgess" userId="875ce21e-2db9-4c64-8a73-adac5c404a46" providerId="ADAL" clId="{2AF0EF34-4ADF-4105-9DDA-B14BFA8DB580}" dt="2024-06-09T03:21:29.571" v="6048" actId="26606"/>
+          <ac:spMkLst>
+            <pc:docMk/>
+            <pc:sldMk cId="2370692289" sldId="316"/>
+            <ac:spMk id="3" creationId="{4B4CA5C9-3BE0-814D-A246-3C127B245C28}"/>
+          </ac:spMkLst>
+        </pc:spChg>
+        <pc:spChg chg="add">
+          <ac:chgData name="Samuel Burgess" userId="875ce21e-2db9-4c64-8a73-adac5c404a46" providerId="ADAL" clId="{2AF0EF34-4ADF-4105-9DDA-B14BFA8DB580}" dt="2024-06-09T03:21:29.571" v="6048" actId="26606"/>
+          <ac:spMkLst>
+            <pc:docMk/>
+            <pc:sldMk cId="2370692289" sldId="316"/>
+            <ac:spMk id="12" creationId="{A7AE9375-4664-4DB2-922D-2782A6E439AC}"/>
+          </ac:spMkLst>
+        </pc:spChg>
+        <pc:spChg chg="add">
+          <ac:chgData name="Samuel Burgess" userId="875ce21e-2db9-4c64-8a73-adac5c404a46" providerId="ADAL" clId="{2AF0EF34-4ADF-4105-9DDA-B14BFA8DB580}" dt="2024-06-09T03:21:29.571" v="6048" actId="26606"/>
+          <ac:spMkLst>
+            <pc:docMk/>
+            <pc:sldMk cId="2370692289" sldId="316"/>
+            <ac:spMk id="16" creationId="{C87417AF-190E-4D6E-AFA6-7D3E84B0B430}"/>
+          </ac:spMkLst>
+        </pc:spChg>
+        <pc:spChg chg="add">
+          <ac:chgData name="Samuel Burgess" userId="875ce21e-2db9-4c64-8a73-adac5c404a46" providerId="ADAL" clId="{2AF0EF34-4ADF-4105-9DDA-B14BFA8DB580}" dt="2024-06-09T03:21:29.571" v="6048" actId="26606"/>
+          <ac:spMkLst>
+            <pc:docMk/>
+            <pc:sldMk cId="2370692289" sldId="316"/>
+            <ac:spMk id="18" creationId="{80B30ED8-273E-4C07-8568-2FE5CC5C483D}"/>
+          </ac:spMkLst>
+        </pc:spChg>
+        <pc:picChg chg="add mod ord">
+          <ac:chgData name="Samuel Burgess" userId="875ce21e-2db9-4c64-8a73-adac5c404a46" providerId="ADAL" clId="{2AF0EF34-4ADF-4105-9DDA-B14BFA8DB580}" dt="2024-06-09T03:21:36.965" v="6050" actId="1076"/>
+          <ac:picMkLst>
+            <pc:docMk/>
+            <pc:sldMk cId="2370692289" sldId="316"/>
+            <ac:picMk id="5" creationId="{2B821F70-6C5F-F610-8E1F-DF0775A89360}"/>
+          </ac:picMkLst>
+        </pc:picChg>
+        <pc:picChg chg="add mod">
+          <ac:chgData name="Samuel Burgess" userId="875ce21e-2db9-4c64-8a73-adac5c404a46" providerId="ADAL" clId="{2AF0EF34-4ADF-4105-9DDA-B14BFA8DB580}" dt="2024-06-09T03:21:39.491" v="6051" actId="1076"/>
+          <ac:picMkLst>
+            <pc:docMk/>
+            <pc:sldMk cId="2370692289" sldId="316"/>
+            <ac:picMk id="7" creationId="{E1FA44F5-4BB9-70BE-2934-57C0CF4223D3}"/>
+          </ac:picMkLst>
+        </pc:picChg>
+        <pc:cxnChg chg="add">
+          <ac:chgData name="Samuel Burgess" userId="875ce21e-2db9-4c64-8a73-adac5c404a46" providerId="ADAL" clId="{2AF0EF34-4ADF-4105-9DDA-B14BFA8DB580}" dt="2024-06-09T03:21:29.571" v="6048" actId="26606"/>
+          <ac:cxnSpMkLst>
+            <pc:docMk/>
+            <pc:sldMk cId="2370692289" sldId="316"/>
+            <ac:cxnSpMk id="14" creationId="{EE504C98-6397-41C1-A8D8-2D9C4ED307E0}"/>
+          </ac:cxnSpMkLst>
+        </pc:cxnChg>
+      </pc:sldChg>
+      <pc:sldChg chg="addSp modSp new mod">
+        <pc:chgData name="Samuel Burgess" userId="875ce21e-2db9-4c64-8a73-adac5c404a46" providerId="ADAL" clId="{2AF0EF34-4ADF-4105-9DDA-B14BFA8DB580}" dt="2024-06-09T03:44:07.161" v="6511" actId="20577"/>
+        <pc:sldMkLst>
+          <pc:docMk/>
+          <pc:sldMk cId="2061049873" sldId="317"/>
+        </pc:sldMkLst>
+        <pc:spChg chg="mod">
+          <ac:chgData name="Samuel Burgess" userId="875ce21e-2db9-4c64-8a73-adac5c404a46" providerId="ADAL" clId="{2AF0EF34-4ADF-4105-9DDA-B14BFA8DB580}" dt="2024-06-09T03:41:57.862" v="6398" actId="20577"/>
+          <ac:spMkLst>
+            <pc:docMk/>
+            <pc:sldMk cId="2061049873" sldId="317"/>
+            <ac:spMk id="2" creationId="{0CE6D622-253E-CC0B-864D-F740B2C1019B}"/>
+          </ac:spMkLst>
+        </pc:spChg>
+        <pc:spChg chg="add mod">
+          <ac:chgData name="Samuel Burgess" userId="875ce21e-2db9-4c64-8a73-adac5c404a46" providerId="ADAL" clId="{2AF0EF34-4ADF-4105-9DDA-B14BFA8DB580}" dt="2024-06-09T03:44:07.161" v="6511" actId="20577"/>
+          <ac:spMkLst>
+            <pc:docMk/>
+            <pc:sldMk cId="2061049873" sldId="317"/>
+            <ac:spMk id="5" creationId="{17A1B173-9723-2BC3-674D-3B8B05F2F55B}"/>
+          </ac:spMkLst>
+        </pc:spChg>
+        <pc:picChg chg="add mod">
+          <ac:chgData name="Samuel Burgess" userId="875ce21e-2db9-4c64-8a73-adac5c404a46" providerId="ADAL" clId="{2AF0EF34-4ADF-4105-9DDA-B14BFA8DB580}" dt="2024-06-09T03:40:20.904" v="6396" actId="1076"/>
+          <ac:picMkLst>
+            <pc:docMk/>
+            <pc:sldMk cId="2061049873" sldId="317"/>
+            <ac:picMk id="4" creationId="{A1C8FA3F-753C-8E1B-E449-97CA88865D6C}"/>
+          </ac:picMkLst>
+        </pc:picChg>
+      </pc:sldChg>
+      <pc:sldChg chg="modSp new mod">
+        <pc:chgData name="Samuel Burgess" userId="875ce21e-2db9-4c64-8a73-adac5c404a46" providerId="ADAL" clId="{2AF0EF34-4ADF-4105-9DDA-B14BFA8DB580}" dt="2024-06-09T03:44:32.660" v="6538" actId="20577"/>
+        <pc:sldMkLst>
+          <pc:docMk/>
+          <pc:sldMk cId="676592049" sldId="318"/>
+        </pc:sldMkLst>
+        <pc:spChg chg="mod">
+          <ac:chgData name="Samuel Burgess" userId="875ce21e-2db9-4c64-8a73-adac5c404a46" providerId="ADAL" clId="{2AF0EF34-4ADF-4105-9DDA-B14BFA8DB580}" dt="2024-06-09T03:44:32.660" v="6538" actId="20577"/>
+          <ac:spMkLst>
+            <pc:docMk/>
+            <pc:sldMk cId="676592049" sldId="318"/>
+            <ac:spMk id="2" creationId="{6A458858-04F5-9AE7-250D-2322881A3D6D}"/>
           </ac:spMkLst>
         </pc:spChg>
       </pc:sldChg>
@@ -2328,7 +2821,7 @@
           <a:p>
             <a:fld id="{F37D28C0-BEB6-42B0-A203-EEE1023219C4}" type="datetimeFigureOut">
               <a:rPr lang="en-NZ" smtClean="0"/>
-              <a:t>8/06/2024</a:t>
+              <a:t>9/06/2024</a:t>
             </a:fld>
             <a:endParaRPr lang="en-NZ"/>
           </a:p>
@@ -2783,7 +3276,7 @@
           <a:p>
             <a:fld id="{D89B2B17-F4B1-4A14-AF99-5A366D45E74A}" type="slidenum">
               <a:rPr lang="en-NZ" smtClean="0"/>
-              <a:t>11</a:t>
+              <a:t>12</a:t>
             </a:fld>
             <a:endParaRPr lang="en-NZ"/>
           </a:p>
@@ -2896,7 +3389,7 @@
           <a:p>
             <a:fld id="{D89B2B17-F4B1-4A14-AF99-5A366D45E74A}" type="slidenum">
               <a:rPr lang="en-NZ" smtClean="0"/>
-              <a:t>12</a:t>
+              <a:t>13</a:t>
             </a:fld>
             <a:endParaRPr lang="en-NZ"/>
           </a:p>
@@ -3012,7 +3505,7 @@
           <a:p>
             <a:fld id="{D89B2B17-F4B1-4A14-AF99-5A366D45E74A}" type="slidenum">
               <a:rPr lang="en-NZ" smtClean="0"/>
-              <a:t>13</a:t>
+              <a:t>14</a:t>
             </a:fld>
             <a:endParaRPr lang="en-NZ"/>
           </a:p>
@@ -3131,7 +3624,7 @@
           <a:p>
             <a:fld id="{D89B2B17-F4B1-4A14-AF99-5A366D45E74A}" type="slidenum">
               <a:rPr lang="en-NZ" smtClean="0"/>
-              <a:t>14</a:t>
+              <a:t>15</a:t>
             </a:fld>
             <a:endParaRPr lang="en-NZ"/>
           </a:p>
@@ -3244,7 +3737,7 @@
           <a:p>
             <a:fld id="{D89B2B17-F4B1-4A14-AF99-5A366D45E74A}" type="slidenum">
               <a:rPr lang="en-NZ" smtClean="0"/>
-              <a:t>15</a:t>
+              <a:t>16</a:t>
             </a:fld>
             <a:endParaRPr lang="en-NZ"/>
           </a:p>
@@ -3357,7 +3850,7 @@
           <a:p>
             <a:fld id="{D89B2B17-F4B1-4A14-AF99-5A366D45E74A}" type="slidenum">
               <a:rPr lang="en-NZ" smtClean="0"/>
-              <a:t>16</a:t>
+              <a:t>17</a:t>
             </a:fld>
             <a:endParaRPr lang="en-NZ"/>
           </a:p>
@@ -3473,7 +3966,7 @@
           <a:p>
             <a:fld id="{D89B2B17-F4B1-4A14-AF99-5A366D45E74A}" type="slidenum">
               <a:rPr lang="en-NZ" smtClean="0"/>
-              <a:t>17</a:t>
+              <a:t>18</a:t>
             </a:fld>
             <a:endParaRPr lang="en-NZ"/>
           </a:p>
@@ -3592,7 +4085,7 @@
           <a:p>
             <a:fld id="{D89B2B17-F4B1-4A14-AF99-5A366D45E74A}" type="slidenum">
               <a:rPr lang="en-NZ" smtClean="0"/>
-              <a:t>18</a:t>
+              <a:t>19</a:t>
             </a:fld>
             <a:endParaRPr lang="en-NZ"/>
           </a:p>
@@ -3705,7 +4198,7 @@
           <a:p>
             <a:fld id="{D89B2B17-F4B1-4A14-AF99-5A366D45E74A}" type="slidenum">
               <a:rPr lang="en-NZ" smtClean="0"/>
-              <a:t>19</a:t>
+              <a:t>20</a:t>
             </a:fld>
             <a:endParaRPr lang="en-NZ"/>
           </a:p>
@@ -3821,7 +4314,7 @@
           <a:p>
             <a:fld id="{D89B2B17-F4B1-4A14-AF99-5A366D45E74A}" type="slidenum">
               <a:rPr lang="en-NZ" smtClean="0"/>
-              <a:t>20</a:t>
+              <a:t>21</a:t>
             </a:fld>
             <a:endParaRPr lang="en-NZ"/>
           </a:p>
@@ -4060,7 +4553,7 @@
           <a:p>
             <a:fld id="{D89B2B17-F4B1-4A14-AF99-5A366D45E74A}" type="slidenum">
               <a:rPr lang="en-NZ" smtClean="0"/>
-              <a:t>21</a:t>
+              <a:t>22</a:t>
             </a:fld>
             <a:endParaRPr lang="en-NZ"/>
           </a:p>
@@ -4173,7 +4666,7 @@
           <a:p>
             <a:fld id="{D89B2B17-F4B1-4A14-AF99-5A366D45E74A}" type="slidenum">
               <a:rPr lang="en-NZ" smtClean="0"/>
-              <a:t>22</a:t>
+              <a:t>23</a:t>
             </a:fld>
             <a:endParaRPr lang="en-NZ"/>
           </a:p>
@@ -4289,7 +4782,7 @@
           <a:p>
             <a:fld id="{D89B2B17-F4B1-4A14-AF99-5A366D45E74A}" type="slidenum">
               <a:rPr lang="en-NZ" smtClean="0"/>
-              <a:t>23</a:t>
+              <a:t>24</a:t>
             </a:fld>
             <a:endParaRPr lang="en-NZ"/>
           </a:p>
@@ -4408,7 +4901,7 @@
           <a:p>
             <a:fld id="{D89B2B17-F4B1-4A14-AF99-5A366D45E74A}" type="slidenum">
               <a:rPr lang="en-NZ" smtClean="0"/>
-              <a:t>24</a:t>
+              <a:t>25</a:t>
             </a:fld>
             <a:endParaRPr lang="en-NZ"/>
           </a:p>
@@ -4521,7 +5014,7 @@
           <a:p>
             <a:fld id="{D89B2B17-F4B1-4A14-AF99-5A366D45E74A}" type="slidenum">
               <a:rPr lang="en-NZ" smtClean="0"/>
-              <a:t>25</a:t>
+              <a:t>26</a:t>
             </a:fld>
             <a:endParaRPr lang="en-NZ"/>
           </a:p>
@@ -4637,7 +5130,7 @@
           <a:p>
             <a:fld id="{D89B2B17-F4B1-4A14-AF99-5A366D45E74A}" type="slidenum">
               <a:rPr lang="en-NZ" smtClean="0"/>
-              <a:t>26</a:t>
+              <a:t>27</a:t>
             </a:fld>
             <a:endParaRPr lang="en-NZ"/>
           </a:p>
@@ -4756,7 +5249,7 @@
           <a:p>
             <a:fld id="{D89B2B17-F4B1-4A14-AF99-5A366D45E74A}" type="slidenum">
               <a:rPr lang="en-NZ" smtClean="0"/>
-              <a:t>27</a:t>
+              <a:t>28</a:t>
             </a:fld>
             <a:endParaRPr lang="en-NZ"/>
           </a:p>
@@ -4869,7 +5362,7 @@
           <a:p>
             <a:fld id="{D89B2B17-F4B1-4A14-AF99-5A366D45E74A}" type="slidenum">
               <a:rPr lang="en-NZ" smtClean="0"/>
-              <a:t>28</a:t>
+              <a:t>29</a:t>
             </a:fld>
             <a:endParaRPr lang="en-NZ"/>
           </a:p>
@@ -4985,7 +5478,7 @@
           <a:p>
             <a:fld id="{D89B2B17-F4B1-4A14-AF99-5A366D45E74A}" type="slidenum">
               <a:rPr lang="en-NZ" smtClean="0"/>
-              <a:t>29</a:t>
+              <a:t>30</a:t>
             </a:fld>
             <a:endParaRPr lang="en-NZ"/>
           </a:p>
@@ -5104,7 +5597,7 @@
           <a:p>
             <a:fld id="{D89B2B17-F4B1-4A14-AF99-5A366D45E74A}" type="slidenum">
               <a:rPr lang="en-NZ" smtClean="0"/>
-              <a:t>30</a:t>
+              <a:t>32</a:t>
             </a:fld>
             <a:endParaRPr lang="en-NZ"/>
           </a:p>
@@ -5344,7 +5837,7 @@
           <a:p>
             <a:fld id="{D89B2B17-F4B1-4A14-AF99-5A366D45E74A}" type="slidenum">
               <a:rPr lang="en-NZ" smtClean="0"/>
-              <a:t>31</a:t>
+              <a:t>33</a:t>
             </a:fld>
             <a:endParaRPr lang="en-NZ"/>
           </a:p>
@@ -5460,7 +5953,7 @@
           <a:p>
             <a:fld id="{D89B2B17-F4B1-4A14-AF99-5A366D45E74A}" type="slidenum">
               <a:rPr lang="en-NZ" smtClean="0"/>
-              <a:t>32</a:t>
+              <a:t>34</a:t>
             </a:fld>
             <a:endParaRPr lang="en-NZ"/>
           </a:p>
@@ -5579,7 +6072,7 @@
           <a:p>
             <a:fld id="{D89B2B17-F4B1-4A14-AF99-5A366D45E74A}" type="slidenum">
               <a:rPr lang="en-NZ" smtClean="0"/>
-              <a:t>33</a:t>
+              <a:t>36</a:t>
             </a:fld>
             <a:endParaRPr lang="en-NZ"/>
           </a:p>
@@ -5692,7 +6185,7 @@
           <a:p>
             <a:fld id="{D89B2B17-F4B1-4A14-AF99-5A366D45E74A}" type="slidenum">
               <a:rPr lang="en-NZ" smtClean="0"/>
-              <a:t>34</a:t>
+              <a:t>37</a:t>
             </a:fld>
             <a:endParaRPr lang="en-NZ"/>
           </a:p>
@@ -5808,7 +6301,7 @@
           <a:p>
             <a:fld id="{D89B2B17-F4B1-4A14-AF99-5A366D45E74A}" type="slidenum">
               <a:rPr lang="en-NZ" smtClean="0"/>
-              <a:t>35</a:t>
+              <a:t>38</a:t>
             </a:fld>
             <a:endParaRPr lang="en-NZ"/>
           </a:p>
@@ -5927,7 +6420,7 @@
           <a:p>
             <a:fld id="{D89B2B17-F4B1-4A14-AF99-5A366D45E74A}" type="slidenum">
               <a:rPr lang="en-NZ" smtClean="0"/>
-              <a:t>36</a:t>
+              <a:t>40</a:t>
             </a:fld>
             <a:endParaRPr lang="en-NZ"/>
           </a:p>
@@ -6040,7 +6533,7 @@
           <a:p>
             <a:fld id="{D89B2B17-F4B1-4A14-AF99-5A366D45E74A}" type="slidenum">
               <a:rPr lang="en-NZ" smtClean="0"/>
-              <a:t>37</a:t>
+              <a:t>41</a:t>
             </a:fld>
             <a:endParaRPr lang="en-NZ"/>
           </a:p>
@@ -6156,7 +6649,7 @@
           <a:p>
             <a:fld id="{D89B2B17-F4B1-4A14-AF99-5A366D45E74A}" type="slidenum">
               <a:rPr lang="en-NZ" smtClean="0"/>
-              <a:t>38</a:t>
+              <a:t>42</a:t>
             </a:fld>
             <a:endParaRPr lang="en-NZ"/>
           </a:p>
@@ -6275,7 +6768,7 @@
           <a:p>
             <a:fld id="{D89B2B17-F4B1-4A14-AF99-5A366D45E74A}" type="slidenum">
               <a:rPr lang="en-NZ" smtClean="0"/>
-              <a:t>39</a:t>
+              <a:t>43</a:t>
             </a:fld>
             <a:endParaRPr lang="en-NZ"/>
           </a:p>
@@ -6388,7 +6881,7 @@
           <a:p>
             <a:fld id="{D89B2B17-F4B1-4A14-AF99-5A366D45E74A}" type="slidenum">
               <a:rPr lang="en-NZ" smtClean="0"/>
-              <a:t>40</a:t>
+              <a:t>44</a:t>
             </a:fld>
             <a:endParaRPr lang="en-NZ"/>
           </a:p>
@@ -6781,55 +7274,15 @@
                   <a:schemeClr val="dk2"/>
                 </a:solidFill>
               </a:rPr>
-              <a:t>Assemble your components into a working program.  On the slides that follow, please provide a test plan and evidence that your program works as expected.</a:t>
-            </a:r>
-          </a:p>
-          <a:p>
-            <a:pPr marL="0" lvl="0" indent="0" algn="l" rtl="0">
-              <a:spcBef>
-                <a:spcPts val="0"/>
-              </a:spcBef>
-              <a:spcAft>
-                <a:spcPts val="0"/>
-              </a:spcAft>
-              <a:buClr>
-                <a:schemeClr val="dk1"/>
-              </a:buClr>
-              <a:buSzPts val="1100"/>
-              <a:buFont typeface="Arial"/>
-              <a:buNone/>
-            </a:pPr>
-            <a:endParaRPr lang="en-NZ" sz="1200" dirty="0">
+              <a:t>Use this slide to provide evidence that you have tested your component in accordance with the test plan you developed earlier.</a:t>
+            </a:r>
+            <a:endParaRPr lang="en-NZ" sz="1200" i="1" dirty="0">
               <a:solidFill>
                 <a:schemeClr val="dk2"/>
               </a:solidFill>
             </a:endParaRPr>
           </a:p>
           <a:p>
-            <a:pPr marL="0" lvl="0" indent="0" algn="l" rtl="0">
-              <a:spcBef>
-                <a:spcPts val="0"/>
-              </a:spcBef>
-              <a:spcAft>
-                <a:spcPts val="0"/>
-              </a:spcAft>
-              <a:buClr>
-                <a:schemeClr val="dk1"/>
-              </a:buClr>
-              <a:buSzPts val="1100"/>
-              <a:buFont typeface="Arial"/>
-              <a:buNone/>
-            </a:pPr>
-            <a:r>
-              <a:rPr lang="en-NZ" sz="1200" dirty="0">
-                <a:solidFill>
-                  <a:schemeClr val="dk2"/>
-                </a:solidFill>
-              </a:rPr>
-              <a:t>If you are going for M / E, you also need to create extra slides showing how you have used your testing to improve the functionality of your program.  This could mean having multiple test plans (and screenshots) showing several iterations of the assembled program.</a:t>
-            </a:r>
-          </a:p>
-          <a:p>
             <a:endParaRPr lang="en-NZ" dirty="0"/>
           </a:p>
         </p:txBody>
@@ -6851,7 +7304,7 @@
           <a:p>
             <a:fld id="{D89B2B17-F4B1-4A14-AF99-5A366D45E74A}" type="slidenum">
               <a:rPr lang="en-NZ" smtClean="0"/>
-              <a:t>42</a:t>
+              <a:t>45</a:t>
             </a:fld>
             <a:endParaRPr lang="en-NZ"/>
           </a:p>
@@ -6860,7 +7313,7 @@
     </p:spTree>
     <p:extLst>
       <p:ext uri="{BB962C8B-B14F-4D97-AF65-F5344CB8AC3E}">
-        <p14:creationId xmlns:p14="http://schemas.microsoft.com/office/powerpoint/2010/main" val="2754762789"/>
+        <p14:creationId xmlns:p14="http://schemas.microsoft.com/office/powerpoint/2010/main" val="3605921555"/>
       </p:ext>
     </p:extLst>
   </p:cSld>
@@ -6929,12 +7382,12 @@
               <a:buNone/>
             </a:pPr>
             <a:r>
-              <a:rPr lang="en-NZ" sz="1200" i="1" dirty="0">
+              <a:rPr lang="en-NZ" sz="1200" dirty="0">
                 <a:solidFill>
                   <a:schemeClr val="dk2"/>
                 </a:solidFill>
               </a:rPr>
-              <a:t>Use this slide to provide a test plan for your complete program.  You may wish to create multiple slides so that you can test for expected, boundary and unexpected cases.  </a:t>
+              <a:t>Assemble your components into a working program.  On the slides that follow, please provide a test plan and evidence that your program works as expected.</a:t>
             </a:r>
           </a:p>
           <a:p>
@@ -6952,7 +7405,7 @@
               <a:buFont typeface="Arial"/>
               <a:buNone/>
             </a:pPr>
-            <a:endParaRPr lang="en-NZ" sz="1200" i="1" dirty="0">
+            <a:endParaRPr lang="en-NZ" sz="1200" dirty="0">
               <a:solidFill>
                 <a:schemeClr val="dk2"/>
               </a:solidFill>
@@ -6974,12 +7427,12 @@
               <a:buNone/>
             </a:pPr>
             <a:r>
-              <a:rPr lang="en-NZ" sz="1200" i="1" dirty="0">
+              <a:rPr lang="en-NZ" sz="1200" dirty="0">
                 <a:solidFill>
                   <a:schemeClr val="dk2"/>
                 </a:solidFill>
               </a:rPr>
-              <a:t>Remember to test ALL logical pathways so that you can ensure your program works correctly.</a:t>
+              <a:t>If you are going for M / E, you also need to create extra slides showing how you have used your testing to improve the functionality of your program.  This could mean having multiple test plans (and screenshots) showing several iterations of the assembled program.</a:t>
             </a:r>
           </a:p>
           <a:p>
@@ -7004,7 +7457,7 @@
           <a:p>
             <a:fld id="{D89B2B17-F4B1-4A14-AF99-5A366D45E74A}" type="slidenum">
               <a:rPr lang="en-NZ" smtClean="0"/>
-              <a:t>43</a:t>
+              <a:t>46</a:t>
             </a:fld>
             <a:endParaRPr lang="en-NZ"/>
           </a:p>
@@ -7013,7 +7466,7 @@
     </p:spTree>
     <p:extLst>
       <p:ext uri="{BB962C8B-B14F-4D97-AF65-F5344CB8AC3E}">
-        <p14:creationId xmlns:p14="http://schemas.microsoft.com/office/powerpoint/2010/main" val="3577605773"/>
+        <p14:creationId xmlns:p14="http://schemas.microsoft.com/office/powerpoint/2010/main" val="2754762789"/>
       </p:ext>
     </p:extLst>
   </p:cSld>
@@ -7067,30 +7520,72 @@
           <a:bodyPr/>
           <a:lstStyle/>
           <a:p>
-            <a:pPr marL="0" marR="0" lvl="0" indent="0" algn="l" defTabSz="914400" rtl="0" eaLnBrk="1" fontAlgn="auto" latinLnBrk="0" hangingPunct="1">
-              <a:lnSpc>
-                <a:spcPct val="100000"/>
-              </a:lnSpc>
+            <a:pPr marL="0" lvl="0" indent="0" algn="l" rtl="0">
               <a:spcBef>
                 <a:spcPts val="0"/>
               </a:spcBef>
               <a:spcAft>
                 <a:spcPts val="0"/>
               </a:spcAft>
-              <a:buClrTx/>
-              <a:buSzTx/>
-              <a:buFontTx/>
+              <a:buClr>
+                <a:schemeClr val="dk1"/>
+              </a:buClr>
+              <a:buSzPts val="1100"/>
+              <a:buFont typeface="Arial"/>
               <a:buNone/>
-              <a:tabLst/>
-              <a:defRPr/>
             </a:pPr>
             <a:r>
-              <a:rPr lang="en-NZ" sz="1200" dirty="0">
+              <a:rPr lang="en-NZ" sz="1200" i="1" dirty="0">
                 <a:solidFill>
                   <a:schemeClr val="dk2"/>
                 </a:solidFill>
               </a:rPr>
-              <a:t>Create as many slides as needed to provide evidence of testing that your outcome works for expected, boundary and unexpected cases.  </a:t>
+              <a:t>Use this slide to provide a test plan for your complete program.  You may wish to create multiple slides so that you can test for expected, boundary and unexpected cases.  </a:t>
+            </a:r>
+          </a:p>
+          <a:p>
+            <a:pPr marL="0" lvl="0" indent="0" algn="l" rtl="0">
+              <a:spcBef>
+                <a:spcPts val="0"/>
+              </a:spcBef>
+              <a:spcAft>
+                <a:spcPts val="0"/>
+              </a:spcAft>
+              <a:buClr>
+                <a:schemeClr val="dk1"/>
+              </a:buClr>
+              <a:buSzPts val="1100"/>
+              <a:buFont typeface="Arial"/>
+              <a:buNone/>
+            </a:pPr>
+            <a:endParaRPr lang="en-NZ" sz="1200" i="1" dirty="0">
+              <a:solidFill>
+                <a:schemeClr val="dk2"/>
+              </a:solidFill>
+            </a:endParaRPr>
+          </a:p>
+          <a:p>
+            <a:pPr marL="0" lvl="0" indent="0" algn="l" rtl="0">
+              <a:spcBef>
+                <a:spcPts val="0"/>
+              </a:spcBef>
+              <a:spcAft>
+                <a:spcPts val="0"/>
+              </a:spcAft>
+              <a:buClr>
+                <a:schemeClr val="dk1"/>
+              </a:buClr>
+              <a:buSzPts val="1100"/>
+              <a:buFont typeface="Arial"/>
+              <a:buNone/>
+            </a:pPr>
+            <a:r>
+              <a:rPr lang="en-NZ" sz="1200" i="1" dirty="0">
+                <a:solidFill>
+                  <a:schemeClr val="dk2"/>
+                </a:solidFill>
+              </a:rPr>
+              <a:t>Remember to test ALL logical pathways so that you can ensure your program works correctly.</a:t>
             </a:r>
           </a:p>
           <a:p>
@@ -7115,7 +7610,7 @@
           <a:p>
             <a:fld id="{D89B2B17-F4B1-4A14-AF99-5A366D45E74A}" type="slidenum">
               <a:rPr lang="en-NZ" smtClean="0"/>
-              <a:t>44</a:t>
+              <a:t>47</a:t>
             </a:fld>
             <a:endParaRPr lang="en-NZ"/>
           </a:p>
@@ -7124,7 +7619,7 @@
     </p:spTree>
     <p:extLst>
       <p:ext uri="{BB962C8B-B14F-4D97-AF65-F5344CB8AC3E}">
-        <p14:creationId xmlns:p14="http://schemas.microsoft.com/office/powerpoint/2010/main" val="1082870189"/>
+        <p14:creationId xmlns:p14="http://schemas.microsoft.com/office/powerpoint/2010/main" val="3577605773"/>
       </p:ext>
     </p:extLst>
   </p:cSld>
@@ -7178,6 +7673,117 @@
           <a:bodyPr/>
           <a:lstStyle/>
           <a:p>
+            <a:pPr marL="0" marR="0" lvl="0" indent="0" algn="l" defTabSz="914400" rtl="0" eaLnBrk="1" fontAlgn="auto" latinLnBrk="0" hangingPunct="1">
+              <a:lnSpc>
+                <a:spcPct val="100000"/>
+              </a:lnSpc>
+              <a:spcBef>
+                <a:spcPts val="0"/>
+              </a:spcBef>
+              <a:spcAft>
+                <a:spcPts val="0"/>
+              </a:spcAft>
+              <a:buClrTx/>
+              <a:buSzTx/>
+              <a:buFontTx/>
+              <a:buNone/>
+              <a:tabLst/>
+              <a:defRPr/>
+            </a:pPr>
+            <a:r>
+              <a:rPr lang="en-NZ" sz="1200" dirty="0">
+                <a:solidFill>
+                  <a:schemeClr val="dk2"/>
+                </a:solidFill>
+              </a:rPr>
+              <a:t>Create as many slides as needed to provide evidence of testing that your outcome works for expected, boundary and unexpected cases.  </a:t>
+            </a:r>
+          </a:p>
+          <a:p>
+            <a:endParaRPr lang="en-NZ" dirty="0"/>
+          </a:p>
+        </p:txBody>
+      </p:sp>
+      <p:sp>
+        <p:nvSpPr>
+          <p:cNvPr id="4" name="Slide Number Placeholder 3"/>
+          <p:cNvSpPr>
+            <a:spLocks noGrp="1"/>
+          </p:cNvSpPr>
+          <p:nvPr>
+            <p:ph type="sldNum" sz="quarter" idx="5"/>
+          </p:nvPr>
+        </p:nvSpPr>
+        <p:spPr/>
+        <p:txBody>
+          <a:bodyPr/>
+          <a:lstStyle/>
+          <a:p>
+            <a:fld id="{D89B2B17-F4B1-4A14-AF99-5A366D45E74A}" type="slidenum">
+              <a:rPr lang="en-NZ" smtClean="0"/>
+              <a:t>48</a:t>
+            </a:fld>
+            <a:endParaRPr lang="en-NZ"/>
+          </a:p>
+        </p:txBody>
+      </p:sp>
+    </p:spTree>
+    <p:extLst>
+      <p:ext uri="{BB962C8B-B14F-4D97-AF65-F5344CB8AC3E}">
+        <p14:creationId xmlns:p14="http://schemas.microsoft.com/office/powerpoint/2010/main" val="1082870189"/>
+      </p:ext>
+    </p:extLst>
+  </p:cSld>
+  <p:clrMapOvr>
+    <a:masterClrMapping/>
+  </p:clrMapOvr>
+</p:notes>
+</file>
+
+<file path=ppt/notesSlides/notesSlide44.xml><?xml version="1.0" encoding="utf-8"?>
+<p:notes xmlns:a="http://schemas.openxmlformats.org/drawingml/2006/main" xmlns:r="http://schemas.openxmlformats.org/officeDocument/2006/relationships" xmlns:p="http://schemas.openxmlformats.org/presentationml/2006/main">
+  <p:cSld>
+    <p:spTree>
+      <p:nvGrpSpPr>
+        <p:cNvPr id="1" name=""/>
+        <p:cNvGrpSpPr/>
+        <p:nvPr/>
+      </p:nvGrpSpPr>
+      <p:grpSpPr>
+        <a:xfrm>
+          <a:off x="0" y="0"/>
+          <a:ext cx="0" cy="0"/>
+          <a:chOff x="0" y="0"/>
+          <a:chExt cx="0" cy="0"/>
+        </a:xfrm>
+      </p:grpSpPr>
+      <p:sp>
+        <p:nvSpPr>
+          <p:cNvPr id="2" name="Slide Image Placeholder 1"/>
+          <p:cNvSpPr>
+            <a:spLocks noGrp="1" noRot="1" noChangeAspect="1"/>
+          </p:cNvSpPr>
+          <p:nvPr>
+            <p:ph type="sldImg"/>
+          </p:nvPr>
+        </p:nvSpPr>
+        <p:spPr/>
+      </p:sp>
+      <p:sp>
+        <p:nvSpPr>
+          <p:cNvPr id="3" name="Notes Placeholder 2"/>
+          <p:cNvSpPr>
+            <a:spLocks noGrp="1"/>
+          </p:cNvSpPr>
+          <p:nvPr>
+            <p:ph type="body" idx="1"/>
+          </p:nvPr>
+        </p:nvSpPr>
+        <p:spPr/>
+        <p:txBody>
+          <a:bodyPr/>
+          <a:lstStyle/>
+          <a:p>
             <a:pPr marL="0" lvl="0" indent="0" algn="l" rtl="0">
               <a:spcBef>
                 <a:spcPts val="0"/>
@@ -7220,7 +7826,7 @@
           <a:p>
             <a:fld id="{D89B2B17-F4B1-4A14-AF99-5A366D45E74A}" type="slidenum">
               <a:rPr lang="en-NZ" smtClean="0"/>
-              <a:t>45</a:t>
+              <a:t>52</a:t>
             </a:fld>
             <a:endParaRPr lang="en-NZ"/>
           </a:p>
@@ -8080,7 +8686,7 @@
           <a:p>
             <a:fld id="{9C4A4F43-1C06-40E6-8F87-8B286982E50E}" type="datetimeFigureOut">
               <a:rPr lang="en-NZ" smtClean="0"/>
-              <a:t>8/06/2024</a:t>
+              <a:t>9/06/2024</a:t>
             </a:fld>
             <a:endParaRPr lang="en-NZ" dirty="0"/>
           </a:p>
@@ -8280,7 +8886,7 @@
           <a:p>
             <a:fld id="{9C4A4F43-1C06-40E6-8F87-8B286982E50E}" type="datetimeFigureOut">
               <a:rPr lang="en-NZ" smtClean="0"/>
-              <a:t>8/06/2024</a:t>
+              <a:t>9/06/2024</a:t>
             </a:fld>
             <a:endParaRPr lang="en-NZ" dirty="0"/>
           </a:p>
@@ -8490,7 +9096,7 @@
           <a:p>
             <a:fld id="{9C4A4F43-1C06-40E6-8F87-8B286982E50E}" type="datetimeFigureOut">
               <a:rPr lang="en-NZ" smtClean="0"/>
-              <a:t>8/06/2024</a:t>
+              <a:t>9/06/2024</a:t>
             </a:fld>
             <a:endParaRPr lang="en-NZ" dirty="0"/>
           </a:p>
@@ -8690,7 +9296,7 @@
           <a:p>
             <a:fld id="{9C4A4F43-1C06-40E6-8F87-8B286982E50E}" type="datetimeFigureOut">
               <a:rPr lang="en-NZ" smtClean="0"/>
-              <a:t>8/06/2024</a:t>
+              <a:t>9/06/2024</a:t>
             </a:fld>
             <a:endParaRPr lang="en-NZ" dirty="0"/>
           </a:p>
@@ -8966,7 +9572,7 @@
           <a:p>
             <a:fld id="{9C4A4F43-1C06-40E6-8F87-8B286982E50E}" type="datetimeFigureOut">
               <a:rPr lang="en-NZ" smtClean="0"/>
-              <a:t>8/06/2024</a:t>
+              <a:t>9/06/2024</a:t>
             </a:fld>
             <a:endParaRPr lang="en-NZ" dirty="0"/>
           </a:p>
@@ -9234,7 +9840,7 @@
           <a:p>
             <a:fld id="{9C4A4F43-1C06-40E6-8F87-8B286982E50E}" type="datetimeFigureOut">
               <a:rPr lang="en-NZ" smtClean="0"/>
-              <a:t>8/06/2024</a:t>
+              <a:t>9/06/2024</a:t>
             </a:fld>
             <a:endParaRPr lang="en-NZ" dirty="0"/>
           </a:p>
@@ -9649,7 +10255,7 @@
           <a:p>
             <a:fld id="{9C4A4F43-1C06-40E6-8F87-8B286982E50E}" type="datetimeFigureOut">
               <a:rPr lang="en-NZ" smtClean="0"/>
-              <a:t>8/06/2024</a:t>
+              <a:t>9/06/2024</a:t>
             </a:fld>
             <a:endParaRPr lang="en-NZ" dirty="0"/>
           </a:p>
@@ -9791,7 +10397,7 @@
           <a:p>
             <a:fld id="{9C4A4F43-1C06-40E6-8F87-8B286982E50E}" type="datetimeFigureOut">
               <a:rPr lang="en-NZ" smtClean="0"/>
-              <a:t>8/06/2024</a:t>
+              <a:t>9/06/2024</a:t>
             </a:fld>
             <a:endParaRPr lang="en-NZ" dirty="0"/>
           </a:p>
@@ -9904,7 +10510,7 @@
           <a:p>
             <a:fld id="{9C4A4F43-1C06-40E6-8F87-8B286982E50E}" type="datetimeFigureOut">
               <a:rPr lang="en-NZ" smtClean="0"/>
-              <a:t>8/06/2024</a:t>
+              <a:t>9/06/2024</a:t>
             </a:fld>
             <a:endParaRPr lang="en-NZ" dirty="0"/>
           </a:p>
@@ -10217,7 +10823,7 @@
           <a:p>
             <a:fld id="{9C4A4F43-1C06-40E6-8F87-8B286982E50E}" type="datetimeFigureOut">
               <a:rPr lang="en-NZ" smtClean="0"/>
-              <a:t>8/06/2024</a:t>
+              <a:t>9/06/2024</a:t>
             </a:fld>
             <a:endParaRPr lang="en-NZ" dirty="0"/>
           </a:p>
@@ -10506,7 +11112,7 @@
           <a:p>
             <a:fld id="{9C4A4F43-1C06-40E6-8F87-8B286982E50E}" type="datetimeFigureOut">
               <a:rPr lang="en-NZ" smtClean="0"/>
-              <a:t>8/06/2024</a:t>
+              <a:t>9/06/2024</a:t>
             </a:fld>
             <a:endParaRPr lang="en-NZ" dirty="0"/>
           </a:p>
@@ -10749,7 +11355,7 @@
           <a:p>
             <a:fld id="{9C4A4F43-1C06-40E6-8F87-8B286982E50E}" type="datetimeFigureOut">
               <a:rPr lang="en-NZ" smtClean="0"/>
-              <a:t>8/06/2024</a:t>
+              <a:t>9/06/2024</a:t>
             </a:fld>
             <a:endParaRPr lang="en-NZ" dirty="0"/>
           </a:p>
@@ -11411,6 +12017,337 @@
 <file path=ppt/slides/slide11.xml><?xml version="1.0" encoding="utf-8"?>
 <p:sld xmlns:a="http://schemas.openxmlformats.org/drawingml/2006/main" xmlns:r="http://schemas.openxmlformats.org/officeDocument/2006/relationships" xmlns:p="http://schemas.openxmlformats.org/presentationml/2006/main">
   <p:cSld>
+    <p:bg>
+      <p:bgPr>
+        <a:solidFill>
+          <a:schemeClr val="bg1"/>
+        </a:solidFill>
+        <a:effectLst/>
+      </p:bgPr>
+    </p:bg>
+    <p:spTree>
+      <p:nvGrpSpPr>
+        <p:cNvPr id="1" name=""/>
+        <p:cNvGrpSpPr/>
+        <p:nvPr/>
+      </p:nvGrpSpPr>
+      <p:grpSpPr>
+        <a:xfrm>
+          <a:off x="0" y="0"/>
+          <a:ext cx="0" cy="0"/>
+          <a:chOff x="0" y="0"/>
+          <a:chExt cx="0" cy="0"/>
+        </a:xfrm>
+      </p:grpSpPr>
+      <p:sp>
+        <p:nvSpPr>
+          <p:cNvPr id="2" name="Title 1">
+            <a:extLst>
+              <a:ext uri="{FF2B5EF4-FFF2-40B4-BE49-F238E27FC236}">
+                <a16:creationId xmlns:a16="http://schemas.microsoft.com/office/drawing/2014/main" id="{613DA807-29F4-DEC1-8B4A-C25D5ADF479E}"/>
+              </a:ext>
+            </a:extLst>
+          </p:cNvPr>
+          <p:cNvSpPr>
+            <a:spLocks noGrp="1"/>
+          </p:cNvSpPr>
+          <p:nvPr>
+            <p:ph type="title"/>
+          </p:nvPr>
+        </p:nvSpPr>
+        <p:spPr>
+          <a:xfrm>
+            <a:off x="876693" y="741391"/>
+            <a:ext cx="3455821" cy="1616203"/>
+          </a:xfrm>
+        </p:spPr>
+        <p:txBody>
+          <a:bodyPr vert="horz" lIns="91440" tIns="45720" rIns="91440" bIns="45720" rtlCol="0" anchor="b">
+            <a:normAutofit/>
+          </a:bodyPr>
+          <a:lstStyle/>
+          <a:p>
+            <a:r>
+              <a:rPr lang="en-US" sz="3200" kern="1200">
+                <a:solidFill>
+                  <a:schemeClr val="tx1"/>
+                </a:solidFill>
+                <a:latin typeface="+mj-lt"/>
+                <a:ea typeface="+mj-ea"/>
+                <a:cs typeface="+mj-cs"/>
+              </a:rPr>
+              <a:t>Trialling – Load Images (and user feedback)</a:t>
+            </a:r>
+          </a:p>
+        </p:txBody>
+      </p:sp>
+      <p:sp>
+        <p:nvSpPr>
+          <p:cNvPr id="3" name="TextBox 2">
+            <a:extLst>
+              <a:ext uri="{FF2B5EF4-FFF2-40B4-BE49-F238E27FC236}">
+                <a16:creationId xmlns:a16="http://schemas.microsoft.com/office/drawing/2014/main" id="{9E8A7AD6-FDB5-6FCD-A107-FA19BC45D9B9}"/>
+              </a:ext>
+            </a:extLst>
+          </p:cNvPr>
+          <p:cNvSpPr txBox="1"/>
+          <p:nvPr/>
+        </p:nvSpPr>
+        <p:spPr>
+          <a:xfrm>
+            <a:off x="876693" y="2533476"/>
+            <a:ext cx="3455821" cy="3447832"/>
+          </a:xfrm>
+          <a:prstGeom prst="rect">
+            <a:avLst/>
+          </a:prstGeom>
+        </p:spPr>
+        <p:txBody>
+          <a:bodyPr vert="horz" lIns="91440" tIns="45720" rIns="91440" bIns="45720" rtlCol="0" anchor="t">
+            <a:normAutofit/>
+          </a:bodyPr>
+          <a:lstStyle/>
+          <a:p>
+            <a:pPr indent="-228600">
+              <a:lnSpc>
+                <a:spcPct val="90000"/>
+              </a:lnSpc>
+              <a:spcAft>
+                <a:spcPts val="600"/>
+              </a:spcAft>
+              <a:buFont typeface="Arial" panose="020B0604020202020204" pitchFamily="34" charset="0"/>
+              <a:buChar char="•"/>
+            </a:pPr>
+            <a:r>
+              <a:rPr lang="en-US" sz="1600"/>
+              <a:t>Whaen I was showing him my program, my friend Josh said that he didn’t really like the look of the car sprite, so, to fit the relevant implication of aesthetics, I downloaded a free to use car sprite pack to use for car models. However, when I tried importing them, it looked clunky and was just a massive block of code. So, I trialled creating a Function to load the entire folder of images at once, and it worked. As this both saved on lines of code and made the code look nicer (for Aesthetics, I decided that the function was the way to go.</a:t>
+            </a:r>
+          </a:p>
+        </p:txBody>
+      </p:sp>
+      <p:pic>
+        <p:nvPicPr>
+          <p:cNvPr id="5" name="Picture 4">
+            <a:extLst>
+              <a:ext uri="{FF2B5EF4-FFF2-40B4-BE49-F238E27FC236}">
+                <a16:creationId xmlns:a16="http://schemas.microsoft.com/office/drawing/2014/main" id="{17AF438F-7398-A6C5-2526-D3E0B8DF0280}"/>
+              </a:ext>
+            </a:extLst>
+          </p:cNvPr>
+          <p:cNvPicPr>
+            <a:picLocks noChangeAspect="1"/>
+          </p:cNvPicPr>
+          <p:nvPr/>
+        </p:nvPicPr>
+        <p:blipFill>
+          <a:blip r:embed="rId2"/>
+          <a:stretch>
+            <a:fillRect/>
+          </a:stretch>
+        </p:blipFill>
+        <p:spPr>
+          <a:xfrm>
+            <a:off x="4987672" y="1620678"/>
+            <a:ext cx="6389346" cy="3625954"/>
+          </a:xfrm>
+          <a:prstGeom prst="rect">
+            <a:avLst/>
+          </a:prstGeom>
+        </p:spPr>
+      </p:pic>
+      <p:grpSp>
+        <p:nvGrpSpPr>
+          <p:cNvPr id="10" name="Group 9">
+            <a:extLst>
+              <a:ext uri="{FF2B5EF4-FFF2-40B4-BE49-F238E27FC236}">
+                <a16:creationId xmlns:a16="http://schemas.microsoft.com/office/drawing/2014/main" id="{6258F736-B256-8039-9DC6-F4E49A5C5AD5}"/>
+              </a:ext>
+              <a:ext uri="{C183D7F6-B498-43B3-948B-1728B52AA6E4}">
+                <adec:decorative xmlns:adec="http://schemas.microsoft.com/office/drawing/2017/decorative" val="1"/>
+              </a:ext>
+            </a:extLst>
+          </p:cNvPr>
+          <p:cNvGrpSpPr>
+            <a:grpSpLocks noGrp="1" noUngrp="1" noRot="1" noChangeAspect="1" noMove="1" noResize="1"/>
+          </p:cNvGrpSpPr>
+          <p:nvPr>
+            <p:extLst>
+              <p:ext uri="{386F3935-93C4-4BCD-93E2-E3B085C9AB24}">
+                <p16:designElem xmlns:p16="http://schemas.microsoft.com/office/powerpoint/2015/main" val="1"/>
+              </p:ext>
+            </p:extLst>
+          </p:nvPr>
+        </p:nvGrpSpPr>
+        <p:grpSpPr>
+          <a:xfrm flipH="1">
+            <a:off x="12068638" y="0"/>
+            <a:ext cx="123362" cy="6858000"/>
+            <a:chOff x="12068638" y="0"/>
+            <a:chExt cx="123362" cy="6858000"/>
+          </a:xfrm>
+        </p:grpSpPr>
+        <p:sp>
+          <p:nvSpPr>
+            <p:cNvPr id="11" name="Rectangle 10">
+              <a:extLst>
+                <a:ext uri="{FF2B5EF4-FFF2-40B4-BE49-F238E27FC236}">
+                  <a16:creationId xmlns:a16="http://schemas.microsoft.com/office/drawing/2014/main" id="{10B4520A-996E-330C-99DA-69CA4D89E906}"/>
+                </a:ext>
+                <a:ext uri="{C183D7F6-B498-43B3-948B-1728B52AA6E4}">
+                  <adec:decorative xmlns:adec="http://schemas.microsoft.com/office/drawing/2017/decorative" val="1"/>
+                </a:ext>
+              </a:extLst>
+            </p:cNvPr>
+            <p:cNvSpPr/>
+            <p:nvPr>
+              <p:extLst>
+                <p:ext uri="{386F3935-93C4-4BCD-93E2-E3B085C9AB24}">
+                  <p16:designElem xmlns:p16="http://schemas.microsoft.com/office/powerpoint/2015/main" val="1"/>
+                </p:ext>
+              </p:extLst>
+            </p:nvPr>
+          </p:nvSpPr>
+          <p:spPr>
+            <a:xfrm>
+              <a:off x="12068638" y="0"/>
+              <a:ext cx="123362" cy="6858000"/>
+            </a:xfrm>
+            <a:prstGeom prst="rect">
+              <a:avLst/>
+            </a:prstGeom>
+            <a:gradFill>
+              <a:gsLst>
+                <a:gs pos="0">
+                  <a:schemeClr val="accent2"/>
+                </a:gs>
+                <a:gs pos="100000">
+                  <a:schemeClr val="accent5"/>
+                </a:gs>
+              </a:gsLst>
+              <a:lin ang="1800000" scaled="0"/>
+            </a:gradFill>
+            <a:ln>
+              <a:noFill/>
+            </a:ln>
+          </p:spPr>
+          <p:style>
+            <a:lnRef idx="2">
+              <a:schemeClr val="accent1">
+                <a:shade val="50000"/>
+              </a:schemeClr>
+            </a:lnRef>
+            <a:fillRef idx="1">
+              <a:schemeClr val="accent1"/>
+            </a:fillRef>
+            <a:effectRef idx="0">
+              <a:schemeClr val="accent1"/>
+            </a:effectRef>
+            <a:fontRef idx="minor">
+              <a:schemeClr val="lt1"/>
+            </a:fontRef>
+          </p:style>
+          <p:txBody>
+            <a:bodyPr rtlCol="0" anchor="ctr"/>
+            <a:lstStyle/>
+            <a:p>
+              <a:pPr algn="ctr"/>
+              <a:endParaRPr lang="en-US"/>
+            </a:p>
+          </p:txBody>
+        </p:sp>
+        <p:sp>
+          <p:nvSpPr>
+            <p:cNvPr id="12" name="Rectangle 11">
+              <a:extLst>
+                <a:ext uri="{FF2B5EF4-FFF2-40B4-BE49-F238E27FC236}">
+                  <a16:creationId xmlns:a16="http://schemas.microsoft.com/office/drawing/2014/main" id="{EC8FA945-E356-695F-18D6-CAD4EF34FE4A}"/>
+                </a:ext>
+                <a:ext uri="{C183D7F6-B498-43B3-948B-1728B52AA6E4}">
+                  <adec:decorative xmlns:adec="http://schemas.microsoft.com/office/drawing/2017/decorative" val="1"/>
+                </a:ext>
+              </a:extLst>
+            </p:cNvPr>
+            <p:cNvSpPr/>
+            <p:nvPr>
+              <p:extLst>
+                <p:ext uri="{386F3935-93C4-4BCD-93E2-E3B085C9AB24}">
+                  <p16:designElem xmlns:p16="http://schemas.microsoft.com/office/powerpoint/2015/main" val="1"/>
+                </p:ext>
+              </p:extLst>
+            </p:nvPr>
+          </p:nvSpPr>
+          <p:spPr>
+            <a:xfrm>
+              <a:off x="12068638" y="3527553"/>
+              <a:ext cx="123362" cy="3330447"/>
+            </a:xfrm>
+            <a:prstGeom prst="rect">
+              <a:avLst/>
+            </a:prstGeom>
+            <a:gradFill>
+              <a:gsLst>
+                <a:gs pos="19000">
+                  <a:schemeClr val="accent5">
+                    <a:lumMod val="60000"/>
+                    <a:lumOff val="40000"/>
+                    <a:alpha val="0"/>
+                  </a:schemeClr>
+                </a:gs>
+                <a:gs pos="100000">
+                  <a:schemeClr val="accent5">
+                    <a:lumMod val="60000"/>
+                    <a:lumOff val="40000"/>
+                  </a:schemeClr>
+                </a:gs>
+              </a:gsLst>
+              <a:lin ang="600000" scaled="0"/>
+            </a:gradFill>
+            <a:ln>
+              <a:noFill/>
+            </a:ln>
+          </p:spPr>
+          <p:style>
+            <a:lnRef idx="2">
+              <a:schemeClr val="accent1">
+                <a:shade val="50000"/>
+              </a:schemeClr>
+            </a:lnRef>
+            <a:fillRef idx="1">
+              <a:schemeClr val="accent1"/>
+            </a:fillRef>
+            <a:effectRef idx="0">
+              <a:schemeClr val="accent1"/>
+            </a:effectRef>
+            <a:fontRef idx="minor">
+              <a:schemeClr val="lt1"/>
+            </a:fontRef>
+          </p:style>
+          <p:txBody>
+            <a:bodyPr rtlCol="0" anchor="ctr"/>
+            <a:lstStyle/>
+            <a:p>
+              <a:pPr algn="ctr"/>
+              <a:endParaRPr lang="en-US"/>
+            </a:p>
+          </p:txBody>
+        </p:sp>
+      </p:grpSp>
+    </p:spTree>
+    <p:extLst>
+      <p:ext uri="{BB962C8B-B14F-4D97-AF65-F5344CB8AC3E}">
+        <p14:creationId xmlns:p14="http://schemas.microsoft.com/office/powerpoint/2010/main" val="2826885535"/>
+      </p:ext>
+    </p:extLst>
+  </p:cSld>
+  <p:clrMapOvr>
+    <a:masterClrMapping/>
+  </p:clrMapOvr>
+</p:sld>
+</file>
+
+<file path=ppt/slides/slide12.xml><?xml version="1.0" encoding="utf-8"?>
+<p:sld xmlns:a="http://schemas.openxmlformats.org/drawingml/2006/main" xmlns:r="http://schemas.openxmlformats.org/officeDocument/2006/relationships" xmlns:p="http://schemas.openxmlformats.org/presentationml/2006/main">
+  <p:cSld>
     <p:spTree>
       <p:nvGrpSpPr>
         <p:cNvPr id="1" name=""/>
@@ -11690,7 +12627,7 @@
         </p:nvSpPr>
         <p:spPr>
           <a:xfrm>
-            <a:off x="1992086" y="5796643"/>
+            <a:off x="1306286" y="1847315"/>
             <a:ext cx="8654143" cy="923330"/>
           </a:xfrm>
           <a:prstGeom prst="rect">
@@ -11724,7 +12661,7 @@
 </p:sld>
 </file>
 
-<file path=ppt/slides/slide12.xml><?xml version="1.0" encoding="utf-8"?>
+<file path=ppt/slides/slide13.xml><?xml version="1.0" encoding="utf-8"?>
 <p:sld xmlns:a="http://schemas.openxmlformats.org/drawingml/2006/main" xmlns:r="http://schemas.openxmlformats.org/officeDocument/2006/relationships" xmlns:p="http://schemas.openxmlformats.org/presentationml/2006/main">
   <p:cSld>
     <p:spTree>
@@ -12000,7 +12937,7 @@
 </p:sld>
 </file>
 
-<file path=ppt/slides/slide13.xml><?xml version="1.0" encoding="utf-8"?>
+<file path=ppt/slides/slide14.xml><?xml version="1.0" encoding="utf-8"?>
 <p:sld xmlns:a="http://schemas.openxmlformats.org/drawingml/2006/main" xmlns:r="http://schemas.openxmlformats.org/officeDocument/2006/relationships" xmlns:p="http://schemas.openxmlformats.org/presentationml/2006/main">
   <p:cSld>
     <p:spTree>
@@ -12095,7 +13032,7 @@
 </p:sld>
 </file>
 
-<file path=ppt/slides/slide14.xml><?xml version="1.0" encoding="utf-8"?>
+<file path=ppt/slides/slide15.xml><?xml version="1.0" encoding="utf-8"?>
 <p:sld xmlns:a="http://schemas.openxmlformats.org/drawingml/2006/main" xmlns:r="http://schemas.openxmlformats.org/officeDocument/2006/relationships" xmlns:p="http://schemas.openxmlformats.org/presentationml/2006/main">
   <p:cSld>
     <p:spTree>
@@ -12482,7 +13419,7 @@
 </p:sld>
 </file>
 
-<file path=ppt/slides/slide15.xml><?xml version="1.0" encoding="utf-8"?>
+<file path=ppt/slides/slide16.xml><?xml version="1.0" encoding="utf-8"?>
 <p:sld xmlns:a="http://schemas.openxmlformats.org/drawingml/2006/main" xmlns:r="http://schemas.openxmlformats.org/officeDocument/2006/relationships" xmlns:p="http://schemas.openxmlformats.org/presentationml/2006/main">
   <p:cSld>
     <p:spTree>
@@ -12910,7 +13847,7 @@
 </p:sld>
 </file>
 
-<file path=ppt/slides/slide16.xml><?xml version="1.0" encoding="utf-8"?>
+<file path=ppt/slides/slide17.xml><?xml version="1.0" encoding="utf-8"?>
 <p:sld xmlns:a="http://schemas.openxmlformats.org/drawingml/2006/main" xmlns:r="http://schemas.openxmlformats.org/officeDocument/2006/relationships" xmlns:p="http://schemas.openxmlformats.org/presentationml/2006/main">
   <p:cSld>
     <p:spTree>
@@ -13308,7 +14245,7 @@
 </p:sld>
 </file>
 
-<file path=ppt/slides/slide17.xml><?xml version="1.0" encoding="utf-8"?>
+<file path=ppt/slides/slide18.xml><?xml version="1.0" encoding="utf-8"?>
 <p:sld xmlns:a="http://schemas.openxmlformats.org/drawingml/2006/main" xmlns:r="http://schemas.openxmlformats.org/officeDocument/2006/relationships" xmlns:p="http://schemas.openxmlformats.org/presentationml/2006/main">
   <p:cSld>
     <p:spTree>
@@ -13438,7 +14375,7 @@
 </p:sld>
 </file>
 
-<file path=ppt/slides/slide18.xml><?xml version="1.0" encoding="utf-8"?>
+<file path=ppt/slides/slide19.xml><?xml version="1.0" encoding="utf-8"?>
 <p:sld xmlns:a="http://schemas.openxmlformats.org/drawingml/2006/main" xmlns:r="http://schemas.openxmlformats.org/officeDocument/2006/relationships" xmlns:p="http://schemas.openxmlformats.org/presentationml/2006/main">
   <p:cSld>
     <p:spTree>
@@ -13825,469 +14762,6 @@
 </p:sld>
 </file>
 
-<file path=ppt/slides/slide19.xml><?xml version="1.0" encoding="utf-8"?>
-<p:sld xmlns:a="http://schemas.openxmlformats.org/drawingml/2006/main" xmlns:r="http://schemas.openxmlformats.org/officeDocument/2006/relationships" xmlns:p="http://schemas.openxmlformats.org/presentationml/2006/main">
-  <p:cSld>
-    <p:bg>
-      <p:bgPr>
-        <a:solidFill>
-          <a:schemeClr val="bg1"/>
-        </a:solidFill>
-        <a:effectLst/>
-      </p:bgPr>
-    </p:bg>
-    <p:spTree>
-      <p:nvGrpSpPr>
-        <p:cNvPr id="1" name=""/>
-        <p:cNvGrpSpPr/>
-        <p:nvPr/>
-      </p:nvGrpSpPr>
-      <p:grpSpPr>
-        <a:xfrm>
-          <a:off x="0" y="0"/>
-          <a:ext cx="0" cy="0"/>
-          <a:chOff x="0" y="0"/>
-          <a:chExt cx="0" cy="0"/>
-        </a:xfrm>
-      </p:grpSpPr>
-      <p:sp>
-        <p:nvSpPr>
-          <p:cNvPr id="16" name="Rectangle 15">
-            <a:extLst>
-              <a:ext uri="{FF2B5EF4-FFF2-40B4-BE49-F238E27FC236}">
-                <a16:creationId xmlns:a16="http://schemas.microsoft.com/office/drawing/2014/main" id="{C3896A03-3945-419A-B66B-4EE266EDD152}"/>
-              </a:ext>
-              <a:ext uri="{C183D7F6-B498-43B3-948B-1728B52AA6E4}">
-                <adec:decorative xmlns:adec="http://schemas.microsoft.com/office/drawing/2017/decorative" val="1"/>
-              </a:ext>
-            </a:extLst>
-          </p:cNvPr>
-          <p:cNvSpPr>
-            <a:spLocks noGrp="1" noRot="1" noChangeAspect="1" noMove="1" noResize="1" noEditPoints="1" noAdjustHandles="1" noChangeArrowheads="1" noChangeShapeType="1" noTextEdit="1"/>
-          </p:cNvSpPr>
-          <p:nvPr>
-            <p:extLst>
-              <p:ext uri="{386F3935-93C4-4BCD-93E2-E3B085C9AB24}">
-                <p16:designElem xmlns:p16="http://schemas.microsoft.com/office/powerpoint/2015/main" val="1"/>
-              </p:ext>
-            </p:extLst>
-          </p:nvPr>
-        </p:nvSpPr>
-        <p:spPr>
-          <a:xfrm>
-            <a:off x="10" y="0"/>
-            <a:ext cx="6095990" cy="6858001"/>
-          </a:xfrm>
-          <a:prstGeom prst="rect">
-            <a:avLst/>
-          </a:prstGeom>
-          <a:solidFill>
-            <a:schemeClr val="tx1">
-              <a:lumMod val="85000"/>
-              <a:lumOff val="15000"/>
-            </a:schemeClr>
-          </a:solidFill>
-          <a:ln>
-            <a:noFill/>
-          </a:ln>
-        </p:spPr>
-        <p:style>
-          <a:lnRef idx="2">
-            <a:schemeClr val="accent1">
-              <a:shade val="50000"/>
-            </a:schemeClr>
-          </a:lnRef>
-          <a:fillRef idx="1">
-            <a:schemeClr val="accent1"/>
-          </a:fillRef>
-          <a:effectRef idx="0">
-            <a:schemeClr val="accent1"/>
-          </a:effectRef>
-          <a:fontRef idx="minor">
-            <a:schemeClr val="lt1"/>
-          </a:fontRef>
-        </p:style>
-        <p:txBody>
-          <a:bodyPr rtlCol="0" anchor="ctr"/>
-          <a:lstStyle/>
-          <a:p>
-            <a:pPr algn="ctr"/>
-            <a:endParaRPr lang="en-US"/>
-          </a:p>
-        </p:txBody>
-      </p:sp>
-      <p:sp>
-        <p:nvSpPr>
-          <p:cNvPr id="2" name="Title 1">
-            <a:extLst>
-              <a:ext uri="{FF2B5EF4-FFF2-40B4-BE49-F238E27FC236}">
-                <a16:creationId xmlns:a16="http://schemas.microsoft.com/office/drawing/2014/main" id="{929346B1-21F7-4D6B-B685-2CCB524F66E9}"/>
-              </a:ext>
-            </a:extLst>
-          </p:cNvPr>
-          <p:cNvSpPr>
-            <a:spLocks noGrp="1"/>
-          </p:cNvSpPr>
-          <p:nvPr>
-            <p:ph type="title"/>
-          </p:nvPr>
-        </p:nvSpPr>
-        <p:spPr>
-          <a:xfrm>
-            <a:off x="1155557" y="649674"/>
-            <a:ext cx="4284420" cy="1687143"/>
-          </a:xfrm>
-        </p:spPr>
-        <p:txBody>
-          <a:bodyPr vert="horz" lIns="91440" tIns="45720" rIns="91440" bIns="45720" rtlCol="0" anchor="t">
-            <a:normAutofit/>
-          </a:bodyPr>
-          <a:lstStyle/>
-          <a:p>
-            <a:r>
-              <a:rPr lang="en-US" sz="3700" b="1">
-                <a:solidFill>
-                  <a:schemeClr val="bg1"/>
-                </a:solidFill>
-              </a:rPr>
-              <a:t>3 Evidence of testing:</a:t>
-            </a:r>
-            <a:br>
-              <a:rPr lang="en-US" sz="3700" b="1">
-                <a:solidFill>
-                  <a:schemeClr val="bg1"/>
-                </a:solidFill>
-              </a:rPr>
-            </a:br>
-            <a:r>
-              <a:rPr lang="en-US" sz="3700" b="1" i="1">
-                <a:solidFill>
-                  <a:schemeClr val="bg1"/>
-                </a:solidFill>
-              </a:rPr>
-              <a:t>Player Class</a:t>
-            </a:r>
-          </a:p>
-        </p:txBody>
-      </p:sp>
-      <p:sp>
-        <p:nvSpPr>
-          <p:cNvPr id="18" name="Rectangle 17">
-            <a:extLst>
-              <a:ext uri="{FF2B5EF4-FFF2-40B4-BE49-F238E27FC236}">
-                <a16:creationId xmlns:a16="http://schemas.microsoft.com/office/drawing/2014/main" id="{B34F5AD2-EDBD-4BBD-A55C-EAFFD0C7097A}"/>
-              </a:ext>
-              <a:ext uri="{C183D7F6-B498-43B3-948B-1728B52AA6E4}">
-                <adec:decorative xmlns:adec="http://schemas.microsoft.com/office/drawing/2017/decorative" val="1"/>
-              </a:ext>
-            </a:extLst>
-          </p:cNvPr>
-          <p:cNvSpPr>
-            <a:spLocks noGrp="1" noRot="1" noChangeAspect="1" noMove="1" noResize="1" noEditPoints="1" noAdjustHandles="1" noChangeArrowheads="1" noChangeShapeType="1" noTextEdit="1"/>
-          </p:cNvSpPr>
-          <p:nvPr>
-            <p:extLst>
-              <p:ext uri="{386F3935-93C4-4BCD-93E2-E3B085C9AB24}">
-                <p16:designElem xmlns:p16="http://schemas.microsoft.com/office/powerpoint/2015/main" val="1"/>
-              </p:ext>
-            </p:extLst>
-          </p:nvPr>
-        </p:nvSpPr>
-        <p:spPr>
-          <a:xfrm>
-            <a:off x="6096000" y="0"/>
-            <a:ext cx="6095990" cy="6858001"/>
-          </a:xfrm>
-          <a:prstGeom prst="rect">
-            <a:avLst/>
-          </a:prstGeom>
-          <a:solidFill>
-            <a:schemeClr val="bg1">
-              <a:lumMod val="95000"/>
-            </a:schemeClr>
-          </a:solidFill>
-          <a:ln>
-            <a:noFill/>
-          </a:ln>
-        </p:spPr>
-        <p:style>
-          <a:lnRef idx="2">
-            <a:schemeClr val="accent1">
-              <a:shade val="50000"/>
-            </a:schemeClr>
-          </a:lnRef>
-          <a:fillRef idx="1">
-            <a:schemeClr val="accent1"/>
-          </a:fillRef>
-          <a:effectRef idx="0">
-            <a:schemeClr val="accent1"/>
-          </a:effectRef>
-          <a:fontRef idx="minor">
-            <a:schemeClr val="lt1"/>
-          </a:fontRef>
-        </p:style>
-        <p:txBody>
-          <a:bodyPr rtlCol="0" anchor="ctr"/>
-          <a:lstStyle/>
-          <a:p>
-            <a:pPr algn="ctr"/>
-            <a:endParaRPr lang="en-US"/>
-          </a:p>
-        </p:txBody>
-      </p:sp>
-      <p:sp>
-        <p:nvSpPr>
-          <p:cNvPr id="20" name="Rectangle 19">
-            <a:extLst>
-              <a:ext uri="{FF2B5EF4-FFF2-40B4-BE49-F238E27FC236}">
-                <a16:creationId xmlns:a16="http://schemas.microsoft.com/office/drawing/2014/main" id="{450D3AD2-FA80-415F-A9CE-54D884561CD7}"/>
-              </a:ext>
-              <a:ext uri="{C183D7F6-B498-43B3-948B-1728B52AA6E4}">
-                <adec:decorative xmlns:adec="http://schemas.microsoft.com/office/drawing/2017/decorative" val="1"/>
-              </a:ext>
-            </a:extLst>
-          </p:cNvPr>
-          <p:cNvSpPr>
-            <a:spLocks noGrp="1" noRot="1" noChangeAspect="1" noMove="1" noResize="1" noEditPoints="1" noAdjustHandles="1" noChangeArrowheads="1" noChangeShapeType="1" noTextEdit="1"/>
-          </p:cNvSpPr>
-          <p:nvPr>
-            <p:extLst>
-              <p:ext uri="{386F3935-93C4-4BCD-93E2-E3B085C9AB24}">
-                <p16:designElem xmlns:p16="http://schemas.microsoft.com/office/powerpoint/2015/main" val="1"/>
-              </p:ext>
-            </p:extLst>
-          </p:nvPr>
-        </p:nvSpPr>
-        <p:spPr>
-          <a:xfrm>
-            <a:off x="6734650" y="642750"/>
-            <a:ext cx="457200" cy="45720"/>
-          </a:xfrm>
-          <a:prstGeom prst="rect">
-            <a:avLst/>
-          </a:prstGeom>
-          <a:solidFill>
-            <a:schemeClr val="tx1"/>
-          </a:solidFill>
-          <a:ln>
-            <a:noFill/>
-          </a:ln>
-        </p:spPr>
-        <p:style>
-          <a:lnRef idx="2">
-            <a:schemeClr val="accent1">
-              <a:shade val="50000"/>
-            </a:schemeClr>
-          </a:lnRef>
-          <a:fillRef idx="1">
-            <a:schemeClr val="accent1"/>
-          </a:fillRef>
-          <a:effectRef idx="0">
-            <a:schemeClr val="accent1"/>
-          </a:effectRef>
-          <a:fontRef idx="minor">
-            <a:schemeClr val="lt1"/>
-          </a:fontRef>
-        </p:style>
-        <p:txBody>
-          <a:bodyPr rtlCol="0" anchor="ctr"/>
-          <a:lstStyle/>
-          <a:p>
-            <a:pPr algn="ctr"/>
-            <a:endParaRPr lang="en-US"/>
-          </a:p>
-        </p:txBody>
-      </p:sp>
-      <p:sp>
-        <p:nvSpPr>
-          <p:cNvPr id="3" name="Rectangle 2">
-            <a:extLst>
-              <a:ext uri="{FF2B5EF4-FFF2-40B4-BE49-F238E27FC236}">
-                <a16:creationId xmlns:a16="http://schemas.microsoft.com/office/drawing/2014/main" id="{F1803FB6-918B-4C8E-9C25-3ECDA665EC35}"/>
-              </a:ext>
-            </a:extLst>
-          </p:cNvPr>
-          <p:cNvSpPr/>
-          <p:nvPr/>
-        </p:nvSpPr>
-        <p:spPr>
-          <a:xfrm>
-            <a:off x="6734648" y="849336"/>
-            <a:ext cx="4310700" cy="1487471"/>
-          </a:xfrm>
-          <a:prstGeom prst="rect">
-            <a:avLst/>
-          </a:prstGeom>
-        </p:spPr>
-        <p:txBody>
-          <a:bodyPr vert="horz" lIns="91440" tIns="45720" rIns="91440" bIns="45720" rtlCol="0">
-            <a:normAutofit/>
-          </a:bodyPr>
-          <a:lstStyle/>
-          <a:p>
-            <a:pPr indent="-228600">
-              <a:lnSpc>
-                <a:spcPct val="90000"/>
-              </a:lnSpc>
-              <a:spcAft>
-                <a:spcPts val="600"/>
-              </a:spcAft>
-              <a:buFont typeface="Arial" panose="020B0604020202020204" pitchFamily="34" charset="0"/>
-              <a:buChar char="•"/>
-            </a:pPr>
-            <a:r>
-              <a:rPr lang="en-US" sz="1600" i="1" dirty="0"/>
-              <a:t>This is hard to show in screenshots, but I have tested this thoroughly and I will show a picture of the car in each lane. Everything works as expected., and attempting to move outside of the four lanes does not work</a:t>
-            </a:r>
-          </a:p>
-          <a:p>
-            <a:pPr indent="-228600">
-              <a:lnSpc>
-                <a:spcPct val="90000"/>
-              </a:lnSpc>
-              <a:spcAft>
-                <a:spcPts val="600"/>
-              </a:spcAft>
-              <a:buFont typeface="Arial" panose="020B0604020202020204" pitchFamily="34" charset="0"/>
-              <a:buChar char="•"/>
-            </a:pPr>
-            <a:endParaRPr lang="en-US" sz="1600" i="1" dirty="0"/>
-          </a:p>
-        </p:txBody>
-      </p:sp>
-      <p:pic>
-        <p:nvPicPr>
-          <p:cNvPr id="11" name="Picture 10">
-            <a:extLst>
-              <a:ext uri="{FF2B5EF4-FFF2-40B4-BE49-F238E27FC236}">
-                <a16:creationId xmlns:a16="http://schemas.microsoft.com/office/drawing/2014/main" id="{CC5BC7D4-411F-7699-D826-D28DE033354F}"/>
-              </a:ext>
-            </a:extLst>
-          </p:cNvPr>
-          <p:cNvPicPr>
-            <a:picLocks noChangeAspect="1"/>
-          </p:cNvPicPr>
-          <p:nvPr/>
-        </p:nvPicPr>
-        <p:blipFill>
-          <a:blip r:embed="rId3"/>
-          <a:stretch>
-            <a:fillRect/>
-          </a:stretch>
-        </p:blipFill>
-        <p:spPr>
-          <a:xfrm>
-            <a:off x="9613084" y="2631774"/>
-            <a:ext cx="1984442" cy="3583476"/>
-          </a:xfrm>
-          <a:prstGeom prst="rect">
-            <a:avLst/>
-          </a:prstGeom>
-        </p:spPr>
-      </p:pic>
-      <p:pic>
-        <p:nvPicPr>
-          <p:cNvPr id="5" name="Picture 4">
-            <a:extLst>
-              <a:ext uri="{FF2B5EF4-FFF2-40B4-BE49-F238E27FC236}">
-                <a16:creationId xmlns:a16="http://schemas.microsoft.com/office/drawing/2014/main" id="{D0239A32-93AF-3E76-7D56-2F7D86C663E8}"/>
-              </a:ext>
-            </a:extLst>
-          </p:cNvPr>
-          <p:cNvPicPr>
-            <a:picLocks noChangeAspect="1"/>
-          </p:cNvPicPr>
-          <p:nvPr/>
-        </p:nvPicPr>
-        <p:blipFill>
-          <a:blip r:embed="rId4"/>
-          <a:stretch>
-            <a:fillRect/>
-          </a:stretch>
-        </p:blipFill>
-        <p:spPr>
-          <a:xfrm>
-            <a:off x="6963250" y="2596095"/>
-            <a:ext cx="1983653" cy="3585516"/>
-          </a:xfrm>
-          <a:prstGeom prst="rect">
-            <a:avLst/>
-          </a:prstGeom>
-        </p:spPr>
-      </p:pic>
-      <p:pic>
-        <p:nvPicPr>
-          <p:cNvPr id="9" name="Picture 8">
-            <a:extLst>
-              <a:ext uri="{FF2B5EF4-FFF2-40B4-BE49-F238E27FC236}">
-                <a16:creationId xmlns:a16="http://schemas.microsoft.com/office/drawing/2014/main" id="{79464B95-0ECE-0C22-C906-25F582653A85}"/>
-              </a:ext>
-            </a:extLst>
-          </p:cNvPr>
-          <p:cNvPicPr>
-            <a:picLocks noChangeAspect="1"/>
-          </p:cNvPicPr>
-          <p:nvPr/>
-        </p:nvPicPr>
-        <p:blipFill>
-          <a:blip r:embed="rId5"/>
-          <a:stretch>
-            <a:fillRect/>
-          </a:stretch>
-        </p:blipFill>
-        <p:spPr>
-          <a:xfrm>
-            <a:off x="977615" y="2623880"/>
-            <a:ext cx="2002345" cy="3584446"/>
-          </a:xfrm>
-          <a:prstGeom prst="rect">
-            <a:avLst/>
-          </a:prstGeom>
-        </p:spPr>
-      </p:pic>
-      <p:pic>
-        <p:nvPicPr>
-          <p:cNvPr id="7" name="Picture 6">
-            <a:extLst>
-              <a:ext uri="{FF2B5EF4-FFF2-40B4-BE49-F238E27FC236}">
-                <a16:creationId xmlns:a16="http://schemas.microsoft.com/office/drawing/2014/main" id="{47BBE6B4-9E9F-AA30-AF2A-12AFB2A0F7DB}"/>
-              </a:ext>
-            </a:extLst>
-          </p:cNvPr>
-          <p:cNvPicPr>
-            <a:picLocks noChangeAspect="1"/>
-          </p:cNvPicPr>
-          <p:nvPr/>
-        </p:nvPicPr>
-        <p:blipFill>
-          <a:blip r:embed="rId6"/>
-          <a:stretch>
-            <a:fillRect/>
-          </a:stretch>
-        </p:blipFill>
-        <p:spPr>
-          <a:xfrm>
-            <a:off x="3422530" y="2630804"/>
-            <a:ext cx="2007289" cy="3584446"/>
-          </a:xfrm>
-          <a:prstGeom prst="rect">
-            <a:avLst/>
-          </a:prstGeom>
-        </p:spPr>
-      </p:pic>
-    </p:spTree>
-    <p:extLst>
-      <p:ext uri="{BB962C8B-B14F-4D97-AF65-F5344CB8AC3E}">
-        <p14:creationId xmlns:p14="http://schemas.microsoft.com/office/powerpoint/2010/main" val="286514226"/>
-      </p:ext>
-    </p:extLst>
-  </p:cSld>
-  <p:clrMapOvr>
-    <a:masterClrMapping/>
-  </p:clrMapOvr>
-</p:sld>
-</file>
-
 <file path=ppt/slides/slide2.xml><?xml version="1.0" encoding="utf-8"?>
 <p:sld xmlns:a="http://schemas.openxmlformats.org/drawingml/2006/main" xmlns:r="http://schemas.openxmlformats.org/officeDocument/2006/relationships" xmlns:p="http://schemas.openxmlformats.org/presentationml/2006/main">
   <p:cSld>
@@ -14728,6 +15202,469 @@
 <file path=ppt/slides/slide20.xml><?xml version="1.0" encoding="utf-8"?>
 <p:sld xmlns:a="http://schemas.openxmlformats.org/drawingml/2006/main" xmlns:r="http://schemas.openxmlformats.org/officeDocument/2006/relationships" xmlns:p="http://schemas.openxmlformats.org/presentationml/2006/main">
   <p:cSld>
+    <p:bg>
+      <p:bgPr>
+        <a:solidFill>
+          <a:schemeClr val="bg1"/>
+        </a:solidFill>
+        <a:effectLst/>
+      </p:bgPr>
+    </p:bg>
+    <p:spTree>
+      <p:nvGrpSpPr>
+        <p:cNvPr id="1" name=""/>
+        <p:cNvGrpSpPr/>
+        <p:nvPr/>
+      </p:nvGrpSpPr>
+      <p:grpSpPr>
+        <a:xfrm>
+          <a:off x="0" y="0"/>
+          <a:ext cx="0" cy="0"/>
+          <a:chOff x="0" y="0"/>
+          <a:chExt cx="0" cy="0"/>
+        </a:xfrm>
+      </p:grpSpPr>
+      <p:sp>
+        <p:nvSpPr>
+          <p:cNvPr id="16" name="Rectangle 15">
+            <a:extLst>
+              <a:ext uri="{FF2B5EF4-FFF2-40B4-BE49-F238E27FC236}">
+                <a16:creationId xmlns:a16="http://schemas.microsoft.com/office/drawing/2014/main" id="{C3896A03-3945-419A-B66B-4EE266EDD152}"/>
+              </a:ext>
+              <a:ext uri="{C183D7F6-B498-43B3-948B-1728B52AA6E4}">
+                <adec:decorative xmlns:adec="http://schemas.microsoft.com/office/drawing/2017/decorative" val="1"/>
+              </a:ext>
+            </a:extLst>
+          </p:cNvPr>
+          <p:cNvSpPr>
+            <a:spLocks noGrp="1" noRot="1" noChangeAspect="1" noMove="1" noResize="1" noEditPoints="1" noAdjustHandles="1" noChangeArrowheads="1" noChangeShapeType="1" noTextEdit="1"/>
+          </p:cNvSpPr>
+          <p:nvPr>
+            <p:extLst>
+              <p:ext uri="{386F3935-93C4-4BCD-93E2-E3B085C9AB24}">
+                <p16:designElem xmlns:p16="http://schemas.microsoft.com/office/powerpoint/2015/main" val="1"/>
+              </p:ext>
+            </p:extLst>
+          </p:nvPr>
+        </p:nvSpPr>
+        <p:spPr>
+          <a:xfrm>
+            <a:off x="10" y="0"/>
+            <a:ext cx="6095990" cy="6858001"/>
+          </a:xfrm>
+          <a:prstGeom prst="rect">
+            <a:avLst/>
+          </a:prstGeom>
+          <a:solidFill>
+            <a:schemeClr val="tx1">
+              <a:lumMod val="85000"/>
+              <a:lumOff val="15000"/>
+            </a:schemeClr>
+          </a:solidFill>
+          <a:ln>
+            <a:noFill/>
+          </a:ln>
+        </p:spPr>
+        <p:style>
+          <a:lnRef idx="2">
+            <a:schemeClr val="accent1">
+              <a:shade val="50000"/>
+            </a:schemeClr>
+          </a:lnRef>
+          <a:fillRef idx="1">
+            <a:schemeClr val="accent1"/>
+          </a:fillRef>
+          <a:effectRef idx="0">
+            <a:schemeClr val="accent1"/>
+          </a:effectRef>
+          <a:fontRef idx="minor">
+            <a:schemeClr val="lt1"/>
+          </a:fontRef>
+        </p:style>
+        <p:txBody>
+          <a:bodyPr rtlCol="0" anchor="ctr"/>
+          <a:lstStyle/>
+          <a:p>
+            <a:pPr algn="ctr"/>
+            <a:endParaRPr lang="en-US"/>
+          </a:p>
+        </p:txBody>
+      </p:sp>
+      <p:sp>
+        <p:nvSpPr>
+          <p:cNvPr id="2" name="Title 1">
+            <a:extLst>
+              <a:ext uri="{FF2B5EF4-FFF2-40B4-BE49-F238E27FC236}">
+                <a16:creationId xmlns:a16="http://schemas.microsoft.com/office/drawing/2014/main" id="{929346B1-21F7-4D6B-B685-2CCB524F66E9}"/>
+              </a:ext>
+            </a:extLst>
+          </p:cNvPr>
+          <p:cNvSpPr>
+            <a:spLocks noGrp="1"/>
+          </p:cNvSpPr>
+          <p:nvPr>
+            <p:ph type="title"/>
+          </p:nvPr>
+        </p:nvSpPr>
+        <p:spPr>
+          <a:xfrm>
+            <a:off x="1155557" y="649674"/>
+            <a:ext cx="4284420" cy="1687143"/>
+          </a:xfrm>
+        </p:spPr>
+        <p:txBody>
+          <a:bodyPr vert="horz" lIns="91440" tIns="45720" rIns="91440" bIns="45720" rtlCol="0" anchor="t">
+            <a:normAutofit/>
+          </a:bodyPr>
+          <a:lstStyle/>
+          <a:p>
+            <a:r>
+              <a:rPr lang="en-US" sz="3700" b="1">
+                <a:solidFill>
+                  <a:schemeClr val="bg1"/>
+                </a:solidFill>
+              </a:rPr>
+              <a:t>3 Evidence of testing:</a:t>
+            </a:r>
+            <a:br>
+              <a:rPr lang="en-US" sz="3700" b="1">
+                <a:solidFill>
+                  <a:schemeClr val="bg1"/>
+                </a:solidFill>
+              </a:rPr>
+            </a:br>
+            <a:r>
+              <a:rPr lang="en-US" sz="3700" b="1" i="1">
+                <a:solidFill>
+                  <a:schemeClr val="bg1"/>
+                </a:solidFill>
+              </a:rPr>
+              <a:t>Player Class</a:t>
+            </a:r>
+          </a:p>
+        </p:txBody>
+      </p:sp>
+      <p:sp>
+        <p:nvSpPr>
+          <p:cNvPr id="18" name="Rectangle 17">
+            <a:extLst>
+              <a:ext uri="{FF2B5EF4-FFF2-40B4-BE49-F238E27FC236}">
+                <a16:creationId xmlns:a16="http://schemas.microsoft.com/office/drawing/2014/main" id="{B34F5AD2-EDBD-4BBD-A55C-EAFFD0C7097A}"/>
+              </a:ext>
+              <a:ext uri="{C183D7F6-B498-43B3-948B-1728B52AA6E4}">
+                <adec:decorative xmlns:adec="http://schemas.microsoft.com/office/drawing/2017/decorative" val="1"/>
+              </a:ext>
+            </a:extLst>
+          </p:cNvPr>
+          <p:cNvSpPr>
+            <a:spLocks noGrp="1" noRot="1" noChangeAspect="1" noMove="1" noResize="1" noEditPoints="1" noAdjustHandles="1" noChangeArrowheads="1" noChangeShapeType="1" noTextEdit="1"/>
+          </p:cNvSpPr>
+          <p:nvPr>
+            <p:extLst>
+              <p:ext uri="{386F3935-93C4-4BCD-93E2-E3B085C9AB24}">
+                <p16:designElem xmlns:p16="http://schemas.microsoft.com/office/powerpoint/2015/main" val="1"/>
+              </p:ext>
+            </p:extLst>
+          </p:nvPr>
+        </p:nvSpPr>
+        <p:spPr>
+          <a:xfrm>
+            <a:off x="6096000" y="0"/>
+            <a:ext cx="6095990" cy="6858001"/>
+          </a:xfrm>
+          <a:prstGeom prst="rect">
+            <a:avLst/>
+          </a:prstGeom>
+          <a:solidFill>
+            <a:schemeClr val="bg1">
+              <a:lumMod val="95000"/>
+            </a:schemeClr>
+          </a:solidFill>
+          <a:ln>
+            <a:noFill/>
+          </a:ln>
+        </p:spPr>
+        <p:style>
+          <a:lnRef idx="2">
+            <a:schemeClr val="accent1">
+              <a:shade val="50000"/>
+            </a:schemeClr>
+          </a:lnRef>
+          <a:fillRef idx="1">
+            <a:schemeClr val="accent1"/>
+          </a:fillRef>
+          <a:effectRef idx="0">
+            <a:schemeClr val="accent1"/>
+          </a:effectRef>
+          <a:fontRef idx="minor">
+            <a:schemeClr val="lt1"/>
+          </a:fontRef>
+        </p:style>
+        <p:txBody>
+          <a:bodyPr rtlCol="0" anchor="ctr"/>
+          <a:lstStyle/>
+          <a:p>
+            <a:pPr algn="ctr"/>
+            <a:endParaRPr lang="en-US"/>
+          </a:p>
+        </p:txBody>
+      </p:sp>
+      <p:sp>
+        <p:nvSpPr>
+          <p:cNvPr id="20" name="Rectangle 19">
+            <a:extLst>
+              <a:ext uri="{FF2B5EF4-FFF2-40B4-BE49-F238E27FC236}">
+                <a16:creationId xmlns:a16="http://schemas.microsoft.com/office/drawing/2014/main" id="{450D3AD2-FA80-415F-A9CE-54D884561CD7}"/>
+              </a:ext>
+              <a:ext uri="{C183D7F6-B498-43B3-948B-1728B52AA6E4}">
+                <adec:decorative xmlns:adec="http://schemas.microsoft.com/office/drawing/2017/decorative" val="1"/>
+              </a:ext>
+            </a:extLst>
+          </p:cNvPr>
+          <p:cNvSpPr>
+            <a:spLocks noGrp="1" noRot="1" noChangeAspect="1" noMove="1" noResize="1" noEditPoints="1" noAdjustHandles="1" noChangeArrowheads="1" noChangeShapeType="1" noTextEdit="1"/>
+          </p:cNvSpPr>
+          <p:nvPr>
+            <p:extLst>
+              <p:ext uri="{386F3935-93C4-4BCD-93E2-E3B085C9AB24}">
+                <p16:designElem xmlns:p16="http://schemas.microsoft.com/office/powerpoint/2015/main" val="1"/>
+              </p:ext>
+            </p:extLst>
+          </p:nvPr>
+        </p:nvSpPr>
+        <p:spPr>
+          <a:xfrm>
+            <a:off x="6734650" y="642750"/>
+            <a:ext cx="457200" cy="45720"/>
+          </a:xfrm>
+          <a:prstGeom prst="rect">
+            <a:avLst/>
+          </a:prstGeom>
+          <a:solidFill>
+            <a:schemeClr val="tx1"/>
+          </a:solidFill>
+          <a:ln>
+            <a:noFill/>
+          </a:ln>
+        </p:spPr>
+        <p:style>
+          <a:lnRef idx="2">
+            <a:schemeClr val="accent1">
+              <a:shade val="50000"/>
+            </a:schemeClr>
+          </a:lnRef>
+          <a:fillRef idx="1">
+            <a:schemeClr val="accent1"/>
+          </a:fillRef>
+          <a:effectRef idx="0">
+            <a:schemeClr val="accent1"/>
+          </a:effectRef>
+          <a:fontRef idx="minor">
+            <a:schemeClr val="lt1"/>
+          </a:fontRef>
+        </p:style>
+        <p:txBody>
+          <a:bodyPr rtlCol="0" anchor="ctr"/>
+          <a:lstStyle/>
+          <a:p>
+            <a:pPr algn="ctr"/>
+            <a:endParaRPr lang="en-US"/>
+          </a:p>
+        </p:txBody>
+      </p:sp>
+      <p:sp>
+        <p:nvSpPr>
+          <p:cNvPr id="3" name="Rectangle 2">
+            <a:extLst>
+              <a:ext uri="{FF2B5EF4-FFF2-40B4-BE49-F238E27FC236}">
+                <a16:creationId xmlns:a16="http://schemas.microsoft.com/office/drawing/2014/main" id="{F1803FB6-918B-4C8E-9C25-3ECDA665EC35}"/>
+              </a:ext>
+            </a:extLst>
+          </p:cNvPr>
+          <p:cNvSpPr/>
+          <p:nvPr/>
+        </p:nvSpPr>
+        <p:spPr>
+          <a:xfrm>
+            <a:off x="6734648" y="849336"/>
+            <a:ext cx="4310700" cy="1487471"/>
+          </a:xfrm>
+          <a:prstGeom prst="rect">
+            <a:avLst/>
+          </a:prstGeom>
+        </p:spPr>
+        <p:txBody>
+          <a:bodyPr vert="horz" lIns="91440" tIns="45720" rIns="91440" bIns="45720" rtlCol="0">
+            <a:normAutofit/>
+          </a:bodyPr>
+          <a:lstStyle/>
+          <a:p>
+            <a:pPr indent="-228600">
+              <a:lnSpc>
+                <a:spcPct val="90000"/>
+              </a:lnSpc>
+              <a:spcAft>
+                <a:spcPts val="600"/>
+              </a:spcAft>
+              <a:buFont typeface="Arial" panose="020B0604020202020204" pitchFamily="34" charset="0"/>
+              <a:buChar char="•"/>
+            </a:pPr>
+            <a:r>
+              <a:rPr lang="en-US" sz="1600" i="1" dirty="0"/>
+              <a:t>This is hard to show in screenshots, but I have tested this thoroughly and I will show a picture of the car in each lane. Everything works as expected., and attempting to move outside of the four lanes does not work</a:t>
+            </a:r>
+          </a:p>
+          <a:p>
+            <a:pPr indent="-228600">
+              <a:lnSpc>
+                <a:spcPct val="90000"/>
+              </a:lnSpc>
+              <a:spcAft>
+                <a:spcPts val="600"/>
+              </a:spcAft>
+              <a:buFont typeface="Arial" panose="020B0604020202020204" pitchFamily="34" charset="0"/>
+              <a:buChar char="•"/>
+            </a:pPr>
+            <a:endParaRPr lang="en-US" sz="1600" i="1" dirty="0"/>
+          </a:p>
+        </p:txBody>
+      </p:sp>
+      <p:pic>
+        <p:nvPicPr>
+          <p:cNvPr id="11" name="Picture 10">
+            <a:extLst>
+              <a:ext uri="{FF2B5EF4-FFF2-40B4-BE49-F238E27FC236}">
+                <a16:creationId xmlns:a16="http://schemas.microsoft.com/office/drawing/2014/main" id="{CC5BC7D4-411F-7699-D826-D28DE033354F}"/>
+              </a:ext>
+            </a:extLst>
+          </p:cNvPr>
+          <p:cNvPicPr>
+            <a:picLocks noChangeAspect="1"/>
+          </p:cNvPicPr>
+          <p:nvPr/>
+        </p:nvPicPr>
+        <p:blipFill>
+          <a:blip r:embed="rId3"/>
+          <a:stretch>
+            <a:fillRect/>
+          </a:stretch>
+        </p:blipFill>
+        <p:spPr>
+          <a:xfrm>
+            <a:off x="9613084" y="2631774"/>
+            <a:ext cx="1984442" cy="3583476"/>
+          </a:xfrm>
+          <a:prstGeom prst="rect">
+            <a:avLst/>
+          </a:prstGeom>
+        </p:spPr>
+      </p:pic>
+      <p:pic>
+        <p:nvPicPr>
+          <p:cNvPr id="5" name="Picture 4">
+            <a:extLst>
+              <a:ext uri="{FF2B5EF4-FFF2-40B4-BE49-F238E27FC236}">
+                <a16:creationId xmlns:a16="http://schemas.microsoft.com/office/drawing/2014/main" id="{D0239A32-93AF-3E76-7D56-2F7D86C663E8}"/>
+              </a:ext>
+            </a:extLst>
+          </p:cNvPr>
+          <p:cNvPicPr>
+            <a:picLocks noChangeAspect="1"/>
+          </p:cNvPicPr>
+          <p:nvPr/>
+        </p:nvPicPr>
+        <p:blipFill>
+          <a:blip r:embed="rId4"/>
+          <a:stretch>
+            <a:fillRect/>
+          </a:stretch>
+        </p:blipFill>
+        <p:spPr>
+          <a:xfrm>
+            <a:off x="6963250" y="2596095"/>
+            <a:ext cx="1983653" cy="3585516"/>
+          </a:xfrm>
+          <a:prstGeom prst="rect">
+            <a:avLst/>
+          </a:prstGeom>
+        </p:spPr>
+      </p:pic>
+      <p:pic>
+        <p:nvPicPr>
+          <p:cNvPr id="9" name="Picture 8">
+            <a:extLst>
+              <a:ext uri="{FF2B5EF4-FFF2-40B4-BE49-F238E27FC236}">
+                <a16:creationId xmlns:a16="http://schemas.microsoft.com/office/drawing/2014/main" id="{79464B95-0ECE-0C22-C906-25F582653A85}"/>
+              </a:ext>
+            </a:extLst>
+          </p:cNvPr>
+          <p:cNvPicPr>
+            <a:picLocks noChangeAspect="1"/>
+          </p:cNvPicPr>
+          <p:nvPr/>
+        </p:nvPicPr>
+        <p:blipFill>
+          <a:blip r:embed="rId5"/>
+          <a:stretch>
+            <a:fillRect/>
+          </a:stretch>
+        </p:blipFill>
+        <p:spPr>
+          <a:xfrm>
+            <a:off x="977615" y="2623880"/>
+            <a:ext cx="2002345" cy="3584446"/>
+          </a:xfrm>
+          <a:prstGeom prst="rect">
+            <a:avLst/>
+          </a:prstGeom>
+        </p:spPr>
+      </p:pic>
+      <p:pic>
+        <p:nvPicPr>
+          <p:cNvPr id="7" name="Picture 6">
+            <a:extLst>
+              <a:ext uri="{FF2B5EF4-FFF2-40B4-BE49-F238E27FC236}">
+                <a16:creationId xmlns:a16="http://schemas.microsoft.com/office/drawing/2014/main" id="{47BBE6B4-9E9F-AA30-AF2A-12AFB2A0F7DB}"/>
+              </a:ext>
+            </a:extLst>
+          </p:cNvPr>
+          <p:cNvPicPr>
+            <a:picLocks noChangeAspect="1"/>
+          </p:cNvPicPr>
+          <p:nvPr/>
+        </p:nvPicPr>
+        <p:blipFill>
+          <a:blip r:embed="rId6"/>
+          <a:stretch>
+            <a:fillRect/>
+          </a:stretch>
+        </p:blipFill>
+        <p:spPr>
+          <a:xfrm>
+            <a:off x="3422530" y="2630804"/>
+            <a:ext cx="2007289" cy="3584446"/>
+          </a:xfrm>
+          <a:prstGeom prst="rect">
+            <a:avLst/>
+          </a:prstGeom>
+        </p:spPr>
+      </p:pic>
+    </p:spTree>
+    <p:extLst>
+      <p:ext uri="{BB962C8B-B14F-4D97-AF65-F5344CB8AC3E}">
+        <p14:creationId xmlns:p14="http://schemas.microsoft.com/office/powerpoint/2010/main" val="286514226"/>
+      </p:ext>
+    </p:extLst>
+  </p:cSld>
+  <p:clrMapOvr>
+    <a:masterClrMapping/>
+  </p:clrMapOvr>
+</p:sld>
+</file>
+
+<file path=ppt/slides/slide21.xml><?xml version="1.0" encoding="utf-8"?>
+<p:sld xmlns:a="http://schemas.openxmlformats.org/drawingml/2006/main" xmlns:r="http://schemas.openxmlformats.org/officeDocument/2006/relationships" xmlns:p="http://schemas.openxmlformats.org/presentationml/2006/main">
+  <p:cSld>
     <p:spTree>
       <p:nvGrpSpPr>
         <p:cNvPr id="1" name=""/>
@@ -14879,7 +15816,7 @@
 </p:sld>
 </file>
 
-<file path=ppt/slides/slide21.xml><?xml version="1.0" encoding="utf-8"?>
+<file path=ppt/slides/slide22.xml><?xml version="1.0" encoding="utf-8"?>
 <p:sld xmlns:a="http://schemas.openxmlformats.org/drawingml/2006/main" xmlns:r="http://schemas.openxmlformats.org/officeDocument/2006/relationships" xmlns:p="http://schemas.openxmlformats.org/presentationml/2006/main">
   <p:cSld>
     <p:spTree>
@@ -15152,7 +16089,7 @@
 </p:sld>
 </file>
 
-<file path=ppt/slides/slide22.xml><?xml version="1.0" encoding="utf-8"?>
+<file path=ppt/slides/slide23.xml><?xml version="1.0" encoding="utf-8"?>
 <p:sld xmlns:a="http://schemas.openxmlformats.org/drawingml/2006/main" xmlns:r="http://schemas.openxmlformats.org/officeDocument/2006/relationships" xmlns:p="http://schemas.openxmlformats.org/presentationml/2006/main">
   <p:cSld>
     <p:spTree>
@@ -15401,7 +16338,7 @@
 </p:sld>
 </file>
 
-<file path=ppt/slides/slide23.xml><?xml version="1.0" encoding="utf-8"?>
+<file path=ppt/slides/slide24.xml><?xml version="1.0" encoding="utf-8"?>
 <p:sld xmlns:a="http://schemas.openxmlformats.org/drawingml/2006/main" xmlns:r="http://schemas.openxmlformats.org/officeDocument/2006/relationships" xmlns:p="http://schemas.openxmlformats.org/presentationml/2006/main">
   <p:cSld>
     <p:spTree>
@@ -15555,7 +16492,7 @@
 </p:sld>
 </file>
 
-<file path=ppt/slides/slide24.xml><?xml version="1.0" encoding="utf-8"?>
+<file path=ppt/slides/slide25.xml><?xml version="1.0" encoding="utf-8"?>
 <p:sld xmlns:a="http://schemas.openxmlformats.org/drawingml/2006/main" xmlns:r="http://schemas.openxmlformats.org/officeDocument/2006/relationships" xmlns:p="http://schemas.openxmlformats.org/presentationml/2006/main">
   <p:cSld>
     <p:spTree>
@@ -15881,7 +16818,7 @@
 </p:sld>
 </file>
 
-<file path=ppt/slides/slide25.xml><?xml version="1.0" encoding="utf-8"?>
+<file path=ppt/slides/slide26.xml><?xml version="1.0" encoding="utf-8"?>
 <p:sld xmlns:a="http://schemas.openxmlformats.org/drawingml/2006/main" xmlns:r="http://schemas.openxmlformats.org/officeDocument/2006/relationships" xmlns:p="http://schemas.openxmlformats.org/presentationml/2006/main">
   <p:cSld>
     <p:spTree>
@@ -16319,7 +17256,7 @@
 </p:sld>
 </file>
 
-<file path=ppt/slides/slide26.xml><?xml version="1.0" encoding="utf-8"?>
+<file path=ppt/slides/slide27.xml><?xml version="1.0" encoding="utf-8"?>
 <p:sld xmlns:a="http://schemas.openxmlformats.org/drawingml/2006/main" xmlns:r="http://schemas.openxmlformats.org/officeDocument/2006/relationships" xmlns:p="http://schemas.openxmlformats.org/presentationml/2006/main">
   <p:cSld>
     <p:spTree>
@@ -16473,7 +17410,7 @@
 </p:sld>
 </file>
 
-<file path=ppt/slides/slide27.xml><?xml version="1.0" encoding="utf-8"?>
+<file path=ppt/slides/slide28.xml><?xml version="1.0" encoding="utf-8"?>
 <p:sld xmlns:a="http://schemas.openxmlformats.org/drawingml/2006/main" xmlns:r="http://schemas.openxmlformats.org/officeDocument/2006/relationships" xmlns:p="http://schemas.openxmlformats.org/presentationml/2006/main">
   <p:cSld>
     <p:spTree>
@@ -16799,7 +17736,7 @@
 </p:sld>
 </file>
 
-<file path=ppt/slides/slide28.xml><?xml version="1.0" encoding="utf-8"?>
+<file path=ppt/slides/slide29.xml><?xml version="1.0" encoding="utf-8"?>
 <p:sld xmlns:a="http://schemas.openxmlformats.org/drawingml/2006/main" xmlns:r="http://schemas.openxmlformats.org/officeDocument/2006/relationships" xmlns:p="http://schemas.openxmlformats.org/presentationml/2006/main">
   <p:cSld>
     <p:bg>
@@ -18098,160 +19035,6 @@
     <p:extLst>
       <p:ext uri="{BB962C8B-B14F-4D97-AF65-F5344CB8AC3E}">
         <p14:creationId xmlns:p14="http://schemas.microsoft.com/office/powerpoint/2010/main" val="865722866"/>
-      </p:ext>
-    </p:extLst>
-  </p:cSld>
-  <p:clrMapOvr>
-    <a:masterClrMapping/>
-  </p:clrMapOvr>
-</p:sld>
-</file>
-
-<file path=ppt/slides/slide29.xml><?xml version="1.0" encoding="utf-8"?>
-<p:sld xmlns:a="http://schemas.openxmlformats.org/drawingml/2006/main" xmlns:r="http://schemas.openxmlformats.org/officeDocument/2006/relationships" xmlns:p="http://schemas.openxmlformats.org/presentationml/2006/main">
-  <p:cSld>
-    <p:spTree>
-      <p:nvGrpSpPr>
-        <p:cNvPr id="1" name=""/>
-        <p:cNvGrpSpPr/>
-        <p:nvPr/>
-      </p:nvGrpSpPr>
-      <p:grpSpPr>
-        <a:xfrm>
-          <a:off x="0" y="0"/>
-          <a:ext cx="0" cy="0"/>
-          <a:chOff x="0" y="0"/>
-          <a:chExt cx="0" cy="0"/>
-        </a:xfrm>
-      </p:grpSpPr>
-      <p:sp>
-        <p:nvSpPr>
-          <p:cNvPr id="2" name="Title 1">
-            <a:extLst>
-              <a:ext uri="{FF2B5EF4-FFF2-40B4-BE49-F238E27FC236}">
-                <a16:creationId xmlns:a16="http://schemas.microsoft.com/office/drawing/2014/main" id="{929346B1-21F7-4D6B-B685-2CCB524F66E9}"/>
-              </a:ext>
-            </a:extLst>
-          </p:cNvPr>
-          <p:cNvSpPr>
-            <a:spLocks noGrp="1"/>
-          </p:cNvSpPr>
-          <p:nvPr>
-            <p:ph type="title"/>
-          </p:nvPr>
-        </p:nvSpPr>
-        <p:spPr/>
-        <p:txBody>
-          <a:bodyPr/>
-          <a:lstStyle/>
-          <a:p>
-            <a:r>
-              <a:rPr lang="en-NZ" b="1" dirty="0"/>
-              <a:t>1 Component Planning:</a:t>
-            </a:r>
-            <a:br>
-              <a:rPr lang="en-NZ" b="1" dirty="0"/>
-            </a:br>
-            <a:r>
-              <a:rPr lang="en-NZ" sz="3200" b="1" i="1" dirty="0"/>
-              <a:t>Start Menu</a:t>
-            </a:r>
-          </a:p>
-        </p:txBody>
-      </p:sp>
-      <p:sp>
-        <p:nvSpPr>
-          <p:cNvPr id="3" name="Rectangle 2">
-            <a:extLst>
-              <a:ext uri="{FF2B5EF4-FFF2-40B4-BE49-F238E27FC236}">
-                <a16:creationId xmlns:a16="http://schemas.microsoft.com/office/drawing/2014/main" id="{F1803FB6-918B-4C8E-9C25-3ECDA665EC35}"/>
-              </a:ext>
-            </a:extLst>
-          </p:cNvPr>
-          <p:cNvSpPr/>
-          <p:nvPr/>
-        </p:nvSpPr>
-        <p:spPr>
-          <a:xfrm>
-            <a:off x="838199" y="1690688"/>
-            <a:ext cx="9441581" cy="702372"/>
-          </a:xfrm>
-          <a:prstGeom prst="rect">
-            <a:avLst/>
-          </a:prstGeom>
-        </p:spPr>
-        <p:txBody>
-          <a:bodyPr wrap="square">
-            <a:spAutoFit/>
-          </a:bodyPr>
-          <a:lstStyle/>
-          <a:p>
-            <a:pPr>
-              <a:lnSpc>
-                <a:spcPct val="115000"/>
-              </a:lnSpc>
-              <a:spcAft>
-                <a:spcPts val="0"/>
-              </a:spcAft>
-            </a:pPr>
-            <a:r>
-              <a:rPr lang="en-NZ" i="1" dirty="0">
-                <a:latin typeface="Arial" panose="020B0604020202020204" pitchFamily="34" charset="0"/>
-                <a:ea typeface="Arial" panose="020B0604020202020204" pitchFamily="34" charset="0"/>
-              </a:rPr>
-              <a:t>How might your component work.  This could be in the form of a Trello screenshot.</a:t>
-            </a:r>
-          </a:p>
-          <a:p>
-            <a:pPr>
-              <a:lnSpc>
-                <a:spcPct val="115000"/>
-              </a:lnSpc>
-              <a:spcAft>
-                <a:spcPts val="0"/>
-              </a:spcAft>
-            </a:pPr>
-            <a:endParaRPr lang="en-NZ" i="1" dirty="0">
-              <a:latin typeface="Arial" panose="020B0604020202020204" pitchFamily="34" charset="0"/>
-              <a:ea typeface="Arial" panose="020B0604020202020204" pitchFamily="34" charset="0"/>
-            </a:endParaRPr>
-          </a:p>
-        </p:txBody>
-      </p:sp>
-      <p:pic>
-        <p:nvPicPr>
-          <p:cNvPr id="5" name="Picture 4">
-            <a:extLst>
-              <a:ext uri="{FF2B5EF4-FFF2-40B4-BE49-F238E27FC236}">
-                <a16:creationId xmlns:a16="http://schemas.microsoft.com/office/drawing/2014/main" id="{AD1952B8-F007-A592-CE57-F05BB31AC14E}"/>
-              </a:ext>
-            </a:extLst>
-          </p:cNvPr>
-          <p:cNvPicPr>
-            <a:picLocks noChangeAspect="1"/>
-          </p:cNvPicPr>
-          <p:nvPr/>
-        </p:nvPicPr>
-        <p:blipFill>
-          <a:blip r:embed="rId3"/>
-          <a:stretch>
-            <a:fillRect/>
-          </a:stretch>
-        </p:blipFill>
-        <p:spPr>
-          <a:xfrm>
-            <a:off x="1296578" y="2581156"/>
-            <a:ext cx="4581708" cy="2976439"/>
-          </a:xfrm>
-          <a:prstGeom prst="rect">
-            <a:avLst/>
-          </a:prstGeom>
-        </p:spPr>
-      </p:pic>
-    </p:spTree>
-    <p:extLst>
-      <p:ext uri="{BB962C8B-B14F-4D97-AF65-F5344CB8AC3E}">
-        <p14:creationId xmlns:p14="http://schemas.microsoft.com/office/powerpoint/2010/main" val="2090072645"/>
       </p:ext>
     </p:extLst>
   </p:cSld>
@@ -18953,6 +19736,286 @@
           <a:p>
             <a:r>
               <a:rPr lang="en-NZ" b="1" dirty="0"/>
+              <a:t>1 Component Planning:</a:t>
+            </a:r>
+            <a:br>
+              <a:rPr lang="en-NZ" b="1" dirty="0"/>
+            </a:br>
+            <a:r>
+              <a:rPr lang="en-NZ" sz="3200" b="1" i="1" dirty="0"/>
+              <a:t>Start Menu</a:t>
+            </a:r>
+          </a:p>
+        </p:txBody>
+      </p:sp>
+      <p:sp>
+        <p:nvSpPr>
+          <p:cNvPr id="3" name="Rectangle 2">
+            <a:extLst>
+              <a:ext uri="{FF2B5EF4-FFF2-40B4-BE49-F238E27FC236}">
+                <a16:creationId xmlns:a16="http://schemas.microsoft.com/office/drawing/2014/main" id="{F1803FB6-918B-4C8E-9C25-3ECDA665EC35}"/>
+              </a:ext>
+            </a:extLst>
+          </p:cNvPr>
+          <p:cNvSpPr/>
+          <p:nvPr/>
+        </p:nvSpPr>
+        <p:spPr>
+          <a:xfrm>
+            <a:off x="838199" y="1690688"/>
+            <a:ext cx="9441581" cy="702372"/>
+          </a:xfrm>
+          <a:prstGeom prst="rect">
+            <a:avLst/>
+          </a:prstGeom>
+        </p:spPr>
+        <p:txBody>
+          <a:bodyPr wrap="square">
+            <a:spAutoFit/>
+          </a:bodyPr>
+          <a:lstStyle/>
+          <a:p>
+            <a:pPr>
+              <a:lnSpc>
+                <a:spcPct val="115000"/>
+              </a:lnSpc>
+              <a:spcAft>
+                <a:spcPts val="0"/>
+              </a:spcAft>
+            </a:pPr>
+            <a:r>
+              <a:rPr lang="en-NZ" i="1" dirty="0">
+                <a:latin typeface="Arial" panose="020B0604020202020204" pitchFamily="34" charset="0"/>
+                <a:ea typeface="Arial" panose="020B0604020202020204" pitchFamily="34" charset="0"/>
+              </a:rPr>
+              <a:t>How might your component work.  This could be in the form of a Trello screenshot.</a:t>
+            </a:r>
+          </a:p>
+          <a:p>
+            <a:pPr>
+              <a:lnSpc>
+                <a:spcPct val="115000"/>
+              </a:lnSpc>
+              <a:spcAft>
+                <a:spcPts val="0"/>
+              </a:spcAft>
+            </a:pPr>
+            <a:endParaRPr lang="en-NZ" i="1" dirty="0">
+              <a:latin typeface="Arial" panose="020B0604020202020204" pitchFamily="34" charset="0"/>
+              <a:ea typeface="Arial" panose="020B0604020202020204" pitchFamily="34" charset="0"/>
+            </a:endParaRPr>
+          </a:p>
+        </p:txBody>
+      </p:sp>
+      <p:pic>
+        <p:nvPicPr>
+          <p:cNvPr id="5" name="Picture 4">
+            <a:extLst>
+              <a:ext uri="{FF2B5EF4-FFF2-40B4-BE49-F238E27FC236}">
+                <a16:creationId xmlns:a16="http://schemas.microsoft.com/office/drawing/2014/main" id="{AD1952B8-F007-A592-CE57-F05BB31AC14E}"/>
+              </a:ext>
+            </a:extLst>
+          </p:cNvPr>
+          <p:cNvPicPr>
+            <a:picLocks noChangeAspect="1"/>
+          </p:cNvPicPr>
+          <p:nvPr/>
+        </p:nvPicPr>
+        <p:blipFill>
+          <a:blip r:embed="rId3"/>
+          <a:stretch>
+            <a:fillRect/>
+          </a:stretch>
+        </p:blipFill>
+        <p:spPr>
+          <a:xfrm>
+            <a:off x="1296578" y="2581156"/>
+            <a:ext cx="4581708" cy="2976439"/>
+          </a:xfrm>
+          <a:prstGeom prst="rect">
+            <a:avLst/>
+          </a:prstGeom>
+        </p:spPr>
+      </p:pic>
+    </p:spTree>
+    <p:extLst>
+      <p:ext uri="{BB962C8B-B14F-4D97-AF65-F5344CB8AC3E}">
+        <p14:creationId xmlns:p14="http://schemas.microsoft.com/office/powerpoint/2010/main" val="2090072645"/>
+      </p:ext>
+    </p:extLst>
+  </p:cSld>
+  <p:clrMapOvr>
+    <a:masterClrMapping/>
+  </p:clrMapOvr>
+</p:sld>
+</file>
+
+<file path=ppt/slides/slide31.xml><?xml version="1.0" encoding="utf-8"?>
+<p:sld xmlns:a="http://schemas.openxmlformats.org/drawingml/2006/main" xmlns:r="http://schemas.openxmlformats.org/officeDocument/2006/relationships" xmlns:p="http://schemas.openxmlformats.org/presentationml/2006/main">
+  <p:cSld>
+    <p:spTree>
+      <p:nvGrpSpPr>
+        <p:cNvPr id="1" name=""/>
+        <p:cNvGrpSpPr/>
+        <p:nvPr/>
+      </p:nvGrpSpPr>
+      <p:grpSpPr>
+        <a:xfrm>
+          <a:off x="0" y="0"/>
+          <a:ext cx="0" cy="0"/>
+          <a:chOff x="0" y="0"/>
+          <a:chExt cx="0" cy="0"/>
+        </a:xfrm>
+      </p:grpSpPr>
+      <p:sp>
+        <p:nvSpPr>
+          <p:cNvPr id="2" name="Title 1">
+            <a:extLst>
+              <a:ext uri="{FF2B5EF4-FFF2-40B4-BE49-F238E27FC236}">
+                <a16:creationId xmlns:a16="http://schemas.microsoft.com/office/drawing/2014/main" id="{62DF49EE-FD2E-E6CC-B051-3EFB3B5B640D}"/>
+              </a:ext>
+            </a:extLst>
+          </p:cNvPr>
+          <p:cNvSpPr>
+            <a:spLocks noGrp="1"/>
+          </p:cNvSpPr>
+          <p:nvPr>
+            <p:ph type="title"/>
+          </p:nvPr>
+        </p:nvSpPr>
+        <p:spPr/>
+        <p:txBody>
+          <a:bodyPr/>
+          <a:lstStyle/>
+          <a:p>
+            <a:r>
+              <a:rPr lang="en-NZ" dirty="0"/>
+              <a:t>Trialling – start menu (and user feedback)</a:t>
+            </a:r>
+          </a:p>
+        </p:txBody>
+      </p:sp>
+      <p:sp>
+        <p:nvSpPr>
+          <p:cNvPr id="3" name="TextBox 2">
+            <a:extLst>
+              <a:ext uri="{FF2B5EF4-FFF2-40B4-BE49-F238E27FC236}">
+                <a16:creationId xmlns:a16="http://schemas.microsoft.com/office/drawing/2014/main" id="{7F127F32-8F40-349E-9026-60E0E35E904F}"/>
+              </a:ext>
+            </a:extLst>
+          </p:cNvPr>
+          <p:cNvSpPr txBox="1"/>
+          <p:nvPr/>
+        </p:nvSpPr>
+        <p:spPr>
+          <a:xfrm>
+            <a:off x="838200" y="1551214"/>
+            <a:ext cx="5257800" cy="2031325"/>
+          </a:xfrm>
+          <a:prstGeom prst="rect">
+            <a:avLst/>
+          </a:prstGeom>
+          <a:noFill/>
+        </p:spPr>
+        <p:txBody>
+          <a:bodyPr wrap="square" rtlCol="0">
+            <a:spAutoFit/>
+          </a:bodyPr>
+          <a:lstStyle/>
+          <a:p>
+            <a:r>
+              <a:rPr lang="en-NZ" dirty="0"/>
+              <a:t>When I made the start menu, I originally used the art that I created for the end screen. However, my friend James told me that it just didn’t fit the start of the game, so I found an asset online (in creative commons) and used that, and James said it looked better. So after trialling both start screens I decided to go with the new art I found online.</a:t>
+            </a:r>
+          </a:p>
+        </p:txBody>
+      </p:sp>
+      <p:pic>
+        <p:nvPicPr>
+          <p:cNvPr id="4" name="Picture 3">
+            <a:extLst>
+              <a:ext uri="{FF2B5EF4-FFF2-40B4-BE49-F238E27FC236}">
+                <a16:creationId xmlns:a16="http://schemas.microsoft.com/office/drawing/2014/main" id="{EF5713E2-993F-9572-590C-F99A5AD35593}"/>
+              </a:ext>
+            </a:extLst>
+          </p:cNvPr>
+          <p:cNvPicPr>
+            <a:picLocks noChangeAspect="1"/>
+          </p:cNvPicPr>
+          <p:nvPr/>
+        </p:nvPicPr>
+        <p:blipFill>
+          <a:blip r:embed="rId2"/>
+          <a:stretch>
+            <a:fillRect/>
+          </a:stretch>
+        </p:blipFill>
+        <p:spPr>
+          <a:xfrm>
+            <a:off x="8623318" y="1413359"/>
+            <a:ext cx="2904653" cy="5210145"/>
+          </a:xfrm>
+          <a:prstGeom prst="rect">
+            <a:avLst/>
+          </a:prstGeom>
+          <a:ln w="28575">
+            <a:noFill/>
+          </a:ln>
+        </p:spPr>
+      </p:pic>
+    </p:spTree>
+    <p:extLst>
+      <p:ext uri="{BB962C8B-B14F-4D97-AF65-F5344CB8AC3E}">
+        <p14:creationId xmlns:p14="http://schemas.microsoft.com/office/powerpoint/2010/main" val="1326163917"/>
+      </p:ext>
+    </p:extLst>
+  </p:cSld>
+  <p:clrMapOvr>
+    <a:masterClrMapping/>
+  </p:clrMapOvr>
+</p:sld>
+</file>
+
+<file path=ppt/slides/slide32.xml><?xml version="1.0" encoding="utf-8"?>
+<p:sld xmlns:a="http://schemas.openxmlformats.org/drawingml/2006/main" xmlns:r="http://schemas.openxmlformats.org/officeDocument/2006/relationships" xmlns:p="http://schemas.openxmlformats.org/presentationml/2006/main">
+  <p:cSld>
+    <p:spTree>
+      <p:nvGrpSpPr>
+        <p:cNvPr id="1" name=""/>
+        <p:cNvGrpSpPr/>
+        <p:nvPr/>
+      </p:nvGrpSpPr>
+      <p:grpSpPr>
+        <a:xfrm>
+          <a:off x="0" y="0"/>
+          <a:ext cx="0" cy="0"/>
+          <a:chOff x="0" y="0"/>
+          <a:chExt cx="0" cy="0"/>
+        </a:xfrm>
+      </p:grpSpPr>
+      <p:sp>
+        <p:nvSpPr>
+          <p:cNvPr id="2" name="Title 1">
+            <a:extLst>
+              <a:ext uri="{FF2B5EF4-FFF2-40B4-BE49-F238E27FC236}">
+                <a16:creationId xmlns:a16="http://schemas.microsoft.com/office/drawing/2014/main" id="{929346B1-21F7-4D6B-B685-2CCB524F66E9}"/>
+              </a:ext>
+            </a:extLst>
+          </p:cNvPr>
+          <p:cNvSpPr>
+            <a:spLocks noGrp="1"/>
+          </p:cNvSpPr>
+          <p:nvPr>
+            <p:ph type="title"/>
+          </p:nvPr>
+        </p:nvSpPr>
+        <p:spPr/>
+        <p:txBody>
+          <a:bodyPr/>
+          <a:lstStyle/>
+          <a:p>
+            <a:r>
+              <a:rPr lang="en-NZ" b="1" dirty="0"/>
               <a:t>2 Component Test Plan: </a:t>
             </a:r>
             <a:br>
@@ -19292,7 +20355,7 @@
 </p:sld>
 </file>
 
-<file path=ppt/slides/slide31.xml><?xml version="1.0" encoding="utf-8"?>
+<file path=ppt/slides/slide33.xml><?xml version="1.0" encoding="utf-8"?>
 <p:sld xmlns:a="http://schemas.openxmlformats.org/drawingml/2006/main" xmlns:r="http://schemas.openxmlformats.org/officeDocument/2006/relationships" xmlns:p="http://schemas.openxmlformats.org/presentationml/2006/main">
   <p:cSld>
     <p:spTree>
@@ -19837,7 +20900,7 @@
 </p:sld>
 </file>
 
-<file path=ppt/slides/slide32.xml><?xml version="1.0" encoding="utf-8"?>
+<file path=ppt/slides/slide34.xml><?xml version="1.0" encoding="utf-8"?>
 <p:sld xmlns:a="http://schemas.openxmlformats.org/drawingml/2006/main" xmlns:r="http://schemas.openxmlformats.org/officeDocument/2006/relationships" xmlns:p="http://schemas.openxmlformats.org/presentationml/2006/main">
   <p:cSld>
     <p:spTree>
@@ -19991,7 +21054,130 @@
 </p:sld>
 </file>
 
-<file path=ppt/slides/slide33.xml><?xml version="1.0" encoding="utf-8"?>
+<file path=ppt/slides/slide35.xml><?xml version="1.0" encoding="utf-8"?>
+<p:sld xmlns:a="http://schemas.openxmlformats.org/drawingml/2006/main" xmlns:r="http://schemas.openxmlformats.org/officeDocument/2006/relationships" xmlns:p="http://schemas.openxmlformats.org/presentationml/2006/main">
+  <p:cSld>
+    <p:spTree>
+      <p:nvGrpSpPr>
+        <p:cNvPr id="1" name=""/>
+        <p:cNvGrpSpPr/>
+        <p:nvPr/>
+      </p:nvGrpSpPr>
+      <p:grpSpPr>
+        <a:xfrm>
+          <a:off x="0" y="0"/>
+          <a:ext cx="0" cy="0"/>
+          <a:chOff x="0" y="0"/>
+          <a:chExt cx="0" cy="0"/>
+        </a:xfrm>
+      </p:grpSpPr>
+      <p:sp>
+        <p:nvSpPr>
+          <p:cNvPr id="2" name="Title 1">
+            <a:extLst>
+              <a:ext uri="{FF2B5EF4-FFF2-40B4-BE49-F238E27FC236}">
+                <a16:creationId xmlns:a16="http://schemas.microsoft.com/office/drawing/2014/main" id="{AC7A92B9-5314-A4FF-B0FF-0A84C9A2D907}"/>
+              </a:ext>
+            </a:extLst>
+          </p:cNvPr>
+          <p:cNvSpPr>
+            <a:spLocks noGrp="1"/>
+          </p:cNvSpPr>
+          <p:nvPr>
+            <p:ph type="title"/>
+          </p:nvPr>
+        </p:nvSpPr>
+        <p:spPr/>
+        <p:txBody>
+          <a:bodyPr/>
+          <a:lstStyle/>
+          <a:p>
+            <a:r>
+              <a:rPr lang="en-NZ" dirty="0"/>
+              <a:t>Trialling and user feedback – Game over menu</a:t>
+            </a:r>
+          </a:p>
+        </p:txBody>
+      </p:sp>
+      <p:sp>
+        <p:nvSpPr>
+          <p:cNvPr id="3" name="TextBox 2">
+            <a:extLst>
+              <a:ext uri="{FF2B5EF4-FFF2-40B4-BE49-F238E27FC236}">
+                <a16:creationId xmlns:a16="http://schemas.microsoft.com/office/drawing/2014/main" id="{5BE23B32-811C-E104-67D4-A98343666488}"/>
+              </a:ext>
+            </a:extLst>
+          </p:cNvPr>
+          <p:cNvSpPr txBox="1"/>
+          <p:nvPr/>
+        </p:nvSpPr>
+        <p:spPr>
+          <a:xfrm>
+            <a:off x="838200" y="1828800"/>
+            <a:ext cx="4533900" cy="2308324"/>
+          </a:xfrm>
+          <a:prstGeom prst="rect">
+            <a:avLst/>
+          </a:prstGeom>
+          <a:noFill/>
+        </p:spPr>
+        <p:txBody>
+          <a:bodyPr wrap="square" rtlCol="0">
+            <a:spAutoFit/>
+          </a:bodyPr>
+          <a:lstStyle/>
+          <a:p>
+            <a:r>
+              <a:rPr lang="en-NZ" dirty="0"/>
+              <a:t>After finishing my game over menu, I showed it to my friend Cole, who immediately said that he couldn’t see anything, as the text was nearly the same colour as the background. Because of this, I created a new background and text colour for the game over screen, and when I showed it to him the next day, he said that it was a lot better.</a:t>
+            </a:r>
+          </a:p>
+        </p:txBody>
+      </p:sp>
+      <p:pic>
+        <p:nvPicPr>
+          <p:cNvPr id="4" name="Picture 3">
+            <a:extLst>
+              <a:ext uri="{FF2B5EF4-FFF2-40B4-BE49-F238E27FC236}">
+                <a16:creationId xmlns:a16="http://schemas.microsoft.com/office/drawing/2014/main" id="{186E5FF3-1B19-E04E-6801-178FCF46E9A3}"/>
+              </a:ext>
+            </a:extLst>
+          </p:cNvPr>
+          <p:cNvPicPr>
+            <a:picLocks noChangeAspect="1"/>
+          </p:cNvPicPr>
+          <p:nvPr/>
+        </p:nvPicPr>
+        <p:blipFill>
+          <a:blip r:embed="rId2"/>
+          <a:stretch>
+            <a:fillRect/>
+          </a:stretch>
+        </p:blipFill>
+        <p:spPr>
+          <a:xfrm>
+            <a:off x="7380143" y="1195628"/>
+            <a:ext cx="3004828" cy="5322838"/>
+          </a:xfrm>
+          <a:prstGeom prst="rect">
+            <a:avLst/>
+          </a:prstGeom>
+        </p:spPr>
+      </p:pic>
+    </p:spTree>
+    <p:extLst>
+      <p:ext uri="{BB962C8B-B14F-4D97-AF65-F5344CB8AC3E}">
+        <p14:creationId xmlns:p14="http://schemas.microsoft.com/office/powerpoint/2010/main" val="2862599726"/>
+      </p:ext>
+    </p:extLst>
+  </p:cSld>
+  <p:clrMapOvr>
+    <a:masterClrMapping/>
+  </p:clrMapOvr>
+</p:sld>
+</file>
+
+<file path=ppt/slides/slide36.xml><?xml version="1.0" encoding="utf-8"?>
 <p:sld xmlns:a="http://schemas.openxmlformats.org/drawingml/2006/main" xmlns:r="http://schemas.openxmlformats.org/officeDocument/2006/relationships" xmlns:p="http://schemas.openxmlformats.org/presentationml/2006/main">
   <p:cSld>
     <p:spTree>
@@ -20370,7 +21556,7 @@
 </p:sld>
 </file>
 
-<file path=ppt/slides/slide34.xml><?xml version="1.0" encoding="utf-8"?>
+<file path=ppt/slides/slide37.xml><?xml version="1.0" encoding="utf-8"?>
 <p:sld xmlns:a="http://schemas.openxmlformats.org/drawingml/2006/main" xmlns:r="http://schemas.openxmlformats.org/officeDocument/2006/relationships" xmlns:p="http://schemas.openxmlformats.org/presentationml/2006/main">
   <p:cSld>
     <p:spTree>
@@ -20827,7 +22013,7 @@
 </p:sld>
 </file>
 
-<file path=ppt/slides/slide35.xml><?xml version="1.0" encoding="utf-8"?>
+<file path=ppt/slides/slide38.xml><?xml version="1.0" encoding="utf-8"?>
 <p:sld xmlns:a="http://schemas.openxmlformats.org/drawingml/2006/main" xmlns:r="http://schemas.openxmlformats.org/officeDocument/2006/relationships" xmlns:p="http://schemas.openxmlformats.org/presentationml/2006/main">
   <p:cSld>
     <p:spTree>
@@ -20981,7 +22167,499 @@
 </p:sld>
 </file>
 
-<file path=ppt/slides/slide36.xml><?xml version="1.0" encoding="utf-8"?>
+<file path=ppt/slides/slide39.xml><?xml version="1.0" encoding="utf-8"?>
+<p:sld xmlns:a="http://schemas.openxmlformats.org/drawingml/2006/main" xmlns:r="http://schemas.openxmlformats.org/officeDocument/2006/relationships" xmlns:p="http://schemas.openxmlformats.org/presentationml/2006/main">
+  <p:cSld>
+    <p:bg>
+      <p:bgPr>
+        <a:solidFill>
+          <a:schemeClr val="bg1"/>
+        </a:solidFill>
+        <a:effectLst/>
+      </p:bgPr>
+    </p:bg>
+    <p:spTree>
+      <p:nvGrpSpPr>
+        <p:cNvPr id="1" name=""/>
+        <p:cNvGrpSpPr/>
+        <p:nvPr/>
+      </p:nvGrpSpPr>
+      <p:grpSpPr>
+        <a:xfrm>
+          <a:off x="0" y="0"/>
+          <a:ext cx="0" cy="0"/>
+          <a:chOff x="0" y="0"/>
+          <a:chExt cx="0" cy="0"/>
+        </a:xfrm>
+      </p:grpSpPr>
+      <p:sp>
+        <p:nvSpPr>
+          <p:cNvPr id="12" name="Rectangle 11">
+            <a:extLst>
+              <a:ext uri="{FF2B5EF4-FFF2-40B4-BE49-F238E27FC236}">
+                <a16:creationId xmlns:a16="http://schemas.microsoft.com/office/drawing/2014/main" id="{A7AE9375-4664-4DB2-922D-2782A6E439AC}"/>
+              </a:ext>
+              <a:ext uri="{C183D7F6-B498-43B3-948B-1728B52AA6E4}">
+                <adec:decorative xmlns:adec="http://schemas.microsoft.com/office/drawing/2017/decorative" val="1"/>
+              </a:ext>
+            </a:extLst>
+          </p:cNvPr>
+          <p:cNvSpPr>
+            <a:spLocks noGrp="1" noRot="1" noChangeAspect="1" noMove="1" noResize="1" noEditPoints="1" noAdjustHandles="1" noChangeArrowheads="1" noChangeShapeType="1" noTextEdit="1"/>
+          </p:cNvSpPr>
+          <p:nvPr>
+            <p:extLst>
+              <p:ext uri="{386F3935-93C4-4BCD-93E2-E3B085C9AB24}">
+                <p16:designElem xmlns:p16="http://schemas.microsoft.com/office/powerpoint/2015/main" val="1"/>
+              </p:ext>
+            </p:extLst>
+          </p:nvPr>
+        </p:nvSpPr>
+        <p:spPr>
+          <a:xfrm>
+            <a:off x="-1" y="0"/>
+            <a:ext cx="12192000" cy="6858000"/>
+          </a:xfrm>
+          <a:prstGeom prst="rect">
+            <a:avLst/>
+          </a:prstGeom>
+          <a:solidFill>
+            <a:schemeClr val="tx1">
+              <a:lumMod val="95000"/>
+              <a:lumOff val="5000"/>
+            </a:schemeClr>
+          </a:solidFill>
+          <a:ln>
+            <a:noFill/>
+          </a:ln>
+        </p:spPr>
+        <p:style>
+          <a:lnRef idx="2">
+            <a:schemeClr val="accent1">
+              <a:shade val="50000"/>
+            </a:schemeClr>
+          </a:lnRef>
+          <a:fillRef idx="1">
+            <a:schemeClr val="accent1"/>
+          </a:fillRef>
+          <a:effectRef idx="0">
+            <a:schemeClr val="accent1"/>
+          </a:effectRef>
+          <a:fontRef idx="minor">
+            <a:schemeClr val="lt1"/>
+          </a:fontRef>
+        </p:style>
+        <p:txBody>
+          <a:bodyPr rtlCol="0" anchor="ctr"/>
+          <a:lstStyle/>
+          <a:p>
+            <a:pPr algn="ctr"/>
+            <a:endParaRPr lang="en-US" dirty="0">
+              <a:solidFill>
+                <a:schemeClr val="tx1"/>
+              </a:solidFill>
+            </a:endParaRPr>
+          </a:p>
+        </p:txBody>
+      </p:sp>
+      <p:sp>
+        <p:nvSpPr>
+          <p:cNvPr id="2" name="Title 1">
+            <a:extLst>
+              <a:ext uri="{FF2B5EF4-FFF2-40B4-BE49-F238E27FC236}">
+                <a16:creationId xmlns:a16="http://schemas.microsoft.com/office/drawing/2014/main" id="{2D4DCF92-8E00-3849-4144-CAB98C0F0D6F}"/>
+              </a:ext>
+            </a:extLst>
+          </p:cNvPr>
+          <p:cNvSpPr>
+            <a:spLocks noGrp="1"/>
+          </p:cNvSpPr>
+          <p:nvPr>
+            <p:ph type="title"/>
+          </p:nvPr>
+        </p:nvSpPr>
+        <p:spPr>
+          <a:xfrm>
+            <a:off x="1295400" y="669925"/>
+            <a:ext cx="4800600" cy="1325563"/>
+          </a:xfrm>
+        </p:spPr>
+        <p:txBody>
+          <a:bodyPr vert="horz" lIns="91440" tIns="45720" rIns="91440" bIns="45720" rtlCol="0" anchor="b">
+            <a:normAutofit/>
+          </a:bodyPr>
+          <a:lstStyle/>
+          <a:p>
+            <a:r>
+              <a:rPr lang="en-US" sz="3700">
+                <a:solidFill>
+                  <a:schemeClr val="bg1"/>
+                </a:solidFill>
+              </a:rPr>
+              <a:t>Trialling and user feedback – spawn cars</a:t>
+            </a:r>
+          </a:p>
+        </p:txBody>
+      </p:sp>
+      <p:cxnSp>
+        <p:nvCxnSpPr>
+          <p:cNvPr id="14" name="Straight Connector 13">
+            <a:extLst>
+              <a:ext uri="{FF2B5EF4-FFF2-40B4-BE49-F238E27FC236}">
+                <a16:creationId xmlns:a16="http://schemas.microsoft.com/office/drawing/2014/main" id="{EE504C98-6397-41C1-A8D8-2D9C4ED307E0}"/>
+              </a:ext>
+              <a:ext uri="{C183D7F6-B498-43B3-948B-1728B52AA6E4}">
+                <adec:decorative xmlns:adec="http://schemas.microsoft.com/office/drawing/2017/decorative" val="1"/>
+              </a:ext>
+            </a:extLst>
+          </p:cNvPr>
+          <p:cNvCxnSpPr>
+            <a:cxnSpLocks noGrp="1" noRot="1" noChangeAspect="1" noMove="1" noResize="1" noEditPoints="1" noAdjustHandles="1" noChangeArrowheads="1" noChangeShapeType="1"/>
+          </p:cNvCxnSpPr>
+          <p:nvPr>
+            <p:extLst>
+              <p:ext uri="{386F3935-93C4-4BCD-93E2-E3B085C9AB24}">
+                <p16:designElem xmlns:p16="http://schemas.microsoft.com/office/powerpoint/2015/main" val="1"/>
+              </p:ext>
+            </p:extLst>
+          </p:nvPr>
+        </p:nvCxnSpPr>
+        <p:spPr>
+          <a:xfrm flipH="1">
+            <a:off x="1" y="2026340"/>
+            <a:ext cx="6095999" cy="0"/>
+          </a:xfrm>
+          <a:prstGeom prst="line">
+            <a:avLst/>
+          </a:prstGeom>
+          <a:ln w="12700">
+            <a:solidFill>
+              <a:schemeClr val="accent2"/>
+            </a:solidFill>
+          </a:ln>
+        </p:spPr>
+        <p:style>
+          <a:lnRef idx="1">
+            <a:schemeClr val="accent1"/>
+          </a:lnRef>
+          <a:fillRef idx="0">
+            <a:schemeClr val="accent1"/>
+          </a:fillRef>
+          <a:effectRef idx="0">
+            <a:schemeClr val="accent1"/>
+          </a:effectRef>
+          <a:fontRef idx="minor">
+            <a:schemeClr val="tx1"/>
+          </a:fontRef>
+        </p:style>
+      </p:cxnSp>
+      <p:sp>
+        <p:nvSpPr>
+          <p:cNvPr id="3" name="TextBox 2">
+            <a:extLst>
+              <a:ext uri="{FF2B5EF4-FFF2-40B4-BE49-F238E27FC236}">
+                <a16:creationId xmlns:a16="http://schemas.microsoft.com/office/drawing/2014/main" id="{4B4CA5C9-3BE0-814D-A246-3C127B245C28}"/>
+              </a:ext>
+            </a:extLst>
+          </p:cNvPr>
+          <p:cNvSpPr txBox="1"/>
+          <p:nvPr/>
+        </p:nvSpPr>
+        <p:spPr>
+          <a:xfrm>
+            <a:off x="1295400" y="2288833"/>
+            <a:ext cx="4800600" cy="3711571"/>
+          </a:xfrm>
+          <a:prstGeom prst="rect">
+            <a:avLst/>
+          </a:prstGeom>
+        </p:spPr>
+        <p:txBody>
+          <a:bodyPr vert="horz" lIns="91440" tIns="45720" rIns="91440" bIns="45720" rtlCol="0">
+            <a:normAutofit/>
+          </a:bodyPr>
+          <a:lstStyle/>
+          <a:p>
+            <a:pPr indent="-228600">
+              <a:lnSpc>
+                <a:spcPct val="90000"/>
+              </a:lnSpc>
+              <a:spcAft>
+                <a:spcPts val="600"/>
+              </a:spcAft>
+              <a:buFont typeface="Arial" panose="020B0604020202020204" pitchFamily="34" charset="0"/>
+              <a:buChar char="•"/>
+            </a:pPr>
+            <a:r>
+              <a:rPr lang="en-US" sz="2000">
+                <a:solidFill>
+                  <a:schemeClr val="bg1"/>
+                </a:solidFill>
+              </a:rPr>
+              <a:t>When I first introduced the car spawning, every spawn attempt a car would pick a lane and then spawn. This was working perfectly, but when my friend Ethan played the game he remarked that it felt like the cars came out of nowhere. So, I decided to re-write the car spawning algorithm so that each spawn attempt it spawns between 1 and three cars in randomized lanes, and when I let him play it again he said that the gameplay was a lot better, so following his advice I went with the second trial of spawning cars.</a:t>
+            </a:r>
+          </a:p>
+        </p:txBody>
+      </p:sp>
+      <p:pic>
+        <p:nvPicPr>
+          <p:cNvPr id="7" name="Picture 6">
+            <a:extLst>
+              <a:ext uri="{FF2B5EF4-FFF2-40B4-BE49-F238E27FC236}">
+                <a16:creationId xmlns:a16="http://schemas.microsoft.com/office/drawing/2014/main" id="{E1FA44F5-4BB9-70BE-2934-57C0CF4223D3}"/>
+              </a:ext>
+            </a:extLst>
+          </p:cNvPr>
+          <p:cNvPicPr>
+            <a:picLocks noChangeAspect="1"/>
+          </p:cNvPicPr>
+          <p:nvPr/>
+        </p:nvPicPr>
+        <p:blipFill>
+          <a:blip r:embed="rId2"/>
+          <a:stretch>
+            <a:fillRect/>
+          </a:stretch>
+        </p:blipFill>
+        <p:spPr>
+          <a:xfrm>
+            <a:off x="8268118" y="3692280"/>
+            <a:ext cx="3191440" cy="2784532"/>
+          </a:xfrm>
+          <a:prstGeom prst="rect">
+            <a:avLst/>
+          </a:prstGeom>
+        </p:spPr>
+      </p:pic>
+      <p:sp>
+        <p:nvSpPr>
+          <p:cNvPr id="16" name="Rectangle 15">
+            <a:extLst>
+              <a:ext uri="{FF2B5EF4-FFF2-40B4-BE49-F238E27FC236}">
+                <a16:creationId xmlns:a16="http://schemas.microsoft.com/office/drawing/2014/main" id="{C87417AF-190E-4D6E-AFA6-7D3E84B0B430}"/>
+              </a:ext>
+              <a:ext uri="{C183D7F6-B498-43B3-948B-1728B52AA6E4}">
+                <adec:decorative xmlns:adec="http://schemas.microsoft.com/office/drawing/2017/decorative" val="1"/>
+              </a:ext>
+            </a:extLst>
+          </p:cNvPr>
+          <p:cNvSpPr>
+            <a:spLocks noGrp="1" noRot="1" noChangeAspect="1" noMove="1" noResize="1" noEditPoints="1" noAdjustHandles="1" noChangeArrowheads="1" noChangeShapeType="1" noTextEdit="1"/>
+          </p:cNvSpPr>
+          <p:nvPr>
+            <p:extLst>
+              <p:ext uri="{386F3935-93C4-4BCD-93E2-E3B085C9AB24}">
+                <p16:designElem xmlns:p16="http://schemas.microsoft.com/office/powerpoint/2015/main" val="1"/>
+              </p:ext>
+            </p:extLst>
+          </p:nvPr>
+        </p:nvSpPr>
+        <p:spPr>
+          <a:xfrm>
+            <a:off x="6431603" y="182859"/>
+            <a:ext cx="3996261" cy="3177496"/>
+          </a:xfrm>
+          <a:prstGeom prst="rect">
+            <a:avLst/>
+          </a:prstGeom>
+          <a:noFill/>
+          <a:ln w="12700">
+            <a:solidFill>
+              <a:schemeClr val="accent2"/>
+            </a:solidFill>
+          </a:ln>
+        </p:spPr>
+        <p:style>
+          <a:lnRef idx="2">
+            <a:schemeClr val="accent1">
+              <a:shade val="50000"/>
+            </a:schemeClr>
+          </a:lnRef>
+          <a:fillRef idx="1">
+            <a:schemeClr val="accent1"/>
+          </a:fillRef>
+          <a:effectRef idx="0">
+            <a:schemeClr val="accent1"/>
+          </a:effectRef>
+          <a:fontRef idx="minor">
+            <a:schemeClr val="lt1"/>
+          </a:fontRef>
+        </p:style>
+        <p:txBody>
+          <a:bodyPr rtlCol="0" anchor="ctr"/>
+          <a:lstStyle/>
+          <a:p>
+            <a:pPr algn="ctr"/>
+            <a:endParaRPr lang="en-US"/>
+          </a:p>
+        </p:txBody>
+      </p:sp>
+      <p:pic>
+        <p:nvPicPr>
+          <p:cNvPr id="5" name="Picture 4">
+            <a:extLst>
+              <a:ext uri="{FF2B5EF4-FFF2-40B4-BE49-F238E27FC236}">
+                <a16:creationId xmlns:a16="http://schemas.microsoft.com/office/drawing/2014/main" id="{2B821F70-6C5F-F610-8E1F-DF0775A89360}"/>
+              </a:ext>
+            </a:extLst>
+          </p:cNvPr>
+          <p:cNvPicPr>
+            <a:picLocks noChangeAspect="1"/>
+          </p:cNvPicPr>
+          <p:nvPr/>
+        </p:nvPicPr>
+        <p:blipFill>
+          <a:blip r:embed="rId3"/>
+          <a:stretch>
+            <a:fillRect/>
+          </a:stretch>
+        </p:blipFill>
+        <p:spPr>
+          <a:xfrm>
+            <a:off x="6737008" y="381188"/>
+            <a:ext cx="3385449" cy="2784532"/>
+          </a:xfrm>
+          <a:prstGeom prst="rect">
+            <a:avLst/>
+          </a:prstGeom>
+        </p:spPr>
+      </p:pic>
+      <p:sp>
+        <p:nvSpPr>
+          <p:cNvPr id="18" name="Rectangle 17">
+            <a:extLst>
+              <a:ext uri="{FF2B5EF4-FFF2-40B4-BE49-F238E27FC236}">
+                <a16:creationId xmlns:a16="http://schemas.microsoft.com/office/drawing/2014/main" id="{80B30ED8-273E-4C07-8568-2FE5CC5C483D}"/>
+              </a:ext>
+              <a:ext uri="{C183D7F6-B498-43B3-948B-1728B52AA6E4}">
+                <adec:decorative xmlns:adec="http://schemas.microsoft.com/office/drawing/2017/decorative" val="1"/>
+              </a:ext>
+            </a:extLst>
+          </p:cNvPr>
+          <p:cNvSpPr>
+            <a:spLocks noGrp="1" noRot="1" noChangeAspect="1" noMove="1" noResize="1" noEditPoints="1" noAdjustHandles="1" noChangeArrowheads="1" noChangeShapeType="1" noTextEdit="1"/>
+          </p:cNvSpPr>
+          <p:nvPr>
+            <p:extLst>
+              <p:ext uri="{386F3935-93C4-4BCD-93E2-E3B085C9AB24}">
+                <p16:designElem xmlns:p16="http://schemas.microsoft.com/office/powerpoint/2015/main" val="1"/>
+              </p:ext>
+            </p:extLst>
+          </p:nvPr>
+        </p:nvSpPr>
+        <p:spPr>
+          <a:xfrm>
+            <a:off x="7825071" y="3543213"/>
+            <a:ext cx="3996261" cy="3177496"/>
+          </a:xfrm>
+          <a:prstGeom prst="rect">
+            <a:avLst/>
+          </a:prstGeom>
+          <a:noFill/>
+          <a:ln w="12700">
+            <a:solidFill>
+              <a:schemeClr val="accent2"/>
+            </a:solidFill>
+          </a:ln>
+        </p:spPr>
+        <p:style>
+          <a:lnRef idx="2">
+            <a:schemeClr val="accent1">
+              <a:shade val="50000"/>
+            </a:schemeClr>
+          </a:lnRef>
+          <a:fillRef idx="1">
+            <a:schemeClr val="accent1"/>
+          </a:fillRef>
+          <a:effectRef idx="0">
+            <a:schemeClr val="accent1"/>
+          </a:effectRef>
+          <a:fontRef idx="minor">
+            <a:schemeClr val="lt1"/>
+          </a:fontRef>
+        </p:style>
+        <p:txBody>
+          <a:bodyPr rtlCol="0" anchor="ctr"/>
+          <a:lstStyle/>
+          <a:p>
+            <a:pPr algn="ctr"/>
+            <a:endParaRPr lang="en-US"/>
+          </a:p>
+        </p:txBody>
+      </p:sp>
+    </p:spTree>
+    <p:extLst>
+      <p:ext uri="{BB962C8B-B14F-4D97-AF65-F5344CB8AC3E}">
+        <p14:creationId xmlns:p14="http://schemas.microsoft.com/office/powerpoint/2010/main" val="2370692289"/>
+      </p:ext>
+    </p:extLst>
+  </p:cSld>
+  <p:clrMapOvr>
+    <a:masterClrMapping/>
+  </p:clrMapOvr>
+</p:sld>
+</file>
+
+<file path=ppt/slides/slide4.xml><?xml version="1.0" encoding="utf-8"?>
+<p:sld xmlns:a="http://schemas.openxmlformats.org/drawingml/2006/main" xmlns:r="http://schemas.openxmlformats.org/officeDocument/2006/relationships" xmlns:p="http://schemas.openxmlformats.org/presentationml/2006/main">
+  <p:cSld>
+    <p:spTree>
+      <p:nvGrpSpPr>
+        <p:cNvPr id="1" name=""/>
+        <p:cNvGrpSpPr/>
+        <p:nvPr/>
+      </p:nvGrpSpPr>
+      <p:grpSpPr>
+        <a:xfrm>
+          <a:off x="0" y="0"/>
+          <a:ext cx="0" cy="0"/>
+          <a:chOff x="0" y="0"/>
+          <a:chExt cx="0" cy="0"/>
+        </a:xfrm>
+      </p:grpSpPr>
+      <p:sp>
+        <p:nvSpPr>
+          <p:cNvPr id="2" name="Title 1">
+            <a:extLst>
+              <a:ext uri="{FF2B5EF4-FFF2-40B4-BE49-F238E27FC236}">
+                <a16:creationId xmlns:a16="http://schemas.microsoft.com/office/drawing/2014/main" id="{321F8E66-F9B8-4062-8E8D-D5ADB11625DA}"/>
+              </a:ext>
+            </a:extLst>
+          </p:cNvPr>
+          <p:cNvSpPr>
+            <a:spLocks noGrp="1"/>
+          </p:cNvSpPr>
+          <p:nvPr>
+            <p:ph type="title"/>
+          </p:nvPr>
+        </p:nvSpPr>
+        <p:spPr/>
+        <p:txBody>
+          <a:bodyPr/>
+          <a:lstStyle/>
+          <a:p>
+            <a:r>
+              <a:rPr lang="en-NZ" b="1" dirty="0"/>
+              <a:t>Program Structure:</a:t>
+            </a:r>
+            <a:endParaRPr lang="en-NZ" dirty="0"/>
+          </a:p>
+        </p:txBody>
+      </p:sp>
+    </p:spTree>
+    <p:extLst>
+      <p:ext uri="{BB962C8B-B14F-4D97-AF65-F5344CB8AC3E}">
+        <p14:creationId xmlns:p14="http://schemas.microsoft.com/office/powerpoint/2010/main" val="2474077943"/>
+      </p:ext>
+    </p:extLst>
+  </p:cSld>
+  <p:clrMapOvr>
+    <a:masterClrMapping/>
+  </p:clrMapOvr>
+</p:sld>
+</file>
+
+<file path=ppt/slides/slide40.xml><?xml version="1.0" encoding="utf-8"?>
 <p:sld xmlns:a="http://schemas.openxmlformats.org/drawingml/2006/main" xmlns:r="http://schemas.openxmlformats.org/officeDocument/2006/relationships" xmlns:p="http://schemas.openxmlformats.org/presentationml/2006/main">
   <p:cSld>
     <p:spTree>
@@ -21248,7 +22926,7 @@
 </p:sld>
 </file>
 
-<file path=ppt/slides/slide37.xml><?xml version="1.0" encoding="utf-8"?>
+<file path=ppt/slides/slide41.xml><?xml version="1.0" encoding="utf-8"?>
 <p:sld xmlns:a="http://schemas.openxmlformats.org/drawingml/2006/main" xmlns:r="http://schemas.openxmlformats.org/officeDocument/2006/relationships" xmlns:p="http://schemas.openxmlformats.org/presentationml/2006/main">
   <p:cSld>
     <p:spTree>
@@ -21497,7 +23175,266 @@
 </p:sld>
 </file>
 
-<file path=ppt/slides/slide38.xml><?xml version="1.0" encoding="utf-8"?>
+<file path=ppt/slides/slide42.xml><?xml version="1.0" encoding="utf-8"?>
+<p:sld xmlns:a="http://schemas.openxmlformats.org/drawingml/2006/main" xmlns:r="http://schemas.openxmlformats.org/officeDocument/2006/relationships" xmlns:p="http://schemas.openxmlformats.org/presentationml/2006/main">
+  <p:cSld>
+    <p:bg>
+      <p:bgPr>
+        <a:solidFill>
+          <a:schemeClr val="bg1"/>
+        </a:solidFill>
+        <a:effectLst/>
+      </p:bgPr>
+    </p:bg>
+    <p:spTree>
+      <p:nvGrpSpPr>
+        <p:cNvPr id="1" name=""/>
+        <p:cNvGrpSpPr/>
+        <p:nvPr/>
+      </p:nvGrpSpPr>
+      <p:grpSpPr>
+        <a:xfrm>
+          <a:off x="0" y="0"/>
+          <a:ext cx="0" cy="0"/>
+          <a:chOff x="0" y="0"/>
+          <a:chExt cx="0" cy="0"/>
+        </a:xfrm>
+      </p:grpSpPr>
+      <p:sp>
+        <p:nvSpPr>
+          <p:cNvPr id="19" name="Rectangle 18">
+            <a:extLst>
+              <a:ext uri="{FF2B5EF4-FFF2-40B4-BE49-F238E27FC236}">
+                <a16:creationId xmlns:a16="http://schemas.microsoft.com/office/drawing/2014/main" id="{FB5B0058-AF13-4859-B429-4EDDE2A26F7F}"/>
+              </a:ext>
+              <a:ext uri="{C183D7F6-B498-43B3-948B-1728B52AA6E4}">
+                <adec:decorative xmlns:adec="http://schemas.microsoft.com/office/drawing/2017/decorative" val="1"/>
+              </a:ext>
+            </a:extLst>
+          </p:cNvPr>
+          <p:cNvSpPr>
+            <a:spLocks noGrp="1" noRot="1" noChangeAspect="1" noMove="1" noResize="1" noEditPoints="1" noAdjustHandles="1" noChangeArrowheads="1" noChangeShapeType="1" noTextEdit="1"/>
+          </p:cNvSpPr>
+          <p:nvPr>
+            <p:extLst>
+              <p:ext uri="{386F3935-93C4-4BCD-93E2-E3B085C9AB24}">
+                <p16:designElem xmlns:p16="http://schemas.microsoft.com/office/powerpoint/2015/main" val="1"/>
+              </p:ext>
+            </p:extLst>
+          </p:nvPr>
+        </p:nvSpPr>
+        <p:spPr>
+          <a:xfrm>
+            <a:off x="0" y="0"/>
+            <a:ext cx="12192000" cy="6858000"/>
+          </a:xfrm>
+          <a:prstGeom prst="rect">
+            <a:avLst/>
+          </a:prstGeom>
+          <a:solidFill>
+            <a:schemeClr val="tx1">
+              <a:lumMod val="95000"/>
+              <a:lumOff val="5000"/>
+            </a:schemeClr>
+          </a:solidFill>
+          <a:ln>
+            <a:noFill/>
+          </a:ln>
+        </p:spPr>
+        <p:style>
+          <a:lnRef idx="2">
+            <a:schemeClr val="accent1">
+              <a:shade val="50000"/>
+            </a:schemeClr>
+          </a:lnRef>
+          <a:fillRef idx="1">
+            <a:schemeClr val="accent1"/>
+          </a:fillRef>
+          <a:effectRef idx="0">
+            <a:schemeClr val="accent1"/>
+          </a:effectRef>
+          <a:fontRef idx="minor">
+            <a:schemeClr val="lt1"/>
+          </a:fontRef>
+        </p:style>
+        <p:txBody>
+          <a:bodyPr rtlCol="0" anchor="ctr"/>
+          <a:lstStyle/>
+          <a:p>
+            <a:pPr algn="ctr"/>
+            <a:endParaRPr lang="en-US"/>
+          </a:p>
+        </p:txBody>
+      </p:sp>
+      <p:sp>
+        <p:nvSpPr>
+          <p:cNvPr id="2" name="Title 1">
+            <a:extLst>
+              <a:ext uri="{FF2B5EF4-FFF2-40B4-BE49-F238E27FC236}">
+                <a16:creationId xmlns:a16="http://schemas.microsoft.com/office/drawing/2014/main" id="{929346B1-21F7-4D6B-B685-2CCB524F66E9}"/>
+              </a:ext>
+            </a:extLst>
+          </p:cNvPr>
+          <p:cNvSpPr>
+            <a:spLocks noGrp="1"/>
+          </p:cNvSpPr>
+          <p:nvPr>
+            <p:ph type="title"/>
+          </p:nvPr>
+        </p:nvSpPr>
+        <p:spPr>
+          <a:xfrm>
+            <a:off x="728663" y="1422400"/>
+            <a:ext cx="5367337" cy="2387600"/>
+          </a:xfrm>
+        </p:spPr>
+        <p:txBody>
+          <a:bodyPr vert="horz" lIns="91440" tIns="45720" rIns="91440" bIns="45720" rtlCol="0" anchor="b">
+            <a:normAutofit/>
+          </a:bodyPr>
+          <a:lstStyle/>
+          <a:p>
+            <a:r>
+              <a:rPr lang="en-US" sz="5000" b="1" kern="1200">
+                <a:solidFill>
+                  <a:schemeClr val="bg1"/>
+                </a:solidFill>
+                <a:latin typeface="+mj-lt"/>
+                <a:ea typeface="+mj-ea"/>
+                <a:cs typeface="+mj-cs"/>
+              </a:rPr>
+              <a:t>1 Component Planning:</a:t>
+            </a:r>
+            <a:br>
+              <a:rPr lang="en-US" sz="5000" b="1" kern="1200">
+                <a:solidFill>
+                  <a:schemeClr val="bg1"/>
+                </a:solidFill>
+                <a:latin typeface="+mj-lt"/>
+                <a:ea typeface="+mj-ea"/>
+                <a:cs typeface="+mj-cs"/>
+              </a:rPr>
+            </a:br>
+            <a:r>
+              <a:rPr lang="en-US" sz="5000" b="1" i="1" kern="1200">
+                <a:solidFill>
+                  <a:schemeClr val="bg1"/>
+                </a:solidFill>
+                <a:latin typeface="+mj-lt"/>
+                <a:ea typeface="+mj-ea"/>
+                <a:cs typeface="+mj-cs"/>
+              </a:rPr>
+              <a:t>Main game loop</a:t>
+            </a:r>
+          </a:p>
+        </p:txBody>
+      </p:sp>
+      <p:sp>
+        <p:nvSpPr>
+          <p:cNvPr id="21" name="Rectangle 20">
+            <a:extLst>
+              <a:ext uri="{FF2B5EF4-FFF2-40B4-BE49-F238E27FC236}">
+                <a16:creationId xmlns:a16="http://schemas.microsoft.com/office/drawing/2014/main" id="{1A89CBBC-7743-43D9-A324-25CB472E9B2E}"/>
+              </a:ext>
+              <a:ext uri="{C183D7F6-B498-43B3-948B-1728B52AA6E4}">
+                <adec:decorative xmlns:adec="http://schemas.microsoft.com/office/drawing/2017/decorative" val="1"/>
+              </a:ext>
+            </a:extLst>
+          </p:cNvPr>
+          <p:cNvSpPr>
+            <a:spLocks noGrp="1" noRot="1" noChangeAspect="1" noMove="1" noResize="1" noEditPoints="1" noAdjustHandles="1" noChangeArrowheads="1" noChangeShapeType="1" noTextEdit="1"/>
+          </p:cNvSpPr>
+          <p:nvPr>
+            <p:extLst>
+              <p:ext uri="{386F3935-93C4-4BCD-93E2-E3B085C9AB24}">
+                <p16:designElem xmlns:p16="http://schemas.microsoft.com/office/powerpoint/2015/main" val="1"/>
+              </p:ext>
+            </p:extLst>
+          </p:nvPr>
+        </p:nvSpPr>
+        <p:spPr>
+          <a:xfrm>
+            <a:off x="6234112" y="638849"/>
+            <a:ext cx="5505449" cy="5475644"/>
+          </a:xfrm>
+          <a:prstGeom prst="rect">
+            <a:avLst/>
+          </a:prstGeom>
+          <a:noFill/>
+          <a:ln w="12700">
+            <a:solidFill>
+              <a:schemeClr val="accent2"/>
+            </a:solidFill>
+          </a:ln>
+        </p:spPr>
+        <p:style>
+          <a:lnRef idx="2">
+            <a:schemeClr val="accent1">
+              <a:shade val="50000"/>
+            </a:schemeClr>
+          </a:lnRef>
+          <a:fillRef idx="1">
+            <a:schemeClr val="accent1"/>
+          </a:fillRef>
+          <a:effectRef idx="0">
+            <a:schemeClr val="accent1"/>
+          </a:effectRef>
+          <a:fontRef idx="minor">
+            <a:schemeClr val="lt1"/>
+          </a:fontRef>
+        </p:style>
+        <p:txBody>
+          <a:bodyPr rtlCol="0" anchor="ctr"/>
+          <a:lstStyle/>
+          <a:p>
+            <a:pPr algn="ctr"/>
+            <a:endParaRPr lang="en-US"/>
+          </a:p>
+        </p:txBody>
+      </p:sp>
+      <p:pic>
+        <p:nvPicPr>
+          <p:cNvPr id="5" name="Picture 4">
+            <a:extLst>
+              <a:ext uri="{FF2B5EF4-FFF2-40B4-BE49-F238E27FC236}">
+                <a16:creationId xmlns:a16="http://schemas.microsoft.com/office/drawing/2014/main" id="{C9908854-F180-96E9-79C0-5AFCC03EE8A1}"/>
+              </a:ext>
+            </a:extLst>
+          </p:cNvPr>
+          <p:cNvPicPr>
+            <a:picLocks noChangeAspect="1"/>
+          </p:cNvPicPr>
+          <p:nvPr/>
+        </p:nvPicPr>
+        <p:blipFill rotWithShape="1">
+          <a:blip r:embed="rId3"/>
+          <a:srcRect t="2009" r="1" b="1"/>
+          <a:stretch/>
+        </p:blipFill>
+        <p:spPr>
+          <a:xfrm>
+            <a:off x="7069591" y="1056303"/>
+            <a:ext cx="3834489" cy="4640737"/>
+          </a:xfrm>
+          <a:prstGeom prst="rect">
+            <a:avLst/>
+          </a:prstGeom>
+        </p:spPr>
+      </p:pic>
+    </p:spTree>
+    <p:extLst>
+      <p:ext uri="{BB962C8B-B14F-4D97-AF65-F5344CB8AC3E}">
+        <p14:creationId xmlns:p14="http://schemas.microsoft.com/office/powerpoint/2010/main" val="1099365548"/>
+      </p:ext>
+    </p:extLst>
+  </p:cSld>
+  <p:clrMapOvr>
+    <a:masterClrMapping/>
+  </p:clrMapOvr>
+</p:sld>
+</file>
+
+<file path=ppt/slides/slide43.xml><?xml version="1.0" encoding="utf-8"?>
 <p:sld xmlns:a="http://schemas.openxmlformats.org/drawingml/2006/main" xmlns:r="http://schemas.openxmlformats.org/officeDocument/2006/relationships" xmlns:p="http://schemas.openxmlformats.org/presentationml/2006/main">
   <p:cSld>
     <p:spTree>
@@ -21537,130 +23474,6 @@
           <a:p>
             <a:r>
               <a:rPr lang="en-NZ" b="1" dirty="0"/>
-              <a:t>1 Component Planning:</a:t>
-            </a:r>
-            <a:br>
-              <a:rPr lang="en-NZ" b="1" dirty="0"/>
-            </a:br>
-            <a:r>
-              <a:rPr lang="en-NZ" sz="3200" b="1" i="1" dirty="0"/>
-              <a:t>Main game loop</a:t>
-            </a:r>
-          </a:p>
-        </p:txBody>
-      </p:sp>
-      <p:sp>
-        <p:nvSpPr>
-          <p:cNvPr id="3" name="Rectangle 2">
-            <a:extLst>
-              <a:ext uri="{FF2B5EF4-FFF2-40B4-BE49-F238E27FC236}">
-                <a16:creationId xmlns:a16="http://schemas.microsoft.com/office/drawing/2014/main" id="{F1803FB6-918B-4C8E-9C25-3ECDA665EC35}"/>
-              </a:ext>
-            </a:extLst>
-          </p:cNvPr>
-          <p:cNvSpPr/>
-          <p:nvPr/>
-        </p:nvSpPr>
-        <p:spPr>
-          <a:xfrm>
-            <a:off x="838199" y="1690688"/>
-            <a:ext cx="9441581" cy="702372"/>
-          </a:xfrm>
-          <a:prstGeom prst="rect">
-            <a:avLst/>
-          </a:prstGeom>
-        </p:spPr>
-        <p:txBody>
-          <a:bodyPr wrap="square">
-            <a:spAutoFit/>
-          </a:bodyPr>
-          <a:lstStyle/>
-          <a:p>
-            <a:pPr>
-              <a:lnSpc>
-                <a:spcPct val="115000"/>
-              </a:lnSpc>
-              <a:spcAft>
-                <a:spcPts val="0"/>
-              </a:spcAft>
-            </a:pPr>
-            <a:r>
-              <a:rPr lang="en-NZ" i="1" dirty="0">
-                <a:latin typeface="Arial" panose="020B0604020202020204" pitchFamily="34" charset="0"/>
-                <a:ea typeface="Arial" panose="020B0604020202020204" pitchFamily="34" charset="0"/>
-              </a:rPr>
-              <a:t>How might your component work.  This could be in the form of a Trello screenshot.</a:t>
-            </a:r>
-          </a:p>
-          <a:p>
-            <a:pPr>
-              <a:lnSpc>
-                <a:spcPct val="115000"/>
-              </a:lnSpc>
-              <a:spcAft>
-                <a:spcPts val="0"/>
-              </a:spcAft>
-            </a:pPr>
-            <a:endParaRPr lang="en-NZ" i="1" dirty="0">
-              <a:latin typeface="Arial" panose="020B0604020202020204" pitchFamily="34" charset="0"/>
-              <a:ea typeface="Arial" panose="020B0604020202020204" pitchFamily="34" charset="0"/>
-            </a:endParaRPr>
-          </a:p>
-        </p:txBody>
-      </p:sp>
-    </p:spTree>
-    <p:extLst>
-      <p:ext uri="{BB962C8B-B14F-4D97-AF65-F5344CB8AC3E}">
-        <p14:creationId xmlns:p14="http://schemas.microsoft.com/office/powerpoint/2010/main" val="1099365548"/>
-      </p:ext>
-    </p:extLst>
-  </p:cSld>
-  <p:clrMapOvr>
-    <a:masterClrMapping/>
-  </p:clrMapOvr>
-</p:sld>
-</file>
-
-<file path=ppt/slides/slide39.xml><?xml version="1.0" encoding="utf-8"?>
-<p:sld xmlns:a="http://schemas.openxmlformats.org/drawingml/2006/main" xmlns:r="http://schemas.openxmlformats.org/officeDocument/2006/relationships" xmlns:p="http://schemas.openxmlformats.org/presentationml/2006/main">
-  <p:cSld>
-    <p:spTree>
-      <p:nvGrpSpPr>
-        <p:cNvPr id="1" name=""/>
-        <p:cNvGrpSpPr/>
-        <p:nvPr/>
-      </p:nvGrpSpPr>
-      <p:grpSpPr>
-        <a:xfrm>
-          <a:off x="0" y="0"/>
-          <a:ext cx="0" cy="0"/>
-          <a:chOff x="0" y="0"/>
-          <a:chExt cx="0" cy="0"/>
-        </a:xfrm>
-      </p:grpSpPr>
-      <p:sp>
-        <p:nvSpPr>
-          <p:cNvPr id="2" name="Title 1">
-            <a:extLst>
-              <a:ext uri="{FF2B5EF4-FFF2-40B4-BE49-F238E27FC236}">
-                <a16:creationId xmlns:a16="http://schemas.microsoft.com/office/drawing/2014/main" id="{929346B1-21F7-4D6B-B685-2CCB524F66E9}"/>
-              </a:ext>
-            </a:extLst>
-          </p:cNvPr>
-          <p:cNvSpPr>
-            <a:spLocks noGrp="1"/>
-          </p:cNvSpPr>
-          <p:nvPr>
-            <p:ph type="title"/>
-          </p:nvPr>
-        </p:nvSpPr>
-        <p:spPr/>
-        <p:txBody>
-          <a:bodyPr/>
-          <a:lstStyle/>
-          <a:p>
-            <a:r>
-              <a:rPr lang="en-NZ" b="1" dirty="0"/>
               <a:t>2 Component Test Plan: </a:t>
             </a:r>
             <a:br>
@@ -21729,11 +23542,17 @@
             </a:extLst>
           </p:cNvPr>
           <p:cNvGraphicFramePr/>
-          <p:nvPr/>
+          <p:nvPr>
+            <p:extLst>
+              <p:ext uri="{D42A27DB-BD31-4B8C-83A1-F6EECF244321}">
+                <p14:modId xmlns:p14="http://schemas.microsoft.com/office/powerpoint/2010/main" val="2102385837"/>
+              </p:ext>
+            </p:extLst>
+          </p:nvPr>
         </p:nvGraphicFramePr>
         <p:xfrm>
           <a:off x="509967" y="2927272"/>
-          <a:ext cx="11360800" cy="1219120"/>
+          <a:ext cx="11360800" cy="2194440"/>
         </p:xfrm>
         <a:graphic>
           <a:graphicData uri="http://schemas.openxmlformats.org/drawingml/2006/table">
@@ -21833,6 +23652,10 @@
                         </a:spcAft>
                         <a:buNone/>
                       </a:pPr>
+                      <a:r>
+                        <a:rPr lang="en-NZ" sz="2400" dirty="0"/>
+                        <a:t>Play the game</a:t>
+                      </a:r>
                       <a:endParaRPr sz="2400" dirty="0"/>
                     </a:p>
                   </a:txBody>
@@ -21852,6 +23675,10 @@
                         </a:spcAft>
                         <a:buNone/>
                       </a:pPr>
+                      <a:r>
+                        <a:rPr lang="en-NZ" sz="2400" dirty="0"/>
+                        <a:t>Game runs as intended, and then upon crash ends</a:t>
+                      </a:r>
                       <a:endParaRPr sz="2400" dirty="0"/>
                     </a:p>
                   </a:txBody>
@@ -21860,6 +23687,59 @@
                 <a:extLst>
                   <a:ext uri="{0D108BD9-81ED-4DB2-BD59-A6C34878D82A}">
                     <a16:rowId xmlns:a16="http://schemas.microsoft.com/office/drawing/2014/main" val="10001"/>
+                  </a:ext>
+                </a:extLst>
+              </a:tr>
+              <a:tr h="609560">
+                <a:tc>
+                  <a:txBody>
+                    <a:bodyPr/>
+                    <a:lstStyle/>
+                    <a:p>
+                      <a:pPr marL="0" lvl="0" indent="0" algn="l" rtl="0">
+                        <a:spcBef>
+                          <a:spcPts val="0"/>
+                        </a:spcBef>
+                        <a:spcAft>
+                          <a:spcPts val="0"/>
+                        </a:spcAft>
+                        <a:buNone/>
+                      </a:pPr>
+                      <a:r>
+                        <a:rPr lang="en-NZ" sz="2400" dirty="0"/>
+                        <a:t>Restart the game</a:t>
+                      </a:r>
+                      <a:endParaRPr sz="2400" dirty="0"/>
+                    </a:p>
+                  </a:txBody>
+                  <a:tcPr marL="121900" marR="121900" marT="121900" marB="121900"/>
+                </a:tc>
+                <a:tc>
+                  <a:txBody>
+                    <a:bodyPr/>
+                    <a:lstStyle/>
+                    <a:p>
+                      <a:pPr marL="0" lvl="0" indent="0" algn="l" rtl="0">
+                        <a:spcBef>
+                          <a:spcPts val="0"/>
+                        </a:spcBef>
+                        <a:spcAft>
+                          <a:spcPts val="0"/>
+                        </a:spcAft>
+                        <a:buNone/>
+                      </a:pPr>
+                      <a:r>
+                        <a:rPr lang="en-NZ" sz="2400" dirty="0"/>
+                        <a:t>Game runs again, and upon crash ends</a:t>
+                      </a:r>
+                      <a:endParaRPr sz="2400" dirty="0"/>
+                    </a:p>
+                  </a:txBody>
+                  <a:tcPr marL="121900" marR="121900" marT="121900" marB="121900"/>
+                </a:tc>
+                <a:extLst>
+                  <a:ext uri="{0D108BD9-81ED-4DB2-BD59-A6C34878D82A}">
+                    <a16:rowId xmlns:a16="http://schemas.microsoft.com/office/drawing/2014/main" val="2802862507"/>
                   </a:ext>
                 </a:extLst>
               </a:tr>
@@ -21880,7 +23760,7 @@
 </p:sld>
 </file>
 
-<file path=ppt/slides/slide4.xml><?xml version="1.0" encoding="utf-8"?>
+<file path=ppt/slides/slide44.xml><?xml version="1.0" encoding="utf-8"?>
 <p:sld xmlns:a="http://schemas.openxmlformats.org/drawingml/2006/main" xmlns:r="http://schemas.openxmlformats.org/officeDocument/2006/relationships" xmlns:p="http://schemas.openxmlformats.org/presentationml/2006/main">
   <p:cSld>
     <p:spTree>
@@ -21902,7 +23782,7 @@
           <p:cNvPr id="2" name="Title 1">
             <a:extLst>
               <a:ext uri="{FF2B5EF4-FFF2-40B4-BE49-F238E27FC236}">
-                <a16:creationId xmlns:a16="http://schemas.microsoft.com/office/drawing/2014/main" id="{321F8E66-F9B8-4062-8E8D-D5ADB11625DA}"/>
+                <a16:creationId xmlns:a16="http://schemas.microsoft.com/office/drawing/2014/main" id="{929346B1-21F7-4D6B-B685-2CCB524F66E9}"/>
               </a:ext>
             </a:extLst>
           </p:cNvPr>
@@ -21920,16 +23800,157 @@
           <a:p>
             <a:r>
               <a:rPr lang="en-NZ" b="1" dirty="0"/>
-              <a:t>Program Structure:</a:t>
-            </a:r>
-            <a:endParaRPr lang="en-NZ" dirty="0"/>
-          </a:p>
-        </p:txBody>
-      </p:sp>
+              <a:t>3 Evidence of testing: (1)</a:t>
+            </a:r>
+            <a:br>
+              <a:rPr lang="en-NZ" b="1" dirty="0"/>
+            </a:br>
+            <a:r>
+              <a:rPr lang="en-NZ" sz="3200" b="1" i="1" dirty="0"/>
+              <a:t>Main game loop</a:t>
+            </a:r>
+          </a:p>
+        </p:txBody>
+      </p:sp>
+      <p:sp>
+        <p:nvSpPr>
+          <p:cNvPr id="3" name="Rectangle 2">
+            <a:extLst>
+              <a:ext uri="{FF2B5EF4-FFF2-40B4-BE49-F238E27FC236}">
+                <a16:creationId xmlns:a16="http://schemas.microsoft.com/office/drawing/2014/main" id="{F1803FB6-918B-4C8E-9C25-3ECDA665EC35}"/>
+              </a:ext>
+            </a:extLst>
+          </p:cNvPr>
+          <p:cNvSpPr/>
+          <p:nvPr/>
+        </p:nvSpPr>
+        <p:spPr>
+          <a:xfrm>
+            <a:off x="838199" y="1690688"/>
+            <a:ext cx="9441581" cy="383823"/>
+          </a:xfrm>
+          <a:prstGeom prst="rect">
+            <a:avLst/>
+          </a:prstGeom>
+        </p:spPr>
+        <p:txBody>
+          <a:bodyPr wrap="square">
+            <a:spAutoFit/>
+          </a:bodyPr>
+          <a:lstStyle/>
+          <a:p>
+            <a:pPr>
+              <a:lnSpc>
+                <a:spcPct val="115000"/>
+              </a:lnSpc>
+              <a:spcAft>
+                <a:spcPts val="0"/>
+              </a:spcAft>
+            </a:pPr>
+            <a:r>
+              <a:rPr lang="en-NZ" i="1" dirty="0">
+                <a:latin typeface="Arial" panose="020B0604020202020204" pitchFamily="34" charset="0"/>
+                <a:ea typeface="Arial" panose="020B0604020202020204" pitchFamily="34" charset="0"/>
+              </a:rPr>
+              <a:t>Everything works as intended</a:t>
+            </a:r>
+          </a:p>
+        </p:txBody>
+      </p:sp>
+      <p:pic>
+        <p:nvPicPr>
+          <p:cNvPr id="5" name="Picture 4">
+            <a:extLst>
+              <a:ext uri="{FF2B5EF4-FFF2-40B4-BE49-F238E27FC236}">
+                <a16:creationId xmlns:a16="http://schemas.microsoft.com/office/drawing/2014/main" id="{CEBBE69D-E988-0155-83A7-82F5DEBC3896}"/>
+              </a:ext>
+            </a:extLst>
+          </p:cNvPr>
+          <p:cNvPicPr>
+            <a:picLocks noChangeAspect="1"/>
+          </p:cNvPicPr>
+          <p:nvPr/>
+        </p:nvPicPr>
+        <p:blipFill>
+          <a:blip r:embed="rId3"/>
+          <a:stretch>
+            <a:fillRect/>
+          </a:stretch>
+        </p:blipFill>
+        <p:spPr>
+          <a:xfrm>
+            <a:off x="5784896" y="2377501"/>
+            <a:ext cx="2581635" cy="4353533"/>
+          </a:xfrm>
+          <a:prstGeom prst="rect">
+            <a:avLst/>
+          </a:prstGeom>
+        </p:spPr>
+      </p:pic>
+      <p:pic>
+        <p:nvPicPr>
+          <p:cNvPr id="7" name="Picture 6">
+            <a:extLst>
+              <a:ext uri="{FF2B5EF4-FFF2-40B4-BE49-F238E27FC236}">
+                <a16:creationId xmlns:a16="http://schemas.microsoft.com/office/drawing/2014/main" id="{1E2DC083-1314-951D-A7D6-EEDE0E8B1647}"/>
+              </a:ext>
+            </a:extLst>
+          </p:cNvPr>
+          <p:cNvPicPr>
+            <a:picLocks noChangeAspect="1"/>
+          </p:cNvPicPr>
+          <p:nvPr/>
+        </p:nvPicPr>
+        <p:blipFill>
+          <a:blip r:embed="rId4"/>
+          <a:stretch>
+            <a:fillRect/>
+          </a:stretch>
+        </p:blipFill>
+        <p:spPr>
+          <a:xfrm>
+            <a:off x="9127094" y="2377501"/>
+            <a:ext cx="2305372" cy="4115374"/>
+          </a:xfrm>
+          <a:prstGeom prst="rect">
+            <a:avLst/>
+          </a:prstGeom>
+        </p:spPr>
+      </p:pic>
+      <p:pic>
+        <p:nvPicPr>
+          <p:cNvPr id="15" name="Picture 14">
+            <a:extLst>
+              <a:ext uri="{FF2B5EF4-FFF2-40B4-BE49-F238E27FC236}">
+                <a16:creationId xmlns:a16="http://schemas.microsoft.com/office/drawing/2014/main" id="{87AA2E01-50E2-73BA-8917-C92FBB32AB29}"/>
+              </a:ext>
+            </a:extLst>
+          </p:cNvPr>
+          <p:cNvPicPr>
+            <a:picLocks noChangeAspect="1"/>
+          </p:cNvPicPr>
+          <p:nvPr/>
+        </p:nvPicPr>
+        <p:blipFill>
+          <a:blip r:embed="rId5"/>
+          <a:stretch>
+            <a:fillRect/>
+          </a:stretch>
+        </p:blipFill>
+        <p:spPr>
+          <a:xfrm>
+            <a:off x="4186465" y="1238187"/>
+            <a:ext cx="7987571" cy="688584"/>
+          </a:xfrm>
+          <a:prstGeom prst="rect">
+            <a:avLst/>
+          </a:prstGeom>
+        </p:spPr>
+      </p:pic>
     </p:spTree>
     <p:extLst>
       <p:ext uri="{BB962C8B-B14F-4D97-AF65-F5344CB8AC3E}">
-        <p14:creationId xmlns:p14="http://schemas.microsoft.com/office/powerpoint/2010/main" val="2474077943"/>
+        <p14:creationId xmlns:p14="http://schemas.microsoft.com/office/powerpoint/2010/main" val="2204666250"/>
       </p:ext>
     </p:extLst>
   </p:cSld>
@@ -21939,7 +23960,7 @@
 </p:sld>
 </file>
 
-<file path=ppt/slides/slide40.xml><?xml version="1.0" encoding="utf-8"?>
+<file path=ppt/slides/slide45.xml><?xml version="1.0" encoding="utf-8"?>
 <p:sld xmlns:a="http://schemas.openxmlformats.org/drawingml/2006/main" xmlns:r="http://schemas.openxmlformats.org/officeDocument/2006/relationships" xmlns:p="http://schemas.openxmlformats.org/presentationml/2006/main">
   <p:cSld>
     <p:spTree>
@@ -21979,7 +24000,7 @@
           <a:p>
             <a:r>
               <a:rPr lang="en-NZ" b="1" dirty="0"/>
-              <a:t>3 Evidence of testing:</a:t>
+              <a:t>3 Evidence of testing: (2)</a:t>
             </a:r>
             <a:br>
               <a:rPr lang="en-NZ" b="1" dirty="0"/>
@@ -22006,7 +24027,7 @@
         <p:spPr>
           <a:xfrm>
             <a:off x="838199" y="1690688"/>
-            <a:ext cx="9441581" cy="1020921"/>
+            <a:ext cx="9441581" cy="702372"/>
           </a:xfrm>
           <a:prstGeom prst="rect">
             <a:avLst/>
@@ -22031,7 +24052,7 @@
                 <a:latin typeface="Arial" panose="020B0604020202020204" pitchFamily="34" charset="0"/>
                 <a:ea typeface="Arial" panose="020B0604020202020204" pitchFamily="34" charset="0"/>
               </a:rPr>
-              <a:t>Use this slide to provide evidence that you have tested your component in accordance with the test plan you developed earlier.</a:t>
+              <a:t>Everything works as intended</a:t>
             </a:r>
           </a:p>
           <a:p>
@@ -22050,10 +24071,130 @@
           </a:p>
         </p:txBody>
       </p:sp>
+      <p:pic>
+        <p:nvPicPr>
+          <p:cNvPr id="9" name="Picture 8">
+            <a:extLst>
+              <a:ext uri="{FF2B5EF4-FFF2-40B4-BE49-F238E27FC236}">
+                <a16:creationId xmlns:a16="http://schemas.microsoft.com/office/drawing/2014/main" id="{4B699E5C-B909-AD9E-7CD7-5228A2868D94}"/>
+              </a:ext>
+            </a:extLst>
+          </p:cNvPr>
+          <p:cNvPicPr>
+            <a:picLocks noChangeAspect="1"/>
+          </p:cNvPicPr>
+          <p:nvPr/>
+        </p:nvPicPr>
+        <p:blipFill>
+          <a:blip r:embed="rId3"/>
+          <a:stretch>
+            <a:fillRect/>
+          </a:stretch>
+        </p:blipFill>
+        <p:spPr>
+          <a:xfrm>
+            <a:off x="6276762" y="2220200"/>
+            <a:ext cx="2276793" cy="4124901"/>
+          </a:xfrm>
+          <a:prstGeom prst="rect">
+            <a:avLst/>
+          </a:prstGeom>
+        </p:spPr>
+      </p:pic>
+      <p:pic>
+        <p:nvPicPr>
+          <p:cNvPr id="11" name="Picture 10">
+            <a:extLst>
+              <a:ext uri="{FF2B5EF4-FFF2-40B4-BE49-F238E27FC236}">
+                <a16:creationId xmlns:a16="http://schemas.microsoft.com/office/drawing/2014/main" id="{E4C414E1-F067-3396-5234-EB4B738F51AF}"/>
+              </a:ext>
+            </a:extLst>
+          </p:cNvPr>
+          <p:cNvPicPr>
+            <a:picLocks noChangeAspect="1"/>
+          </p:cNvPicPr>
+          <p:nvPr/>
+        </p:nvPicPr>
+        <p:blipFill>
+          <a:blip r:embed="rId4"/>
+          <a:stretch>
+            <a:fillRect/>
+          </a:stretch>
+        </p:blipFill>
+        <p:spPr>
+          <a:xfrm>
+            <a:off x="8553555" y="2239252"/>
+            <a:ext cx="2257740" cy="4086795"/>
+          </a:xfrm>
+          <a:prstGeom prst="rect">
+            <a:avLst/>
+          </a:prstGeom>
+        </p:spPr>
+      </p:pic>
+      <p:pic>
+        <p:nvPicPr>
+          <p:cNvPr id="6" name="Picture 5">
+            <a:extLst>
+              <a:ext uri="{FF2B5EF4-FFF2-40B4-BE49-F238E27FC236}">
+                <a16:creationId xmlns:a16="http://schemas.microsoft.com/office/drawing/2014/main" id="{1D29B240-605B-D3F9-9C9E-140FC61B81FD}"/>
+              </a:ext>
+            </a:extLst>
+          </p:cNvPr>
+          <p:cNvPicPr>
+            <a:picLocks noChangeAspect="1"/>
+          </p:cNvPicPr>
+          <p:nvPr/>
+        </p:nvPicPr>
+        <p:blipFill>
+          <a:blip r:embed="rId5"/>
+          <a:stretch>
+            <a:fillRect/>
+          </a:stretch>
+        </p:blipFill>
+        <p:spPr>
+          <a:xfrm>
+            <a:off x="4678298" y="1653384"/>
+            <a:ext cx="6649378" cy="371527"/>
+          </a:xfrm>
+          <a:prstGeom prst="rect">
+            <a:avLst/>
+          </a:prstGeom>
+        </p:spPr>
+      </p:pic>
+      <p:pic>
+        <p:nvPicPr>
+          <p:cNvPr id="8" name="Picture 7">
+            <a:extLst>
+              <a:ext uri="{FF2B5EF4-FFF2-40B4-BE49-F238E27FC236}">
+                <a16:creationId xmlns:a16="http://schemas.microsoft.com/office/drawing/2014/main" id="{1B8BA327-6059-8DAD-5FC6-93277E97AA42}"/>
+              </a:ext>
+            </a:extLst>
+          </p:cNvPr>
+          <p:cNvPicPr>
+            <a:picLocks noChangeAspect="1"/>
+          </p:cNvPicPr>
+          <p:nvPr/>
+        </p:nvPicPr>
+        <p:blipFill>
+          <a:blip r:embed="rId6"/>
+          <a:stretch>
+            <a:fillRect/>
+          </a:stretch>
+        </p:blipFill>
+        <p:spPr>
+          <a:xfrm>
+            <a:off x="389729" y="3638007"/>
+            <a:ext cx="5706271" cy="1409897"/>
+          </a:xfrm>
+          <a:prstGeom prst="rect">
+            <a:avLst/>
+          </a:prstGeom>
+        </p:spPr>
+      </p:pic>
     </p:spTree>
     <p:extLst>
       <p:ext uri="{BB962C8B-B14F-4D97-AF65-F5344CB8AC3E}">
-        <p14:creationId xmlns:p14="http://schemas.microsoft.com/office/powerpoint/2010/main" val="2204666250"/>
+        <p14:creationId xmlns:p14="http://schemas.microsoft.com/office/powerpoint/2010/main" val="11801603"/>
       </p:ext>
     </p:extLst>
   </p:cSld>
@@ -22063,65 +24204,7 @@
 </p:sld>
 </file>
 
-<file path=ppt/slides/slide41.xml><?xml version="1.0" encoding="utf-8"?>
-<p:sld xmlns:a="http://schemas.openxmlformats.org/drawingml/2006/main" xmlns:r="http://schemas.openxmlformats.org/officeDocument/2006/relationships" xmlns:p="http://schemas.openxmlformats.org/presentationml/2006/main">
-  <p:cSld>
-    <p:spTree>
-      <p:nvGrpSpPr>
-        <p:cNvPr id="1" name=""/>
-        <p:cNvGrpSpPr/>
-        <p:nvPr/>
-      </p:nvGrpSpPr>
-      <p:grpSpPr>
-        <a:xfrm>
-          <a:off x="0" y="0"/>
-          <a:ext cx="0" cy="0"/>
-          <a:chOff x="0" y="0"/>
-          <a:chExt cx="0" cy="0"/>
-        </a:xfrm>
-      </p:grpSpPr>
-      <p:sp>
-        <p:nvSpPr>
-          <p:cNvPr id="2" name="Title 1">
-            <a:extLst>
-              <a:ext uri="{FF2B5EF4-FFF2-40B4-BE49-F238E27FC236}">
-                <a16:creationId xmlns:a16="http://schemas.microsoft.com/office/drawing/2014/main" id="{3E1C872B-D796-F1FD-D595-726426F25A2F}"/>
-              </a:ext>
-            </a:extLst>
-          </p:cNvPr>
-          <p:cNvSpPr>
-            <a:spLocks noGrp="1"/>
-          </p:cNvSpPr>
-          <p:nvPr>
-            <p:ph type="title"/>
-          </p:nvPr>
-        </p:nvSpPr>
-        <p:spPr/>
-        <p:txBody>
-          <a:bodyPr/>
-          <a:lstStyle/>
-          <a:p>
-            <a:r>
-              <a:rPr lang="en-NZ" dirty="0"/>
-              <a:t>TRIALLING!!!!!!!!!!!!!!!!!!!!!!!!!!!</a:t>
-            </a:r>
-          </a:p>
-        </p:txBody>
-      </p:sp>
-    </p:spTree>
-    <p:extLst>
-      <p:ext uri="{BB962C8B-B14F-4D97-AF65-F5344CB8AC3E}">
-        <p14:creationId xmlns:p14="http://schemas.microsoft.com/office/powerpoint/2010/main" val="1995666673"/>
-      </p:ext>
-    </p:extLst>
-  </p:cSld>
-  <p:clrMapOvr>
-    <a:masterClrMapping/>
-  </p:clrMapOvr>
-</p:sld>
-</file>
-
-<file path=ppt/slides/slide42.xml><?xml version="1.0" encoding="utf-8"?>
+<file path=ppt/slides/slide46.xml><?xml version="1.0" encoding="utf-8"?>
 <p:sld xmlns:a="http://schemas.openxmlformats.org/drawingml/2006/main" xmlns:r="http://schemas.openxmlformats.org/officeDocument/2006/relationships" xmlns:p="http://schemas.openxmlformats.org/presentationml/2006/main">
   <p:cSld>
     <p:bg>
@@ -22287,7 +24370,7 @@
 </p:sld>
 </file>
 
-<file path=ppt/slides/slide43.xml><?xml version="1.0" encoding="utf-8"?>
+<file path=ppt/slides/slide47.xml><?xml version="1.0" encoding="utf-8"?>
 <p:sld xmlns:a="http://schemas.openxmlformats.org/drawingml/2006/main" xmlns:r="http://schemas.openxmlformats.org/officeDocument/2006/relationships" xmlns:p="http://schemas.openxmlformats.org/presentationml/2006/main">
   <p:cSld>
     <p:spTree>
@@ -22446,7 +24529,7 @@
 </p:sld>
 </file>
 
-<file path=ppt/slides/slide44.xml><?xml version="1.0" encoding="utf-8"?>
+<file path=ppt/slides/slide48.xml><?xml version="1.0" encoding="utf-8"?>
 <p:sld xmlns:a="http://schemas.openxmlformats.org/drawingml/2006/main" xmlns:r="http://schemas.openxmlformats.org/officeDocument/2006/relationships" xmlns:p="http://schemas.openxmlformats.org/presentationml/2006/main">
   <p:cSld>
     <p:spTree>
@@ -22560,7 +24643,7 @@
 </p:sld>
 </file>
 
-<file path=ppt/slides/slide45.xml><?xml version="1.0" encoding="utf-8"?>
+<file path=ppt/slides/slide49.xml><?xml version="1.0" encoding="utf-8"?>
 <p:sld xmlns:a="http://schemas.openxmlformats.org/drawingml/2006/main" xmlns:r="http://schemas.openxmlformats.org/officeDocument/2006/relationships" xmlns:p="http://schemas.openxmlformats.org/presentationml/2006/main">
   <p:cSld>
     <p:spTree>
@@ -22582,7 +24665,7 @@
           <p:cNvPr id="2" name="Title 1">
             <a:extLst>
               <a:ext uri="{FF2B5EF4-FFF2-40B4-BE49-F238E27FC236}">
-                <a16:creationId xmlns:a16="http://schemas.microsoft.com/office/drawing/2014/main" id="{9BF3066F-120D-4CF3-8985-4C98C0AA647F}"/>
+                <a16:creationId xmlns:a16="http://schemas.microsoft.com/office/drawing/2014/main" id="{0D168B5A-EFF4-4803-8DA6-5994B306EBAF}"/>
               </a:ext>
             </a:extLst>
           </p:cNvPr>
@@ -22593,175 +24676,405 @@
             <p:ph type="title"/>
           </p:nvPr>
         </p:nvSpPr>
-        <p:spPr/>
-        <p:txBody>
-          <a:bodyPr/>
-          <a:lstStyle/>
-          <a:p>
-            <a:r>
-              <a:rPr lang="en-NZ" b="1" dirty="0"/>
-              <a:t>Complex processes - Discussion</a:t>
-            </a:r>
-          </a:p>
-        </p:txBody>
-      </p:sp>
-      <p:sp>
-        <p:nvSpPr>
-          <p:cNvPr id="3" name="Rectangle 2">
-            <a:extLst>
-              <a:ext uri="{FF2B5EF4-FFF2-40B4-BE49-F238E27FC236}">
-                <a16:creationId xmlns:a16="http://schemas.microsoft.com/office/drawing/2014/main" id="{587AE7D3-5F44-4638-A690-53362BD9429B}"/>
-              </a:ext>
-            </a:extLst>
-          </p:cNvPr>
-          <p:cNvSpPr/>
-          <p:nvPr/>
-        </p:nvSpPr>
         <p:spPr>
           <a:xfrm>
-            <a:off x="838200" y="1470395"/>
-            <a:ext cx="8122920" cy="4207306"/>
+            <a:off x="838200" y="365125"/>
+            <a:ext cx="10515600" cy="640715"/>
           </a:xfrm>
-          <a:prstGeom prst="rect">
-            <a:avLst/>
-          </a:prstGeom>
         </p:spPr>
         <p:txBody>
-          <a:bodyPr wrap="square">
-            <a:spAutoFit/>
+          <a:bodyPr>
+            <a:normAutofit fontScale="90000"/>
           </a:bodyPr>
           <a:lstStyle/>
           <a:p>
-            <a:pPr marL="0" lvl="0" indent="0" algn="l" rtl="0">
-              <a:spcBef>
-                <a:spcPts val="0"/>
-              </a:spcBef>
+            <a:pPr>
+              <a:lnSpc>
+                <a:spcPct val="115000"/>
+              </a:lnSpc>
               <a:spcAft>
                 <a:spcPts val="0"/>
               </a:spcAft>
-              <a:buClr>
-                <a:schemeClr val="dk1"/>
-              </a:buClr>
-              <a:buSzPts val="1100"/>
-              <a:buFont typeface="Arial"/>
-              <a:buNone/>
             </a:pPr>
             <a:r>
-              <a:rPr lang="en-NZ" sz="1200" dirty="0">
-                <a:solidFill>
-                  <a:schemeClr val="dk2"/>
-                </a:solidFill>
-              </a:rPr>
-              <a:t>Discuss how you used (and combined) information gained from the planning, testing and trialling of your components to improve the quality of your program.  Note that synthesising information from planning, testing and trialling of components and then discussing how this led to a high quality outcome is needed for an E grade.</a:t>
-            </a:r>
-          </a:p>
-          <a:p>
-            <a:pPr marL="285750" indent="-228600">
-              <a:lnSpc>
-                <a:spcPct val="90000"/>
-              </a:lnSpc>
-              <a:spcAft>
-                <a:spcPts val="600"/>
-              </a:spcAft>
-              <a:buFont typeface="Arial" panose="020B0604020202020204" pitchFamily="34" charset="0"/>
-              <a:buChar char="•"/>
-            </a:pPr>
-            <a:r>
-              <a:rPr lang="en-US" sz="1200" dirty="0"/>
-              <a:t>While developing this program, planned, tested, and trailed its components and then later as a whole working Monster card program, as shown in my evidence I tested every component, checking the program worked correctly on the boundary and unexpected inputs, and I trialed Main Menu, search cards and the ability to save/load data by making two solutions for the same problem then choosing the better one.</a:t>
-            </a:r>
-          </a:p>
-          <a:p>
-            <a:pPr marL="285750" indent="-228600">
-              <a:lnSpc>
-                <a:spcPct val="90000"/>
-              </a:lnSpc>
-              <a:spcAft>
-                <a:spcPts val="600"/>
-              </a:spcAft>
-              <a:buFont typeface="Arial" panose="020B0604020202020204" pitchFamily="34" charset="0"/>
-              <a:buChar char="•"/>
-            </a:pPr>
-            <a:r>
-              <a:rPr lang="en-US" sz="1200" dirty="0"/>
-              <a:t>By decomposing the problem, I was able to plan my program efficiently and was able to focus on creating and testing small chunks of code. Each of these chunks was thoroughly tested during and after construction, as you can see from my Trello board and the Trello decomposition slide for each component. I then used this to manage my time and take on small chinks of code one at a time, allowing me to create a comprehensive program in the selected timeframe.</a:t>
-            </a:r>
-          </a:p>
-          <a:p>
-            <a:pPr marL="285750" indent="-228600">
-              <a:lnSpc>
-                <a:spcPct val="90000"/>
-              </a:lnSpc>
-              <a:spcAft>
-                <a:spcPts val="600"/>
-              </a:spcAft>
-              <a:buFont typeface="Arial" panose="020B0604020202020204" pitchFamily="34" charset="0"/>
-              <a:buChar char="•"/>
-            </a:pPr>
-            <a:r>
-              <a:rPr lang="en-US" sz="1200" dirty="0"/>
-              <a:t>By testing, was able to find and fix the flaws in my program before combining them into the full program, as you can see in each component, such as when I added none checkers to take care of accidental entry of nothing and checked if there were cards when deleting cards to avoid unwanted errors that crash the program.</a:t>
-            </a:r>
-          </a:p>
-          <a:p>
-            <a:pPr marL="285750" indent="-228600">
-              <a:lnSpc>
-                <a:spcPct val="90000"/>
-              </a:lnSpc>
-              <a:spcAft>
-                <a:spcPts val="600"/>
-              </a:spcAft>
-              <a:buFont typeface="Arial" panose="020B0604020202020204" pitchFamily="34" charset="0"/>
-              <a:buChar char="•"/>
-            </a:pPr>
-            <a:r>
-              <a:rPr lang="en-US" sz="1200" dirty="0"/>
-              <a:t>Having volunteers test my program enabled me to further improve its functionality and get ideas about how to make it better which raised the reliability and quality of the finished program, such as when I had some of my peers use the Program and give me feedback, which included the search cards being disorienting and the instructions not clear enough, which led me to change the search for cards and to change the instructions.</a:t>
-            </a:r>
-          </a:p>
-          <a:p>
-            <a:pPr marL="285750" indent="-228600">
-              <a:lnSpc>
-                <a:spcPct val="90000"/>
-              </a:lnSpc>
-              <a:spcAft>
-                <a:spcPts val="600"/>
-              </a:spcAft>
-              <a:buFont typeface="Arial" panose="020B0604020202020204" pitchFamily="34" charset="0"/>
-              <a:buChar char="•"/>
-            </a:pPr>
-            <a:r>
-              <a:rPr lang="en-US" sz="1200" dirty="0"/>
-              <a:t>User feedback enabled me to look at the program from a non-programmer's point of view. This, combined with the information I got from the earlier Planning, testing, and trailing, enabled me to produce a high-quality program. This program is resilient to errors and crashing on unexpected inputs.</a:t>
-            </a:r>
-          </a:p>
-          <a:p>
-            <a:pPr marL="0" lvl="0" indent="0" algn="l" rtl="0">
-              <a:spcBef>
-                <a:spcPts val="0"/>
-              </a:spcBef>
-              <a:spcAft>
-                <a:spcPts val="0"/>
-              </a:spcAft>
-              <a:buClr>
-                <a:schemeClr val="dk1"/>
-              </a:buClr>
-              <a:buSzPts val="1100"/>
-              <a:buFont typeface="Arial"/>
-              <a:buNone/>
-            </a:pPr>
-            <a:endParaRPr lang="en-NZ" sz="1200" dirty="0">
-              <a:solidFill>
-                <a:schemeClr val="dk2"/>
-              </a:solidFill>
-            </a:endParaRPr>
-          </a:p>
-        </p:txBody>
-      </p:sp>
+              <a:rPr lang="en-NZ" sz="4000" dirty="0"/>
+              <a:t>Address relevant Implications:</a:t>
+            </a:r>
+          </a:p>
+        </p:txBody>
+      </p:sp>
+      <p:graphicFrame>
+        <p:nvGraphicFramePr>
+          <p:cNvPr id="4" name="Table 4">
+            <a:extLst>
+              <a:ext uri="{FF2B5EF4-FFF2-40B4-BE49-F238E27FC236}">
+                <a16:creationId xmlns:a16="http://schemas.microsoft.com/office/drawing/2014/main" id="{54A393A9-6C94-409B-BDCB-65C4ABAA2DD1}"/>
+              </a:ext>
+            </a:extLst>
+          </p:cNvPr>
+          <p:cNvGraphicFramePr>
+            <a:graphicFrameLocks noGrp="1"/>
+          </p:cNvGraphicFramePr>
+          <p:nvPr>
+            <p:extLst>
+              <p:ext uri="{D42A27DB-BD31-4B8C-83A1-F6EECF244321}">
+                <p14:modId xmlns:p14="http://schemas.microsoft.com/office/powerpoint/2010/main" val="1404195778"/>
+              </p:ext>
+            </p:extLst>
+          </p:nvPr>
+        </p:nvGraphicFramePr>
+        <p:xfrm>
+          <a:off x="782320" y="1213485"/>
+          <a:ext cx="10627360" cy="4302760"/>
+        </p:xfrm>
+        <a:graphic>
+          <a:graphicData uri="http://schemas.openxmlformats.org/drawingml/2006/table">
+            <a:tbl>
+              <a:tblPr firstRow="1" bandRow="1">
+                <a:tableStyleId>{5C22544A-7EE6-4342-B048-85BDC9FD1C3A}</a:tableStyleId>
+              </a:tblPr>
+              <a:tblGrid>
+                <a:gridCol w="3505200">
+                  <a:extLst>
+                    <a:ext uri="{9D8B030D-6E8A-4147-A177-3AD203B41FA5}">
+                      <a16:colId xmlns:a16="http://schemas.microsoft.com/office/drawing/2014/main" val="2849256304"/>
+                    </a:ext>
+                  </a:extLst>
+                </a:gridCol>
+                <a:gridCol w="7122160">
+                  <a:extLst>
+                    <a:ext uri="{9D8B030D-6E8A-4147-A177-3AD203B41FA5}">
+                      <a16:colId xmlns:a16="http://schemas.microsoft.com/office/drawing/2014/main" val="2106481727"/>
+                    </a:ext>
+                  </a:extLst>
+                </a:gridCol>
+              </a:tblGrid>
+              <a:tr h="370840">
+                <a:tc>
+                  <a:txBody>
+                    <a:bodyPr/>
+                    <a:lstStyle/>
+                    <a:p>
+                      <a:r>
+                        <a:rPr lang="en-NZ" dirty="0"/>
+                        <a:t>Relevant implication</a:t>
+                      </a:r>
+                    </a:p>
+                  </a:txBody>
+                  <a:tcPr/>
+                </a:tc>
+                <a:tc>
+                  <a:txBody>
+                    <a:bodyPr/>
+                    <a:lstStyle/>
+                    <a:p>
+                      <a:r>
+                        <a:rPr lang="en-NZ" dirty="0"/>
+                        <a:t>Explain how your final outcome </a:t>
+                      </a:r>
+                      <a:r>
+                        <a:rPr lang="en-NZ" b="1" i="1" dirty="0"/>
+                        <a:t>addresses</a:t>
+                      </a:r>
+                      <a:r>
+                        <a:rPr lang="en-NZ" dirty="0"/>
+                        <a:t> each implication</a:t>
+                      </a:r>
+                    </a:p>
+                  </a:txBody>
+                  <a:tcPr/>
+                </a:tc>
+                <a:extLst>
+                  <a:ext uri="{0D108BD9-81ED-4DB2-BD59-A6C34878D82A}">
+                    <a16:rowId xmlns:a16="http://schemas.microsoft.com/office/drawing/2014/main" val="2286542890"/>
+                  </a:ext>
+                </a:extLst>
+              </a:tr>
+              <a:tr h="370840">
+                <a:tc>
+                  <a:txBody>
+                    <a:bodyPr/>
+                    <a:lstStyle/>
+                    <a:p>
+                      <a:pPr marL="0" marR="0" lvl="0" indent="0" algn="l" defTabSz="914400" rtl="0" eaLnBrk="1" fontAlgn="auto" latinLnBrk="0" hangingPunct="1">
+                        <a:lnSpc>
+                          <a:spcPct val="100000"/>
+                        </a:lnSpc>
+                        <a:spcBef>
+                          <a:spcPts val="0"/>
+                        </a:spcBef>
+                        <a:spcAft>
+                          <a:spcPts val="0"/>
+                        </a:spcAft>
+                        <a:buClrTx/>
+                        <a:buSzTx/>
+                        <a:buFontTx/>
+                        <a:buNone/>
+                        <a:tabLst/>
+                        <a:defRPr/>
+                      </a:pPr>
+                      <a:r>
+                        <a:rPr lang="en-NZ" sz="1800" b="0" i="0" kern="1200" dirty="0">
+                          <a:solidFill>
+                            <a:schemeClr val="dk1"/>
+                          </a:solidFill>
+                          <a:effectLst/>
+                          <a:latin typeface="+mn-lt"/>
+                          <a:ea typeface="+mn-ea"/>
+                          <a:cs typeface="+mn-cs"/>
+                        </a:rPr>
+                        <a:t>Functionality</a:t>
+                      </a:r>
+                      <a:endParaRPr lang="en-NZ" dirty="0"/>
+                    </a:p>
+                    <a:p>
+                      <a:endParaRPr lang="en-NZ" dirty="0"/>
+                    </a:p>
+                  </a:txBody>
+                  <a:tcPr/>
+                </a:tc>
+                <a:tc>
+                  <a:txBody>
+                    <a:bodyPr/>
+                    <a:lstStyle/>
+                    <a:p>
+                      <a:pPr marL="0" marR="0" lvl="0" indent="0" algn="l" defTabSz="914400" rtl="0" eaLnBrk="1" fontAlgn="auto" latinLnBrk="0" hangingPunct="1">
+                        <a:lnSpc>
+                          <a:spcPct val="100000"/>
+                        </a:lnSpc>
+                        <a:spcBef>
+                          <a:spcPts val="0"/>
+                        </a:spcBef>
+                        <a:spcAft>
+                          <a:spcPts val="0"/>
+                        </a:spcAft>
+                        <a:buClrTx/>
+                        <a:buSzTx/>
+                        <a:buFontTx/>
+                        <a:buNone/>
+                        <a:tabLst/>
+                        <a:defRPr/>
+                      </a:pPr>
+                      <a:r>
+                        <a:rPr lang="en-NZ" sz="1800" b="0" i="0" kern="1200" dirty="0">
+                          <a:solidFill>
+                            <a:schemeClr val="dk1"/>
+                          </a:solidFill>
+                          <a:effectLst/>
+                          <a:latin typeface="+mn-lt"/>
+                          <a:ea typeface="+mn-ea"/>
+                          <a:cs typeface="+mn-cs"/>
+                        </a:rPr>
+                        <a:t>I have addressed functionality by comprehensively testing my program throughout the development process including relevant boundary inputs and unexpected inputs</a:t>
+                      </a:r>
+                      <a:endParaRPr lang="en-NZ" dirty="0"/>
+                    </a:p>
+                    <a:p>
+                      <a:endParaRPr lang="en-NZ" dirty="0"/>
+                    </a:p>
+                  </a:txBody>
+                  <a:tcPr/>
+                </a:tc>
+                <a:extLst>
+                  <a:ext uri="{0D108BD9-81ED-4DB2-BD59-A6C34878D82A}">
+                    <a16:rowId xmlns:a16="http://schemas.microsoft.com/office/drawing/2014/main" val="2636529970"/>
+                  </a:ext>
+                </a:extLst>
+              </a:tr>
+              <a:tr h="370840">
+                <a:tc>
+                  <a:txBody>
+                    <a:bodyPr/>
+                    <a:lstStyle/>
+                    <a:p>
+                      <a:pPr marL="0" marR="0" lvl="0" indent="0" algn="l" defTabSz="914400" rtl="0" eaLnBrk="1" fontAlgn="auto" latinLnBrk="0" hangingPunct="1">
+                        <a:lnSpc>
+                          <a:spcPct val="100000"/>
+                        </a:lnSpc>
+                        <a:spcBef>
+                          <a:spcPts val="0"/>
+                        </a:spcBef>
+                        <a:spcAft>
+                          <a:spcPts val="0"/>
+                        </a:spcAft>
+                        <a:buClrTx/>
+                        <a:buSzTx/>
+                        <a:buFontTx/>
+                        <a:buNone/>
+                        <a:tabLst/>
+                        <a:defRPr/>
+                      </a:pPr>
+                      <a:r>
+                        <a:rPr lang="en-NZ" sz="1800" b="0" i="0" kern="1200" dirty="0">
+                          <a:solidFill>
+                            <a:schemeClr val="dk1"/>
+                          </a:solidFill>
+                          <a:effectLst/>
+                          <a:latin typeface="+mn-lt"/>
+                          <a:ea typeface="+mn-ea"/>
+                          <a:cs typeface="+mn-cs"/>
+                        </a:rPr>
+                        <a:t>Usability</a:t>
+                      </a:r>
+                      <a:endParaRPr lang="en-NZ" dirty="0"/>
+                    </a:p>
+                    <a:p>
+                      <a:endParaRPr lang="en-NZ" dirty="0"/>
+                    </a:p>
+                  </a:txBody>
+                  <a:tcPr/>
+                </a:tc>
+                <a:tc>
+                  <a:txBody>
+                    <a:bodyPr/>
+                    <a:lstStyle/>
+                    <a:p>
+                      <a:r>
+                        <a:rPr lang="en-NZ" dirty="0"/>
+                        <a:t>I have addressed usability by making sure my program has clear instructions and is easy to use. I had peers use the program and give me feedback on this, and I have improved my program throughout using their advice</a:t>
+                      </a:r>
+                    </a:p>
+                  </a:txBody>
+                  <a:tcPr/>
+                </a:tc>
+                <a:extLst>
+                  <a:ext uri="{0D108BD9-81ED-4DB2-BD59-A6C34878D82A}">
+                    <a16:rowId xmlns:a16="http://schemas.microsoft.com/office/drawing/2014/main" val="845002142"/>
+                  </a:ext>
+                </a:extLst>
+              </a:tr>
+              <a:tr h="370840">
+                <a:tc>
+                  <a:txBody>
+                    <a:bodyPr/>
+                    <a:lstStyle/>
+                    <a:p>
+                      <a:pPr marL="0" marR="0" lvl="0" indent="0" algn="l" defTabSz="914400" rtl="0" eaLnBrk="1" fontAlgn="auto" latinLnBrk="0" hangingPunct="1">
+                        <a:lnSpc>
+                          <a:spcPct val="100000"/>
+                        </a:lnSpc>
+                        <a:spcBef>
+                          <a:spcPts val="0"/>
+                        </a:spcBef>
+                        <a:spcAft>
+                          <a:spcPts val="0"/>
+                        </a:spcAft>
+                        <a:buClrTx/>
+                        <a:buSzTx/>
+                        <a:buFontTx/>
+                        <a:buNone/>
+                        <a:tabLst/>
+                        <a:defRPr/>
+                      </a:pPr>
+                      <a:r>
+                        <a:rPr lang="en-NZ" sz="1800" b="0" i="0" kern="1200" dirty="0">
+                          <a:solidFill>
+                            <a:schemeClr val="dk1"/>
+                          </a:solidFill>
+                          <a:effectLst/>
+                          <a:latin typeface="+mn-lt"/>
+                          <a:ea typeface="+mn-ea"/>
+                          <a:cs typeface="+mn-cs"/>
+                        </a:rPr>
+                        <a:t>Aesthetics</a:t>
+                      </a:r>
+                      <a:endParaRPr lang="en-NZ" dirty="0"/>
+                    </a:p>
+                    <a:p>
+                      <a:endParaRPr lang="en-NZ" dirty="0"/>
+                    </a:p>
+                  </a:txBody>
+                  <a:tcPr/>
+                </a:tc>
+                <a:tc>
+                  <a:txBody>
+                    <a:bodyPr/>
+                    <a:lstStyle/>
+                    <a:p>
+                      <a:r>
+                        <a:rPr lang="en-NZ" dirty="0"/>
+                        <a:t>I have made sure that the program looks good, including accepting user feedback to guide this.</a:t>
+                      </a:r>
+                    </a:p>
+                  </a:txBody>
+                  <a:tcPr/>
+                </a:tc>
+                <a:extLst>
+                  <a:ext uri="{0D108BD9-81ED-4DB2-BD59-A6C34878D82A}">
+                    <a16:rowId xmlns:a16="http://schemas.microsoft.com/office/drawing/2014/main" val="1686164491"/>
+                  </a:ext>
+                </a:extLst>
+              </a:tr>
+              <a:tr h="370840">
+                <a:tc>
+                  <a:txBody>
+                    <a:bodyPr/>
+                    <a:lstStyle/>
+                    <a:p>
+                      <a:pPr marL="0" marR="0" lvl="0" indent="0" algn="l" defTabSz="914400" rtl="0" eaLnBrk="1" fontAlgn="auto" latinLnBrk="0" hangingPunct="1">
+                        <a:lnSpc>
+                          <a:spcPct val="100000"/>
+                        </a:lnSpc>
+                        <a:spcBef>
+                          <a:spcPts val="0"/>
+                        </a:spcBef>
+                        <a:spcAft>
+                          <a:spcPts val="0"/>
+                        </a:spcAft>
+                        <a:buClrTx/>
+                        <a:buSzTx/>
+                        <a:buFontTx/>
+                        <a:buNone/>
+                        <a:tabLst/>
+                        <a:defRPr/>
+                      </a:pPr>
+                      <a:r>
+                        <a:rPr lang="en-NZ" sz="1800" b="0" i="0" kern="1200" dirty="0">
+                          <a:solidFill>
+                            <a:schemeClr val="dk1"/>
+                          </a:solidFill>
+                          <a:effectLst/>
+                          <a:latin typeface="+mn-lt"/>
+                          <a:ea typeface="+mn-ea"/>
+                          <a:cs typeface="+mn-cs"/>
+                        </a:rPr>
+                        <a:t>Future proofing</a:t>
+                      </a:r>
+                      <a:endParaRPr lang="en-NZ" dirty="0"/>
+                    </a:p>
+                    <a:p>
+                      <a:endParaRPr lang="en-NZ" dirty="0"/>
+                    </a:p>
+                  </a:txBody>
+                  <a:tcPr/>
+                </a:tc>
+                <a:tc>
+                  <a:txBody>
+                    <a:bodyPr/>
+                    <a:lstStyle/>
+                    <a:p>
+                      <a:r>
+                        <a:rPr lang="en-NZ" dirty="0"/>
+                        <a:t>I have added comments throughout my code so that any programmer could easily understand what is happening at any point and I have added doc strings at the top of each version</a:t>
+                      </a:r>
+                    </a:p>
+                  </a:txBody>
+                  <a:tcPr/>
+                </a:tc>
+                <a:extLst>
+                  <a:ext uri="{0D108BD9-81ED-4DB2-BD59-A6C34878D82A}">
+                    <a16:rowId xmlns:a16="http://schemas.microsoft.com/office/drawing/2014/main" val="1038612699"/>
+                  </a:ext>
+                </a:extLst>
+              </a:tr>
+            </a:tbl>
+          </a:graphicData>
+        </a:graphic>
+      </p:graphicFrame>
     </p:spTree>
     <p:extLst>
       <p:ext uri="{BB962C8B-B14F-4D97-AF65-F5344CB8AC3E}">
-        <p14:creationId xmlns:p14="http://schemas.microsoft.com/office/powerpoint/2010/main" val="520546384"/>
+        <p14:creationId xmlns:p14="http://schemas.microsoft.com/office/powerpoint/2010/main" val="1053444694"/>
       </p:ext>
     </p:extLst>
   </p:cSld>
@@ -22881,6 +25194,379 @@
     <p:extLst>
       <p:ext uri="{BB962C8B-B14F-4D97-AF65-F5344CB8AC3E}">
         <p14:creationId xmlns:p14="http://schemas.microsoft.com/office/powerpoint/2010/main" val="21462492"/>
+      </p:ext>
+    </p:extLst>
+  </p:cSld>
+  <p:clrMapOvr>
+    <a:masterClrMapping/>
+  </p:clrMapOvr>
+</p:sld>
+</file>
+
+<file path=ppt/slides/slide50.xml><?xml version="1.0" encoding="utf-8"?>
+<p:sld xmlns:a="http://schemas.openxmlformats.org/drawingml/2006/main" xmlns:r="http://schemas.openxmlformats.org/officeDocument/2006/relationships" xmlns:p="http://schemas.openxmlformats.org/presentationml/2006/main">
+  <p:cSld>
+    <p:spTree>
+      <p:nvGrpSpPr>
+        <p:cNvPr id="1" name=""/>
+        <p:cNvGrpSpPr/>
+        <p:nvPr/>
+      </p:nvGrpSpPr>
+      <p:grpSpPr>
+        <a:xfrm>
+          <a:off x="0" y="0"/>
+          <a:ext cx="0" cy="0"/>
+          <a:chOff x="0" y="0"/>
+          <a:chExt cx="0" cy="0"/>
+        </a:xfrm>
+      </p:grpSpPr>
+      <p:sp>
+        <p:nvSpPr>
+          <p:cNvPr id="2" name="Title 1">
+            <a:extLst>
+              <a:ext uri="{FF2B5EF4-FFF2-40B4-BE49-F238E27FC236}">
+                <a16:creationId xmlns:a16="http://schemas.microsoft.com/office/drawing/2014/main" id="{0CE6D622-253E-CC0B-864D-F740B2C1019B}"/>
+              </a:ext>
+            </a:extLst>
+          </p:cNvPr>
+          <p:cNvSpPr>
+            <a:spLocks noGrp="1"/>
+          </p:cNvSpPr>
+          <p:nvPr>
+            <p:ph type="title"/>
+          </p:nvPr>
+        </p:nvSpPr>
+        <p:spPr/>
+        <p:txBody>
+          <a:bodyPr/>
+          <a:lstStyle/>
+          <a:p>
+            <a:r>
+              <a:rPr lang="en-NZ" dirty="0"/>
+              <a:t>PEP8 Checking</a:t>
+            </a:r>
+          </a:p>
+        </p:txBody>
+      </p:sp>
+      <p:pic>
+        <p:nvPicPr>
+          <p:cNvPr id="4" name="Picture 3">
+            <a:extLst>
+              <a:ext uri="{FF2B5EF4-FFF2-40B4-BE49-F238E27FC236}">
+                <a16:creationId xmlns:a16="http://schemas.microsoft.com/office/drawing/2014/main" id="{A1C8FA3F-753C-8E1B-E449-97CA88865D6C}"/>
+              </a:ext>
+            </a:extLst>
+          </p:cNvPr>
+          <p:cNvPicPr>
+            <a:picLocks noChangeAspect="1"/>
+          </p:cNvPicPr>
+          <p:nvPr/>
+        </p:nvPicPr>
+        <p:blipFill>
+          <a:blip r:embed="rId2"/>
+          <a:stretch>
+            <a:fillRect/>
+          </a:stretch>
+        </p:blipFill>
+        <p:spPr>
+          <a:xfrm>
+            <a:off x="470597" y="3429000"/>
+            <a:ext cx="11250805" cy="2339877"/>
+          </a:xfrm>
+          <a:prstGeom prst="rect">
+            <a:avLst/>
+          </a:prstGeom>
+        </p:spPr>
+      </p:pic>
+      <p:sp>
+        <p:nvSpPr>
+          <p:cNvPr id="5" name="TextBox 4">
+            <a:extLst>
+              <a:ext uri="{FF2B5EF4-FFF2-40B4-BE49-F238E27FC236}">
+                <a16:creationId xmlns:a16="http://schemas.microsoft.com/office/drawing/2014/main" id="{17A1B173-9723-2BC3-674D-3B8B05F2F55B}"/>
+              </a:ext>
+            </a:extLst>
+          </p:cNvPr>
+          <p:cNvSpPr txBox="1"/>
+          <p:nvPr/>
+        </p:nvSpPr>
+        <p:spPr>
+          <a:xfrm>
+            <a:off x="1028700" y="2041071"/>
+            <a:ext cx="4947557" cy="923330"/>
+          </a:xfrm>
+          <a:prstGeom prst="rect">
+            <a:avLst/>
+          </a:prstGeom>
+          <a:noFill/>
+        </p:spPr>
+        <p:txBody>
+          <a:bodyPr wrap="square" rtlCol="0">
+            <a:spAutoFit/>
+          </a:bodyPr>
+          <a:lstStyle/>
+          <a:p>
+            <a:r>
+              <a:rPr lang="en-NZ" dirty="0"/>
+              <a:t>The only PEP8 errors in my code are “typos” from my variable names that are shortened for aesthetics</a:t>
+            </a:r>
+          </a:p>
+        </p:txBody>
+      </p:sp>
+    </p:spTree>
+    <p:extLst>
+      <p:ext uri="{BB962C8B-B14F-4D97-AF65-F5344CB8AC3E}">
+        <p14:creationId xmlns:p14="http://schemas.microsoft.com/office/powerpoint/2010/main" val="2061049873"/>
+      </p:ext>
+    </p:extLst>
+  </p:cSld>
+  <p:clrMapOvr>
+    <a:masterClrMapping/>
+  </p:clrMapOvr>
+</p:sld>
+</file>
+
+<file path=ppt/slides/slide51.xml><?xml version="1.0" encoding="utf-8"?>
+<p:sld xmlns:a="http://schemas.openxmlformats.org/drawingml/2006/main" xmlns:r="http://schemas.openxmlformats.org/officeDocument/2006/relationships" xmlns:p="http://schemas.openxmlformats.org/presentationml/2006/main">
+  <p:cSld>
+    <p:spTree>
+      <p:nvGrpSpPr>
+        <p:cNvPr id="1" name=""/>
+        <p:cNvGrpSpPr/>
+        <p:nvPr/>
+      </p:nvGrpSpPr>
+      <p:grpSpPr>
+        <a:xfrm>
+          <a:off x="0" y="0"/>
+          <a:ext cx="0" cy="0"/>
+          <a:chOff x="0" y="0"/>
+          <a:chExt cx="0" cy="0"/>
+        </a:xfrm>
+      </p:grpSpPr>
+      <p:sp>
+        <p:nvSpPr>
+          <p:cNvPr id="2" name="Title 1">
+            <a:extLst>
+              <a:ext uri="{FF2B5EF4-FFF2-40B4-BE49-F238E27FC236}">
+                <a16:creationId xmlns:a16="http://schemas.microsoft.com/office/drawing/2014/main" id="{6A458858-04F5-9AE7-250D-2322881A3D6D}"/>
+              </a:ext>
+            </a:extLst>
+          </p:cNvPr>
+          <p:cNvSpPr>
+            <a:spLocks noGrp="1"/>
+          </p:cNvSpPr>
+          <p:nvPr>
+            <p:ph type="title"/>
+          </p:nvPr>
+        </p:nvSpPr>
+        <p:spPr/>
+        <p:txBody>
+          <a:bodyPr/>
+          <a:lstStyle/>
+          <a:p>
+            <a:r>
+              <a:rPr lang="en-NZ" dirty="0"/>
+              <a:t>Version </a:t>
+            </a:r>
+            <a:r>
+              <a:rPr lang="en-NZ"/>
+              <a:t>control evidence</a:t>
+            </a:r>
+            <a:endParaRPr lang="en-NZ" dirty="0"/>
+          </a:p>
+        </p:txBody>
+      </p:sp>
+    </p:spTree>
+    <p:extLst>
+      <p:ext uri="{BB962C8B-B14F-4D97-AF65-F5344CB8AC3E}">
+        <p14:creationId xmlns:p14="http://schemas.microsoft.com/office/powerpoint/2010/main" val="676592049"/>
+      </p:ext>
+    </p:extLst>
+  </p:cSld>
+  <p:clrMapOvr>
+    <a:masterClrMapping/>
+  </p:clrMapOvr>
+</p:sld>
+</file>
+
+<file path=ppt/slides/slide52.xml><?xml version="1.0" encoding="utf-8"?>
+<p:sld xmlns:a="http://schemas.openxmlformats.org/drawingml/2006/main" xmlns:r="http://schemas.openxmlformats.org/officeDocument/2006/relationships" xmlns:p="http://schemas.openxmlformats.org/presentationml/2006/main">
+  <p:cSld>
+    <p:spTree>
+      <p:nvGrpSpPr>
+        <p:cNvPr id="1" name=""/>
+        <p:cNvGrpSpPr/>
+        <p:nvPr/>
+      </p:nvGrpSpPr>
+      <p:grpSpPr>
+        <a:xfrm>
+          <a:off x="0" y="0"/>
+          <a:ext cx="0" cy="0"/>
+          <a:chOff x="0" y="0"/>
+          <a:chExt cx="0" cy="0"/>
+        </a:xfrm>
+      </p:grpSpPr>
+      <p:sp>
+        <p:nvSpPr>
+          <p:cNvPr id="2" name="Title 1">
+            <a:extLst>
+              <a:ext uri="{FF2B5EF4-FFF2-40B4-BE49-F238E27FC236}">
+                <a16:creationId xmlns:a16="http://schemas.microsoft.com/office/drawing/2014/main" id="{9BF3066F-120D-4CF3-8985-4C98C0AA647F}"/>
+              </a:ext>
+            </a:extLst>
+          </p:cNvPr>
+          <p:cNvSpPr>
+            <a:spLocks noGrp="1"/>
+          </p:cNvSpPr>
+          <p:nvPr>
+            <p:ph type="title"/>
+          </p:nvPr>
+        </p:nvSpPr>
+        <p:spPr/>
+        <p:txBody>
+          <a:bodyPr/>
+          <a:lstStyle/>
+          <a:p>
+            <a:r>
+              <a:rPr lang="en-NZ" b="1" dirty="0"/>
+              <a:t>Complex processes - Discussion</a:t>
+            </a:r>
+          </a:p>
+        </p:txBody>
+      </p:sp>
+      <p:sp>
+        <p:nvSpPr>
+          <p:cNvPr id="3" name="Rectangle 2">
+            <a:extLst>
+              <a:ext uri="{FF2B5EF4-FFF2-40B4-BE49-F238E27FC236}">
+                <a16:creationId xmlns:a16="http://schemas.microsoft.com/office/drawing/2014/main" id="{587AE7D3-5F44-4638-A690-53362BD9429B}"/>
+              </a:ext>
+            </a:extLst>
+          </p:cNvPr>
+          <p:cNvSpPr/>
+          <p:nvPr/>
+        </p:nvSpPr>
+        <p:spPr>
+          <a:xfrm>
+            <a:off x="838200" y="1470395"/>
+            <a:ext cx="10934700" cy="4650504"/>
+          </a:xfrm>
+          <a:prstGeom prst="rect">
+            <a:avLst/>
+          </a:prstGeom>
+        </p:spPr>
+        <p:txBody>
+          <a:bodyPr wrap="square">
+            <a:spAutoFit/>
+          </a:bodyPr>
+          <a:lstStyle/>
+          <a:p>
+            <a:pPr marL="285750" indent="-228600">
+              <a:lnSpc>
+                <a:spcPct val="90000"/>
+              </a:lnSpc>
+              <a:spcAft>
+                <a:spcPts val="600"/>
+              </a:spcAft>
+              <a:buFont typeface="Arial" panose="020B0604020202020204" pitchFamily="34" charset="0"/>
+              <a:buChar char="•"/>
+            </a:pPr>
+            <a:r>
+              <a:rPr lang="en-US" sz="1600" dirty="0"/>
+              <a:t>While developing this program, planned, tested, and trailed its components and then later as a whole working car racing game, as shown in my evidence I tested every component, checking the program worked correctly on the boundary and unexpected inputs (where applicable), and I trialed Load images, spawn cars, start menu and game over menu by making two solutions for the same problem then choosing the better one.</a:t>
+            </a:r>
+          </a:p>
+          <a:p>
+            <a:pPr marL="285750" indent="-228600">
+              <a:lnSpc>
+                <a:spcPct val="90000"/>
+              </a:lnSpc>
+              <a:spcAft>
+                <a:spcPts val="600"/>
+              </a:spcAft>
+              <a:buFont typeface="Arial" panose="020B0604020202020204" pitchFamily="34" charset="0"/>
+              <a:buChar char="•"/>
+            </a:pPr>
+            <a:r>
+              <a:rPr lang="en-US" sz="1600" dirty="0"/>
+              <a:t>By decomposing the problem, I was able to plan my program efficiently and was able to focus on creating and testing small chunks of code. Each of these chunks was thoroughly tested during and after construction, as you can see from my Trello board and the Trello decomposition slide for each component. I then used this to manage my time and take on small chinks of code one at a time, allowing me to create a comprehensive program in the selected timeframe.</a:t>
+            </a:r>
+          </a:p>
+          <a:p>
+            <a:pPr marL="285750" indent="-228600">
+              <a:lnSpc>
+                <a:spcPct val="90000"/>
+              </a:lnSpc>
+              <a:spcAft>
+                <a:spcPts val="600"/>
+              </a:spcAft>
+              <a:buFont typeface="Arial" panose="020B0604020202020204" pitchFamily="34" charset="0"/>
+              <a:buChar char="•"/>
+            </a:pPr>
+            <a:r>
+              <a:rPr lang="en-US" sz="1600" dirty="0"/>
+              <a:t>By testing, was able to find and fix the flaws in my program before combining them into the full program, as you can see in each component, such as when I added none checkers to take care of accidental entry of nothing and checked if there were cards when deleting cards to avoid unwanted errors that crash the program.</a:t>
+            </a:r>
+          </a:p>
+          <a:p>
+            <a:pPr marL="285750" indent="-228600">
+              <a:lnSpc>
+                <a:spcPct val="90000"/>
+              </a:lnSpc>
+              <a:spcAft>
+                <a:spcPts val="600"/>
+              </a:spcAft>
+              <a:buFont typeface="Arial" panose="020B0604020202020204" pitchFamily="34" charset="0"/>
+              <a:buChar char="•"/>
+            </a:pPr>
+            <a:r>
+              <a:rPr lang="en-US" sz="1600" dirty="0"/>
+              <a:t>Having volunteers test my program enabled me to further improve its functionality and get ideas about how to make it better which raised the reliability and quality of the finished program, such as when I had some of my peers use the Program and give me feedback, which included the game over menu being disorienting and the gameplay not being engaging enough, which led me to change the spawn cars function and the game over and start menu’s.</a:t>
+            </a:r>
+          </a:p>
+          <a:p>
+            <a:pPr marL="285750" indent="-228600">
+              <a:lnSpc>
+                <a:spcPct val="90000"/>
+              </a:lnSpc>
+              <a:spcAft>
+                <a:spcPts val="600"/>
+              </a:spcAft>
+              <a:buFont typeface="Arial" panose="020B0604020202020204" pitchFamily="34" charset="0"/>
+              <a:buChar char="•"/>
+            </a:pPr>
+            <a:r>
+              <a:rPr lang="en-US" sz="1600" dirty="0"/>
+              <a:t>User feedback enabled me to look at the program from a non-programmer's point of view. This, combined with the information I got from the earlier Planning, testing, and trailing, enabled me to produce a high-quality program. This program is resilient to errors and crashing on unexpected inputs.</a:t>
+            </a:r>
+          </a:p>
+          <a:p>
+            <a:pPr marL="0" lvl="0" indent="0" algn="l" rtl="0">
+              <a:spcBef>
+                <a:spcPts val="0"/>
+              </a:spcBef>
+              <a:spcAft>
+                <a:spcPts val="0"/>
+              </a:spcAft>
+              <a:buClr>
+                <a:schemeClr val="dk1"/>
+              </a:buClr>
+              <a:buSzPts val="1100"/>
+              <a:buFont typeface="Arial"/>
+              <a:buNone/>
+            </a:pPr>
+            <a:endParaRPr lang="en-NZ" sz="1200" dirty="0">
+              <a:solidFill>
+                <a:schemeClr val="dk2"/>
+              </a:solidFill>
+            </a:endParaRPr>
+          </a:p>
+        </p:txBody>
+      </p:sp>
+    </p:spTree>
+    <p:extLst>
+      <p:ext uri="{BB962C8B-B14F-4D97-AF65-F5344CB8AC3E}">
+        <p14:creationId xmlns:p14="http://schemas.microsoft.com/office/powerpoint/2010/main" val="520546384"/>
       </p:ext>
     </p:extLst>
   </p:cSld>
@@ -24263,23 +26949,6 @@
 </file>
 
 <file path=customXml/item1.xml><?xml version="1.0" encoding="utf-8"?>
-<?mso-contentType ?>
-<FormTemplates xmlns="http://schemas.microsoft.com/sharepoint/v3/contenttype/forms">
-  <Display>DocumentLibraryForm</Display>
-  <Edit>DocumentLibraryForm</Edit>
-  <New>DocumentLibraryForm</New>
-</FormTemplates>
-</file>
-
-<file path=customXml/item2.xml><?xml version="1.0" encoding="utf-8"?>
-<p:properties xmlns:p="http://schemas.microsoft.com/office/2006/metadata/properties" xmlns:xsi="http://www.w3.org/2001/XMLSchema-instance" xmlns:pc="http://schemas.microsoft.com/office/infopath/2007/PartnerControls">
-  <documentManagement>
-    <ReferenceId xmlns="6cc55d03-637f-467e-b73c-ee046d6b6584" xsi:nil="true"/>
-  </documentManagement>
-</p:properties>
-</file>
-
-<file path=customXml/item3.xml><?xml version="1.0" encoding="utf-8"?>
 <ct:contentTypeSchema xmlns:ct="http://schemas.microsoft.com/office/2006/metadata/contentType" xmlns:ma="http://schemas.microsoft.com/office/2006/metadata/properties/metaAttributes" ct:_="" ma:_="" ma:contentTypeName="Document" ma:contentTypeID="0x010100BE405191E94172408D8419D6A7C02322" ma:contentTypeVersion="5" ma:contentTypeDescription="Create a new document." ma:contentTypeScope="" ma:versionID="301d5a7203089a98e1ea8827003bc5fe">
   <xsd:schema xmlns:xsd="http://www.w3.org/2001/XMLSchema" xmlns:xs="http://www.w3.org/2001/XMLSchema" xmlns:p="http://schemas.microsoft.com/office/2006/metadata/properties" xmlns:ns2="6cc55d03-637f-467e-b73c-ee046d6b6584" targetNamespace="http://schemas.microsoft.com/office/2006/metadata/properties" ma:root="true" ma:fieldsID="a16c299d5b54ed963c71d244d62f0760" ns2:_="">
     <xsd:import namespace="6cc55d03-637f-467e-b73c-ee046d6b6584"/>
@@ -24429,25 +27098,24 @@
 </ct:contentTypeSchema>
 </file>
 
-<file path=customXml/itemProps1.xml><?xml version="1.0" encoding="utf-8"?>
-<ds:datastoreItem xmlns:ds="http://schemas.openxmlformats.org/officeDocument/2006/customXml" ds:itemID="{25660B88-93BD-441B-8193-7A1E5DE6F2E8}">
-  <ds:schemaRefs>
-    <ds:schemaRef ds:uri="http://schemas.microsoft.com/sharepoint/v3/contenttype/forms"/>
-  </ds:schemaRefs>
-</ds:datastoreItem>
+<file path=customXml/item2.xml><?xml version="1.0" encoding="utf-8"?>
+<?mso-contentType ?>
+<FormTemplates xmlns="http://schemas.microsoft.com/sharepoint/v3/contenttype/forms">
+  <Display>DocumentLibraryForm</Display>
+  <Edit>DocumentLibraryForm</Edit>
+  <New>DocumentLibraryForm</New>
+</FormTemplates>
 </file>
 
-<file path=customXml/itemProps2.xml><?xml version="1.0" encoding="utf-8"?>
-<ds:datastoreItem xmlns:ds="http://schemas.openxmlformats.org/officeDocument/2006/customXml" ds:itemID="{C2CFD91D-28AA-4DA5-8C21-8E10E67B9C3E}">
-  <ds:schemaRefs>
-    <ds:schemaRef ds:uri="http://schemas.microsoft.com/office/2006/metadata/properties"/>
-    <ds:schemaRef ds:uri="http://schemas.microsoft.com/office/infopath/2007/PartnerControls"/>
-    <ds:schemaRef ds:uri="6cc55d03-637f-467e-b73c-ee046d6b6584"/>
-  </ds:schemaRefs>
-</ds:datastoreItem>
+<file path=customXml/item3.xml><?xml version="1.0" encoding="utf-8"?>
+<p:properties xmlns:p="http://schemas.microsoft.com/office/2006/metadata/properties" xmlns:xsi="http://www.w3.org/2001/XMLSchema-instance" xmlns:pc="http://schemas.microsoft.com/office/infopath/2007/PartnerControls">
+  <documentManagement>
+    <ReferenceId xmlns="6cc55d03-637f-467e-b73c-ee046d6b6584" xsi:nil="true"/>
+  </documentManagement>
+</p:properties>
 </file>
 
-<file path=customXml/itemProps3.xml><?xml version="1.0" encoding="utf-8"?>
+<file path=customXml/itemProps1.xml><?xml version="1.0" encoding="utf-8"?>
 <ds:datastoreItem xmlns:ds="http://schemas.openxmlformats.org/officeDocument/2006/customXml" ds:itemID="{89AB924A-E934-4357-820F-9EDCAA31881C}">
   <ds:schemaRefs>
     <ds:schemaRef ds:uri="http://schemas.microsoft.com/office/2006/metadata/contentType"/>
@@ -24463,4 +27131,22 @@
     <ds:schemaRef ds:uri="http://schemas.microsoft.com/internal/obd"/>
   </ds:schemaRefs>
 </ds:datastoreItem>
+</file>
+
+<file path=customXml/itemProps2.xml><?xml version="1.0" encoding="utf-8"?>
+<ds:datastoreItem xmlns:ds="http://schemas.openxmlformats.org/officeDocument/2006/customXml" ds:itemID="{25660B88-93BD-441B-8193-7A1E5DE6F2E8}">
+  <ds:schemaRefs>
+    <ds:schemaRef ds:uri="http://schemas.microsoft.com/sharepoint/v3/contenttype/forms"/>
+  </ds:schemaRefs>
+</ds:datastoreItem>
+</file>
+
+<file path=customXml/itemProps3.xml><?xml version="1.0" encoding="utf-8"?>
+<ds:datastoreItem xmlns:ds="http://schemas.openxmlformats.org/officeDocument/2006/customXml" ds:itemID="{C2CFD91D-28AA-4DA5-8C21-8E10E67B9C3E}">
+  <ds:schemaRefs>
+    <ds:schemaRef ds:uri="http://schemas.microsoft.com/office/2006/metadata/properties"/>
+    <ds:schemaRef ds:uri="http://schemas.microsoft.com/office/infopath/2007/PartnerControls"/>
+    <ds:schemaRef ds:uri="6cc55d03-637f-467e-b73c-ee046d6b6584"/>
+  </ds:schemaRefs>
+</ds:datastoreItem>
 </file>